--- a/Python Data Science For Fun And Profit.pptx
+++ b/Python Data Science For Fun And Profit.pptx
@@ -18,15 +18,17 @@
     <p:sldId id="266" r:id="rId12"/>
     <p:sldId id="267" r:id="rId13"/>
     <p:sldId id="268" r:id="rId14"/>
-    <p:sldId id="269" r:id="rId15"/>
-    <p:sldId id="270" r:id="rId16"/>
-    <p:sldId id="271" r:id="rId17"/>
-    <p:sldId id="272" r:id="rId18"/>
-    <p:sldId id="273" r:id="rId19"/>
-    <p:sldId id="274" r:id="rId20"/>
-    <p:sldId id="275" r:id="rId21"/>
-    <p:sldId id="276" r:id="rId22"/>
-    <p:sldId id="277" r:id="rId23"/>
+    <p:sldId id="278" r:id="rId15"/>
+    <p:sldId id="279" r:id="rId16"/>
+    <p:sldId id="269" r:id="rId17"/>
+    <p:sldId id="270" r:id="rId18"/>
+    <p:sldId id="271" r:id="rId19"/>
+    <p:sldId id="272" r:id="rId20"/>
+    <p:sldId id="273" r:id="rId21"/>
+    <p:sldId id="274" r:id="rId22"/>
+    <p:sldId id="275" r:id="rId23"/>
+    <p:sldId id="276" r:id="rId24"/>
+    <p:sldId id="277" r:id="rId25"/>
   </p:sldIdLst>
   <p:sldSz cx="12192000" cy="6858000"/>
   <p:notesSz cx="6858000" cy="9144000"/>
@@ -131,6 +133,996 @@
     </p:ext>
   </p:extLst>
 </p:presentation>
+</file>
+
+<file path=ppt/charts/chart1.xml><?xml version="1.0" encoding="utf-8"?>
+<c:chartSpace xmlns:c="http://schemas.openxmlformats.org/drawingml/2006/chart" xmlns:a="http://schemas.openxmlformats.org/drawingml/2006/main" xmlns:r="http://schemas.openxmlformats.org/officeDocument/2006/relationships" xmlns:c16r2="http://schemas.microsoft.com/office/drawing/2015/06/chart">
+  <c:date1904 val="0"/>
+  <c:lang val="en-US"/>
+  <c:roundedCorners val="0"/>
+  <mc:AlternateContent xmlns:mc="http://schemas.openxmlformats.org/markup-compatibility/2006">
+    <mc:Choice xmlns:c14="http://schemas.microsoft.com/office/drawing/2007/8/2/chart" Requires="c14">
+      <c14:style val="102"/>
+    </mc:Choice>
+    <mc:Fallback>
+      <c:style val="2"/>
+    </mc:Fallback>
+  </mc:AlternateContent>
+  <c:chart>
+    <c:autoTitleDeleted val="1"/>
+    <c:plotArea>
+      <c:layout>
+        <c:manualLayout>
+          <c:layoutTarget val="inner"/>
+          <c:xMode val="edge"/>
+          <c:yMode val="edge"/>
+          <c:x val="0.1170883932496619"/>
+          <c:y val="9.4671423465269591E-2"/>
+          <c:w val="0.84693322262533011"/>
+          <c:h val="0.77902114213508888"/>
+        </c:manualLayout>
+      </c:layout>
+      <c:barChart>
+        <c:barDir val="col"/>
+        <c:grouping val="clustered"/>
+        <c:varyColors val="0"/>
+        <c:ser>
+          <c:idx val="0"/>
+          <c:order val="0"/>
+          <c:tx>
+            <c:strRef>
+              <c:f>Sheet1!$B$1</c:f>
+              <c:strCache>
+                <c:ptCount val="1"/>
+                <c:pt idx="0">
+                  <c:v>2017</c:v>
+                </c:pt>
+              </c:strCache>
+            </c:strRef>
+          </c:tx>
+          <c:spPr>
+            <a:solidFill>
+              <a:schemeClr val="accent1"/>
+            </a:solidFill>
+            <a:ln>
+              <a:noFill/>
+            </a:ln>
+            <a:effectLst/>
+          </c:spPr>
+          <c:invertIfNegative val="0"/>
+          <c:cat>
+            <c:strRef>
+              <c:f>Sheet1!$A$2:$A$5</c:f>
+              <c:strCache>
+                <c:ptCount val="4"/>
+                <c:pt idx="0">
+                  <c:v>Q1</c:v>
+                </c:pt>
+                <c:pt idx="1">
+                  <c:v>Q2</c:v>
+                </c:pt>
+                <c:pt idx="2">
+                  <c:v>Q3</c:v>
+                </c:pt>
+                <c:pt idx="3">
+                  <c:v>Q4</c:v>
+                </c:pt>
+              </c:strCache>
+            </c:strRef>
+          </c:cat>
+          <c:val>
+            <c:numRef>
+              <c:f>Sheet1!$B$2:$B$5</c:f>
+              <c:numCache>
+                <c:formatCode>General</c:formatCode>
+                <c:ptCount val="4"/>
+                <c:pt idx="0">
+                  <c:v>425</c:v>
+                </c:pt>
+                <c:pt idx="1">
+                  <c:v>366</c:v>
+                </c:pt>
+                <c:pt idx="2">
+                  <c:v>498</c:v>
+                </c:pt>
+                <c:pt idx="3">
+                  <c:v>403</c:v>
+                </c:pt>
+              </c:numCache>
+            </c:numRef>
+          </c:val>
+          <c:extLst>
+            <c:ext xmlns:c16="http://schemas.microsoft.com/office/drawing/2014/chart" uri="{C3380CC4-5D6E-409C-BE32-E72D297353CC}">
+              <c16:uniqueId val="{00000000-0DBC-4DAC-A0D1-E74C2CB097A3}"/>
+            </c:ext>
+          </c:extLst>
+        </c:ser>
+        <c:ser>
+          <c:idx val="1"/>
+          <c:order val="1"/>
+          <c:tx>
+            <c:strRef>
+              <c:f>Sheet1!$C$1</c:f>
+              <c:strCache>
+                <c:ptCount val="1"/>
+                <c:pt idx="0">
+                  <c:v>2018</c:v>
+                </c:pt>
+              </c:strCache>
+            </c:strRef>
+          </c:tx>
+          <c:spPr>
+            <a:solidFill>
+              <a:schemeClr val="accent2"/>
+            </a:solidFill>
+            <a:ln>
+              <a:noFill/>
+            </a:ln>
+            <a:effectLst/>
+          </c:spPr>
+          <c:invertIfNegative val="0"/>
+          <c:cat>
+            <c:strRef>
+              <c:f>Sheet1!$A$2:$A$5</c:f>
+              <c:strCache>
+                <c:ptCount val="4"/>
+                <c:pt idx="0">
+                  <c:v>Q1</c:v>
+                </c:pt>
+                <c:pt idx="1">
+                  <c:v>Q2</c:v>
+                </c:pt>
+                <c:pt idx="2">
+                  <c:v>Q3</c:v>
+                </c:pt>
+                <c:pt idx="3">
+                  <c:v>Q4</c:v>
+                </c:pt>
+              </c:strCache>
+            </c:strRef>
+          </c:cat>
+          <c:val>
+            <c:numRef>
+              <c:f>Sheet1!$C$2:$C$5</c:f>
+              <c:numCache>
+                <c:formatCode>General</c:formatCode>
+                <c:ptCount val="4"/>
+                <c:pt idx="0">
+                  <c:v>486</c:v>
+                </c:pt>
+                <c:pt idx="1">
+                  <c:v>385</c:v>
+                </c:pt>
+                <c:pt idx="2">
+                  <c:v>546</c:v>
+                </c:pt>
+                <c:pt idx="3">
+                  <c:v>432</c:v>
+                </c:pt>
+              </c:numCache>
+            </c:numRef>
+          </c:val>
+          <c:extLst>
+            <c:ext xmlns:c16="http://schemas.microsoft.com/office/drawing/2014/chart" uri="{C3380CC4-5D6E-409C-BE32-E72D297353CC}">
+              <c16:uniqueId val="{00000001-0DBC-4DAC-A0D1-E74C2CB097A3}"/>
+            </c:ext>
+          </c:extLst>
+        </c:ser>
+        <c:ser>
+          <c:idx val="2"/>
+          <c:order val="2"/>
+          <c:tx>
+            <c:strRef>
+              <c:f>Sheet1!$D$1</c:f>
+              <c:strCache>
+                <c:ptCount val="1"/>
+                <c:pt idx="0">
+                  <c:v>2019</c:v>
+                </c:pt>
+              </c:strCache>
+            </c:strRef>
+          </c:tx>
+          <c:spPr>
+            <a:solidFill>
+              <a:schemeClr val="accent3"/>
+            </a:solidFill>
+            <a:ln>
+              <a:noFill/>
+            </a:ln>
+            <a:effectLst/>
+          </c:spPr>
+          <c:invertIfNegative val="0"/>
+          <c:cat>
+            <c:strRef>
+              <c:f>Sheet1!$A$2:$A$5</c:f>
+              <c:strCache>
+                <c:ptCount val="4"/>
+                <c:pt idx="0">
+                  <c:v>Q1</c:v>
+                </c:pt>
+                <c:pt idx="1">
+                  <c:v>Q2</c:v>
+                </c:pt>
+                <c:pt idx="2">
+                  <c:v>Q3</c:v>
+                </c:pt>
+                <c:pt idx="3">
+                  <c:v>Q4</c:v>
+                </c:pt>
+              </c:strCache>
+            </c:strRef>
+          </c:cat>
+          <c:val>
+            <c:numRef>
+              <c:f>Sheet1!$D$2:$D$5</c:f>
+              <c:numCache>
+                <c:formatCode>General</c:formatCode>
+                <c:ptCount val="4"/>
+                <c:pt idx="0">
+                  <c:v>474</c:v>
+                </c:pt>
+                <c:pt idx="1">
+                  <c:v>390</c:v>
+                </c:pt>
+                <c:pt idx="2">
+                  <c:v>538</c:v>
+                </c:pt>
+                <c:pt idx="3">
+                  <c:v>412</c:v>
+                </c:pt>
+              </c:numCache>
+            </c:numRef>
+          </c:val>
+          <c:extLst>
+            <c:ext xmlns:c16="http://schemas.microsoft.com/office/drawing/2014/chart" uri="{C3380CC4-5D6E-409C-BE32-E72D297353CC}">
+              <c16:uniqueId val="{00000002-0DBC-4DAC-A0D1-E74C2CB097A3}"/>
+            </c:ext>
+          </c:extLst>
+        </c:ser>
+        <c:dLbls>
+          <c:showLegendKey val="0"/>
+          <c:showVal val="0"/>
+          <c:showCatName val="0"/>
+          <c:showSerName val="0"/>
+          <c:showPercent val="0"/>
+          <c:showBubbleSize val="0"/>
+        </c:dLbls>
+        <c:gapWidth val="219"/>
+        <c:overlap val="-27"/>
+        <c:axId val="324186271"/>
+        <c:axId val="324033279"/>
+      </c:barChart>
+      <c:catAx>
+        <c:axId val="324186271"/>
+        <c:scaling>
+          <c:orientation val="minMax"/>
+        </c:scaling>
+        <c:delete val="0"/>
+        <c:axPos val="b"/>
+        <c:numFmt formatCode="General" sourceLinked="1"/>
+        <c:majorTickMark val="none"/>
+        <c:minorTickMark val="none"/>
+        <c:tickLblPos val="nextTo"/>
+        <c:spPr>
+          <a:noFill/>
+          <a:ln w="9525" cap="flat" cmpd="sng" algn="ctr">
+            <a:solidFill>
+              <a:schemeClr val="tx1">
+                <a:lumMod val="15000"/>
+                <a:lumOff val="85000"/>
+              </a:schemeClr>
+            </a:solidFill>
+            <a:round/>
+          </a:ln>
+          <a:effectLst/>
+        </c:spPr>
+        <c:txPr>
+          <a:bodyPr rot="-60000000" spcFirstLastPara="1" vertOverflow="ellipsis" vert="horz" wrap="square" anchor="ctr" anchorCtr="1"/>
+          <a:lstStyle/>
+          <a:p>
+            <a:pPr>
+              <a:defRPr sz="1197" b="0" i="0" u="none" strike="noStrike" kern="1200" baseline="0">
+                <a:solidFill>
+                  <a:schemeClr val="tx1">
+                    <a:lumMod val="65000"/>
+                    <a:lumOff val="35000"/>
+                  </a:schemeClr>
+                </a:solidFill>
+                <a:latin typeface="+mn-lt"/>
+                <a:ea typeface="+mn-ea"/>
+                <a:cs typeface="+mn-cs"/>
+              </a:defRPr>
+            </a:pPr>
+            <a:endParaRPr lang="en-US"/>
+          </a:p>
+        </c:txPr>
+        <c:crossAx val="324033279"/>
+        <c:crosses val="autoZero"/>
+        <c:auto val="1"/>
+        <c:lblAlgn val="ctr"/>
+        <c:lblOffset val="100"/>
+        <c:noMultiLvlLbl val="0"/>
+      </c:catAx>
+      <c:valAx>
+        <c:axId val="324033279"/>
+        <c:scaling>
+          <c:orientation val="minMax"/>
+        </c:scaling>
+        <c:delete val="0"/>
+        <c:axPos val="l"/>
+        <c:majorGridlines>
+          <c:spPr>
+            <a:ln w="9525" cap="flat" cmpd="sng" algn="ctr">
+              <a:solidFill>
+                <a:schemeClr val="tx1">
+                  <a:lumMod val="15000"/>
+                  <a:lumOff val="85000"/>
+                </a:schemeClr>
+              </a:solidFill>
+              <a:round/>
+            </a:ln>
+            <a:effectLst/>
+          </c:spPr>
+        </c:majorGridlines>
+        <c:numFmt formatCode="General" sourceLinked="1"/>
+        <c:majorTickMark val="none"/>
+        <c:minorTickMark val="none"/>
+        <c:tickLblPos val="nextTo"/>
+        <c:spPr>
+          <a:noFill/>
+          <a:ln>
+            <a:noFill/>
+          </a:ln>
+          <a:effectLst/>
+        </c:spPr>
+        <c:txPr>
+          <a:bodyPr rot="-60000000" spcFirstLastPara="1" vertOverflow="ellipsis" vert="horz" wrap="square" anchor="ctr" anchorCtr="1"/>
+          <a:lstStyle/>
+          <a:p>
+            <a:pPr>
+              <a:defRPr sz="1197" b="0" i="0" u="none" strike="noStrike" kern="1200" baseline="0">
+                <a:solidFill>
+                  <a:schemeClr val="tx1">
+                    <a:lumMod val="65000"/>
+                    <a:lumOff val="35000"/>
+                  </a:schemeClr>
+                </a:solidFill>
+                <a:latin typeface="+mn-lt"/>
+                <a:ea typeface="+mn-ea"/>
+                <a:cs typeface="+mn-cs"/>
+              </a:defRPr>
+            </a:pPr>
+            <a:endParaRPr lang="en-US"/>
+          </a:p>
+        </c:txPr>
+        <c:crossAx val="324186271"/>
+        <c:crosses val="autoZero"/>
+        <c:crossBetween val="between"/>
+      </c:valAx>
+      <c:spPr>
+        <a:noFill/>
+        <a:ln>
+          <a:noFill/>
+        </a:ln>
+        <a:effectLst/>
+      </c:spPr>
+    </c:plotArea>
+    <c:legend>
+      <c:legendPos val="b"/>
+      <c:layout>
+        <c:manualLayout>
+          <c:xMode val="edge"/>
+          <c:yMode val="edge"/>
+          <c:x val="0.77037240589283196"/>
+          <c:y val="3.8505233093759389E-2"/>
+          <c:w val="0.2115304926463222"/>
+          <c:h val="0.26886707757262313"/>
+        </c:manualLayout>
+      </c:layout>
+      <c:overlay val="0"/>
+      <c:spPr>
+        <a:noFill/>
+        <a:ln>
+          <a:noFill/>
+        </a:ln>
+        <a:effectLst/>
+      </c:spPr>
+      <c:txPr>
+        <a:bodyPr rot="0" spcFirstLastPara="1" vertOverflow="ellipsis" vert="horz" wrap="square" anchor="ctr" anchorCtr="1"/>
+        <a:lstStyle/>
+        <a:p>
+          <a:pPr>
+            <a:defRPr sz="1197" b="0" i="0" u="none" strike="noStrike" kern="1200" baseline="0">
+              <a:solidFill>
+                <a:schemeClr val="tx1">
+                  <a:lumMod val="65000"/>
+                  <a:lumOff val="35000"/>
+                </a:schemeClr>
+              </a:solidFill>
+              <a:latin typeface="+mn-lt"/>
+              <a:ea typeface="+mn-ea"/>
+              <a:cs typeface="+mn-cs"/>
+            </a:defRPr>
+          </a:pPr>
+          <a:endParaRPr lang="en-US"/>
+        </a:p>
+      </c:txPr>
+    </c:legend>
+    <c:plotVisOnly val="1"/>
+    <c:dispBlanksAs val="gap"/>
+    <c:extLst>
+      <c:ext xmlns:c16r3="http://schemas.microsoft.com/office/drawing/2017/03/chart" uri="{56B9EC1D-385E-4148-901F-78D8002777C0}">
+        <c16r3:dataDisplayOptions16>
+          <c16r3:dispNaAsBlank val="1"/>
+        </c16r3:dataDisplayOptions16>
+      </c:ext>
+    </c:extLst>
+    <c:showDLblsOverMax val="0"/>
+  </c:chart>
+  <c:spPr>
+    <a:noFill/>
+    <a:ln>
+      <a:noFill/>
+    </a:ln>
+    <a:effectLst/>
+  </c:spPr>
+  <c:txPr>
+    <a:bodyPr/>
+    <a:lstStyle/>
+    <a:p>
+      <a:pPr>
+        <a:defRPr/>
+      </a:pPr>
+      <a:endParaRPr lang="en-US"/>
+    </a:p>
+  </c:txPr>
+  <c:externalData r:id="rId3">
+    <c:autoUpdate val="0"/>
+  </c:externalData>
+</c:chartSpace>
+</file>
+
+<file path=ppt/charts/colors1.xml><?xml version="1.0" encoding="utf-8"?>
+<cs:colorStyle xmlns:cs="http://schemas.microsoft.com/office/drawing/2012/chartStyle" xmlns:a="http://schemas.openxmlformats.org/drawingml/2006/main" meth="cycle" id="10">
+  <a:schemeClr val="accent1"/>
+  <a:schemeClr val="accent2"/>
+  <a:schemeClr val="accent3"/>
+  <a:schemeClr val="accent4"/>
+  <a:schemeClr val="accent5"/>
+  <a:schemeClr val="accent6"/>
+  <cs:variation/>
+  <cs:variation>
+    <a:lumMod val="60000"/>
+  </cs:variation>
+  <cs:variation>
+    <a:lumMod val="80000"/>
+    <a:lumOff val="20000"/>
+  </cs:variation>
+  <cs:variation>
+    <a:lumMod val="80000"/>
+  </cs:variation>
+  <cs:variation>
+    <a:lumMod val="60000"/>
+    <a:lumOff val="40000"/>
+  </cs:variation>
+  <cs:variation>
+    <a:lumMod val="50000"/>
+  </cs:variation>
+  <cs:variation>
+    <a:lumMod val="70000"/>
+    <a:lumOff val="30000"/>
+  </cs:variation>
+  <cs:variation>
+    <a:lumMod val="70000"/>
+  </cs:variation>
+  <cs:variation>
+    <a:lumMod val="50000"/>
+    <a:lumOff val="50000"/>
+  </cs:variation>
+</cs:colorStyle>
+</file>
+
+<file path=ppt/charts/style1.xml><?xml version="1.0" encoding="utf-8"?>
+<cs:chartStyle xmlns:cs="http://schemas.microsoft.com/office/drawing/2012/chartStyle" xmlns:a="http://schemas.openxmlformats.org/drawingml/2006/main" id="201">
+  <cs:axisTitle>
+    <cs:lnRef idx="0"/>
+    <cs:fillRef idx="0"/>
+    <cs:effectRef idx="0"/>
+    <cs:fontRef idx="minor">
+      <a:schemeClr val="tx1">
+        <a:lumMod val="65000"/>
+        <a:lumOff val="35000"/>
+      </a:schemeClr>
+    </cs:fontRef>
+    <cs:defRPr sz="1330" kern="1200"/>
+  </cs:axisTitle>
+  <cs:categoryAxis>
+    <cs:lnRef idx="0"/>
+    <cs:fillRef idx="0"/>
+    <cs:effectRef idx="0"/>
+    <cs:fontRef idx="minor">
+      <a:schemeClr val="tx1">
+        <a:lumMod val="65000"/>
+        <a:lumOff val="35000"/>
+      </a:schemeClr>
+    </cs:fontRef>
+    <cs:spPr>
+      <a:ln w="9525" cap="flat" cmpd="sng" algn="ctr">
+        <a:solidFill>
+          <a:schemeClr val="tx1">
+            <a:lumMod val="15000"/>
+            <a:lumOff val="85000"/>
+          </a:schemeClr>
+        </a:solidFill>
+        <a:round/>
+      </a:ln>
+    </cs:spPr>
+    <cs:defRPr sz="1197" kern="1200"/>
+  </cs:categoryAxis>
+  <cs:chartArea mods="allowNoFillOverride allowNoLineOverride">
+    <cs:lnRef idx="0"/>
+    <cs:fillRef idx="0"/>
+    <cs:effectRef idx="0"/>
+    <cs:fontRef idx="minor">
+      <a:schemeClr val="tx1"/>
+    </cs:fontRef>
+    <cs:spPr>
+      <a:solidFill>
+        <a:schemeClr val="bg1"/>
+      </a:solidFill>
+      <a:ln w="9525" cap="flat" cmpd="sng" algn="ctr">
+        <a:solidFill>
+          <a:schemeClr val="tx1">
+            <a:lumMod val="15000"/>
+            <a:lumOff val="85000"/>
+          </a:schemeClr>
+        </a:solidFill>
+        <a:round/>
+      </a:ln>
+    </cs:spPr>
+    <cs:defRPr sz="1330" kern="1200"/>
+  </cs:chartArea>
+  <cs:dataLabel>
+    <cs:lnRef idx="0"/>
+    <cs:fillRef idx="0"/>
+    <cs:effectRef idx="0"/>
+    <cs:fontRef idx="minor">
+      <a:schemeClr val="tx1">
+        <a:lumMod val="75000"/>
+        <a:lumOff val="25000"/>
+      </a:schemeClr>
+    </cs:fontRef>
+    <cs:defRPr sz="1197" kern="1200"/>
+  </cs:dataLabel>
+  <cs:dataLabelCallout>
+    <cs:lnRef idx="0"/>
+    <cs:fillRef idx="0"/>
+    <cs:effectRef idx="0"/>
+    <cs:fontRef idx="minor">
+      <a:schemeClr val="dk1">
+        <a:lumMod val="65000"/>
+        <a:lumOff val="35000"/>
+      </a:schemeClr>
+    </cs:fontRef>
+    <cs:spPr>
+      <a:solidFill>
+        <a:schemeClr val="lt1"/>
+      </a:solidFill>
+      <a:ln>
+        <a:solidFill>
+          <a:schemeClr val="dk1">
+            <a:lumMod val="25000"/>
+            <a:lumOff val="75000"/>
+          </a:schemeClr>
+        </a:solidFill>
+      </a:ln>
+    </cs:spPr>
+    <cs:defRPr sz="1197" kern="1200"/>
+    <cs:bodyPr rot="0" spcFirstLastPara="1" vertOverflow="clip" horzOverflow="clip" vert="horz" wrap="square" lIns="36576" tIns="18288" rIns="36576" bIns="18288" anchor="ctr" anchorCtr="1">
+      <a:spAutoFit/>
+    </cs:bodyPr>
+  </cs:dataLabelCallout>
+  <cs:dataPoint>
+    <cs:lnRef idx="0"/>
+    <cs:fillRef idx="1">
+      <cs:styleClr val="auto"/>
+    </cs:fillRef>
+    <cs:effectRef idx="0"/>
+    <cs:fontRef idx="minor">
+      <a:schemeClr val="tx1"/>
+    </cs:fontRef>
+  </cs:dataPoint>
+  <cs:dataPoint3D>
+    <cs:lnRef idx="0"/>
+    <cs:fillRef idx="1">
+      <cs:styleClr val="auto"/>
+    </cs:fillRef>
+    <cs:effectRef idx="0"/>
+    <cs:fontRef idx="minor">
+      <a:schemeClr val="tx1"/>
+    </cs:fontRef>
+  </cs:dataPoint3D>
+  <cs:dataPointLine>
+    <cs:lnRef idx="0">
+      <cs:styleClr val="auto"/>
+    </cs:lnRef>
+    <cs:fillRef idx="1"/>
+    <cs:effectRef idx="0"/>
+    <cs:fontRef idx="minor">
+      <a:schemeClr val="tx1"/>
+    </cs:fontRef>
+    <cs:spPr>
+      <a:ln w="28575" cap="rnd">
+        <a:solidFill>
+          <a:schemeClr val="phClr"/>
+        </a:solidFill>
+        <a:round/>
+      </a:ln>
+    </cs:spPr>
+  </cs:dataPointLine>
+  <cs:dataPointMarker>
+    <cs:lnRef idx="0">
+      <cs:styleClr val="auto"/>
+    </cs:lnRef>
+    <cs:fillRef idx="1">
+      <cs:styleClr val="auto"/>
+    </cs:fillRef>
+    <cs:effectRef idx="0"/>
+    <cs:fontRef idx="minor">
+      <a:schemeClr val="tx1"/>
+    </cs:fontRef>
+    <cs:spPr>
+      <a:ln w="9525">
+        <a:solidFill>
+          <a:schemeClr val="phClr"/>
+        </a:solidFill>
+      </a:ln>
+    </cs:spPr>
+  </cs:dataPointMarker>
+  <cs:dataPointMarkerLayout symbol="circle" size="5"/>
+  <cs:dataPointWireframe>
+    <cs:lnRef idx="0">
+      <cs:styleClr val="auto"/>
+    </cs:lnRef>
+    <cs:fillRef idx="1"/>
+    <cs:effectRef idx="0"/>
+    <cs:fontRef idx="minor">
+      <a:schemeClr val="tx1"/>
+    </cs:fontRef>
+    <cs:spPr>
+      <a:ln w="9525" cap="rnd">
+        <a:solidFill>
+          <a:schemeClr val="phClr"/>
+        </a:solidFill>
+        <a:round/>
+      </a:ln>
+    </cs:spPr>
+  </cs:dataPointWireframe>
+  <cs:dataTable>
+    <cs:lnRef idx="0"/>
+    <cs:fillRef idx="0"/>
+    <cs:effectRef idx="0"/>
+    <cs:fontRef idx="minor">
+      <a:schemeClr val="tx1">
+        <a:lumMod val="65000"/>
+        <a:lumOff val="35000"/>
+      </a:schemeClr>
+    </cs:fontRef>
+    <cs:spPr>
+      <a:noFill/>
+      <a:ln w="9525" cap="flat" cmpd="sng" algn="ctr">
+        <a:solidFill>
+          <a:schemeClr val="tx1">
+            <a:lumMod val="15000"/>
+            <a:lumOff val="85000"/>
+          </a:schemeClr>
+        </a:solidFill>
+        <a:round/>
+      </a:ln>
+    </cs:spPr>
+    <cs:defRPr sz="1197" kern="1200"/>
+  </cs:dataTable>
+  <cs:downBar>
+    <cs:lnRef idx="0"/>
+    <cs:fillRef idx="0"/>
+    <cs:effectRef idx="0"/>
+    <cs:fontRef idx="minor">
+      <a:schemeClr val="dk1"/>
+    </cs:fontRef>
+    <cs:spPr>
+      <a:solidFill>
+        <a:schemeClr val="dk1">
+          <a:lumMod val="65000"/>
+          <a:lumOff val="35000"/>
+        </a:schemeClr>
+      </a:solidFill>
+      <a:ln w="9525">
+        <a:solidFill>
+          <a:schemeClr val="tx1">
+            <a:lumMod val="65000"/>
+            <a:lumOff val="35000"/>
+          </a:schemeClr>
+        </a:solidFill>
+      </a:ln>
+    </cs:spPr>
+  </cs:downBar>
+  <cs:dropLine>
+    <cs:lnRef idx="0"/>
+    <cs:fillRef idx="0"/>
+    <cs:effectRef idx="0"/>
+    <cs:fontRef idx="minor">
+      <a:schemeClr val="tx1"/>
+    </cs:fontRef>
+    <cs:spPr>
+      <a:ln w="9525" cap="flat" cmpd="sng" algn="ctr">
+        <a:solidFill>
+          <a:schemeClr val="tx1">
+            <a:lumMod val="35000"/>
+            <a:lumOff val="65000"/>
+          </a:schemeClr>
+        </a:solidFill>
+        <a:round/>
+      </a:ln>
+    </cs:spPr>
+  </cs:dropLine>
+  <cs:errorBar>
+    <cs:lnRef idx="0"/>
+    <cs:fillRef idx="0"/>
+    <cs:effectRef idx="0"/>
+    <cs:fontRef idx="minor">
+      <a:schemeClr val="tx1"/>
+    </cs:fontRef>
+    <cs:spPr>
+      <a:ln w="9525" cap="flat" cmpd="sng" algn="ctr">
+        <a:solidFill>
+          <a:schemeClr val="tx1">
+            <a:lumMod val="65000"/>
+            <a:lumOff val="35000"/>
+          </a:schemeClr>
+        </a:solidFill>
+        <a:round/>
+      </a:ln>
+    </cs:spPr>
+  </cs:errorBar>
+  <cs:floor>
+    <cs:lnRef idx="0"/>
+    <cs:fillRef idx="0"/>
+    <cs:effectRef idx="0"/>
+    <cs:fontRef idx="minor">
+      <a:schemeClr val="tx1"/>
+    </cs:fontRef>
+    <cs:spPr>
+      <a:noFill/>
+      <a:ln>
+        <a:noFill/>
+      </a:ln>
+    </cs:spPr>
+  </cs:floor>
+  <cs:gridlineMajor>
+    <cs:lnRef idx="0"/>
+    <cs:fillRef idx="0"/>
+    <cs:effectRef idx="0"/>
+    <cs:fontRef idx="minor">
+      <a:schemeClr val="tx1"/>
+    </cs:fontRef>
+    <cs:spPr>
+      <a:ln w="9525" cap="flat" cmpd="sng" algn="ctr">
+        <a:solidFill>
+          <a:schemeClr val="tx1">
+            <a:lumMod val="15000"/>
+            <a:lumOff val="85000"/>
+          </a:schemeClr>
+        </a:solidFill>
+        <a:round/>
+      </a:ln>
+    </cs:spPr>
+  </cs:gridlineMajor>
+  <cs:gridlineMinor>
+    <cs:lnRef idx="0"/>
+    <cs:fillRef idx="0"/>
+    <cs:effectRef idx="0"/>
+    <cs:fontRef idx="minor">
+      <a:schemeClr val="tx1"/>
+    </cs:fontRef>
+    <cs:spPr>
+      <a:ln w="9525" cap="flat" cmpd="sng" algn="ctr">
+        <a:solidFill>
+          <a:schemeClr val="tx1">
+            <a:lumMod val="5000"/>
+            <a:lumOff val="95000"/>
+          </a:schemeClr>
+        </a:solidFill>
+        <a:round/>
+      </a:ln>
+    </cs:spPr>
+  </cs:gridlineMinor>
+  <cs:hiLoLine>
+    <cs:lnRef idx="0"/>
+    <cs:fillRef idx="0"/>
+    <cs:effectRef idx="0"/>
+    <cs:fontRef idx="minor">
+      <a:schemeClr val="tx1"/>
+    </cs:fontRef>
+    <cs:spPr>
+      <a:ln w="9525" cap="flat" cmpd="sng" algn="ctr">
+        <a:solidFill>
+          <a:schemeClr val="tx1">
+            <a:lumMod val="75000"/>
+            <a:lumOff val="25000"/>
+          </a:schemeClr>
+        </a:solidFill>
+        <a:round/>
+      </a:ln>
+    </cs:spPr>
+  </cs:hiLoLine>
+  <cs:leaderLine>
+    <cs:lnRef idx="0"/>
+    <cs:fillRef idx="0"/>
+    <cs:effectRef idx="0"/>
+    <cs:fontRef idx="minor">
+      <a:schemeClr val="tx1"/>
+    </cs:fontRef>
+    <cs:spPr>
+      <a:ln w="9525" cap="flat" cmpd="sng" algn="ctr">
+        <a:solidFill>
+          <a:schemeClr val="tx1">
+            <a:lumMod val="35000"/>
+            <a:lumOff val="65000"/>
+          </a:schemeClr>
+        </a:solidFill>
+        <a:round/>
+      </a:ln>
+    </cs:spPr>
+  </cs:leaderLine>
+  <cs:legend>
+    <cs:lnRef idx="0"/>
+    <cs:fillRef idx="0"/>
+    <cs:effectRef idx="0"/>
+    <cs:fontRef idx="minor">
+      <a:schemeClr val="tx1">
+        <a:lumMod val="65000"/>
+        <a:lumOff val="35000"/>
+      </a:schemeClr>
+    </cs:fontRef>
+    <cs:defRPr sz="1197" kern="1200"/>
+  </cs:legend>
+  <cs:plotArea mods="allowNoFillOverride allowNoLineOverride">
+    <cs:lnRef idx="0"/>
+    <cs:fillRef idx="0"/>
+    <cs:effectRef idx="0"/>
+    <cs:fontRef idx="minor">
+      <a:schemeClr val="tx1"/>
+    </cs:fontRef>
+  </cs:plotArea>
+  <cs:plotArea3D mods="allowNoFillOverride allowNoLineOverride">
+    <cs:lnRef idx="0"/>
+    <cs:fillRef idx="0"/>
+    <cs:effectRef idx="0"/>
+    <cs:fontRef idx="minor">
+      <a:schemeClr val="tx1"/>
+    </cs:fontRef>
+  </cs:plotArea3D>
+  <cs:seriesAxis>
+    <cs:lnRef idx="0"/>
+    <cs:fillRef idx="0"/>
+    <cs:effectRef idx="0"/>
+    <cs:fontRef idx="minor">
+      <a:schemeClr val="tx1">
+        <a:lumMod val="65000"/>
+        <a:lumOff val="35000"/>
+      </a:schemeClr>
+    </cs:fontRef>
+    <cs:defRPr sz="1197" kern="1200"/>
+  </cs:seriesAxis>
+  <cs:seriesLine>
+    <cs:lnRef idx="0"/>
+    <cs:fillRef idx="0"/>
+    <cs:effectRef idx="0"/>
+    <cs:fontRef idx="minor">
+      <a:schemeClr val="tx1"/>
+    </cs:fontRef>
+    <cs:spPr>
+      <a:ln w="9525" cap="flat" cmpd="sng" algn="ctr">
+        <a:solidFill>
+          <a:schemeClr val="tx1">
+            <a:lumMod val="35000"/>
+            <a:lumOff val="65000"/>
+          </a:schemeClr>
+        </a:solidFill>
+        <a:round/>
+      </a:ln>
+    </cs:spPr>
+  </cs:seriesLine>
+  <cs:title>
+    <cs:lnRef idx="0"/>
+    <cs:fillRef idx="0"/>
+    <cs:effectRef idx="0"/>
+    <cs:fontRef idx="minor">
+      <a:schemeClr val="tx1">
+        <a:lumMod val="65000"/>
+        <a:lumOff val="35000"/>
+      </a:schemeClr>
+    </cs:fontRef>
+    <cs:defRPr sz="1862" b="0" kern="1200" spc="0" baseline="0"/>
+  </cs:title>
+  <cs:trendline>
+    <cs:lnRef idx="0">
+      <cs:styleClr val="auto"/>
+    </cs:lnRef>
+    <cs:fillRef idx="0"/>
+    <cs:effectRef idx="0"/>
+    <cs:fontRef idx="minor">
+      <a:schemeClr val="tx1"/>
+    </cs:fontRef>
+    <cs:spPr>
+      <a:ln w="19050" cap="rnd">
+        <a:solidFill>
+          <a:schemeClr val="phClr"/>
+        </a:solidFill>
+        <a:prstDash val="sysDot"/>
+      </a:ln>
+    </cs:spPr>
+  </cs:trendline>
+  <cs:trendlineLabel>
+    <cs:lnRef idx="0"/>
+    <cs:fillRef idx="0"/>
+    <cs:effectRef idx="0"/>
+    <cs:fontRef idx="minor">
+      <a:schemeClr val="tx1">
+        <a:lumMod val="65000"/>
+        <a:lumOff val="35000"/>
+      </a:schemeClr>
+    </cs:fontRef>
+    <cs:defRPr sz="1197" kern="1200"/>
+  </cs:trendlineLabel>
+  <cs:upBar>
+    <cs:lnRef idx="0"/>
+    <cs:fillRef idx="0"/>
+    <cs:effectRef idx="0"/>
+    <cs:fontRef idx="minor">
+      <a:schemeClr val="dk1"/>
+    </cs:fontRef>
+    <cs:spPr>
+      <a:solidFill>
+        <a:schemeClr val="lt1"/>
+      </a:solidFill>
+      <a:ln w="9525">
+        <a:solidFill>
+          <a:schemeClr val="tx1">
+            <a:lumMod val="15000"/>
+            <a:lumOff val="85000"/>
+          </a:schemeClr>
+        </a:solidFill>
+      </a:ln>
+    </cs:spPr>
+  </cs:upBar>
+  <cs:valueAxis>
+    <cs:lnRef idx="0"/>
+    <cs:fillRef idx="0"/>
+    <cs:effectRef idx="0"/>
+    <cs:fontRef idx="minor">
+      <a:schemeClr val="tx1">
+        <a:lumMod val="65000"/>
+        <a:lumOff val="35000"/>
+      </a:schemeClr>
+    </cs:fontRef>
+    <cs:defRPr sz="1197" kern="1200"/>
+  </cs:valueAxis>
+  <cs:wall>
+    <cs:lnRef idx="0"/>
+    <cs:fillRef idx="0"/>
+    <cs:effectRef idx="0"/>
+    <cs:fontRef idx="minor">
+      <a:schemeClr val="tx1"/>
+    </cs:fontRef>
+    <cs:spPr>
+      <a:noFill/>
+      <a:ln>
+        <a:noFill/>
+      </a:ln>
+    </cs:spPr>
+  </cs:wall>
+</cs:chartStyle>
 </file>
 
 <file path=ppt/diagrams/colors1.xml><?xml version="1.0" encoding="utf-8"?>
@@ -3830,7 +4822,7 @@
           <a:p>
             <a:fld id="{163D8D13-7DED-4514-BE8C-9C8D0FD9F0B8}" type="datetimeFigureOut">
               <a:rPr lang="en-US" smtClean="0"/>
-              <a:t>12/1/2019</a:t>
+              <a:t>12/4/2019</a:t>
             </a:fld>
             <a:endParaRPr lang="en-US"/>
           </a:p>
@@ -4028,7 +5020,7 @@
           <a:p>
             <a:fld id="{163D8D13-7DED-4514-BE8C-9C8D0FD9F0B8}" type="datetimeFigureOut">
               <a:rPr lang="en-US" smtClean="0"/>
-              <a:t>12/1/2019</a:t>
+              <a:t>12/4/2019</a:t>
             </a:fld>
             <a:endParaRPr lang="en-US"/>
           </a:p>
@@ -4236,7 +5228,7 @@
           <a:p>
             <a:fld id="{163D8D13-7DED-4514-BE8C-9C8D0FD9F0B8}" type="datetimeFigureOut">
               <a:rPr lang="en-US" smtClean="0"/>
-              <a:t>12/1/2019</a:t>
+              <a:t>12/4/2019</a:t>
             </a:fld>
             <a:endParaRPr lang="en-US"/>
           </a:p>
@@ -4434,7 +5426,7 @@
           <a:p>
             <a:fld id="{163D8D13-7DED-4514-BE8C-9C8D0FD9F0B8}" type="datetimeFigureOut">
               <a:rPr lang="en-US" smtClean="0"/>
-              <a:t>12/1/2019</a:t>
+              <a:t>12/4/2019</a:t>
             </a:fld>
             <a:endParaRPr lang="en-US"/>
           </a:p>
@@ -4709,7 +5701,7 @@
           <a:p>
             <a:fld id="{163D8D13-7DED-4514-BE8C-9C8D0FD9F0B8}" type="datetimeFigureOut">
               <a:rPr lang="en-US" smtClean="0"/>
-              <a:t>12/1/2019</a:t>
+              <a:t>12/4/2019</a:t>
             </a:fld>
             <a:endParaRPr lang="en-US"/>
           </a:p>
@@ -4974,7 +5966,7 @@
           <a:p>
             <a:fld id="{163D8D13-7DED-4514-BE8C-9C8D0FD9F0B8}" type="datetimeFigureOut">
               <a:rPr lang="en-US" smtClean="0"/>
-              <a:t>12/1/2019</a:t>
+              <a:t>12/4/2019</a:t>
             </a:fld>
             <a:endParaRPr lang="en-US"/>
           </a:p>
@@ -5386,7 +6378,7 @@
           <a:p>
             <a:fld id="{163D8D13-7DED-4514-BE8C-9C8D0FD9F0B8}" type="datetimeFigureOut">
               <a:rPr lang="en-US" smtClean="0"/>
-              <a:t>12/1/2019</a:t>
+              <a:t>12/4/2019</a:t>
             </a:fld>
             <a:endParaRPr lang="en-US"/>
           </a:p>
@@ -5527,7 +6519,7 @@
           <a:p>
             <a:fld id="{163D8D13-7DED-4514-BE8C-9C8D0FD9F0B8}" type="datetimeFigureOut">
               <a:rPr lang="en-US" smtClean="0"/>
-              <a:t>12/1/2019</a:t>
+              <a:t>12/4/2019</a:t>
             </a:fld>
             <a:endParaRPr lang="en-US"/>
           </a:p>
@@ -5640,7 +6632,7 @@
           <a:p>
             <a:fld id="{163D8D13-7DED-4514-BE8C-9C8D0FD9F0B8}" type="datetimeFigureOut">
               <a:rPr lang="en-US" smtClean="0"/>
-              <a:t>12/1/2019</a:t>
+              <a:t>12/4/2019</a:t>
             </a:fld>
             <a:endParaRPr lang="en-US"/>
           </a:p>
@@ -5951,7 +6943,7 @@
           <a:p>
             <a:fld id="{163D8D13-7DED-4514-BE8C-9C8D0FD9F0B8}" type="datetimeFigureOut">
               <a:rPr lang="en-US" smtClean="0"/>
-              <a:t>12/1/2019</a:t>
+              <a:t>12/4/2019</a:t>
             </a:fld>
             <a:endParaRPr lang="en-US"/>
           </a:p>
@@ -6239,7 +7231,7 @@
           <a:p>
             <a:fld id="{163D8D13-7DED-4514-BE8C-9C8D0FD9F0B8}" type="datetimeFigureOut">
               <a:rPr lang="en-US" smtClean="0"/>
-              <a:t>12/1/2019</a:t>
+              <a:t>12/4/2019</a:t>
             </a:fld>
             <a:endParaRPr lang="en-US"/>
           </a:p>
@@ -6480,7 +7472,7 @@
           <a:p>
             <a:fld id="{163D8D13-7DED-4514-BE8C-9C8D0FD9F0B8}" type="datetimeFigureOut">
               <a:rPr lang="en-US" smtClean="0"/>
-              <a:t>12/1/2019</a:t>
+              <a:t>12/4/2019</a:t>
             </a:fld>
             <a:endParaRPr lang="en-US"/>
           </a:p>
@@ -8193,6 +9185,1064 @@
 <file path=ppt/slides/slide14.xml><?xml version="1.0" encoding="utf-8"?>
 <p:sld xmlns:a="http://schemas.openxmlformats.org/drawingml/2006/main" xmlns:r="http://schemas.openxmlformats.org/officeDocument/2006/relationships" xmlns:p="http://schemas.openxmlformats.org/presentationml/2006/main">
   <p:cSld>
+    <p:bg>
+      <p:bgPr>
+        <a:solidFill>
+          <a:schemeClr val="bg1"/>
+        </a:solidFill>
+        <a:effectLst/>
+      </p:bgPr>
+    </p:bg>
+    <p:spTree>
+      <p:nvGrpSpPr>
+        <p:cNvPr id="1" name=""/>
+        <p:cNvGrpSpPr/>
+        <p:nvPr/>
+      </p:nvGrpSpPr>
+      <p:grpSpPr>
+        <a:xfrm>
+          <a:off x="0" y="0"/>
+          <a:ext cx="0" cy="0"/>
+          <a:chOff x="0" y="0"/>
+          <a:chExt cx="0" cy="0"/>
+        </a:xfrm>
+      </p:grpSpPr>
+      <p:sp>
+        <p:nvSpPr>
+          <p:cNvPr id="22" name="Rectangle 9">
+            <a:extLst>
+              <a:ext uri="{FF2B5EF4-FFF2-40B4-BE49-F238E27FC236}">
+                <a16:creationId xmlns:a16="http://schemas.microsoft.com/office/drawing/2014/main" id="{AFA67CD3-AB4E-4A7A-BEB8-53C445D8C44E}"/>
+              </a:ext>
+              <a:ext uri="{C183D7F6-B498-43B3-948B-1728B52AA6E4}">
+                <adec:decorative xmlns:adec="http://schemas.microsoft.com/office/drawing/2017/decorative" val="1"/>
+              </a:ext>
+            </a:extLst>
+          </p:cNvPr>
+          <p:cNvSpPr>
+            <a:spLocks noGrp="1" noRot="1" noChangeAspect="1" noMove="1" noResize="1" noEditPoints="1" noAdjustHandles="1" noChangeArrowheads="1" noChangeShapeType="1" noTextEdit="1"/>
+          </p:cNvSpPr>
+          <p:nvPr>
+            <p:extLst>
+              <p:ext uri="{386F3935-93C4-4BCD-93E2-E3B085C9AB24}">
+                <p16:designElem xmlns:p16="http://schemas.microsoft.com/office/powerpoint/2015/main" val="1"/>
+              </p:ext>
+            </p:extLst>
+          </p:nvPr>
+        </p:nvSpPr>
+        <p:spPr>
+          <a:xfrm>
+            <a:off x="1" y="3726"/>
+            <a:ext cx="5614875" cy="6858000"/>
+          </a:xfrm>
+          <a:prstGeom prst="rect">
+            <a:avLst/>
+          </a:prstGeom>
+          <a:gradFill>
+            <a:gsLst>
+              <a:gs pos="0">
+                <a:schemeClr val="accent1">
+                  <a:lumMod val="100000"/>
+                  <a:alpha val="82000"/>
+                </a:schemeClr>
+              </a:gs>
+              <a:gs pos="25000">
+                <a:schemeClr val="accent1">
+                  <a:alpha val="60000"/>
+                </a:schemeClr>
+              </a:gs>
+              <a:gs pos="94000">
+                <a:schemeClr val="bg2">
+                  <a:lumMod val="75000"/>
+                </a:schemeClr>
+              </a:gs>
+              <a:gs pos="100000">
+                <a:schemeClr val="bg2">
+                  <a:lumMod val="75000"/>
+                </a:schemeClr>
+              </a:gs>
+            </a:gsLst>
+            <a:lin ang="4200000" scaled="0"/>
+          </a:gradFill>
+          <a:ln>
+            <a:noFill/>
+          </a:ln>
+        </p:spPr>
+        <p:style>
+          <a:lnRef idx="2">
+            <a:schemeClr val="accent1">
+              <a:shade val="50000"/>
+            </a:schemeClr>
+          </a:lnRef>
+          <a:fillRef idx="1">
+            <a:schemeClr val="accent1"/>
+          </a:fillRef>
+          <a:effectRef idx="0">
+            <a:schemeClr val="accent1"/>
+          </a:effectRef>
+          <a:fontRef idx="minor">
+            <a:schemeClr val="lt1"/>
+          </a:fontRef>
+        </p:style>
+        <p:txBody>
+          <a:bodyPr rtlCol="0" anchor="ctr"/>
+          <a:lstStyle/>
+          <a:p>
+            <a:pPr algn="ctr"/>
+            <a:endParaRPr lang="en-US"/>
+          </a:p>
+        </p:txBody>
+      </p:sp>
+      <p:pic>
+        <p:nvPicPr>
+          <p:cNvPr id="12" name="Picture 11">
+            <a:extLst>
+              <a:ext uri="{FF2B5EF4-FFF2-40B4-BE49-F238E27FC236}">
+                <a16:creationId xmlns:a16="http://schemas.microsoft.com/office/drawing/2014/main" id="{07CF545F-9C2E-4446-97CD-AD92990C2B68}"/>
+              </a:ext>
+              <a:ext uri="{C183D7F6-B498-43B3-948B-1728B52AA6E4}">
+                <adec:decorative xmlns:adec="http://schemas.microsoft.com/office/drawing/2017/decorative" val="1"/>
+              </a:ext>
+            </a:extLst>
+          </p:cNvPr>
+          <p:cNvPicPr>
+            <a:picLocks noGrp="1" noRot="1" noChangeAspect="1" noMove="1" noResize="1" noEditPoints="1" noAdjustHandles="1" noChangeArrowheads="1" noChangeShapeType="1" noCrop="1"/>
+          </p:cNvPicPr>
+          <p:nvPr>
+            <p:extLst>
+              <p:ext uri="{386F3935-93C4-4BCD-93E2-E3B085C9AB24}">
+                <p16:designElem xmlns:p16="http://schemas.microsoft.com/office/powerpoint/2015/main" val="1"/>
+              </p:ext>
+            </p:extLst>
+          </p:nvPr>
+        </p:nvPicPr>
+        <p:blipFill>
+          <a:blip r:embed="rId2">
+            <a:extLst>
+              <a:ext uri="{28A0092B-C50C-407E-A947-70E740481C1C}">
+                <a14:useLocalDpi xmlns:a14="http://schemas.microsoft.com/office/drawing/2010/main" val="0"/>
+              </a:ext>
+            </a:extLst>
+          </a:blip>
+          <a:stretch>
+            <a:fillRect/>
+          </a:stretch>
+        </p:blipFill>
+        <p:spPr>
+          <a:xfrm>
+            <a:off x="0" y="0"/>
+            <a:ext cx="12192000" cy="6858000"/>
+          </a:xfrm>
+          <a:prstGeom prst="rect">
+            <a:avLst/>
+          </a:prstGeom>
+        </p:spPr>
+      </p:pic>
+      <p:sp>
+        <p:nvSpPr>
+          <p:cNvPr id="2" name="Title 1">
+            <a:extLst>
+              <a:ext uri="{FF2B5EF4-FFF2-40B4-BE49-F238E27FC236}">
+                <a16:creationId xmlns:a16="http://schemas.microsoft.com/office/drawing/2014/main" id="{4BABEED0-02C4-4C5C-A655-B50A0FAB92EA}"/>
+              </a:ext>
+            </a:extLst>
+          </p:cNvPr>
+          <p:cNvSpPr>
+            <a:spLocks noGrp="1"/>
+          </p:cNvSpPr>
+          <p:nvPr>
+            <p:ph type="title"/>
+          </p:nvPr>
+        </p:nvSpPr>
+        <p:spPr>
+          <a:xfrm>
+            <a:off x="6094105" y="802955"/>
+            <a:ext cx="4977976" cy="1454051"/>
+          </a:xfrm>
+        </p:spPr>
+        <p:txBody>
+          <a:bodyPr>
+            <a:normAutofit/>
+          </a:bodyPr>
+          <a:lstStyle/>
+          <a:p>
+            <a:r>
+              <a:rPr lang="en-US">
+                <a:solidFill>
+                  <a:srgbClr val="000000"/>
+                </a:solidFill>
+              </a:rPr>
+              <a:t>Lab assignment</a:t>
+            </a:r>
+          </a:p>
+        </p:txBody>
+      </p:sp>
+      <p:sp>
+        <p:nvSpPr>
+          <p:cNvPr id="14" name="Freeform 62">
+            <a:extLst>
+              <a:ext uri="{FF2B5EF4-FFF2-40B4-BE49-F238E27FC236}">
+                <a16:creationId xmlns:a16="http://schemas.microsoft.com/office/drawing/2014/main" id="{339C8D78-A644-462F-B674-F440635E5353}"/>
+              </a:ext>
+              <a:ext uri="{C183D7F6-B498-43B3-948B-1728B52AA6E4}">
+                <adec:decorative xmlns:adec="http://schemas.microsoft.com/office/drawing/2017/decorative" val="1"/>
+              </a:ext>
+            </a:extLst>
+          </p:cNvPr>
+          <p:cNvSpPr>
+            <a:spLocks noGrp="1" noRot="1" noChangeAspect="1" noMove="1" noResize="1" noEditPoints="1" noAdjustHandles="1" noChangeArrowheads="1" noChangeShapeType="1" noTextEdit="1"/>
+          </p:cNvSpPr>
+          <p:nvPr>
+            <p:extLst>
+              <p:ext uri="{386F3935-93C4-4BCD-93E2-E3B085C9AB24}">
+                <p16:designElem xmlns:p16="http://schemas.microsoft.com/office/powerpoint/2015/main" val="1"/>
+              </p:ext>
+            </p:extLst>
+          </p:nvPr>
+        </p:nvSpPr>
+        <p:spPr>
+          <a:xfrm>
+            <a:off x="0" y="738619"/>
+            <a:ext cx="5000438" cy="5400962"/>
+          </a:xfrm>
+          <a:custGeom>
+            <a:avLst/>
+            <a:gdLst>
+              <a:gd name="connsiteX0" fmla="*/ 2299956 w 5000438"/>
+              <a:gd name="connsiteY0" fmla="*/ 0 h 5400962"/>
+              <a:gd name="connsiteX1" fmla="*/ 5000438 w 5000438"/>
+              <a:gd name="connsiteY1" fmla="*/ 2700481 h 5400962"/>
+              <a:gd name="connsiteX2" fmla="*/ 2299956 w 5000438"/>
+              <a:gd name="connsiteY2" fmla="*/ 5400962 h 5400962"/>
+              <a:gd name="connsiteX3" fmla="*/ 60675 w 5000438"/>
+              <a:gd name="connsiteY3" fmla="*/ 4210346 h 5400962"/>
+              <a:gd name="connsiteX4" fmla="*/ 0 w 5000438"/>
+              <a:gd name="connsiteY4" fmla="*/ 4110472 h 5400962"/>
+              <a:gd name="connsiteX5" fmla="*/ 0 w 5000438"/>
+              <a:gd name="connsiteY5" fmla="*/ 1290491 h 5400962"/>
+              <a:gd name="connsiteX6" fmla="*/ 60675 w 5000438"/>
+              <a:gd name="connsiteY6" fmla="*/ 1190617 h 5400962"/>
+              <a:gd name="connsiteX7" fmla="*/ 2299956 w 5000438"/>
+              <a:gd name="connsiteY7" fmla="*/ 0 h 5400962"/>
+            </a:gdLst>
+            <a:ahLst/>
+            <a:cxnLst>
+              <a:cxn ang="0">
+                <a:pos x="connsiteX0" y="connsiteY0"/>
+              </a:cxn>
+              <a:cxn ang="0">
+                <a:pos x="connsiteX1" y="connsiteY1"/>
+              </a:cxn>
+              <a:cxn ang="0">
+                <a:pos x="connsiteX2" y="connsiteY2"/>
+              </a:cxn>
+              <a:cxn ang="0">
+                <a:pos x="connsiteX3" y="connsiteY3"/>
+              </a:cxn>
+              <a:cxn ang="0">
+                <a:pos x="connsiteX4" y="connsiteY4"/>
+              </a:cxn>
+              <a:cxn ang="0">
+                <a:pos x="connsiteX5" y="connsiteY5"/>
+              </a:cxn>
+              <a:cxn ang="0">
+                <a:pos x="connsiteX6" y="connsiteY6"/>
+              </a:cxn>
+              <a:cxn ang="0">
+                <a:pos x="connsiteX7" y="connsiteY7"/>
+              </a:cxn>
+            </a:cxnLst>
+            <a:rect l="l" t="t" r="r" b="b"/>
+            <a:pathLst>
+              <a:path w="5000438" h="5400962">
+                <a:moveTo>
+                  <a:pt x="2299956" y="0"/>
+                </a:moveTo>
+                <a:cubicBezTo>
+                  <a:pt x="3791390" y="0"/>
+                  <a:pt x="5000438" y="1209047"/>
+                  <a:pt x="5000438" y="2700481"/>
+                </a:cubicBezTo>
+                <a:cubicBezTo>
+                  <a:pt x="5000438" y="4191915"/>
+                  <a:pt x="3791390" y="5400962"/>
+                  <a:pt x="2299956" y="5400962"/>
+                </a:cubicBezTo>
+                <a:cubicBezTo>
+                  <a:pt x="1367810" y="5400962"/>
+                  <a:pt x="545971" y="4928678"/>
+                  <a:pt x="60675" y="4210346"/>
+                </a:cubicBezTo>
+                <a:lnTo>
+                  <a:pt x="0" y="4110472"/>
+                </a:lnTo>
+                <a:lnTo>
+                  <a:pt x="0" y="1290491"/>
+                </a:lnTo>
+                <a:lnTo>
+                  <a:pt x="60675" y="1190617"/>
+                </a:lnTo>
+                <a:cubicBezTo>
+                  <a:pt x="545971" y="472284"/>
+                  <a:pt x="1367810" y="0"/>
+                  <a:pt x="2299956" y="0"/>
+                </a:cubicBezTo>
+                <a:close/>
+              </a:path>
+            </a:pathLst>
+          </a:custGeom>
+          <a:solidFill>
+            <a:srgbClr val="FFFFFF"/>
+          </a:solidFill>
+          <a:ln>
+            <a:gradFill>
+              <a:gsLst>
+                <a:gs pos="0">
+                  <a:schemeClr val="accent1">
+                    <a:lumMod val="40000"/>
+                    <a:lumOff val="60000"/>
+                  </a:schemeClr>
+                </a:gs>
+                <a:gs pos="23000">
+                  <a:schemeClr val="accent1">
+                    <a:lumMod val="45000"/>
+                    <a:lumOff val="55000"/>
+                  </a:schemeClr>
+                </a:gs>
+                <a:gs pos="83000">
+                  <a:schemeClr val="bg2">
+                    <a:lumMod val="85000"/>
+                  </a:schemeClr>
+                </a:gs>
+                <a:gs pos="100000">
+                  <a:schemeClr val="bg2">
+                    <a:lumMod val="85000"/>
+                  </a:schemeClr>
+                </a:gs>
+              </a:gsLst>
+              <a:lin ang="5400000" scaled="1"/>
+            </a:gradFill>
+          </a:ln>
+        </p:spPr>
+        <p:style>
+          <a:lnRef idx="2">
+            <a:schemeClr val="accent1">
+              <a:shade val="50000"/>
+            </a:schemeClr>
+          </a:lnRef>
+          <a:fillRef idx="1">
+            <a:schemeClr val="accent1"/>
+          </a:fillRef>
+          <a:effectRef idx="0">
+            <a:schemeClr val="accent1"/>
+          </a:effectRef>
+          <a:fontRef idx="minor">
+            <a:schemeClr val="lt1"/>
+          </a:fontRef>
+        </p:style>
+        <p:txBody>
+          <a:bodyPr wrap="square" rtlCol="0" anchor="ctr">
+            <a:noAutofit/>
+          </a:bodyPr>
+          <a:lstStyle/>
+          <a:p>
+            <a:pPr algn="ctr"/>
+            <a:endParaRPr lang="en-US"/>
+          </a:p>
+        </p:txBody>
+      </p:sp>
+      <p:pic>
+        <p:nvPicPr>
+          <p:cNvPr id="7" name="Graphic 6" descr="Laptop Secure">
+            <a:extLst>
+              <a:ext uri="{FF2B5EF4-FFF2-40B4-BE49-F238E27FC236}">
+                <a16:creationId xmlns:a16="http://schemas.microsoft.com/office/drawing/2014/main" id="{4634D461-C732-43F9-B051-0423388C0EE8}"/>
+              </a:ext>
+            </a:extLst>
+          </p:cNvPr>
+          <p:cNvPicPr>
+            <a:picLocks noChangeAspect="1"/>
+          </p:cNvPicPr>
+          <p:nvPr/>
+        </p:nvPicPr>
+        <p:blipFill>
+          <a:blip r:embed="rId3">
+            <a:extLst>
+              <a:ext uri="{28A0092B-C50C-407E-A947-70E740481C1C}">
+                <a14:useLocalDpi xmlns:a14="http://schemas.microsoft.com/office/drawing/2010/main" val="0"/>
+              </a:ext>
+              <a:ext uri="{96DAC541-7B7A-43D3-8B79-37D633B846F1}">
+                <asvg:svgBlip xmlns:asvg="http://schemas.microsoft.com/office/drawing/2016/SVG/main" r:embed="rId4"/>
+              </a:ext>
+            </a:extLst>
+          </a:blip>
+          <a:stretch>
+            <a:fillRect/>
+          </a:stretch>
+        </p:blipFill>
+        <p:spPr>
+          <a:xfrm>
+            <a:off x="450254" y="1629089"/>
+            <a:ext cx="3620021" cy="3620021"/>
+          </a:xfrm>
+          <a:prstGeom prst="rect">
+            <a:avLst/>
+          </a:prstGeom>
+        </p:spPr>
+      </p:pic>
+      <p:sp>
+        <p:nvSpPr>
+          <p:cNvPr id="23" name="Content Placeholder 2">
+            <a:extLst>
+              <a:ext uri="{FF2B5EF4-FFF2-40B4-BE49-F238E27FC236}">
+                <a16:creationId xmlns:a16="http://schemas.microsoft.com/office/drawing/2014/main" id="{FACA0E67-9418-4BAC-99E1-E61DC43AF6A1}"/>
+              </a:ext>
+            </a:extLst>
+          </p:cNvPr>
+          <p:cNvSpPr>
+            <a:spLocks noGrp="1"/>
+          </p:cNvSpPr>
+          <p:nvPr>
+            <p:ph idx="1"/>
+          </p:nvPr>
+        </p:nvSpPr>
+        <p:spPr>
+          <a:xfrm>
+            <a:off x="6090574" y="2421682"/>
+            <a:ext cx="4977578" cy="3639289"/>
+          </a:xfrm>
+        </p:spPr>
+        <p:txBody>
+          <a:bodyPr anchor="ctr">
+            <a:normAutofit/>
+          </a:bodyPr>
+          <a:lstStyle/>
+          <a:p>
+            <a:r>
+              <a:rPr lang="en-US" sz="2000">
+                <a:solidFill>
+                  <a:srgbClr val="000000"/>
+                </a:solidFill>
+              </a:rPr>
+              <a:t>Create a histogram containing 2 data series:</a:t>
+            </a:r>
+          </a:p>
+          <a:p>
+            <a:pPr lvl="1"/>
+            <a:r>
+              <a:rPr lang="en-US" sz="2000">
+                <a:solidFill>
+                  <a:srgbClr val="000000"/>
+                </a:solidFill>
+              </a:rPr>
+              <a:t>1 million normally distributed random values.</a:t>
+            </a:r>
+          </a:p>
+          <a:p>
+            <a:pPr lvl="1"/>
+            <a:r>
+              <a:rPr lang="en-US" sz="2000">
+                <a:solidFill>
+                  <a:srgbClr val="000000"/>
+                </a:solidFill>
+              </a:rPr>
+              <a:t>1 million uniformly distributed random values, with range from -4 to 4.</a:t>
+            </a:r>
+          </a:p>
+          <a:p>
+            <a:r>
+              <a:rPr lang="en-US" sz="2000">
+                <a:solidFill>
+                  <a:srgbClr val="000000"/>
+                </a:solidFill>
+              </a:rPr>
+              <a:t>Add a legend to the histogram indicating which color represents normal distribution and which for uniform distribution.</a:t>
+            </a:r>
+          </a:p>
+        </p:txBody>
+      </p:sp>
+    </p:spTree>
+    <p:extLst>
+      <p:ext uri="{BB962C8B-B14F-4D97-AF65-F5344CB8AC3E}">
+        <p14:creationId xmlns:p14="http://schemas.microsoft.com/office/powerpoint/2010/main" val="1553415064"/>
+      </p:ext>
+    </p:extLst>
+  </p:cSld>
+  <p:clrMapOvr>
+    <a:masterClrMapping/>
+  </p:clrMapOvr>
+</p:sld>
+</file>
+
+<file path=ppt/slides/slide15.xml><?xml version="1.0" encoding="utf-8"?>
+<p:sld xmlns:a="http://schemas.openxmlformats.org/drawingml/2006/main" xmlns:r="http://schemas.openxmlformats.org/officeDocument/2006/relationships" xmlns:p="http://schemas.openxmlformats.org/presentationml/2006/main">
+  <p:cSld>
+    <p:spTree>
+      <p:nvGrpSpPr>
+        <p:cNvPr id="1" name=""/>
+        <p:cNvGrpSpPr/>
+        <p:nvPr/>
+      </p:nvGrpSpPr>
+      <p:grpSpPr>
+        <a:xfrm>
+          <a:off x="0" y="0"/>
+          <a:ext cx="0" cy="0"/>
+          <a:chOff x="0" y="0"/>
+          <a:chExt cx="0" cy="0"/>
+        </a:xfrm>
+      </p:grpSpPr>
+      <p:sp>
+        <p:nvSpPr>
+          <p:cNvPr id="2" name="Title 1">
+            <a:extLst>
+              <a:ext uri="{FF2B5EF4-FFF2-40B4-BE49-F238E27FC236}">
+                <a16:creationId xmlns:a16="http://schemas.microsoft.com/office/drawing/2014/main" id="{E4B5C8D2-2EA1-4645-BFB8-A0DA557D50D8}"/>
+              </a:ext>
+            </a:extLst>
+          </p:cNvPr>
+          <p:cNvSpPr>
+            <a:spLocks noGrp="1"/>
+          </p:cNvSpPr>
+          <p:nvPr>
+            <p:ph type="title"/>
+          </p:nvPr>
+        </p:nvSpPr>
+        <p:spPr/>
+        <p:txBody>
+          <a:bodyPr/>
+          <a:lstStyle/>
+          <a:p>
+            <a:r>
+              <a:rPr lang="en-US" dirty="0"/>
+              <a:t>Homework assignment</a:t>
+            </a:r>
+          </a:p>
+        </p:txBody>
+      </p:sp>
+      <p:sp>
+        <p:nvSpPr>
+          <p:cNvPr id="3" name="Content Placeholder 2">
+            <a:extLst>
+              <a:ext uri="{FF2B5EF4-FFF2-40B4-BE49-F238E27FC236}">
+                <a16:creationId xmlns:a16="http://schemas.microsoft.com/office/drawing/2014/main" id="{E020889E-45AD-4AC6-8D6B-F1B98A38F671}"/>
+              </a:ext>
+            </a:extLst>
+          </p:cNvPr>
+          <p:cNvSpPr>
+            <a:spLocks noGrp="1"/>
+          </p:cNvSpPr>
+          <p:nvPr>
+            <p:ph idx="1"/>
+          </p:nvPr>
+        </p:nvSpPr>
+        <p:spPr/>
+        <p:txBody>
+          <a:bodyPr>
+            <a:normAutofit fontScale="77500" lnSpcReduction="20000"/>
+          </a:bodyPr>
+          <a:lstStyle/>
+          <a:p>
+            <a:r>
+              <a:rPr lang="en-US" dirty="0"/>
+              <a:t>Given the following quarterly sales data:</a:t>
+            </a:r>
+            <a:br>
+              <a:rPr lang="en-US" dirty="0"/>
+            </a:br>
+            <a:endParaRPr lang="en-US" dirty="0"/>
+          </a:p>
+          <a:p>
+            <a:endParaRPr lang="en-US" dirty="0"/>
+          </a:p>
+          <a:p>
+            <a:endParaRPr lang="en-US" dirty="0"/>
+          </a:p>
+          <a:p>
+            <a:endParaRPr lang="en-US" dirty="0"/>
+          </a:p>
+          <a:p>
+            <a:pPr lvl="1"/>
+            <a:endParaRPr lang="en-US" dirty="0"/>
+          </a:p>
+          <a:p>
+            <a:pPr lvl="1"/>
+            <a:endParaRPr lang="en-US" dirty="0"/>
+          </a:p>
+          <a:p>
+            <a:pPr lvl="1">
+              <a:lnSpc>
+                <a:spcPct val="120000"/>
+              </a:lnSpc>
+            </a:pPr>
+            <a:r>
+              <a:rPr lang="en-US" dirty="0"/>
+              <a:t>Plot a </a:t>
+            </a:r>
+            <a:r>
+              <a:rPr lang="en-US" dirty="0" err="1"/>
+              <a:t>barchart</a:t>
+            </a:r>
+            <a:r>
+              <a:rPr lang="en-US" dirty="0"/>
+              <a:t> with quarters on the horizontal axis, and sales on the vertical axis, showing each year as a separate bar, with a legend indicating years, as shown in the above chart.</a:t>
+            </a:r>
+            <a:br>
+              <a:rPr lang="en-US" dirty="0"/>
+            </a:br>
+            <a:endParaRPr lang="en-US" dirty="0"/>
+          </a:p>
+          <a:p>
+            <a:pPr lvl="1">
+              <a:lnSpc>
+                <a:spcPct val="120000"/>
+              </a:lnSpc>
+            </a:pPr>
+            <a:r>
+              <a:rPr lang="en-US" dirty="0"/>
+              <a:t>Plot a stacked </a:t>
+            </a:r>
+            <a:r>
+              <a:rPr lang="en-US" dirty="0" err="1"/>
+              <a:t>barchart</a:t>
+            </a:r>
+            <a:r>
+              <a:rPr lang="en-US" dirty="0"/>
+              <a:t> with years on the horizontal axis, and sales on the vertical axis. Each year’s bar should be a stack of Q1, Q2, Q3 and Q4 sales, with a legend indicating quarters.</a:t>
+            </a:r>
+          </a:p>
+          <a:p>
+            <a:pPr lvl="1"/>
+            <a:endParaRPr lang="en-US" dirty="0"/>
+          </a:p>
+          <a:p>
+            <a:pPr lvl="1"/>
+            <a:r>
+              <a:rPr lang="en-US" dirty="0"/>
+              <a:t>TIP: refer to matplotlib gallery for help! https://matplotlib.org/gallery.html</a:t>
+            </a:r>
+          </a:p>
+        </p:txBody>
+      </p:sp>
+      <p:graphicFrame>
+        <p:nvGraphicFramePr>
+          <p:cNvPr id="4" name="Table 3">
+            <a:extLst>
+              <a:ext uri="{FF2B5EF4-FFF2-40B4-BE49-F238E27FC236}">
+                <a16:creationId xmlns:a16="http://schemas.microsoft.com/office/drawing/2014/main" id="{864CFAA3-BD89-4F16-AA30-95D51D52DCF2}"/>
+              </a:ext>
+            </a:extLst>
+          </p:cNvPr>
+          <p:cNvGraphicFramePr>
+            <a:graphicFrameLocks noGrp="1"/>
+          </p:cNvGraphicFramePr>
+          <p:nvPr>
+            <p:extLst>
+              <p:ext uri="{D42A27DB-BD31-4B8C-83A1-F6EECF244321}">
+                <p14:modId xmlns:p14="http://schemas.microsoft.com/office/powerpoint/2010/main" val="3531863144"/>
+              </p:ext>
+            </p:extLst>
+          </p:nvPr>
+        </p:nvGraphicFramePr>
+        <p:xfrm>
+          <a:off x="1183860" y="2309927"/>
+          <a:ext cx="5283200" cy="1483360"/>
+        </p:xfrm>
+        <a:graphic>
+          <a:graphicData uri="http://schemas.openxmlformats.org/drawingml/2006/table">
+            <a:tbl>
+              <a:tblPr firstRow="1" firstCol="1" bandRow="1">
+                <a:tableStyleId>{5C22544A-7EE6-4342-B048-85BDC9FD1C3A}</a:tableStyleId>
+              </a:tblPr>
+              <a:tblGrid>
+                <a:gridCol w="1056640">
+                  <a:extLst>
+                    <a:ext uri="{9D8B030D-6E8A-4147-A177-3AD203B41FA5}">
+                      <a16:colId xmlns:a16="http://schemas.microsoft.com/office/drawing/2014/main" val="2018172643"/>
+                    </a:ext>
+                  </a:extLst>
+                </a:gridCol>
+                <a:gridCol w="1056640">
+                  <a:extLst>
+                    <a:ext uri="{9D8B030D-6E8A-4147-A177-3AD203B41FA5}">
+                      <a16:colId xmlns:a16="http://schemas.microsoft.com/office/drawing/2014/main" val="203018565"/>
+                    </a:ext>
+                  </a:extLst>
+                </a:gridCol>
+                <a:gridCol w="1056640">
+                  <a:extLst>
+                    <a:ext uri="{9D8B030D-6E8A-4147-A177-3AD203B41FA5}">
+                      <a16:colId xmlns:a16="http://schemas.microsoft.com/office/drawing/2014/main" val="1380080162"/>
+                    </a:ext>
+                  </a:extLst>
+                </a:gridCol>
+                <a:gridCol w="1056640">
+                  <a:extLst>
+                    <a:ext uri="{9D8B030D-6E8A-4147-A177-3AD203B41FA5}">
+                      <a16:colId xmlns:a16="http://schemas.microsoft.com/office/drawing/2014/main" val="793944594"/>
+                    </a:ext>
+                  </a:extLst>
+                </a:gridCol>
+                <a:gridCol w="1056640">
+                  <a:extLst>
+                    <a:ext uri="{9D8B030D-6E8A-4147-A177-3AD203B41FA5}">
+                      <a16:colId xmlns:a16="http://schemas.microsoft.com/office/drawing/2014/main" val="4209139228"/>
+                    </a:ext>
+                  </a:extLst>
+                </a:gridCol>
+              </a:tblGrid>
+              <a:tr h="370840">
+                <a:tc>
+                  <a:txBody>
+                    <a:bodyPr/>
+                    <a:lstStyle/>
+                    <a:p>
+                      <a:pPr algn="ctr"/>
+                      <a:endParaRPr lang="en-US" dirty="0"/>
+                    </a:p>
+                  </a:txBody>
+                  <a:tcPr/>
+                </a:tc>
+                <a:tc>
+                  <a:txBody>
+                    <a:bodyPr/>
+                    <a:lstStyle/>
+                    <a:p>
+                      <a:pPr algn="ctr"/>
+                      <a:r>
+                        <a:rPr lang="en-US" dirty="0"/>
+                        <a:t>Q1</a:t>
+                      </a:r>
+                    </a:p>
+                  </a:txBody>
+                  <a:tcPr/>
+                </a:tc>
+                <a:tc>
+                  <a:txBody>
+                    <a:bodyPr/>
+                    <a:lstStyle/>
+                    <a:p>
+                      <a:pPr algn="ctr"/>
+                      <a:r>
+                        <a:rPr lang="en-US" dirty="0"/>
+                        <a:t>Q2</a:t>
+                      </a:r>
+                    </a:p>
+                  </a:txBody>
+                  <a:tcPr/>
+                </a:tc>
+                <a:tc>
+                  <a:txBody>
+                    <a:bodyPr/>
+                    <a:lstStyle/>
+                    <a:p>
+                      <a:pPr algn="ctr"/>
+                      <a:r>
+                        <a:rPr lang="en-US" dirty="0"/>
+                        <a:t>Q3</a:t>
+                      </a:r>
+                    </a:p>
+                  </a:txBody>
+                  <a:tcPr/>
+                </a:tc>
+                <a:tc>
+                  <a:txBody>
+                    <a:bodyPr/>
+                    <a:lstStyle/>
+                    <a:p>
+                      <a:pPr algn="ctr"/>
+                      <a:r>
+                        <a:rPr lang="en-US" dirty="0"/>
+                        <a:t>Q4</a:t>
+                      </a:r>
+                    </a:p>
+                  </a:txBody>
+                  <a:tcPr/>
+                </a:tc>
+                <a:extLst>
+                  <a:ext uri="{0D108BD9-81ED-4DB2-BD59-A6C34878D82A}">
+                    <a16:rowId xmlns:a16="http://schemas.microsoft.com/office/drawing/2014/main" val="588971375"/>
+                  </a:ext>
+                </a:extLst>
+              </a:tr>
+              <a:tr h="370840">
+                <a:tc>
+                  <a:txBody>
+                    <a:bodyPr/>
+                    <a:lstStyle/>
+                    <a:p>
+                      <a:pPr algn="ctr"/>
+                      <a:r>
+                        <a:rPr lang="en-US" dirty="0"/>
+                        <a:t>2017</a:t>
+                      </a:r>
+                    </a:p>
+                  </a:txBody>
+                  <a:tcPr/>
+                </a:tc>
+                <a:tc>
+                  <a:txBody>
+                    <a:bodyPr/>
+                    <a:lstStyle/>
+                    <a:p>
+                      <a:pPr algn="r"/>
+                      <a:r>
+                        <a:rPr lang="en-US" dirty="0"/>
+                        <a:t>425</a:t>
+                      </a:r>
+                    </a:p>
+                  </a:txBody>
+                  <a:tcPr/>
+                </a:tc>
+                <a:tc>
+                  <a:txBody>
+                    <a:bodyPr/>
+                    <a:lstStyle/>
+                    <a:p>
+                      <a:pPr algn="r"/>
+                      <a:r>
+                        <a:rPr lang="en-US" dirty="0"/>
+                        <a:t>366</a:t>
+                      </a:r>
+                    </a:p>
+                  </a:txBody>
+                  <a:tcPr/>
+                </a:tc>
+                <a:tc>
+                  <a:txBody>
+                    <a:bodyPr/>
+                    <a:lstStyle/>
+                    <a:p>
+                      <a:pPr algn="r"/>
+                      <a:r>
+                        <a:rPr lang="en-US" dirty="0"/>
+                        <a:t>498</a:t>
+                      </a:r>
+                    </a:p>
+                  </a:txBody>
+                  <a:tcPr/>
+                </a:tc>
+                <a:tc>
+                  <a:txBody>
+                    <a:bodyPr/>
+                    <a:lstStyle/>
+                    <a:p>
+                      <a:pPr algn="r"/>
+                      <a:r>
+                        <a:rPr lang="en-US" dirty="0"/>
+                        <a:t>403</a:t>
+                      </a:r>
+                    </a:p>
+                  </a:txBody>
+                  <a:tcPr/>
+                </a:tc>
+                <a:extLst>
+                  <a:ext uri="{0D108BD9-81ED-4DB2-BD59-A6C34878D82A}">
+                    <a16:rowId xmlns:a16="http://schemas.microsoft.com/office/drawing/2014/main" val="3057096566"/>
+                  </a:ext>
+                </a:extLst>
+              </a:tr>
+              <a:tr h="370840">
+                <a:tc>
+                  <a:txBody>
+                    <a:bodyPr/>
+                    <a:lstStyle/>
+                    <a:p>
+                      <a:pPr algn="ctr"/>
+                      <a:r>
+                        <a:rPr lang="en-US" dirty="0"/>
+                        <a:t>2018</a:t>
+                      </a:r>
+                    </a:p>
+                  </a:txBody>
+                  <a:tcPr/>
+                </a:tc>
+                <a:tc>
+                  <a:txBody>
+                    <a:bodyPr/>
+                    <a:lstStyle/>
+                    <a:p>
+                      <a:pPr algn="r"/>
+                      <a:r>
+                        <a:rPr lang="en-US" dirty="0"/>
+                        <a:t>486</a:t>
+                      </a:r>
+                    </a:p>
+                  </a:txBody>
+                  <a:tcPr/>
+                </a:tc>
+                <a:tc>
+                  <a:txBody>
+                    <a:bodyPr/>
+                    <a:lstStyle/>
+                    <a:p>
+                      <a:pPr algn="r"/>
+                      <a:r>
+                        <a:rPr lang="en-US" dirty="0"/>
+                        <a:t>385</a:t>
+                      </a:r>
+                    </a:p>
+                  </a:txBody>
+                  <a:tcPr/>
+                </a:tc>
+                <a:tc>
+                  <a:txBody>
+                    <a:bodyPr/>
+                    <a:lstStyle/>
+                    <a:p>
+                      <a:pPr algn="r"/>
+                      <a:r>
+                        <a:rPr lang="en-US" dirty="0"/>
+                        <a:t>546</a:t>
+                      </a:r>
+                    </a:p>
+                  </a:txBody>
+                  <a:tcPr/>
+                </a:tc>
+                <a:tc>
+                  <a:txBody>
+                    <a:bodyPr/>
+                    <a:lstStyle/>
+                    <a:p>
+                      <a:pPr algn="r"/>
+                      <a:r>
+                        <a:rPr lang="en-US" dirty="0"/>
+                        <a:t>432</a:t>
+                      </a:r>
+                    </a:p>
+                  </a:txBody>
+                  <a:tcPr/>
+                </a:tc>
+                <a:extLst>
+                  <a:ext uri="{0D108BD9-81ED-4DB2-BD59-A6C34878D82A}">
+                    <a16:rowId xmlns:a16="http://schemas.microsoft.com/office/drawing/2014/main" val="1105493722"/>
+                  </a:ext>
+                </a:extLst>
+              </a:tr>
+              <a:tr h="370840">
+                <a:tc>
+                  <a:txBody>
+                    <a:bodyPr/>
+                    <a:lstStyle/>
+                    <a:p>
+                      <a:pPr algn="ctr"/>
+                      <a:r>
+                        <a:rPr lang="en-US" dirty="0"/>
+                        <a:t>2019</a:t>
+                      </a:r>
+                    </a:p>
+                  </a:txBody>
+                  <a:tcPr/>
+                </a:tc>
+                <a:tc>
+                  <a:txBody>
+                    <a:bodyPr/>
+                    <a:lstStyle/>
+                    <a:p>
+                      <a:pPr algn="r"/>
+                      <a:r>
+                        <a:rPr lang="en-US" dirty="0"/>
+                        <a:t>474</a:t>
+                      </a:r>
+                    </a:p>
+                  </a:txBody>
+                  <a:tcPr/>
+                </a:tc>
+                <a:tc>
+                  <a:txBody>
+                    <a:bodyPr/>
+                    <a:lstStyle/>
+                    <a:p>
+                      <a:pPr algn="r"/>
+                      <a:r>
+                        <a:rPr lang="en-US" dirty="0"/>
+                        <a:t>390</a:t>
+                      </a:r>
+                    </a:p>
+                  </a:txBody>
+                  <a:tcPr/>
+                </a:tc>
+                <a:tc>
+                  <a:txBody>
+                    <a:bodyPr/>
+                    <a:lstStyle/>
+                    <a:p>
+                      <a:pPr algn="r"/>
+                      <a:r>
+                        <a:rPr lang="en-US" dirty="0"/>
+                        <a:t>538</a:t>
+                      </a:r>
+                    </a:p>
+                  </a:txBody>
+                  <a:tcPr/>
+                </a:tc>
+                <a:tc>
+                  <a:txBody>
+                    <a:bodyPr/>
+                    <a:lstStyle/>
+                    <a:p>
+                      <a:pPr algn="r"/>
+                      <a:r>
+                        <a:rPr lang="en-US" dirty="0"/>
+                        <a:t>412</a:t>
+                      </a:r>
+                    </a:p>
+                  </a:txBody>
+                  <a:tcPr/>
+                </a:tc>
+                <a:extLst>
+                  <a:ext uri="{0D108BD9-81ED-4DB2-BD59-A6C34878D82A}">
+                    <a16:rowId xmlns:a16="http://schemas.microsoft.com/office/drawing/2014/main" val="208368489"/>
+                  </a:ext>
+                </a:extLst>
+              </a:tr>
+            </a:tbl>
+          </a:graphicData>
+        </a:graphic>
+      </p:graphicFrame>
+      <p:graphicFrame>
+        <p:nvGraphicFramePr>
+          <p:cNvPr id="10" name="Chart 9">
+            <a:extLst>
+              <a:ext uri="{FF2B5EF4-FFF2-40B4-BE49-F238E27FC236}">
+                <a16:creationId xmlns:a16="http://schemas.microsoft.com/office/drawing/2014/main" id="{E770B913-A4A4-429C-8414-7172967B8A5E}"/>
+              </a:ext>
+            </a:extLst>
+          </p:cNvPr>
+          <p:cNvGraphicFramePr/>
+          <p:nvPr>
+            <p:extLst>
+              <p:ext uri="{D42A27DB-BD31-4B8C-83A1-F6EECF244321}">
+                <p14:modId xmlns:p14="http://schemas.microsoft.com/office/powerpoint/2010/main" val="2928838575"/>
+              </p:ext>
+            </p:extLst>
+          </p:nvPr>
+        </p:nvGraphicFramePr>
+        <p:xfrm>
+          <a:off x="7125253" y="1690688"/>
+          <a:ext cx="3882887" cy="2383676"/>
+        </p:xfrm>
+        <a:graphic>
+          <a:graphicData uri="http://schemas.openxmlformats.org/drawingml/2006/chart">
+            <c:chart xmlns:c="http://schemas.openxmlformats.org/drawingml/2006/chart" xmlns:r="http://schemas.openxmlformats.org/officeDocument/2006/relationships" r:id="rId2"/>
+          </a:graphicData>
+        </a:graphic>
+      </p:graphicFrame>
+    </p:spTree>
+    <p:extLst>
+      <p:ext uri="{BB962C8B-B14F-4D97-AF65-F5344CB8AC3E}">
+        <p14:creationId xmlns:p14="http://schemas.microsoft.com/office/powerpoint/2010/main" val="1981020890"/>
+      </p:ext>
+    </p:extLst>
+  </p:cSld>
+  <p:clrMapOvr>
+    <a:masterClrMapping/>
+  </p:clrMapOvr>
+</p:sld>
+</file>
+
+<file path=ppt/slides/slide16.xml><?xml version="1.0" encoding="utf-8"?>
+<p:sld xmlns:a="http://schemas.openxmlformats.org/drawingml/2006/main" xmlns:r="http://schemas.openxmlformats.org/officeDocument/2006/relationships" xmlns:p="http://schemas.openxmlformats.org/presentationml/2006/main">
+  <p:cSld>
     <p:spTree>
       <p:nvGrpSpPr>
         <p:cNvPr id="1" name=""/>
@@ -8283,7 +10333,7 @@
 </p:sld>
 </file>
 
-<file path=ppt/slides/slide15.xml><?xml version="1.0" encoding="utf-8"?>
+<file path=ppt/slides/slide17.xml><?xml version="1.0" encoding="utf-8"?>
 <p:sld xmlns:a="http://schemas.openxmlformats.org/drawingml/2006/main" xmlns:r="http://schemas.openxmlformats.org/officeDocument/2006/relationships" xmlns:p="http://schemas.openxmlformats.org/presentationml/2006/main">
   <p:cSld>
     <p:bg>
@@ -8778,7 +10828,7 @@
 </p:sld>
 </file>
 
-<file path=ppt/slides/slide16.xml><?xml version="1.0" encoding="utf-8"?>
+<file path=ppt/slides/slide18.xml><?xml version="1.0" encoding="utf-8"?>
 <p:sld xmlns:a="http://schemas.openxmlformats.org/drawingml/2006/main" xmlns:r="http://schemas.openxmlformats.org/officeDocument/2006/relationships" xmlns:p="http://schemas.openxmlformats.org/presentationml/2006/main">
   <p:cSld>
     <p:bg>
@@ -9087,7 +11137,7 @@
 </p:sld>
 </file>
 
-<file path=ppt/slides/slide17.xml><?xml version="1.0" encoding="utf-8"?>
+<file path=ppt/slides/slide19.xml><?xml version="1.0" encoding="utf-8"?>
 <p:sld xmlns:a="http://schemas.openxmlformats.org/drawingml/2006/main" xmlns:r="http://schemas.openxmlformats.org/officeDocument/2006/relationships" xmlns:p="http://schemas.openxmlformats.org/presentationml/2006/main">
   <p:cSld>
     <p:spTree>
@@ -9180,7 +11230,629 @@
 </p:sld>
 </file>
 
-<file path=ppt/slides/slide18.xml><?xml version="1.0" encoding="utf-8"?>
+<file path=ppt/slides/slide2.xml><?xml version="1.0" encoding="utf-8"?>
+<p:sld xmlns:a="http://schemas.openxmlformats.org/drawingml/2006/main" xmlns:r="http://schemas.openxmlformats.org/officeDocument/2006/relationships" xmlns:p="http://schemas.openxmlformats.org/presentationml/2006/main">
+  <p:cSld>
+    <p:bg>
+      <p:bgPr>
+        <a:solidFill>
+          <a:schemeClr val="bg1"/>
+        </a:solidFill>
+        <a:effectLst/>
+      </p:bgPr>
+    </p:bg>
+    <p:spTree>
+      <p:nvGrpSpPr>
+        <p:cNvPr id="1" name=""/>
+        <p:cNvGrpSpPr/>
+        <p:nvPr/>
+      </p:nvGrpSpPr>
+      <p:grpSpPr>
+        <a:xfrm>
+          <a:off x="0" y="0"/>
+          <a:ext cx="0" cy="0"/>
+          <a:chOff x="0" y="0"/>
+          <a:chExt cx="0" cy="0"/>
+        </a:xfrm>
+      </p:grpSpPr>
+      <p:sp>
+        <p:nvSpPr>
+          <p:cNvPr id="10" name="Rectangle 9">
+            <a:extLst>
+              <a:ext uri="{FF2B5EF4-FFF2-40B4-BE49-F238E27FC236}">
+                <a16:creationId xmlns:a16="http://schemas.microsoft.com/office/drawing/2014/main" id="{AFA67CD3-AB4E-4A7A-BEB8-53C445D8C44E}"/>
+              </a:ext>
+              <a:ext uri="{C183D7F6-B498-43B3-948B-1728B52AA6E4}">
+                <adec:decorative xmlns:adec="http://schemas.microsoft.com/office/drawing/2017/decorative" val="1"/>
+              </a:ext>
+            </a:extLst>
+          </p:cNvPr>
+          <p:cNvSpPr>
+            <a:spLocks noGrp="1" noRot="1" noChangeAspect="1" noMove="1" noResize="1" noEditPoints="1" noAdjustHandles="1" noChangeArrowheads="1" noChangeShapeType="1" noTextEdit="1"/>
+          </p:cNvSpPr>
+          <p:nvPr>
+            <p:extLst>
+              <p:ext uri="{386F3935-93C4-4BCD-93E2-E3B085C9AB24}">
+                <p16:designElem xmlns:p16="http://schemas.microsoft.com/office/powerpoint/2015/main" val="1"/>
+              </p:ext>
+            </p:extLst>
+          </p:nvPr>
+        </p:nvSpPr>
+        <p:spPr>
+          <a:xfrm>
+            <a:off x="1" y="3726"/>
+            <a:ext cx="5614875" cy="6858000"/>
+          </a:xfrm>
+          <a:prstGeom prst="rect">
+            <a:avLst/>
+          </a:prstGeom>
+          <a:gradFill>
+            <a:gsLst>
+              <a:gs pos="0">
+                <a:schemeClr val="accent6"/>
+              </a:gs>
+              <a:gs pos="25000">
+                <a:schemeClr val="accent6"/>
+              </a:gs>
+              <a:gs pos="94000">
+                <a:schemeClr val="accent1"/>
+              </a:gs>
+              <a:gs pos="100000">
+                <a:schemeClr val="accent1"/>
+              </a:gs>
+            </a:gsLst>
+            <a:lin ang="4200000" scaled="0"/>
+          </a:gradFill>
+          <a:ln>
+            <a:noFill/>
+          </a:ln>
+        </p:spPr>
+        <p:style>
+          <a:lnRef idx="2">
+            <a:schemeClr val="accent1">
+              <a:shade val="50000"/>
+            </a:schemeClr>
+          </a:lnRef>
+          <a:fillRef idx="1">
+            <a:schemeClr val="accent1"/>
+          </a:fillRef>
+          <a:effectRef idx="0">
+            <a:schemeClr val="accent1"/>
+          </a:effectRef>
+          <a:fontRef idx="minor">
+            <a:schemeClr val="lt1"/>
+          </a:fontRef>
+        </p:style>
+        <p:txBody>
+          <a:bodyPr rtlCol="0" anchor="ctr"/>
+          <a:lstStyle/>
+          <a:p>
+            <a:pPr algn="ctr"/>
+            <a:endParaRPr lang="en-US"/>
+          </a:p>
+        </p:txBody>
+      </p:sp>
+      <p:pic>
+        <p:nvPicPr>
+          <p:cNvPr id="12" name="Picture 11">
+            <a:extLst>
+              <a:ext uri="{FF2B5EF4-FFF2-40B4-BE49-F238E27FC236}">
+                <a16:creationId xmlns:a16="http://schemas.microsoft.com/office/drawing/2014/main" id="{07CF545F-9C2E-4446-97CD-AD92990C2B68}"/>
+              </a:ext>
+              <a:ext uri="{C183D7F6-B498-43B3-948B-1728B52AA6E4}">
+                <adec:decorative xmlns:adec="http://schemas.microsoft.com/office/drawing/2017/decorative" val="1"/>
+              </a:ext>
+            </a:extLst>
+          </p:cNvPr>
+          <p:cNvPicPr>
+            <a:picLocks noGrp="1" noRot="1" noChangeAspect="1" noMove="1" noResize="1" noEditPoints="1" noAdjustHandles="1" noChangeArrowheads="1" noChangeShapeType="1" noCrop="1"/>
+          </p:cNvPicPr>
+          <p:nvPr>
+            <p:extLst>
+              <p:ext uri="{386F3935-93C4-4BCD-93E2-E3B085C9AB24}">
+                <p16:designElem xmlns:p16="http://schemas.microsoft.com/office/powerpoint/2015/main" val="1"/>
+              </p:ext>
+            </p:extLst>
+          </p:nvPr>
+        </p:nvPicPr>
+        <p:blipFill>
+          <a:blip r:embed="rId2">
+            <a:extLst>
+              <a:ext uri="{28A0092B-C50C-407E-A947-70E740481C1C}">
+                <a14:useLocalDpi xmlns:a14="http://schemas.microsoft.com/office/drawing/2010/main" val="0"/>
+              </a:ext>
+            </a:extLst>
+          </a:blip>
+          <a:stretch>
+            <a:fillRect/>
+          </a:stretch>
+        </p:blipFill>
+        <p:spPr>
+          <a:xfrm>
+            <a:off x="0" y="0"/>
+            <a:ext cx="12192000" cy="6858000"/>
+          </a:xfrm>
+          <a:prstGeom prst="rect">
+            <a:avLst/>
+          </a:prstGeom>
+        </p:spPr>
+      </p:pic>
+      <p:sp>
+        <p:nvSpPr>
+          <p:cNvPr id="2" name="Title 1">
+            <a:extLst>
+              <a:ext uri="{FF2B5EF4-FFF2-40B4-BE49-F238E27FC236}">
+                <a16:creationId xmlns:a16="http://schemas.microsoft.com/office/drawing/2014/main" id="{681BFD9F-8D2D-422B-B38B-9D170D11248E}"/>
+              </a:ext>
+            </a:extLst>
+          </p:cNvPr>
+          <p:cNvSpPr>
+            <a:spLocks noGrp="1"/>
+          </p:cNvSpPr>
+          <p:nvPr>
+            <p:ph type="title"/>
+          </p:nvPr>
+        </p:nvSpPr>
+        <p:spPr>
+          <a:xfrm>
+            <a:off x="6094105" y="802955"/>
+            <a:ext cx="4977976" cy="1454051"/>
+          </a:xfrm>
+        </p:spPr>
+        <p:txBody>
+          <a:bodyPr>
+            <a:normAutofit/>
+          </a:bodyPr>
+          <a:lstStyle/>
+          <a:p>
+            <a:r>
+              <a:rPr lang="en-US">
+                <a:solidFill>
+                  <a:srgbClr val="000000"/>
+                </a:solidFill>
+              </a:rPr>
+              <a:t>About Gene IT Solutions</a:t>
+            </a:r>
+          </a:p>
+        </p:txBody>
+      </p:sp>
+      <p:sp>
+        <p:nvSpPr>
+          <p:cNvPr id="14" name="Freeform 62">
+            <a:extLst>
+              <a:ext uri="{FF2B5EF4-FFF2-40B4-BE49-F238E27FC236}">
+                <a16:creationId xmlns:a16="http://schemas.microsoft.com/office/drawing/2014/main" id="{339C8D78-A644-462F-B674-F440635E5353}"/>
+              </a:ext>
+              <a:ext uri="{C183D7F6-B498-43B3-948B-1728B52AA6E4}">
+                <adec:decorative xmlns:adec="http://schemas.microsoft.com/office/drawing/2017/decorative" val="1"/>
+              </a:ext>
+            </a:extLst>
+          </p:cNvPr>
+          <p:cNvSpPr>
+            <a:spLocks noGrp="1" noRot="1" noChangeAspect="1" noMove="1" noResize="1" noEditPoints="1" noAdjustHandles="1" noChangeArrowheads="1" noChangeShapeType="1" noTextEdit="1"/>
+          </p:cNvSpPr>
+          <p:nvPr>
+            <p:extLst>
+              <p:ext uri="{386F3935-93C4-4BCD-93E2-E3B085C9AB24}">
+                <p16:designElem xmlns:p16="http://schemas.microsoft.com/office/powerpoint/2015/main" val="1"/>
+              </p:ext>
+            </p:extLst>
+          </p:nvPr>
+        </p:nvSpPr>
+        <p:spPr>
+          <a:xfrm>
+            <a:off x="0" y="738619"/>
+            <a:ext cx="5000438" cy="5400962"/>
+          </a:xfrm>
+          <a:custGeom>
+            <a:avLst/>
+            <a:gdLst>
+              <a:gd name="connsiteX0" fmla="*/ 2299956 w 5000438"/>
+              <a:gd name="connsiteY0" fmla="*/ 0 h 5400962"/>
+              <a:gd name="connsiteX1" fmla="*/ 5000438 w 5000438"/>
+              <a:gd name="connsiteY1" fmla="*/ 2700481 h 5400962"/>
+              <a:gd name="connsiteX2" fmla="*/ 2299956 w 5000438"/>
+              <a:gd name="connsiteY2" fmla="*/ 5400962 h 5400962"/>
+              <a:gd name="connsiteX3" fmla="*/ 60675 w 5000438"/>
+              <a:gd name="connsiteY3" fmla="*/ 4210346 h 5400962"/>
+              <a:gd name="connsiteX4" fmla="*/ 0 w 5000438"/>
+              <a:gd name="connsiteY4" fmla="*/ 4110472 h 5400962"/>
+              <a:gd name="connsiteX5" fmla="*/ 0 w 5000438"/>
+              <a:gd name="connsiteY5" fmla="*/ 1290491 h 5400962"/>
+              <a:gd name="connsiteX6" fmla="*/ 60675 w 5000438"/>
+              <a:gd name="connsiteY6" fmla="*/ 1190617 h 5400962"/>
+              <a:gd name="connsiteX7" fmla="*/ 2299956 w 5000438"/>
+              <a:gd name="connsiteY7" fmla="*/ 0 h 5400962"/>
+            </a:gdLst>
+            <a:ahLst/>
+            <a:cxnLst>
+              <a:cxn ang="0">
+                <a:pos x="connsiteX0" y="connsiteY0"/>
+              </a:cxn>
+              <a:cxn ang="0">
+                <a:pos x="connsiteX1" y="connsiteY1"/>
+              </a:cxn>
+              <a:cxn ang="0">
+                <a:pos x="connsiteX2" y="connsiteY2"/>
+              </a:cxn>
+              <a:cxn ang="0">
+                <a:pos x="connsiteX3" y="connsiteY3"/>
+              </a:cxn>
+              <a:cxn ang="0">
+                <a:pos x="connsiteX4" y="connsiteY4"/>
+              </a:cxn>
+              <a:cxn ang="0">
+                <a:pos x="connsiteX5" y="connsiteY5"/>
+              </a:cxn>
+              <a:cxn ang="0">
+                <a:pos x="connsiteX6" y="connsiteY6"/>
+              </a:cxn>
+              <a:cxn ang="0">
+                <a:pos x="connsiteX7" y="connsiteY7"/>
+              </a:cxn>
+            </a:cxnLst>
+            <a:rect l="l" t="t" r="r" b="b"/>
+            <a:pathLst>
+              <a:path w="5000438" h="5400962">
+                <a:moveTo>
+                  <a:pt x="2299956" y="0"/>
+                </a:moveTo>
+                <a:cubicBezTo>
+                  <a:pt x="3791390" y="0"/>
+                  <a:pt x="5000438" y="1209047"/>
+                  <a:pt x="5000438" y="2700481"/>
+                </a:cubicBezTo>
+                <a:cubicBezTo>
+                  <a:pt x="5000438" y="4191915"/>
+                  <a:pt x="3791390" y="5400962"/>
+                  <a:pt x="2299956" y="5400962"/>
+                </a:cubicBezTo>
+                <a:cubicBezTo>
+                  <a:pt x="1367810" y="5400962"/>
+                  <a:pt x="545971" y="4928678"/>
+                  <a:pt x="60675" y="4210346"/>
+                </a:cubicBezTo>
+                <a:lnTo>
+                  <a:pt x="0" y="4110472"/>
+                </a:lnTo>
+                <a:lnTo>
+                  <a:pt x="0" y="1290491"/>
+                </a:lnTo>
+                <a:lnTo>
+                  <a:pt x="60675" y="1190617"/>
+                </a:lnTo>
+                <a:cubicBezTo>
+                  <a:pt x="545971" y="472284"/>
+                  <a:pt x="1367810" y="0"/>
+                  <a:pt x="2299956" y="0"/>
+                </a:cubicBezTo>
+                <a:close/>
+              </a:path>
+            </a:pathLst>
+          </a:custGeom>
+          <a:solidFill>
+            <a:srgbClr val="FFFFFF"/>
+          </a:solidFill>
+          <a:ln>
+            <a:gradFill>
+              <a:gsLst>
+                <a:gs pos="0">
+                  <a:schemeClr val="accent6"/>
+                </a:gs>
+                <a:gs pos="23000">
+                  <a:schemeClr val="accent6"/>
+                </a:gs>
+                <a:gs pos="83000">
+                  <a:schemeClr val="accent1"/>
+                </a:gs>
+                <a:gs pos="100000">
+                  <a:schemeClr val="accent1"/>
+                </a:gs>
+              </a:gsLst>
+              <a:lin ang="5400000" scaled="1"/>
+            </a:gradFill>
+          </a:ln>
+        </p:spPr>
+        <p:style>
+          <a:lnRef idx="2">
+            <a:schemeClr val="accent1">
+              <a:shade val="50000"/>
+            </a:schemeClr>
+          </a:lnRef>
+          <a:fillRef idx="1">
+            <a:schemeClr val="accent1"/>
+          </a:fillRef>
+          <a:effectRef idx="0">
+            <a:schemeClr val="accent1"/>
+          </a:effectRef>
+          <a:fontRef idx="minor">
+            <a:schemeClr val="lt1"/>
+          </a:fontRef>
+        </p:style>
+        <p:txBody>
+          <a:bodyPr wrap="square" rtlCol="0" anchor="ctr">
+            <a:noAutofit/>
+          </a:bodyPr>
+          <a:lstStyle/>
+          <a:p>
+            <a:pPr algn="ctr"/>
+            <a:endParaRPr lang="en-US"/>
+          </a:p>
+        </p:txBody>
+      </p:sp>
+      <p:pic>
+        <p:nvPicPr>
+          <p:cNvPr id="39" name="Picture 38">
+            <a:extLst>
+              <a:ext uri="{FF2B5EF4-FFF2-40B4-BE49-F238E27FC236}">
+                <a16:creationId xmlns:a16="http://schemas.microsoft.com/office/drawing/2014/main" id="{8C497669-1ABC-4342-B470-6B35EE22D1DC}"/>
+              </a:ext>
+            </a:extLst>
+          </p:cNvPr>
+          <p:cNvPicPr>
+            <a:picLocks noChangeAspect="1"/>
+          </p:cNvPicPr>
+          <p:nvPr/>
+        </p:nvPicPr>
+        <p:blipFill>
+          <a:blip r:embed="rId3">
+            <a:extLst>
+              <a:ext uri="{28A0092B-C50C-407E-A947-70E740481C1C}">
+                <a14:useLocalDpi xmlns:a14="http://schemas.microsoft.com/office/drawing/2010/main" val="0"/>
+              </a:ext>
+            </a:extLst>
+          </a:blip>
+          <a:stretch>
+            <a:fillRect/>
+          </a:stretch>
+        </p:blipFill>
+        <p:spPr>
+          <a:xfrm>
+            <a:off x="2719195" y="2814539"/>
+            <a:ext cx="1659496" cy="2323295"/>
+          </a:xfrm>
+          <a:prstGeom prst="rect">
+            <a:avLst/>
+          </a:prstGeom>
+        </p:spPr>
+      </p:pic>
+      <p:sp>
+        <p:nvSpPr>
+          <p:cNvPr id="40" name="Content Placeholder 2">
+            <a:extLst>
+              <a:ext uri="{FF2B5EF4-FFF2-40B4-BE49-F238E27FC236}">
+                <a16:creationId xmlns:a16="http://schemas.microsoft.com/office/drawing/2014/main" id="{C621F049-B111-474B-9B41-ACC4F3AE34DE}"/>
+              </a:ext>
+            </a:extLst>
+          </p:cNvPr>
+          <p:cNvSpPr>
+            <a:spLocks noGrp="1"/>
+          </p:cNvSpPr>
+          <p:nvPr>
+            <p:ph idx="1"/>
+          </p:nvPr>
+        </p:nvSpPr>
+        <p:spPr>
+          <a:xfrm>
+            <a:off x="6090574" y="2421682"/>
+            <a:ext cx="4977578" cy="3639289"/>
+          </a:xfrm>
+        </p:spPr>
+        <p:txBody>
+          <a:bodyPr anchor="ctr">
+            <a:normAutofit fontScale="92500" lnSpcReduction="10000"/>
+          </a:bodyPr>
+          <a:lstStyle/>
+          <a:p>
+            <a:r>
+              <a:rPr lang="en-US" sz="2000" dirty="0">
+                <a:solidFill>
+                  <a:srgbClr val="000000"/>
+                </a:solidFill>
+              </a:rPr>
+              <a:t>AKA </a:t>
+            </a:r>
+            <a:r>
+              <a:rPr lang="en-US" sz="2000" dirty="0" err="1">
+                <a:solidFill>
+                  <a:srgbClr val="000000"/>
+                </a:solidFill>
+              </a:rPr>
+              <a:t>BigProf</a:t>
+            </a:r>
+            <a:r>
+              <a:rPr lang="en-US" sz="2000" dirty="0">
+                <a:solidFill>
+                  <a:srgbClr val="000000"/>
+                </a:solidFill>
+              </a:rPr>
+              <a:t> Software, </a:t>
+            </a:r>
+            <a:r>
+              <a:rPr lang="en-US" sz="2000" dirty="0">
+                <a:solidFill>
+                  <a:srgbClr val="000000"/>
+                </a:solidFill>
+                <a:hlinkClick r:id="rId4"/>
+              </a:rPr>
+              <a:t>bigprof.com</a:t>
+            </a:r>
+            <a:endParaRPr lang="en-US" sz="2000" dirty="0">
+              <a:solidFill>
+                <a:srgbClr val="000000"/>
+              </a:solidFill>
+            </a:endParaRPr>
+          </a:p>
+          <a:p>
+            <a:r>
+              <a:rPr lang="en-US" sz="2000" dirty="0">
+                <a:solidFill>
+                  <a:srgbClr val="000000"/>
+                </a:solidFill>
+              </a:rPr>
+              <a:t>Established since 2003.</a:t>
+            </a:r>
+          </a:p>
+          <a:p>
+            <a:r>
+              <a:rPr lang="en-US" sz="2000" dirty="0">
+                <a:solidFill>
+                  <a:srgbClr val="000000"/>
+                </a:solidFill>
+              </a:rPr>
+              <a:t>Developers of </a:t>
+            </a:r>
+            <a:r>
+              <a:rPr lang="en-US" sz="2000" dirty="0" err="1">
+                <a:solidFill>
+                  <a:srgbClr val="000000"/>
+                </a:solidFill>
+              </a:rPr>
+              <a:t>AppGini</a:t>
+            </a:r>
+            <a:r>
+              <a:rPr lang="en-US" sz="2000" dirty="0">
+                <a:solidFill>
+                  <a:srgbClr val="000000"/>
+                </a:solidFill>
+              </a:rPr>
+              <a:t>, one of the fastest and easiest tools for small businesses to create powerful web-based multi-user business applications, without writing any code.</a:t>
+            </a:r>
+          </a:p>
+          <a:p>
+            <a:r>
+              <a:rPr lang="en-US" sz="2000" dirty="0">
+                <a:solidFill>
+                  <a:srgbClr val="000000"/>
+                </a:solidFill>
+              </a:rPr>
+              <a:t>Over 100,000 users world-wide.</a:t>
+            </a:r>
+          </a:p>
+          <a:p>
+            <a:r>
+              <a:rPr lang="en-US" sz="2000" dirty="0">
+                <a:solidFill>
+                  <a:srgbClr val="000000"/>
+                </a:solidFill>
+              </a:rPr>
+              <a:t>We believe in open source, and in users having full control of their business tools.</a:t>
+            </a:r>
+          </a:p>
+          <a:p>
+            <a:r>
+              <a:rPr lang="en-US" sz="2000" dirty="0">
+                <a:solidFill>
+                  <a:srgbClr val="000000"/>
+                </a:solidFill>
+              </a:rPr>
+              <a:t>We recently launched a plugins market place to expand our tool set .. And you’re welcome to join!</a:t>
+            </a:r>
+          </a:p>
+        </p:txBody>
+      </p:sp>
+      <p:pic>
+        <p:nvPicPr>
+          <p:cNvPr id="6" name="Picture 5">
+            <a:extLst>
+              <a:ext uri="{FF2B5EF4-FFF2-40B4-BE49-F238E27FC236}">
+                <a16:creationId xmlns:a16="http://schemas.microsoft.com/office/drawing/2014/main" id="{C1E991F4-9F51-47F7-AA6E-7C137D2CA096}"/>
+              </a:ext>
+            </a:extLst>
+          </p:cNvPr>
+          <p:cNvPicPr>
+            <a:picLocks noChangeAspect="1"/>
+          </p:cNvPicPr>
+          <p:nvPr/>
+        </p:nvPicPr>
+        <p:blipFill>
+          <a:blip r:embed="rId5">
+            <a:duotone>
+              <a:schemeClr val="accent1">
+                <a:shade val="45000"/>
+                <a:satMod val="135000"/>
+              </a:schemeClr>
+              <a:prstClr val="white"/>
+            </a:duotone>
+            <a:extLst>
+              <a:ext uri="{28A0092B-C50C-407E-A947-70E740481C1C}">
+                <a14:useLocalDpi xmlns:a14="http://schemas.microsoft.com/office/drawing/2010/main" val="0"/>
+              </a:ext>
+            </a:extLst>
+          </a:blip>
+          <a:stretch>
+            <a:fillRect/>
+          </a:stretch>
+        </p:blipFill>
+        <p:spPr>
+          <a:xfrm>
+            <a:off x="506196" y="1429680"/>
+            <a:ext cx="3467539" cy="1723367"/>
+          </a:xfrm>
+          <a:prstGeom prst="rect">
+            <a:avLst/>
+          </a:prstGeom>
+          <a:ln>
+            <a:noFill/>
+          </a:ln>
+          <a:effectLst>
+            <a:outerShdw blurRad="292100" dist="139700" dir="2700000" algn="tl" rotWithShape="0">
+              <a:srgbClr val="333333">
+                <a:alpha val="65000"/>
+              </a:srgbClr>
+            </a:outerShdw>
+          </a:effectLst>
+        </p:spPr>
+      </p:pic>
+      <p:pic>
+        <p:nvPicPr>
+          <p:cNvPr id="42" name="Picture 41">
+            <a:extLst>
+              <a:ext uri="{FF2B5EF4-FFF2-40B4-BE49-F238E27FC236}">
+                <a16:creationId xmlns:a16="http://schemas.microsoft.com/office/drawing/2014/main" id="{ADDB2F36-787F-4340-8022-FF9D5F54DBE1}"/>
+              </a:ext>
+            </a:extLst>
+          </p:cNvPr>
+          <p:cNvPicPr>
+            <a:picLocks noChangeAspect="1"/>
+          </p:cNvPicPr>
+          <p:nvPr/>
+        </p:nvPicPr>
+        <p:blipFill rotWithShape="1">
+          <a:blip r:embed="rId6">
+            <a:extLst>
+              <a:ext uri="{28A0092B-C50C-407E-A947-70E740481C1C}">
+                <a14:useLocalDpi xmlns:a14="http://schemas.microsoft.com/office/drawing/2010/main" val="0"/>
+              </a:ext>
+            </a:extLst>
+          </a:blip>
+          <a:srcRect r="78358"/>
+          <a:stretch/>
+        </p:blipFill>
+        <p:spPr>
+          <a:xfrm>
+            <a:off x="449521" y="3293111"/>
+            <a:ext cx="1647927" cy="1366149"/>
+          </a:xfrm>
+          <a:prstGeom prst="rect">
+            <a:avLst/>
+          </a:prstGeom>
+        </p:spPr>
+      </p:pic>
+    </p:spTree>
+    <p:extLst>
+      <p:ext uri="{BB962C8B-B14F-4D97-AF65-F5344CB8AC3E}">
+        <p14:creationId xmlns:p14="http://schemas.microsoft.com/office/powerpoint/2010/main" val="74426438"/>
+      </p:ext>
+    </p:extLst>
+  </p:cSld>
+  <p:clrMapOvr>
+    <a:masterClrMapping/>
+  </p:clrMapOvr>
+</p:sld>
+</file>
+
+<file path=ppt/slides/slide20.xml><?xml version="1.0" encoding="utf-8"?>
 <p:sld xmlns:a="http://schemas.openxmlformats.org/drawingml/2006/main" xmlns:r="http://schemas.openxmlformats.org/officeDocument/2006/relationships" xmlns:p="http://schemas.openxmlformats.org/presentationml/2006/main">
   <p:cSld>
     <p:bg>
@@ -9495,7 +12167,7 @@
 </p:sld>
 </file>
 
-<file path=ppt/slides/slide19.xml><?xml version="1.0" encoding="utf-8"?>
+<file path=ppt/slides/slide21.xml><?xml version="1.0" encoding="utf-8"?>
 <p:sld xmlns:a="http://schemas.openxmlformats.org/drawingml/2006/main" xmlns:r="http://schemas.openxmlformats.org/officeDocument/2006/relationships" xmlns:p="http://schemas.openxmlformats.org/presentationml/2006/main">
   <p:cSld>
     <p:bg>
@@ -10084,629 +12756,7 @@
 </p:sld>
 </file>
 
-<file path=ppt/slides/slide2.xml><?xml version="1.0" encoding="utf-8"?>
-<p:sld xmlns:a="http://schemas.openxmlformats.org/drawingml/2006/main" xmlns:r="http://schemas.openxmlformats.org/officeDocument/2006/relationships" xmlns:p="http://schemas.openxmlformats.org/presentationml/2006/main">
-  <p:cSld>
-    <p:bg>
-      <p:bgPr>
-        <a:solidFill>
-          <a:schemeClr val="bg1"/>
-        </a:solidFill>
-        <a:effectLst/>
-      </p:bgPr>
-    </p:bg>
-    <p:spTree>
-      <p:nvGrpSpPr>
-        <p:cNvPr id="1" name=""/>
-        <p:cNvGrpSpPr/>
-        <p:nvPr/>
-      </p:nvGrpSpPr>
-      <p:grpSpPr>
-        <a:xfrm>
-          <a:off x="0" y="0"/>
-          <a:ext cx="0" cy="0"/>
-          <a:chOff x="0" y="0"/>
-          <a:chExt cx="0" cy="0"/>
-        </a:xfrm>
-      </p:grpSpPr>
-      <p:sp>
-        <p:nvSpPr>
-          <p:cNvPr id="10" name="Rectangle 9">
-            <a:extLst>
-              <a:ext uri="{FF2B5EF4-FFF2-40B4-BE49-F238E27FC236}">
-                <a16:creationId xmlns:a16="http://schemas.microsoft.com/office/drawing/2014/main" id="{AFA67CD3-AB4E-4A7A-BEB8-53C445D8C44E}"/>
-              </a:ext>
-              <a:ext uri="{C183D7F6-B498-43B3-948B-1728B52AA6E4}">
-                <adec:decorative xmlns:adec="http://schemas.microsoft.com/office/drawing/2017/decorative" val="1"/>
-              </a:ext>
-            </a:extLst>
-          </p:cNvPr>
-          <p:cNvSpPr>
-            <a:spLocks noGrp="1" noRot="1" noChangeAspect="1" noMove="1" noResize="1" noEditPoints="1" noAdjustHandles="1" noChangeArrowheads="1" noChangeShapeType="1" noTextEdit="1"/>
-          </p:cNvSpPr>
-          <p:nvPr>
-            <p:extLst>
-              <p:ext uri="{386F3935-93C4-4BCD-93E2-E3B085C9AB24}">
-                <p16:designElem xmlns:p16="http://schemas.microsoft.com/office/powerpoint/2015/main" val="1"/>
-              </p:ext>
-            </p:extLst>
-          </p:nvPr>
-        </p:nvSpPr>
-        <p:spPr>
-          <a:xfrm>
-            <a:off x="1" y="3726"/>
-            <a:ext cx="5614875" cy="6858000"/>
-          </a:xfrm>
-          <a:prstGeom prst="rect">
-            <a:avLst/>
-          </a:prstGeom>
-          <a:gradFill>
-            <a:gsLst>
-              <a:gs pos="0">
-                <a:schemeClr val="accent6"/>
-              </a:gs>
-              <a:gs pos="25000">
-                <a:schemeClr val="accent6"/>
-              </a:gs>
-              <a:gs pos="94000">
-                <a:schemeClr val="accent1"/>
-              </a:gs>
-              <a:gs pos="100000">
-                <a:schemeClr val="accent1"/>
-              </a:gs>
-            </a:gsLst>
-            <a:lin ang="4200000" scaled="0"/>
-          </a:gradFill>
-          <a:ln>
-            <a:noFill/>
-          </a:ln>
-        </p:spPr>
-        <p:style>
-          <a:lnRef idx="2">
-            <a:schemeClr val="accent1">
-              <a:shade val="50000"/>
-            </a:schemeClr>
-          </a:lnRef>
-          <a:fillRef idx="1">
-            <a:schemeClr val="accent1"/>
-          </a:fillRef>
-          <a:effectRef idx="0">
-            <a:schemeClr val="accent1"/>
-          </a:effectRef>
-          <a:fontRef idx="minor">
-            <a:schemeClr val="lt1"/>
-          </a:fontRef>
-        </p:style>
-        <p:txBody>
-          <a:bodyPr rtlCol="0" anchor="ctr"/>
-          <a:lstStyle/>
-          <a:p>
-            <a:pPr algn="ctr"/>
-            <a:endParaRPr lang="en-US"/>
-          </a:p>
-        </p:txBody>
-      </p:sp>
-      <p:pic>
-        <p:nvPicPr>
-          <p:cNvPr id="12" name="Picture 11">
-            <a:extLst>
-              <a:ext uri="{FF2B5EF4-FFF2-40B4-BE49-F238E27FC236}">
-                <a16:creationId xmlns:a16="http://schemas.microsoft.com/office/drawing/2014/main" id="{07CF545F-9C2E-4446-97CD-AD92990C2B68}"/>
-              </a:ext>
-              <a:ext uri="{C183D7F6-B498-43B3-948B-1728B52AA6E4}">
-                <adec:decorative xmlns:adec="http://schemas.microsoft.com/office/drawing/2017/decorative" val="1"/>
-              </a:ext>
-            </a:extLst>
-          </p:cNvPr>
-          <p:cNvPicPr>
-            <a:picLocks noGrp="1" noRot="1" noChangeAspect="1" noMove="1" noResize="1" noEditPoints="1" noAdjustHandles="1" noChangeArrowheads="1" noChangeShapeType="1" noCrop="1"/>
-          </p:cNvPicPr>
-          <p:nvPr>
-            <p:extLst>
-              <p:ext uri="{386F3935-93C4-4BCD-93E2-E3B085C9AB24}">
-                <p16:designElem xmlns:p16="http://schemas.microsoft.com/office/powerpoint/2015/main" val="1"/>
-              </p:ext>
-            </p:extLst>
-          </p:nvPr>
-        </p:nvPicPr>
-        <p:blipFill>
-          <a:blip r:embed="rId2">
-            <a:extLst>
-              <a:ext uri="{28A0092B-C50C-407E-A947-70E740481C1C}">
-                <a14:useLocalDpi xmlns:a14="http://schemas.microsoft.com/office/drawing/2010/main" val="0"/>
-              </a:ext>
-            </a:extLst>
-          </a:blip>
-          <a:stretch>
-            <a:fillRect/>
-          </a:stretch>
-        </p:blipFill>
-        <p:spPr>
-          <a:xfrm>
-            <a:off x="0" y="0"/>
-            <a:ext cx="12192000" cy="6858000"/>
-          </a:xfrm>
-          <a:prstGeom prst="rect">
-            <a:avLst/>
-          </a:prstGeom>
-        </p:spPr>
-      </p:pic>
-      <p:sp>
-        <p:nvSpPr>
-          <p:cNvPr id="2" name="Title 1">
-            <a:extLst>
-              <a:ext uri="{FF2B5EF4-FFF2-40B4-BE49-F238E27FC236}">
-                <a16:creationId xmlns:a16="http://schemas.microsoft.com/office/drawing/2014/main" id="{681BFD9F-8D2D-422B-B38B-9D170D11248E}"/>
-              </a:ext>
-            </a:extLst>
-          </p:cNvPr>
-          <p:cNvSpPr>
-            <a:spLocks noGrp="1"/>
-          </p:cNvSpPr>
-          <p:nvPr>
-            <p:ph type="title"/>
-          </p:nvPr>
-        </p:nvSpPr>
-        <p:spPr>
-          <a:xfrm>
-            <a:off x="6094105" y="802955"/>
-            <a:ext cx="4977976" cy="1454051"/>
-          </a:xfrm>
-        </p:spPr>
-        <p:txBody>
-          <a:bodyPr>
-            <a:normAutofit/>
-          </a:bodyPr>
-          <a:lstStyle/>
-          <a:p>
-            <a:r>
-              <a:rPr lang="en-US">
-                <a:solidFill>
-                  <a:srgbClr val="000000"/>
-                </a:solidFill>
-              </a:rPr>
-              <a:t>About Gene IT Solutions</a:t>
-            </a:r>
-          </a:p>
-        </p:txBody>
-      </p:sp>
-      <p:sp>
-        <p:nvSpPr>
-          <p:cNvPr id="14" name="Freeform 62">
-            <a:extLst>
-              <a:ext uri="{FF2B5EF4-FFF2-40B4-BE49-F238E27FC236}">
-                <a16:creationId xmlns:a16="http://schemas.microsoft.com/office/drawing/2014/main" id="{339C8D78-A644-462F-B674-F440635E5353}"/>
-              </a:ext>
-              <a:ext uri="{C183D7F6-B498-43B3-948B-1728B52AA6E4}">
-                <adec:decorative xmlns:adec="http://schemas.microsoft.com/office/drawing/2017/decorative" val="1"/>
-              </a:ext>
-            </a:extLst>
-          </p:cNvPr>
-          <p:cNvSpPr>
-            <a:spLocks noGrp="1" noRot="1" noChangeAspect="1" noMove="1" noResize="1" noEditPoints="1" noAdjustHandles="1" noChangeArrowheads="1" noChangeShapeType="1" noTextEdit="1"/>
-          </p:cNvSpPr>
-          <p:nvPr>
-            <p:extLst>
-              <p:ext uri="{386F3935-93C4-4BCD-93E2-E3B085C9AB24}">
-                <p16:designElem xmlns:p16="http://schemas.microsoft.com/office/powerpoint/2015/main" val="1"/>
-              </p:ext>
-            </p:extLst>
-          </p:nvPr>
-        </p:nvSpPr>
-        <p:spPr>
-          <a:xfrm>
-            <a:off x="0" y="738619"/>
-            <a:ext cx="5000438" cy="5400962"/>
-          </a:xfrm>
-          <a:custGeom>
-            <a:avLst/>
-            <a:gdLst>
-              <a:gd name="connsiteX0" fmla="*/ 2299956 w 5000438"/>
-              <a:gd name="connsiteY0" fmla="*/ 0 h 5400962"/>
-              <a:gd name="connsiteX1" fmla="*/ 5000438 w 5000438"/>
-              <a:gd name="connsiteY1" fmla="*/ 2700481 h 5400962"/>
-              <a:gd name="connsiteX2" fmla="*/ 2299956 w 5000438"/>
-              <a:gd name="connsiteY2" fmla="*/ 5400962 h 5400962"/>
-              <a:gd name="connsiteX3" fmla="*/ 60675 w 5000438"/>
-              <a:gd name="connsiteY3" fmla="*/ 4210346 h 5400962"/>
-              <a:gd name="connsiteX4" fmla="*/ 0 w 5000438"/>
-              <a:gd name="connsiteY4" fmla="*/ 4110472 h 5400962"/>
-              <a:gd name="connsiteX5" fmla="*/ 0 w 5000438"/>
-              <a:gd name="connsiteY5" fmla="*/ 1290491 h 5400962"/>
-              <a:gd name="connsiteX6" fmla="*/ 60675 w 5000438"/>
-              <a:gd name="connsiteY6" fmla="*/ 1190617 h 5400962"/>
-              <a:gd name="connsiteX7" fmla="*/ 2299956 w 5000438"/>
-              <a:gd name="connsiteY7" fmla="*/ 0 h 5400962"/>
-            </a:gdLst>
-            <a:ahLst/>
-            <a:cxnLst>
-              <a:cxn ang="0">
-                <a:pos x="connsiteX0" y="connsiteY0"/>
-              </a:cxn>
-              <a:cxn ang="0">
-                <a:pos x="connsiteX1" y="connsiteY1"/>
-              </a:cxn>
-              <a:cxn ang="0">
-                <a:pos x="connsiteX2" y="connsiteY2"/>
-              </a:cxn>
-              <a:cxn ang="0">
-                <a:pos x="connsiteX3" y="connsiteY3"/>
-              </a:cxn>
-              <a:cxn ang="0">
-                <a:pos x="connsiteX4" y="connsiteY4"/>
-              </a:cxn>
-              <a:cxn ang="0">
-                <a:pos x="connsiteX5" y="connsiteY5"/>
-              </a:cxn>
-              <a:cxn ang="0">
-                <a:pos x="connsiteX6" y="connsiteY6"/>
-              </a:cxn>
-              <a:cxn ang="0">
-                <a:pos x="connsiteX7" y="connsiteY7"/>
-              </a:cxn>
-            </a:cxnLst>
-            <a:rect l="l" t="t" r="r" b="b"/>
-            <a:pathLst>
-              <a:path w="5000438" h="5400962">
-                <a:moveTo>
-                  <a:pt x="2299956" y="0"/>
-                </a:moveTo>
-                <a:cubicBezTo>
-                  <a:pt x="3791390" y="0"/>
-                  <a:pt x="5000438" y="1209047"/>
-                  <a:pt x="5000438" y="2700481"/>
-                </a:cubicBezTo>
-                <a:cubicBezTo>
-                  <a:pt x="5000438" y="4191915"/>
-                  <a:pt x="3791390" y="5400962"/>
-                  <a:pt x="2299956" y="5400962"/>
-                </a:cubicBezTo>
-                <a:cubicBezTo>
-                  <a:pt x="1367810" y="5400962"/>
-                  <a:pt x="545971" y="4928678"/>
-                  <a:pt x="60675" y="4210346"/>
-                </a:cubicBezTo>
-                <a:lnTo>
-                  <a:pt x="0" y="4110472"/>
-                </a:lnTo>
-                <a:lnTo>
-                  <a:pt x="0" y="1290491"/>
-                </a:lnTo>
-                <a:lnTo>
-                  <a:pt x="60675" y="1190617"/>
-                </a:lnTo>
-                <a:cubicBezTo>
-                  <a:pt x="545971" y="472284"/>
-                  <a:pt x="1367810" y="0"/>
-                  <a:pt x="2299956" y="0"/>
-                </a:cubicBezTo>
-                <a:close/>
-              </a:path>
-            </a:pathLst>
-          </a:custGeom>
-          <a:solidFill>
-            <a:srgbClr val="FFFFFF"/>
-          </a:solidFill>
-          <a:ln>
-            <a:gradFill>
-              <a:gsLst>
-                <a:gs pos="0">
-                  <a:schemeClr val="accent6"/>
-                </a:gs>
-                <a:gs pos="23000">
-                  <a:schemeClr val="accent6"/>
-                </a:gs>
-                <a:gs pos="83000">
-                  <a:schemeClr val="accent1"/>
-                </a:gs>
-                <a:gs pos="100000">
-                  <a:schemeClr val="accent1"/>
-                </a:gs>
-              </a:gsLst>
-              <a:lin ang="5400000" scaled="1"/>
-            </a:gradFill>
-          </a:ln>
-        </p:spPr>
-        <p:style>
-          <a:lnRef idx="2">
-            <a:schemeClr val="accent1">
-              <a:shade val="50000"/>
-            </a:schemeClr>
-          </a:lnRef>
-          <a:fillRef idx="1">
-            <a:schemeClr val="accent1"/>
-          </a:fillRef>
-          <a:effectRef idx="0">
-            <a:schemeClr val="accent1"/>
-          </a:effectRef>
-          <a:fontRef idx="minor">
-            <a:schemeClr val="lt1"/>
-          </a:fontRef>
-        </p:style>
-        <p:txBody>
-          <a:bodyPr wrap="square" rtlCol="0" anchor="ctr">
-            <a:noAutofit/>
-          </a:bodyPr>
-          <a:lstStyle/>
-          <a:p>
-            <a:pPr algn="ctr"/>
-            <a:endParaRPr lang="en-US"/>
-          </a:p>
-        </p:txBody>
-      </p:sp>
-      <p:pic>
-        <p:nvPicPr>
-          <p:cNvPr id="39" name="Picture 38">
-            <a:extLst>
-              <a:ext uri="{FF2B5EF4-FFF2-40B4-BE49-F238E27FC236}">
-                <a16:creationId xmlns:a16="http://schemas.microsoft.com/office/drawing/2014/main" id="{8C497669-1ABC-4342-B470-6B35EE22D1DC}"/>
-              </a:ext>
-            </a:extLst>
-          </p:cNvPr>
-          <p:cNvPicPr>
-            <a:picLocks noChangeAspect="1"/>
-          </p:cNvPicPr>
-          <p:nvPr/>
-        </p:nvPicPr>
-        <p:blipFill>
-          <a:blip r:embed="rId3">
-            <a:extLst>
-              <a:ext uri="{28A0092B-C50C-407E-A947-70E740481C1C}">
-                <a14:useLocalDpi xmlns:a14="http://schemas.microsoft.com/office/drawing/2010/main" val="0"/>
-              </a:ext>
-            </a:extLst>
-          </a:blip>
-          <a:stretch>
-            <a:fillRect/>
-          </a:stretch>
-        </p:blipFill>
-        <p:spPr>
-          <a:xfrm>
-            <a:off x="2719195" y="2814539"/>
-            <a:ext cx="1659496" cy="2323295"/>
-          </a:xfrm>
-          <a:prstGeom prst="rect">
-            <a:avLst/>
-          </a:prstGeom>
-        </p:spPr>
-      </p:pic>
-      <p:sp>
-        <p:nvSpPr>
-          <p:cNvPr id="40" name="Content Placeholder 2">
-            <a:extLst>
-              <a:ext uri="{FF2B5EF4-FFF2-40B4-BE49-F238E27FC236}">
-                <a16:creationId xmlns:a16="http://schemas.microsoft.com/office/drawing/2014/main" id="{C621F049-B111-474B-9B41-ACC4F3AE34DE}"/>
-              </a:ext>
-            </a:extLst>
-          </p:cNvPr>
-          <p:cNvSpPr>
-            <a:spLocks noGrp="1"/>
-          </p:cNvSpPr>
-          <p:nvPr>
-            <p:ph idx="1"/>
-          </p:nvPr>
-        </p:nvSpPr>
-        <p:spPr>
-          <a:xfrm>
-            <a:off x="6090574" y="2421682"/>
-            <a:ext cx="4977578" cy="3639289"/>
-          </a:xfrm>
-        </p:spPr>
-        <p:txBody>
-          <a:bodyPr anchor="ctr">
-            <a:normAutofit fontScale="92500" lnSpcReduction="10000"/>
-          </a:bodyPr>
-          <a:lstStyle/>
-          <a:p>
-            <a:r>
-              <a:rPr lang="en-US" sz="2000" dirty="0">
-                <a:solidFill>
-                  <a:srgbClr val="000000"/>
-                </a:solidFill>
-              </a:rPr>
-              <a:t>AKA </a:t>
-            </a:r>
-            <a:r>
-              <a:rPr lang="en-US" sz="2000" dirty="0" err="1">
-                <a:solidFill>
-                  <a:srgbClr val="000000"/>
-                </a:solidFill>
-              </a:rPr>
-              <a:t>BigProf</a:t>
-            </a:r>
-            <a:r>
-              <a:rPr lang="en-US" sz="2000" dirty="0">
-                <a:solidFill>
-                  <a:srgbClr val="000000"/>
-                </a:solidFill>
-              </a:rPr>
-              <a:t> Software, </a:t>
-            </a:r>
-            <a:r>
-              <a:rPr lang="en-US" sz="2000" dirty="0">
-                <a:solidFill>
-                  <a:srgbClr val="000000"/>
-                </a:solidFill>
-                <a:hlinkClick r:id="rId4"/>
-              </a:rPr>
-              <a:t>bigprof.com</a:t>
-            </a:r>
-            <a:endParaRPr lang="en-US" sz="2000" dirty="0">
-              <a:solidFill>
-                <a:srgbClr val="000000"/>
-              </a:solidFill>
-            </a:endParaRPr>
-          </a:p>
-          <a:p>
-            <a:r>
-              <a:rPr lang="en-US" sz="2000" dirty="0">
-                <a:solidFill>
-                  <a:srgbClr val="000000"/>
-                </a:solidFill>
-              </a:rPr>
-              <a:t>Established since 2003.</a:t>
-            </a:r>
-          </a:p>
-          <a:p>
-            <a:r>
-              <a:rPr lang="en-US" sz="2000" dirty="0">
-                <a:solidFill>
-                  <a:srgbClr val="000000"/>
-                </a:solidFill>
-              </a:rPr>
-              <a:t>Developers of </a:t>
-            </a:r>
-            <a:r>
-              <a:rPr lang="en-US" sz="2000" dirty="0" err="1">
-                <a:solidFill>
-                  <a:srgbClr val="000000"/>
-                </a:solidFill>
-              </a:rPr>
-              <a:t>AppGini</a:t>
-            </a:r>
-            <a:r>
-              <a:rPr lang="en-US" sz="2000" dirty="0">
-                <a:solidFill>
-                  <a:srgbClr val="000000"/>
-                </a:solidFill>
-              </a:rPr>
-              <a:t>, one of the fastest and easiest tools for small businesses to create powerful web-based multi-user business applications, without writing any code.</a:t>
-            </a:r>
-          </a:p>
-          <a:p>
-            <a:r>
-              <a:rPr lang="en-US" sz="2000" dirty="0">
-                <a:solidFill>
-                  <a:srgbClr val="000000"/>
-                </a:solidFill>
-              </a:rPr>
-              <a:t>Over 100,000 users world-wide.</a:t>
-            </a:r>
-          </a:p>
-          <a:p>
-            <a:r>
-              <a:rPr lang="en-US" sz="2000" dirty="0">
-                <a:solidFill>
-                  <a:srgbClr val="000000"/>
-                </a:solidFill>
-              </a:rPr>
-              <a:t>We believe in open source, and in users having full control of their business tools.</a:t>
-            </a:r>
-          </a:p>
-          <a:p>
-            <a:r>
-              <a:rPr lang="en-US" sz="2000" dirty="0">
-                <a:solidFill>
-                  <a:srgbClr val="000000"/>
-                </a:solidFill>
-              </a:rPr>
-              <a:t>We recently launched a plugins market place to expand our tool set .. And you’re welcome to join!</a:t>
-            </a:r>
-          </a:p>
-        </p:txBody>
-      </p:sp>
-      <p:pic>
-        <p:nvPicPr>
-          <p:cNvPr id="6" name="Picture 5">
-            <a:extLst>
-              <a:ext uri="{FF2B5EF4-FFF2-40B4-BE49-F238E27FC236}">
-                <a16:creationId xmlns:a16="http://schemas.microsoft.com/office/drawing/2014/main" id="{C1E991F4-9F51-47F7-AA6E-7C137D2CA096}"/>
-              </a:ext>
-            </a:extLst>
-          </p:cNvPr>
-          <p:cNvPicPr>
-            <a:picLocks noChangeAspect="1"/>
-          </p:cNvPicPr>
-          <p:nvPr/>
-        </p:nvPicPr>
-        <p:blipFill>
-          <a:blip r:embed="rId5">
-            <a:duotone>
-              <a:schemeClr val="accent1">
-                <a:shade val="45000"/>
-                <a:satMod val="135000"/>
-              </a:schemeClr>
-              <a:prstClr val="white"/>
-            </a:duotone>
-            <a:extLst>
-              <a:ext uri="{28A0092B-C50C-407E-A947-70E740481C1C}">
-                <a14:useLocalDpi xmlns:a14="http://schemas.microsoft.com/office/drawing/2010/main" val="0"/>
-              </a:ext>
-            </a:extLst>
-          </a:blip>
-          <a:stretch>
-            <a:fillRect/>
-          </a:stretch>
-        </p:blipFill>
-        <p:spPr>
-          <a:xfrm>
-            <a:off x="506196" y="1429680"/>
-            <a:ext cx="3467539" cy="1723367"/>
-          </a:xfrm>
-          <a:prstGeom prst="rect">
-            <a:avLst/>
-          </a:prstGeom>
-          <a:ln>
-            <a:noFill/>
-          </a:ln>
-          <a:effectLst>
-            <a:outerShdw blurRad="292100" dist="139700" dir="2700000" algn="tl" rotWithShape="0">
-              <a:srgbClr val="333333">
-                <a:alpha val="65000"/>
-              </a:srgbClr>
-            </a:outerShdw>
-          </a:effectLst>
-        </p:spPr>
-      </p:pic>
-      <p:pic>
-        <p:nvPicPr>
-          <p:cNvPr id="42" name="Picture 41">
-            <a:extLst>
-              <a:ext uri="{FF2B5EF4-FFF2-40B4-BE49-F238E27FC236}">
-                <a16:creationId xmlns:a16="http://schemas.microsoft.com/office/drawing/2014/main" id="{ADDB2F36-787F-4340-8022-FF9D5F54DBE1}"/>
-              </a:ext>
-            </a:extLst>
-          </p:cNvPr>
-          <p:cNvPicPr>
-            <a:picLocks noChangeAspect="1"/>
-          </p:cNvPicPr>
-          <p:nvPr/>
-        </p:nvPicPr>
-        <p:blipFill rotWithShape="1">
-          <a:blip r:embed="rId6">
-            <a:extLst>
-              <a:ext uri="{28A0092B-C50C-407E-A947-70E740481C1C}">
-                <a14:useLocalDpi xmlns:a14="http://schemas.microsoft.com/office/drawing/2010/main" val="0"/>
-              </a:ext>
-            </a:extLst>
-          </a:blip>
-          <a:srcRect r="78358"/>
-          <a:stretch/>
-        </p:blipFill>
-        <p:spPr>
-          <a:xfrm>
-            <a:off x="449521" y="3293111"/>
-            <a:ext cx="1647927" cy="1366149"/>
-          </a:xfrm>
-          <a:prstGeom prst="rect">
-            <a:avLst/>
-          </a:prstGeom>
-        </p:spPr>
-      </p:pic>
-    </p:spTree>
-    <p:extLst>
-      <p:ext uri="{BB962C8B-B14F-4D97-AF65-F5344CB8AC3E}">
-        <p14:creationId xmlns:p14="http://schemas.microsoft.com/office/powerpoint/2010/main" val="74426438"/>
-      </p:ext>
-    </p:extLst>
-  </p:cSld>
-  <p:clrMapOvr>
-    <a:masterClrMapping/>
-  </p:clrMapOvr>
-</p:sld>
-</file>
-
-<file path=ppt/slides/slide20.xml><?xml version="1.0" encoding="utf-8"?>
+<file path=ppt/slides/slide22.xml><?xml version="1.0" encoding="utf-8"?>
 <p:sld xmlns:a="http://schemas.openxmlformats.org/drawingml/2006/main" xmlns:r="http://schemas.openxmlformats.org/officeDocument/2006/relationships" xmlns:p="http://schemas.openxmlformats.org/presentationml/2006/main">
   <p:cSld>
     <p:bg>
@@ -10954,7 +13004,7 @@
 </p:sld>
 </file>
 
-<file path=ppt/slides/slide21.xml><?xml version="1.0" encoding="utf-8"?>
+<file path=ppt/slides/slide23.xml><?xml version="1.0" encoding="utf-8"?>
 <p:sld xmlns:a="http://schemas.openxmlformats.org/drawingml/2006/main" xmlns:r="http://schemas.openxmlformats.org/officeDocument/2006/relationships" xmlns:p="http://schemas.openxmlformats.org/presentationml/2006/main">
   <p:cSld>
     <p:bg>
@@ -11208,7 +13258,7 @@
 </p:sld>
 </file>
 
-<file path=ppt/slides/slide22.xml><?xml version="1.0" encoding="utf-8"?>
+<file path=ppt/slides/slide24.xml><?xml version="1.0" encoding="utf-8"?>
 <p:sld xmlns:a="http://schemas.openxmlformats.org/drawingml/2006/main" xmlns:r="http://schemas.openxmlformats.org/officeDocument/2006/relationships" xmlns:p="http://schemas.openxmlformats.org/presentationml/2006/main">
   <p:cSld>
     <p:bg>

--- a/Python Data Science For Fun And Profit.pptx
+++ b/Python Data Science For Fun And Profit.pptx
@@ -21,14 +21,20 @@
     <p:sldId id="278" r:id="rId15"/>
     <p:sldId id="279" r:id="rId16"/>
     <p:sldId id="269" r:id="rId17"/>
-    <p:sldId id="270" r:id="rId18"/>
-    <p:sldId id="271" r:id="rId19"/>
-    <p:sldId id="272" r:id="rId20"/>
-    <p:sldId id="273" r:id="rId21"/>
-    <p:sldId id="274" r:id="rId22"/>
-    <p:sldId id="275" r:id="rId23"/>
-    <p:sldId id="276" r:id="rId24"/>
-    <p:sldId id="277" r:id="rId25"/>
+    <p:sldId id="280" r:id="rId18"/>
+    <p:sldId id="270" r:id="rId19"/>
+    <p:sldId id="271" r:id="rId20"/>
+    <p:sldId id="272" r:id="rId21"/>
+    <p:sldId id="281" r:id="rId22"/>
+    <p:sldId id="283" r:id="rId23"/>
+    <p:sldId id="282" r:id="rId24"/>
+    <p:sldId id="284" r:id="rId25"/>
+    <p:sldId id="285" r:id="rId26"/>
+    <p:sldId id="273" r:id="rId27"/>
+    <p:sldId id="274" r:id="rId28"/>
+    <p:sldId id="275" r:id="rId29"/>
+    <p:sldId id="276" r:id="rId30"/>
+    <p:sldId id="277" r:id="rId31"/>
   </p:sldIdLst>
   <p:sldSz cx="12192000" cy="6858000"/>
   <p:notesSz cx="6858000" cy="9144000"/>
@@ -1126,6 +1132,788 @@
 </file>
 
 <file path=ppt/diagrams/colors1.xml><?xml version="1.0" encoding="utf-8"?>
+<dgm:colorsDef xmlns:dgm="http://schemas.openxmlformats.org/drawingml/2006/diagram" xmlns:a="http://schemas.openxmlformats.org/drawingml/2006/main" uniqueId="urn:microsoft.com/office/officeart/2005/8/colors/colorful2">
+  <dgm:title val=""/>
+  <dgm:desc val=""/>
+  <dgm:catLst>
+    <dgm:cat type="colorful" pri="10200"/>
+  </dgm:catLst>
+  <dgm:styleLbl name="node0">
+    <dgm:fillClrLst meth="repeat">
+      <a:schemeClr val="accent1"/>
+    </dgm:fillClrLst>
+    <dgm:linClrLst meth="repeat">
+      <a:schemeClr val="lt1"/>
+    </dgm:linClrLst>
+    <dgm:effectClrLst/>
+    <dgm:txLinClrLst/>
+    <dgm:txFillClrLst/>
+    <dgm:txEffectClrLst/>
+  </dgm:styleLbl>
+  <dgm:styleLbl name="node1">
+    <dgm:fillClrLst>
+      <a:schemeClr val="accent2"/>
+      <a:schemeClr val="accent3"/>
+    </dgm:fillClrLst>
+    <dgm:linClrLst meth="repeat">
+      <a:schemeClr val="lt1"/>
+    </dgm:linClrLst>
+    <dgm:effectClrLst/>
+    <dgm:txLinClrLst/>
+    <dgm:txFillClrLst/>
+    <dgm:txEffectClrLst/>
+  </dgm:styleLbl>
+  <dgm:styleLbl name="alignNode1">
+    <dgm:fillClrLst>
+      <a:schemeClr val="accent2"/>
+      <a:schemeClr val="accent3"/>
+    </dgm:fillClrLst>
+    <dgm:linClrLst>
+      <a:schemeClr val="accent2"/>
+      <a:schemeClr val="accent3"/>
+    </dgm:linClrLst>
+    <dgm:effectClrLst/>
+    <dgm:txLinClrLst/>
+    <dgm:txFillClrLst/>
+    <dgm:txEffectClrLst/>
+  </dgm:styleLbl>
+  <dgm:styleLbl name="lnNode1">
+    <dgm:fillClrLst>
+      <a:schemeClr val="accent2"/>
+      <a:schemeClr val="accent3"/>
+    </dgm:fillClrLst>
+    <dgm:linClrLst meth="repeat">
+      <a:schemeClr val="lt1"/>
+    </dgm:linClrLst>
+    <dgm:effectClrLst/>
+    <dgm:txLinClrLst/>
+    <dgm:txFillClrLst/>
+    <dgm:txEffectClrLst/>
+  </dgm:styleLbl>
+  <dgm:styleLbl name="vennNode1">
+    <dgm:fillClrLst>
+      <a:schemeClr val="accent2">
+        <a:alpha val="50000"/>
+      </a:schemeClr>
+      <a:schemeClr val="accent3">
+        <a:alpha val="50000"/>
+      </a:schemeClr>
+    </dgm:fillClrLst>
+    <dgm:linClrLst meth="repeat">
+      <a:schemeClr val="lt1"/>
+    </dgm:linClrLst>
+    <dgm:effectClrLst/>
+    <dgm:txLinClrLst/>
+    <dgm:txFillClrLst/>
+    <dgm:txEffectClrLst/>
+  </dgm:styleLbl>
+  <dgm:styleLbl name="node2">
+    <dgm:fillClrLst>
+      <a:schemeClr val="accent3"/>
+    </dgm:fillClrLst>
+    <dgm:linClrLst meth="repeat">
+      <a:schemeClr val="lt1"/>
+    </dgm:linClrLst>
+    <dgm:effectClrLst/>
+    <dgm:txLinClrLst/>
+    <dgm:txFillClrLst/>
+    <dgm:txEffectClrLst/>
+  </dgm:styleLbl>
+  <dgm:styleLbl name="node3">
+    <dgm:fillClrLst>
+      <a:schemeClr val="accent4"/>
+    </dgm:fillClrLst>
+    <dgm:linClrLst meth="repeat">
+      <a:schemeClr val="lt1"/>
+    </dgm:linClrLst>
+    <dgm:effectClrLst/>
+    <dgm:txLinClrLst/>
+    <dgm:txFillClrLst/>
+    <dgm:txEffectClrLst/>
+  </dgm:styleLbl>
+  <dgm:styleLbl name="node4">
+    <dgm:fillClrLst>
+      <a:schemeClr val="accent5"/>
+    </dgm:fillClrLst>
+    <dgm:linClrLst meth="repeat">
+      <a:schemeClr val="lt1"/>
+    </dgm:linClrLst>
+    <dgm:effectClrLst/>
+    <dgm:txLinClrLst/>
+    <dgm:txFillClrLst/>
+    <dgm:txEffectClrLst/>
+  </dgm:styleLbl>
+  <dgm:styleLbl name="fgImgPlace1">
+    <dgm:fillClrLst>
+      <a:schemeClr val="accent2">
+        <a:tint val="50000"/>
+      </a:schemeClr>
+      <a:schemeClr val="accent3">
+        <a:tint val="50000"/>
+      </a:schemeClr>
+    </dgm:fillClrLst>
+    <dgm:linClrLst meth="repeat">
+      <a:schemeClr val="lt1"/>
+    </dgm:linClrLst>
+    <dgm:effectClrLst/>
+    <dgm:txLinClrLst/>
+    <dgm:txFillClrLst meth="repeat">
+      <a:schemeClr val="lt1"/>
+    </dgm:txFillClrLst>
+    <dgm:txEffectClrLst/>
+  </dgm:styleLbl>
+  <dgm:styleLbl name="alignImgPlace1">
+    <dgm:fillClrLst>
+      <a:schemeClr val="accent2">
+        <a:tint val="50000"/>
+      </a:schemeClr>
+      <a:schemeClr val="accent3">
+        <a:tint val="20000"/>
+      </a:schemeClr>
+    </dgm:fillClrLst>
+    <dgm:linClrLst meth="repeat">
+      <a:schemeClr val="lt1"/>
+    </dgm:linClrLst>
+    <dgm:effectClrLst/>
+    <dgm:txLinClrLst/>
+    <dgm:txFillClrLst meth="repeat">
+      <a:schemeClr val="lt1"/>
+    </dgm:txFillClrLst>
+    <dgm:txEffectClrLst/>
+  </dgm:styleLbl>
+  <dgm:styleLbl name="bgImgPlace1">
+    <dgm:fillClrLst>
+      <a:schemeClr val="accent2">
+        <a:tint val="50000"/>
+      </a:schemeClr>
+      <a:schemeClr val="accent3">
+        <a:tint val="20000"/>
+      </a:schemeClr>
+    </dgm:fillClrLst>
+    <dgm:linClrLst meth="repeat">
+      <a:schemeClr val="lt1"/>
+    </dgm:linClrLst>
+    <dgm:effectClrLst/>
+    <dgm:txLinClrLst/>
+    <dgm:txFillClrLst meth="repeat">
+      <a:schemeClr val="lt1"/>
+    </dgm:txFillClrLst>
+    <dgm:txEffectClrLst/>
+  </dgm:styleLbl>
+  <dgm:styleLbl name="sibTrans2D1">
+    <dgm:fillClrLst>
+      <a:schemeClr val="accent2"/>
+      <a:schemeClr val="accent3"/>
+    </dgm:fillClrLst>
+    <dgm:linClrLst meth="repeat">
+      <a:schemeClr val="lt1"/>
+    </dgm:linClrLst>
+    <dgm:effectClrLst/>
+    <dgm:txLinClrLst/>
+    <dgm:txFillClrLst/>
+    <dgm:txEffectClrLst/>
+  </dgm:styleLbl>
+  <dgm:styleLbl name="fgSibTrans2D1">
+    <dgm:fillClrLst>
+      <a:schemeClr val="accent2"/>
+      <a:schemeClr val="accent3"/>
+    </dgm:fillClrLst>
+    <dgm:linClrLst meth="repeat">
+      <a:schemeClr val="lt1"/>
+    </dgm:linClrLst>
+    <dgm:effectClrLst/>
+    <dgm:txLinClrLst/>
+    <dgm:txFillClrLst meth="repeat">
+      <a:schemeClr val="lt1"/>
+    </dgm:txFillClrLst>
+    <dgm:txEffectClrLst/>
+  </dgm:styleLbl>
+  <dgm:styleLbl name="bgSibTrans2D1">
+    <dgm:fillClrLst>
+      <a:schemeClr val="accent2"/>
+      <a:schemeClr val="accent3"/>
+    </dgm:fillClrLst>
+    <dgm:linClrLst meth="repeat">
+      <a:schemeClr val="lt1"/>
+    </dgm:linClrLst>
+    <dgm:effectClrLst/>
+    <dgm:txLinClrLst/>
+    <dgm:txFillClrLst meth="repeat">
+      <a:schemeClr val="lt1"/>
+    </dgm:txFillClrLst>
+    <dgm:txEffectClrLst/>
+  </dgm:styleLbl>
+  <dgm:styleLbl name="sibTrans1D1">
+    <dgm:fillClrLst/>
+    <dgm:linClrLst>
+      <a:schemeClr val="accent2"/>
+      <a:schemeClr val="accent3"/>
+    </dgm:linClrLst>
+    <dgm:effectClrLst/>
+    <dgm:txLinClrLst/>
+    <dgm:txFillClrLst meth="repeat">
+      <a:schemeClr val="tx1"/>
+    </dgm:txFillClrLst>
+    <dgm:txEffectClrLst/>
+  </dgm:styleLbl>
+  <dgm:styleLbl name="callout">
+    <dgm:fillClrLst meth="repeat">
+      <a:schemeClr val="accent2"/>
+    </dgm:fillClrLst>
+    <dgm:linClrLst meth="repeat">
+      <a:schemeClr val="accent2">
+        <a:tint val="50000"/>
+      </a:schemeClr>
+    </dgm:linClrLst>
+    <dgm:effectClrLst/>
+    <dgm:txLinClrLst/>
+    <dgm:txFillClrLst meth="repeat">
+      <a:schemeClr val="tx1"/>
+    </dgm:txFillClrLst>
+    <dgm:txEffectClrLst/>
+  </dgm:styleLbl>
+  <dgm:styleLbl name="asst0">
+    <dgm:fillClrLst meth="repeat">
+      <a:schemeClr val="accent2"/>
+    </dgm:fillClrLst>
+    <dgm:linClrLst meth="repeat">
+      <a:schemeClr val="lt1">
+        <a:shade val="80000"/>
+      </a:schemeClr>
+    </dgm:linClrLst>
+    <dgm:effectClrLst/>
+    <dgm:txLinClrLst/>
+    <dgm:txFillClrLst/>
+    <dgm:txEffectClrLst/>
+  </dgm:styleLbl>
+  <dgm:styleLbl name="asst1">
+    <dgm:fillClrLst meth="repeat">
+      <a:schemeClr val="accent3"/>
+    </dgm:fillClrLst>
+    <dgm:linClrLst meth="repeat">
+      <a:schemeClr val="lt1">
+        <a:shade val="80000"/>
+      </a:schemeClr>
+    </dgm:linClrLst>
+    <dgm:effectClrLst/>
+    <dgm:txLinClrLst/>
+    <dgm:txFillClrLst/>
+    <dgm:txEffectClrLst/>
+  </dgm:styleLbl>
+  <dgm:styleLbl name="asst2">
+    <dgm:fillClrLst>
+      <a:schemeClr val="accent4"/>
+    </dgm:fillClrLst>
+    <dgm:linClrLst meth="repeat">
+      <a:schemeClr val="lt1"/>
+    </dgm:linClrLst>
+    <dgm:effectClrLst/>
+    <dgm:txLinClrLst/>
+    <dgm:txFillClrLst/>
+    <dgm:txEffectClrLst/>
+  </dgm:styleLbl>
+  <dgm:styleLbl name="asst3">
+    <dgm:fillClrLst>
+      <a:schemeClr val="accent5"/>
+    </dgm:fillClrLst>
+    <dgm:linClrLst meth="repeat">
+      <a:schemeClr val="lt1"/>
+    </dgm:linClrLst>
+    <dgm:effectClrLst/>
+    <dgm:txLinClrLst/>
+    <dgm:txFillClrLst/>
+    <dgm:txEffectClrLst/>
+  </dgm:styleLbl>
+  <dgm:styleLbl name="asst4">
+    <dgm:fillClrLst>
+      <a:schemeClr val="accent6"/>
+    </dgm:fillClrLst>
+    <dgm:linClrLst meth="repeat">
+      <a:schemeClr val="lt1"/>
+    </dgm:linClrLst>
+    <dgm:effectClrLst/>
+    <dgm:txLinClrLst/>
+    <dgm:txFillClrLst/>
+    <dgm:txEffectClrLst/>
+  </dgm:styleLbl>
+  <dgm:styleLbl name="parChTrans2D1">
+    <dgm:fillClrLst meth="repeat">
+      <a:schemeClr val="accent2"/>
+    </dgm:fillClrLst>
+    <dgm:linClrLst meth="repeat">
+      <a:schemeClr val="lt1"/>
+    </dgm:linClrLst>
+    <dgm:effectClrLst/>
+    <dgm:txLinClrLst/>
+    <dgm:txFillClrLst meth="repeat">
+      <a:schemeClr val="lt1"/>
+    </dgm:txFillClrLst>
+    <dgm:txEffectClrLst/>
+  </dgm:styleLbl>
+  <dgm:styleLbl name="parChTrans2D2">
+    <dgm:fillClrLst meth="repeat">
+      <a:schemeClr val="accent3"/>
+    </dgm:fillClrLst>
+    <dgm:linClrLst meth="repeat">
+      <a:schemeClr val="lt1"/>
+    </dgm:linClrLst>
+    <dgm:effectClrLst/>
+    <dgm:txLinClrLst/>
+    <dgm:txFillClrLst/>
+    <dgm:txEffectClrLst/>
+  </dgm:styleLbl>
+  <dgm:styleLbl name="parChTrans2D3">
+    <dgm:fillClrLst meth="repeat">
+      <a:schemeClr val="accent4"/>
+    </dgm:fillClrLst>
+    <dgm:linClrLst meth="repeat">
+      <a:schemeClr val="lt1"/>
+    </dgm:linClrLst>
+    <dgm:effectClrLst/>
+    <dgm:txLinClrLst/>
+    <dgm:txFillClrLst/>
+    <dgm:txEffectClrLst/>
+  </dgm:styleLbl>
+  <dgm:styleLbl name="parChTrans2D4">
+    <dgm:fillClrLst meth="repeat">
+      <a:schemeClr val="accent5"/>
+    </dgm:fillClrLst>
+    <dgm:linClrLst meth="repeat">
+      <a:schemeClr val="lt1"/>
+    </dgm:linClrLst>
+    <dgm:effectClrLst/>
+    <dgm:txLinClrLst/>
+    <dgm:txFillClrLst meth="repeat">
+      <a:schemeClr val="lt1"/>
+    </dgm:txFillClrLst>
+    <dgm:txEffectClrLst/>
+  </dgm:styleLbl>
+  <dgm:styleLbl name="parChTrans1D1">
+    <dgm:fillClrLst meth="repeat">
+      <a:schemeClr val="accent2"/>
+    </dgm:fillClrLst>
+    <dgm:linClrLst meth="repeat">
+      <a:schemeClr val="accent2"/>
+    </dgm:linClrLst>
+    <dgm:effectClrLst/>
+    <dgm:txLinClrLst/>
+    <dgm:txFillClrLst meth="repeat">
+      <a:schemeClr val="tx1"/>
+    </dgm:txFillClrLst>
+    <dgm:txEffectClrLst/>
+  </dgm:styleLbl>
+  <dgm:styleLbl name="parChTrans1D2">
+    <dgm:fillClrLst meth="repeat">
+      <a:schemeClr val="accent2">
+        <a:tint val="90000"/>
+      </a:schemeClr>
+    </dgm:fillClrLst>
+    <dgm:linClrLst meth="repeat">
+      <a:schemeClr val="accent3"/>
+    </dgm:linClrLst>
+    <dgm:effectClrLst/>
+    <dgm:txLinClrLst/>
+    <dgm:txFillClrLst meth="repeat">
+      <a:schemeClr val="tx1"/>
+    </dgm:txFillClrLst>
+    <dgm:txEffectClrLst/>
+  </dgm:styleLbl>
+  <dgm:styleLbl name="parChTrans1D3">
+    <dgm:fillClrLst meth="repeat">
+      <a:schemeClr val="accent2">
+        <a:tint val="70000"/>
+      </a:schemeClr>
+    </dgm:fillClrLst>
+    <dgm:linClrLst meth="repeat">
+      <a:schemeClr val="accent4"/>
+    </dgm:linClrLst>
+    <dgm:effectClrLst/>
+    <dgm:txLinClrLst/>
+    <dgm:txFillClrLst meth="repeat">
+      <a:schemeClr val="tx1"/>
+    </dgm:txFillClrLst>
+    <dgm:txEffectClrLst/>
+  </dgm:styleLbl>
+  <dgm:styleLbl name="parChTrans1D4">
+    <dgm:fillClrLst meth="repeat">
+      <a:schemeClr val="accent2">
+        <a:tint val="50000"/>
+      </a:schemeClr>
+    </dgm:fillClrLst>
+    <dgm:linClrLst meth="repeat">
+      <a:schemeClr val="accent5"/>
+    </dgm:linClrLst>
+    <dgm:effectClrLst/>
+    <dgm:txLinClrLst/>
+    <dgm:txFillClrLst meth="repeat">
+      <a:schemeClr val="tx1"/>
+    </dgm:txFillClrLst>
+    <dgm:txEffectClrLst/>
+  </dgm:styleLbl>
+  <dgm:styleLbl name="fgAcc1">
+    <dgm:fillClrLst meth="repeat">
+      <a:schemeClr val="lt1">
+        <a:alpha val="90000"/>
+      </a:schemeClr>
+    </dgm:fillClrLst>
+    <dgm:linClrLst>
+      <a:schemeClr val="accent2"/>
+      <a:schemeClr val="accent3"/>
+    </dgm:linClrLst>
+    <dgm:effectClrLst/>
+    <dgm:txLinClrLst/>
+    <dgm:txFillClrLst meth="repeat">
+      <a:schemeClr val="dk1"/>
+    </dgm:txFillClrLst>
+    <dgm:txEffectClrLst/>
+  </dgm:styleLbl>
+  <dgm:styleLbl name="conFgAcc1">
+    <dgm:fillClrLst meth="repeat">
+      <a:schemeClr val="lt1">
+        <a:alpha val="90000"/>
+      </a:schemeClr>
+    </dgm:fillClrLst>
+    <dgm:linClrLst>
+      <a:schemeClr val="accent2"/>
+      <a:schemeClr val="accent3"/>
+    </dgm:linClrLst>
+    <dgm:effectClrLst/>
+    <dgm:txLinClrLst/>
+    <dgm:txFillClrLst meth="repeat">
+      <a:schemeClr val="dk1"/>
+    </dgm:txFillClrLst>
+    <dgm:txEffectClrLst/>
+  </dgm:styleLbl>
+  <dgm:styleLbl name="alignAcc1">
+    <dgm:fillClrLst meth="repeat">
+      <a:schemeClr val="lt1">
+        <a:alpha val="90000"/>
+      </a:schemeClr>
+    </dgm:fillClrLst>
+    <dgm:linClrLst>
+      <a:schemeClr val="accent2"/>
+      <a:schemeClr val="accent3"/>
+    </dgm:linClrLst>
+    <dgm:effectClrLst/>
+    <dgm:txLinClrLst/>
+    <dgm:txFillClrLst meth="repeat">
+      <a:schemeClr val="dk1"/>
+    </dgm:txFillClrLst>
+    <dgm:txEffectClrLst/>
+  </dgm:styleLbl>
+  <dgm:styleLbl name="trAlignAcc1">
+    <dgm:fillClrLst meth="repeat">
+      <a:schemeClr val="lt1">
+        <a:alpha val="40000"/>
+      </a:schemeClr>
+    </dgm:fillClrLst>
+    <dgm:linClrLst meth="repeat">
+      <a:schemeClr val="accent2"/>
+    </dgm:linClrLst>
+    <dgm:effectClrLst/>
+    <dgm:txLinClrLst/>
+    <dgm:txFillClrLst meth="repeat">
+      <a:schemeClr val="dk1"/>
+    </dgm:txFillClrLst>
+    <dgm:txEffectClrLst/>
+  </dgm:styleLbl>
+  <dgm:styleLbl name="bgAcc1">
+    <dgm:fillClrLst meth="repeat">
+      <a:schemeClr val="lt1">
+        <a:alpha val="90000"/>
+      </a:schemeClr>
+    </dgm:fillClrLst>
+    <dgm:linClrLst>
+      <a:schemeClr val="accent2"/>
+      <a:schemeClr val="accent3"/>
+    </dgm:linClrLst>
+    <dgm:effectClrLst/>
+    <dgm:txLinClrLst/>
+    <dgm:txFillClrLst meth="repeat">
+      <a:schemeClr val="dk1"/>
+    </dgm:txFillClrLst>
+    <dgm:txEffectClrLst/>
+  </dgm:styleLbl>
+  <dgm:styleLbl name="solidFgAcc1">
+    <dgm:fillClrLst meth="repeat">
+      <a:schemeClr val="lt1"/>
+    </dgm:fillClrLst>
+    <dgm:linClrLst>
+      <a:schemeClr val="accent2"/>
+      <a:schemeClr val="accent3"/>
+    </dgm:linClrLst>
+    <dgm:effectClrLst/>
+    <dgm:txLinClrLst/>
+    <dgm:txFillClrLst meth="repeat">
+      <a:schemeClr val="dk1"/>
+    </dgm:txFillClrLst>
+    <dgm:txEffectClrLst/>
+  </dgm:styleLbl>
+  <dgm:styleLbl name="solidAlignAcc1">
+    <dgm:fillClrLst meth="repeat">
+      <a:schemeClr val="lt1"/>
+    </dgm:fillClrLst>
+    <dgm:linClrLst>
+      <a:schemeClr val="accent2"/>
+      <a:schemeClr val="accent3"/>
+    </dgm:linClrLst>
+    <dgm:effectClrLst/>
+    <dgm:txLinClrLst/>
+    <dgm:txFillClrLst meth="repeat">
+      <a:schemeClr val="dk1"/>
+    </dgm:txFillClrLst>
+    <dgm:txEffectClrLst/>
+  </dgm:styleLbl>
+  <dgm:styleLbl name="solidBgAcc1">
+    <dgm:fillClrLst meth="repeat">
+      <a:schemeClr val="lt1"/>
+    </dgm:fillClrLst>
+    <dgm:linClrLst>
+      <a:schemeClr val="accent2"/>
+      <a:schemeClr val="accent3"/>
+    </dgm:linClrLst>
+    <dgm:effectClrLst/>
+    <dgm:txLinClrLst/>
+    <dgm:txFillClrLst meth="repeat">
+      <a:schemeClr val="dk1"/>
+    </dgm:txFillClrLst>
+    <dgm:txEffectClrLst/>
+  </dgm:styleLbl>
+  <dgm:styleLbl name="fgAccFollowNode1">
+    <dgm:fillClrLst>
+      <a:schemeClr val="accent2">
+        <a:tint val="40000"/>
+        <a:alpha val="90000"/>
+      </a:schemeClr>
+      <a:schemeClr val="accent3">
+        <a:tint val="40000"/>
+        <a:alpha val="90000"/>
+      </a:schemeClr>
+    </dgm:fillClrLst>
+    <dgm:linClrLst>
+      <a:schemeClr val="accent2">
+        <a:tint val="40000"/>
+        <a:alpha val="90000"/>
+      </a:schemeClr>
+      <a:schemeClr val="accent3">
+        <a:tint val="40000"/>
+        <a:alpha val="90000"/>
+      </a:schemeClr>
+    </dgm:linClrLst>
+    <dgm:effectClrLst/>
+    <dgm:txLinClrLst/>
+    <dgm:txFillClrLst meth="repeat">
+      <a:schemeClr val="dk1"/>
+    </dgm:txFillClrLst>
+    <dgm:txEffectClrLst/>
+  </dgm:styleLbl>
+  <dgm:styleLbl name="alignAccFollowNode1">
+    <dgm:fillClrLst>
+      <a:schemeClr val="accent2">
+        <a:tint val="40000"/>
+        <a:alpha val="90000"/>
+      </a:schemeClr>
+      <a:schemeClr val="accent3">
+        <a:tint val="40000"/>
+        <a:alpha val="90000"/>
+      </a:schemeClr>
+    </dgm:fillClrLst>
+    <dgm:linClrLst>
+      <a:schemeClr val="accent2">
+        <a:tint val="40000"/>
+        <a:alpha val="90000"/>
+      </a:schemeClr>
+      <a:schemeClr val="accent3">
+        <a:tint val="40000"/>
+        <a:alpha val="90000"/>
+      </a:schemeClr>
+    </dgm:linClrLst>
+    <dgm:effectClrLst/>
+    <dgm:txLinClrLst/>
+    <dgm:txFillClrLst meth="repeat">
+      <a:schemeClr val="dk1"/>
+    </dgm:txFillClrLst>
+    <dgm:txEffectClrLst/>
+  </dgm:styleLbl>
+  <dgm:styleLbl name="bgAccFollowNode1">
+    <dgm:fillClrLst>
+      <a:schemeClr val="accent2">
+        <a:tint val="40000"/>
+        <a:alpha val="90000"/>
+      </a:schemeClr>
+      <a:schemeClr val="accent3">
+        <a:tint val="40000"/>
+        <a:alpha val="90000"/>
+      </a:schemeClr>
+    </dgm:fillClrLst>
+    <dgm:linClrLst>
+      <a:schemeClr val="accent2">
+        <a:tint val="40000"/>
+        <a:alpha val="90000"/>
+      </a:schemeClr>
+      <a:schemeClr val="accent3">
+        <a:tint val="40000"/>
+        <a:alpha val="90000"/>
+      </a:schemeClr>
+    </dgm:linClrLst>
+    <dgm:effectClrLst/>
+    <dgm:txLinClrLst/>
+    <dgm:txFillClrLst meth="repeat">
+      <a:schemeClr val="dk1"/>
+    </dgm:txFillClrLst>
+    <dgm:txEffectClrLst/>
+  </dgm:styleLbl>
+  <dgm:styleLbl name="fgAcc0">
+    <dgm:fillClrLst meth="repeat">
+      <a:schemeClr val="lt1">
+        <a:alpha val="90000"/>
+      </a:schemeClr>
+    </dgm:fillClrLst>
+    <dgm:linClrLst>
+      <a:schemeClr val="accent1"/>
+    </dgm:linClrLst>
+    <dgm:effectClrLst/>
+    <dgm:txLinClrLst/>
+    <dgm:txFillClrLst meth="repeat">
+      <a:schemeClr val="dk1"/>
+    </dgm:txFillClrLst>
+    <dgm:txEffectClrLst/>
+  </dgm:styleLbl>
+  <dgm:styleLbl name="fgAcc2">
+    <dgm:fillClrLst meth="repeat">
+      <a:schemeClr val="lt1">
+        <a:alpha val="90000"/>
+      </a:schemeClr>
+    </dgm:fillClrLst>
+    <dgm:linClrLst>
+      <a:schemeClr val="accent3"/>
+    </dgm:linClrLst>
+    <dgm:effectClrLst/>
+    <dgm:txLinClrLst/>
+    <dgm:txFillClrLst meth="repeat">
+      <a:schemeClr val="dk1"/>
+    </dgm:txFillClrLst>
+    <dgm:txEffectClrLst/>
+  </dgm:styleLbl>
+  <dgm:styleLbl name="fgAcc3">
+    <dgm:fillClrLst meth="repeat">
+      <a:schemeClr val="lt1">
+        <a:alpha val="90000"/>
+      </a:schemeClr>
+    </dgm:fillClrLst>
+    <dgm:linClrLst>
+      <a:schemeClr val="accent4"/>
+    </dgm:linClrLst>
+    <dgm:effectClrLst/>
+    <dgm:txLinClrLst/>
+    <dgm:txFillClrLst meth="repeat">
+      <a:schemeClr val="dk1"/>
+    </dgm:txFillClrLst>
+    <dgm:txEffectClrLst/>
+  </dgm:styleLbl>
+  <dgm:styleLbl name="fgAcc4">
+    <dgm:fillClrLst meth="repeat">
+      <a:schemeClr val="lt1">
+        <a:alpha val="90000"/>
+      </a:schemeClr>
+    </dgm:fillClrLst>
+    <dgm:linClrLst>
+      <a:schemeClr val="accent5"/>
+    </dgm:linClrLst>
+    <dgm:effectClrLst/>
+    <dgm:txLinClrLst/>
+    <dgm:txFillClrLst meth="repeat">
+      <a:schemeClr val="dk1"/>
+    </dgm:txFillClrLst>
+    <dgm:txEffectClrLst/>
+  </dgm:styleLbl>
+  <dgm:styleLbl name="bgShp">
+    <dgm:fillClrLst meth="repeat">
+      <a:schemeClr val="accent2">
+        <a:tint val="40000"/>
+      </a:schemeClr>
+    </dgm:fillClrLst>
+    <dgm:linClrLst meth="repeat">
+      <a:schemeClr val="dk1"/>
+    </dgm:linClrLst>
+    <dgm:effectClrLst/>
+    <dgm:txLinClrLst/>
+    <dgm:txFillClrLst meth="repeat">
+      <a:schemeClr val="dk1"/>
+    </dgm:txFillClrLst>
+    <dgm:txEffectClrLst/>
+  </dgm:styleLbl>
+  <dgm:styleLbl name="dkBgShp">
+    <dgm:fillClrLst meth="repeat">
+      <a:schemeClr val="accent2">
+        <a:shade val="90000"/>
+      </a:schemeClr>
+    </dgm:fillClrLst>
+    <dgm:linClrLst meth="repeat">
+      <a:schemeClr val="dk1"/>
+    </dgm:linClrLst>
+    <dgm:effectClrLst/>
+    <dgm:txLinClrLst/>
+    <dgm:txFillClrLst meth="repeat">
+      <a:schemeClr val="lt1"/>
+    </dgm:txFillClrLst>
+    <dgm:txEffectClrLst/>
+  </dgm:styleLbl>
+  <dgm:styleLbl name="trBgShp">
+    <dgm:fillClrLst meth="repeat">
+      <a:schemeClr val="accent2">
+        <a:tint val="50000"/>
+        <a:alpha val="40000"/>
+      </a:schemeClr>
+    </dgm:fillClrLst>
+    <dgm:linClrLst meth="repeat">
+      <a:schemeClr val="accent2"/>
+    </dgm:linClrLst>
+    <dgm:effectClrLst/>
+    <dgm:txLinClrLst/>
+    <dgm:txFillClrLst meth="repeat">
+      <a:schemeClr val="lt1"/>
+    </dgm:txFillClrLst>
+    <dgm:txEffectClrLst/>
+  </dgm:styleLbl>
+  <dgm:styleLbl name="fgShp">
+    <dgm:fillClrLst meth="repeat">
+      <a:schemeClr val="accent2">
+        <a:tint val="40000"/>
+      </a:schemeClr>
+    </dgm:fillClrLst>
+    <dgm:linClrLst meth="repeat">
+      <a:schemeClr val="lt1"/>
+    </dgm:linClrLst>
+    <dgm:effectClrLst/>
+    <dgm:txLinClrLst/>
+    <dgm:txFillClrLst meth="repeat">
+      <a:schemeClr val="dk1"/>
+    </dgm:txFillClrLst>
+    <dgm:txEffectClrLst/>
+  </dgm:styleLbl>
+  <dgm:styleLbl name="revTx">
+    <dgm:fillClrLst meth="repeat">
+      <a:schemeClr val="lt1">
+        <a:alpha val="0"/>
+      </a:schemeClr>
+    </dgm:fillClrLst>
+    <dgm:linClrLst meth="repeat">
+      <a:schemeClr val="dk1">
+        <a:alpha val="0"/>
+      </a:schemeClr>
+    </dgm:linClrLst>
+    <dgm:effectClrLst/>
+    <dgm:txLinClrLst/>
+    <dgm:txFillClrLst meth="repeat">
+      <a:schemeClr val="tx1"/>
+    </dgm:txFillClrLst>
+    <dgm:txEffectClrLst/>
+  </dgm:styleLbl>
+</dgm:colorsDef>
+</file>
+
+<file path=ppt/diagrams/colors2.xml><?xml version="1.0" encoding="utf-8"?>
 <dgm:colorsDef xmlns:dgm="http://schemas.openxmlformats.org/drawingml/2006/diagram" xmlns:a="http://schemas.openxmlformats.org/drawingml/2006/main" uniqueId="urn:microsoft.com/office/officeart/2005/8/colors/colorful5">
   <dgm:title val=""/>
   <dgm:desc val=""/>
@@ -1910,6 +2698,254 @@
 <file path=ppt/diagrams/data1.xml><?xml version="1.0" encoding="utf-8"?>
 <dgm:dataModel xmlns:dgm="http://schemas.openxmlformats.org/drawingml/2006/diagram" xmlns:a="http://schemas.openxmlformats.org/drawingml/2006/main">
   <dgm:ptLst>
+    <dgm:pt modelId="{BA93C99F-517F-4ACB-8131-DAFCEA8DB7F0}" type="doc">
+      <dgm:prSet loTypeId="urn:microsoft.com/office/officeart/2005/8/layout/process4" loCatId="process" qsTypeId="urn:microsoft.com/office/officeart/2005/8/quickstyle/simple1" qsCatId="simple" csTypeId="urn:microsoft.com/office/officeart/2005/8/colors/colorful2" csCatId="colorful"/>
+      <dgm:spPr/>
+      <dgm:t>
+        <a:bodyPr/>
+        <a:lstStyle/>
+        <a:p>
+          <a:endParaRPr lang="en-US"/>
+        </a:p>
+      </dgm:t>
+    </dgm:pt>
+    <dgm:pt modelId="{AD8694E2-0A02-4985-979C-4FBE018D2063}">
+      <dgm:prSet/>
+      <dgm:spPr/>
+      <dgm:t>
+        <a:bodyPr/>
+        <a:lstStyle/>
+        <a:p>
+          <a:r>
+            <a:rPr lang="en-GB"/>
+            <a:t>Arithmetic operations</a:t>
+          </a:r>
+          <a:endParaRPr lang="en-US"/>
+        </a:p>
+      </dgm:t>
+    </dgm:pt>
+    <dgm:pt modelId="{8611D69C-560A-4656-97AB-440B66A3C9EE}" type="parTrans" cxnId="{7E8C3986-879B-4EF9-8F7A-F443195232DD}">
+      <dgm:prSet/>
+      <dgm:spPr/>
+      <dgm:t>
+        <a:bodyPr/>
+        <a:lstStyle/>
+        <a:p>
+          <a:endParaRPr lang="en-US"/>
+        </a:p>
+      </dgm:t>
+    </dgm:pt>
+    <dgm:pt modelId="{D5D53F08-EEC9-419B-8C85-C55D8C91D86B}" type="sibTrans" cxnId="{7E8C3986-879B-4EF9-8F7A-F443195232DD}">
+      <dgm:prSet/>
+      <dgm:spPr/>
+      <dgm:t>
+        <a:bodyPr/>
+        <a:lstStyle/>
+        <a:p>
+          <a:endParaRPr lang="en-US"/>
+        </a:p>
+      </dgm:t>
+    </dgm:pt>
+    <dgm:pt modelId="{7ED38B3D-412A-45A9-8A33-185A72CE5B75}">
+      <dgm:prSet/>
+      <dgm:spPr/>
+      <dgm:t>
+        <a:bodyPr/>
+        <a:lstStyle/>
+        <a:p>
+          <a:r>
+            <a:rPr lang="en-GB"/>
+            <a:t>Array, scalar</a:t>
+          </a:r>
+          <a:endParaRPr lang="en-US"/>
+        </a:p>
+      </dgm:t>
+    </dgm:pt>
+    <dgm:pt modelId="{FE8CF6D9-1FE6-4D16-8032-1DA1CF0339F0}" type="parTrans" cxnId="{B328C733-F02D-40FD-A9E4-24C3E07BEB0B}">
+      <dgm:prSet/>
+      <dgm:spPr/>
+      <dgm:t>
+        <a:bodyPr/>
+        <a:lstStyle/>
+        <a:p>
+          <a:endParaRPr lang="en-US"/>
+        </a:p>
+      </dgm:t>
+    </dgm:pt>
+    <dgm:pt modelId="{BDCDC009-7E0D-4212-9D3F-635357D5A3CD}" type="sibTrans" cxnId="{B328C733-F02D-40FD-A9E4-24C3E07BEB0B}">
+      <dgm:prSet/>
+      <dgm:spPr/>
+      <dgm:t>
+        <a:bodyPr/>
+        <a:lstStyle/>
+        <a:p>
+          <a:endParaRPr lang="en-US"/>
+        </a:p>
+      </dgm:t>
+    </dgm:pt>
+    <dgm:pt modelId="{D01FC26F-5039-4A39-B2C3-D63040801238}">
+      <dgm:prSet/>
+      <dgm:spPr/>
+      <dgm:t>
+        <a:bodyPr/>
+        <a:lstStyle/>
+        <a:p>
+          <a:r>
+            <a:rPr lang="en-GB"/>
+            <a:t>Array, array</a:t>
+          </a:r>
+          <a:endParaRPr lang="en-US"/>
+        </a:p>
+      </dgm:t>
+    </dgm:pt>
+    <dgm:pt modelId="{ED397E82-47EE-4D74-ADDF-7ADA44C1FC25}" type="parTrans" cxnId="{304F9CE3-1123-44FA-B57A-DFE64640422B}">
+      <dgm:prSet/>
+      <dgm:spPr/>
+      <dgm:t>
+        <a:bodyPr/>
+        <a:lstStyle/>
+        <a:p>
+          <a:endParaRPr lang="en-US"/>
+        </a:p>
+      </dgm:t>
+    </dgm:pt>
+    <dgm:pt modelId="{75233C37-FF3A-4515-A033-CC72A91A1717}" type="sibTrans" cxnId="{304F9CE3-1123-44FA-B57A-DFE64640422B}">
+      <dgm:prSet/>
+      <dgm:spPr/>
+      <dgm:t>
+        <a:bodyPr/>
+        <a:lstStyle/>
+        <a:p>
+          <a:endParaRPr lang="en-US"/>
+        </a:p>
+      </dgm:t>
+    </dgm:pt>
+    <dgm:pt modelId="{01274713-2191-4341-BE5A-D9EBA9751075}">
+      <dgm:prSet/>
+      <dgm:spPr/>
+      <dgm:t>
+        <a:bodyPr/>
+        <a:lstStyle/>
+        <a:p>
+          <a:r>
+            <a:rPr lang="en-GB"/>
+            <a:t>Slicing 2D arrays (get specific row(s)/column(s))</a:t>
+          </a:r>
+          <a:endParaRPr lang="en-US"/>
+        </a:p>
+      </dgm:t>
+    </dgm:pt>
+    <dgm:pt modelId="{957CFBBC-E6C6-4AAA-A136-3BFB45F6CB5F}" type="parTrans" cxnId="{5C0D5035-DEAE-4BC4-A6C5-436477F78017}">
+      <dgm:prSet/>
+      <dgm:spPr/>
+      <dgm:t>
+        <a:bodyPr/>
+        <a:lstStyle/>
+        <a:p>
+          <a:endParaRPr lang="en-US"/>
+        </a:p>
+      </dgm:t>
+    </dgm:pt>
+    <dgm:pt modelId="{F59DEE2C-9BB8-4A60-8ABE-F3E9CF8EC986}" type="sibTrans" cxnId="{5C0D5035-DEAE-4BC4-A6C5-436477F78017}">
+      <dgm:prSet/>
+      <dgm:spPr/>
+      <dgm:t>
+        <a:bodyPr/>
+        <a:lstStyle/>
+        <a:p>
+          <a:endParaRPr lang="en-US"/>
+        </a:p>
+      </dgm:t>
+    </dgm:pt>
+    <dgm:pt modelId="{DE4029AC-2A3C-4DE6-AC4B-2F7BD3181316}" type="pres">
+      <dgm:prSet presAssocID="{BA93C99F-517F-4ACB-8131-DAFCEA8DB7F0}" presName="Name0" presStyleCnt="0">
+        <dgm:presLayoutVars>
+          <dgm:dir/>
+          <dgm:animLvl val="lvl"/>
+          <dgm:resizeHandles val="exact"/>
+        </dgm:presLayoutVars>
+      </dgm:prSet>
+      <dgm:spPr/>
+    </dgm:pt>
+    <dgm:pt modelId="{49C16801-F3E9-4123-A1E9-77358B797309}" type="pres">
+      <dgm:prSet presAssocID="{01274713-2191-4341-BE5A-D9EBA9751075}" presName="boxAndChildren" presStyleCnt="0"/>
+      <dgm:spPr/>
+    </dgm:pt>
+    <dgm:pt modelId="{CA0A0D18-5923-4972-9994-9DFB1B078FF6}" type="pres">
+      <dgm:prSet presAssocID="{01274713-2191-4341-BE5A-D9EBA9751075}" presName="parentTextBox" presStyleLbl="node1" presStyleIdx="0" presStyleCnt="2"/>
+      <dgm:spPr/>
+    </dgm:pt>
+    <dgm:pt modelId="{2984CB9F-9B5D-4ACE-B181-D74470461DB1}" type="pres">
+      <dgm:prSet presAssocID="{D5D53F08-EEC9-419B-8C85-C55D8C91D86B}" presName="sp" presStyleCnt="0"/>
+      <dgm:spPr/>
+    </dgm:pt>
+    <dgm:pt modelId="{9FF517F7-D47D-4552-975D-213B8008FE4F}" type="pres">
+      <dgm:prSet presAssocID="{AD8694E2-0A02-4985-979C-4FBE018D2063}" presName="arrowAndChildren" presStyleCnt="0"/>
+      <dgm:spPr/>
+    </dgm:pt>
+    <dgm:pt modelId="{B9326EA1-1FB7-423C-A464-5D15EB51711F}" type="pres">
+      <dgm:prSet presAssocID="{AD8694E2-0A02-4985-979C-4FBE018D2063}" presName="parentTextArrow" presStyleLbl="node1" presStyleIdx="0" presStyleCnt="2"/>
+      <dgm:spPr/>
+    </dgm:pt>
+    <dgm:pt modelId="{03555C11-E121-4329-9DE9-61B3EAF43C68}" type="pres">
+      <dgm:prSet presAssocID="{AD8694E2-0A02-4985-979C-4FBE018D2063}" presName="arrow" presStyleLbl="node1" presStyleIdx="1" presStyleCnt="2"/>
+      <dgm:spPr/>
+    </dgm:pt>
+    <dgm:pt modelId="{7A8DCB56-2883-4148-BBBE-875FFDAECF50}" type="pres">
+      <dgm:prSet presAssocID="{AD8694E2-0A02-4985-979C-4FBE018D2063}" presName="descendantArrow" presStyleCnt="0"/>
+      <dgm:spPr/>
+    </dgm:pt>
+    <dgm:pt modelId="{B26E3CC3-16B6-4386-8EE3-F9FC50879567}" type="pres">
+      <dgm:prSet presAssocID="{7ED38B3D-412A-45A9-8A33-185A72CE5B75}" presName="childTextArrow" presStyleLbl="fgAccFollowNode1" presStyleIdx="0" presStyleCnt="2">
+        <dgm:presLayoutVars>
+          <dgm:bulletEnabled val="1"/>
+        </dgm:presLayoutVars>
+      </dgm:prSet>
+      <dgm:spPr/>
+    </dgm:pt>
+    <dgm:pt modelId="{BA40072D-1EFC-42A5-8F72-F82EBAF39A28}" type="pres">
+      <dgm:prSet presAssocID="{D01FC26F-5039-4A39-B2C3-D63040801238}" presName="childTextArrow" presStyleLbl="fgAccFollowNode1" presStyleIdx="1" presStyleCnt="2">
+        <dgm:presLayoutVars>
+          <dgm:bulletEnabled val="1"/>
+        </dgm:presLayoutVars>
+      </dgm:prSet>
+      <dgm:spPr/>
+    </dgm:pt>
+  </dgm:ptLst>
+  <dgm:cxnLst>
+    <dgm:cxn modelId="{719E5007-6393-4997-AA38-85A2A6B55447}" type="presOf" srcId="{D01FC26F-5039-4A39-B2C3-D63040801238}" destId="{BA40072D-1EFC-42A5-8F72-F82EBAF39A28}" srcOrd="0" destOrd="0" presId="urn:microsoft.com/office/officeart/2005/8/layout/process4"/>
+    <dgm:cxn modelId="{B328C733-F02D-40FD-A9E4-24C3E07BEB0B}" srcId="{AD8694E2-0A02-4985-979C-4FBE018D2063}" destId="{7ED38B3D-412A-45A9-8A33-185A72CE5B75}" srcOrd="0" destOrd="0" parTransId="{FE8CF6D9-1FE6-4D16-8032-1DA1CF0339F0}" sibTransId="{BDCDC009-7E0D-4212-9D3F-635357D5A3CD}"/>
+    <dgm:cxn modelId="{A910E433-C08A-4921-9107-EC5BA4D55D78}" type="presOf" srcId="{AD8694E2-0A02-4985-979C-4FBE018D2063}" destId="{03555C11-E121-4329-9DE9-61B3EAF43C68}" srcOrd="1" destOrd="0" presId="urn:microsoft.com/office/officeart/2005/8/layout/process4"/>
+    <dgm:cxn modelId="{5C0D5035-DEAE-4BC4-A6C5-436477F78017}" srcId="{BA93C99F-517F-4ACB-8131-DAFCEA8DB7F0}" destId="{01274713-2191-4341-BE5A-D9EBA9751075}" srcOrd="1" destOrd="0" parTransId="{957CFBBC-E6C6-4AAA-A136-3BFB45F6CB5F}" sibTransId="{F59DEE2C-9BB8-4A60-8ABE-F3E9CF8EC986}"/>
+    <dgm:cxn modelId="{B505605B-D124-44A1-B989-0B5E6FF1237A}" type="presOf" srcId="{7ED38B3D-412A-45A9-8A33-185A72CE5B75}" destId="{B26E3CC3-16B6-4386-8EE3-F9FC50879567}" srcOrd="0" destOrd="0" presId="urn:microsoft.com/office/officeart/2005/8/layout/process4"/>
+    <dgm:cxn modelId="{20EF9781-2C40-4A62-818A-39F2F6611200}" type="presOf" srcId="{01274713-2191-4341-BE5A-D9EBA9751075}" destId="{CA0A0D18-5923-4972-9994-9DFB1B078FF6}" srcOrd="0" destOrd="0" presId="urn:microsoft.com/office/officeart/2005/8/layout/process4"/>
+    <dgm:cxn modelId="{7E8C3986-879B-4EF9-8F7A-F443195232DD}" srcId="{BA93C99F-517F-4ACB-8131-DAFCEA8DB7F0}" destId="{AD8694E2-0A02-4985-979C-4FBE018D2063}" srcOrd="0" destOrd="0" parTransId="{8611D69C-560A-4656-97AB-440B66A3C9EE}" sibTransId="{D5D53F08-EEC9-419B-8C85-C55D8C91D86B}"/>
+    <dgm:cxn modelId="{6D7A9EC6-95E4-407C-9829-9098F0BF748C}" type="presOf" srcId="{BA93C99F-517F-4ACB-8131-DAFCEA8DB7F0}" destId="{DE4029AC-2A3C-4DE6-AC4B-2F7BD3181316}" srcOrd="0" destOrd="0" presId="urn:microsoft.com/office/officeart/2005/8/layout/process4"/>
+    <dgm:cxn modelId="{304F9CE3-1123-44FA-B57A-DFE64640422B}" srcId="{AD8694E2-0A02-4985-979C-4FBE018D2063}" destId="{D01FC26F-5039-4A39-B2C3-D63040801238}" srcOrd="1" destOrd="0" parTransId="{ED397E82-47EE-4D74-ADDF-7ADA44C1FC25}" sibTransId="{75233C37-FF3A-4515-A033-CC72A91A1717}"/>
+    <dgm:cxn modelId="{0D509FF3-2EBE-44C2-87DC-D0382939C90D}" type="presOf" srcId="{AD8694E2-0A02-4985-979C-4FBE018D2063}" destId="{B9326EA1-1FB7-423C-A464-5D15EB51711F}" srcOrd="0" destOrd="0" presId="urn:microsoft.com/office/officeart/2005/8/layout/process4"/>
+    <dgm:cxn modelId="{54AC8986-A895-4760-BF92-6D4BA07BE9B2}" type="presParOf" srcId="{DE4029AC-2A3C-4DE6-AC4B-2F7BD3181316}" destId="{49C16801-F3E9-4123-A1E9-77358B797309}" srcOrd="0" destOrd="0" presId="urn:microsoft.com/office/officeart/2005/8/layout/process4"/>
+    <dgm:cxn modelId="{47980E18-8307-44D5-9F56-DD573B1E460A}" type="presParOf" srcId="{49C16801-F3E9-4123-A1E9-77358B797309}" destId="{CA0A0D18-5923-4972-9994-9DFB1B078FF6}" srcOrd="0" destOrd="0" presId="urn:microsoft.com/office/officeart/2005/8/layout/process4"/>
+    <dgm:cxn modelId="{2F24DF02-08F6-40F2-BFCA-E52D0D096CB3}" type="presParOf" srcId="{DE4029AC-2A3C-4DE6-AC4B-2F7BD3181316}" destId="{2984CB9F-9B5D-4ACE-B181-D74470461DB1}" srcOrd="1" destOrd="0" presId="urn:microsoft.com/office/officeart/2005/8/layout/process4"/>
+    <dgm:cxn modelId="{E077DF8E-11EB-4A6D-B23C-1D9039B6FBC7}" type="presParOf" srcId="{DE4029AC-2A3C-4DE6-AC4B-2F7BD3181316}" destId="{9FF517F7-D47D-4552-975D-213B8008FE4F}" srcOrd="2" destOrd="0" presId="urn:microsoft.com/office/officeart/2005/8/layout/process4"/>
+    <dgm:cxn modelId="{E73E26D3-6CFA-4DA8-968C-9375B70356DD}" type="presParOf" srcId="{9FF517F7-D47D-4552-975D-213B8008FE4F}" destId="{B9326EA1-1FB7-423C-A464-5D15EB51711F}" srcOrd="0" destOrd="0" presId="urn:microsoft.com/office/officeart/2005/8/layout/process4"/>
+    <dgm:cxn modelId="{4E0B0A21-9C30-4BAD-AA25-5C45215AD1D9}" type="presParOf" srcId="{9FF517F7-D47D-4552-975D-213B8008FE4F}" destId="{03555C11-E121-4329-9DE9-61B3EAF43C68}" srcOrd="1" destOrd="0" presId="urn:microsoft.com/office/officeart/2005/8/layout/process4"/>
+    <dgm:cxn modelId="{3205DA08-7C3A-4B46-A096-9799C1999D3B}" type="presParOf" srcId="{9FF517F7-D47D-4552-975D-213B8008FE4F}" destId="{7A8DCB56-2883-4148-BBBE-875FFDAECF50}" srcOrd="2" destOrd="0" presId="urn:microsoft.com/office/officeart/2005/8/layout/process4"/>
+    <dgm:cxn modelId="{5417FCDD-3D73-43B7-9A7A-2455FB9A32FD}" type="presParOf" srcId="{7A8DCB56-2883-4148-BBBE-875FFDAECF50}" destId="{B26E3CC3-16B6-4386-8EE3-F9FC50879567}" srcOrd="0" destOrd="0" presId="urn:microsoft.com/office/officeart/2005/8/layout/process4"/>
+    <dgm:cxn modelId="{63E9FB30-6C77-44F8-AEE2-5B9E3BBBC72B}" type="presParOf" srcId="{7A8DCB56-2883-4148-BBBE-875FFDAECF50}" destId="{BA40072D-1EFC-42A5-8F72-F82EBAF39A28}" srcOrd="1" destOrd="0" presId="urn:microsoft.com/office/officeart/2005/8/layout/process4"/>
+  </dgm:cxnLst>
+  <dgm:bg/>
+  <dgm:whole/>
+  <dgm:extLst>
+    <a:ext uri="http://schemas.microsoft.com/office/drawing/2008/diagram">
+      <dsp:dataModelExt xmlns:dsp="http://schemas.microsoft.com/office/drawing/2008/diagram" relId="rId6" minVer="http://schemas.openxmlformats.org/drawingml/2006/diagram"/>
+    </a:ext>
+  </dgm:extLst>
+</dgm:dataModel>
+</file>
+
+<file path=ppt/diagrams/data2.xml><?xml version="1.0" encoding="utf-8"?>
+<dgm:dataModel xmlns:dgm="http://schemas.openxmlformats.org/drawingml/2006/diagram" xmlns:a="http://schemas.openxmlformats.org/drawingml/2006/main">
+  <dgm:ptLst>
     <dgm:pt modelId="{549151FF-C41C-40FE-AF0B-3D4004BE492E}" type="doc">
       <dgm:prSet loTypeId="urn:microsoft.com/office/officeart/2016/7/layout/VerticalDownArrowProcess" loCatId="process" qsTypeId="urn:microsoft.com/office/officeart/2005/8/quickstyle/simple1" qsCatId="simple" csTypeId="urn:microsoft.com/office/officeart/2005/8/colors/colorful5" csCatId="colorful" phldr="1"/>
       <dgm:spPr/>
@@ -2271,8 +3307,8 @@
         <a:lstStyle/>
         <a:p>
           <a:r>
-            <a:rPr lang="en-US"/>
-            <a:t>Tip</a:t>
+            <a:rPr lang="en-US" dirty="0"/>
+            <a:t>Tips</a:t>
           </a:r>
         </a:p>
       </dgm:t>
@@ -2308,7 +3344,7 @@
         <a:p>
           <a:r>
             <a:rPr lang="en-US" dirty="0"/>
-            <a:t>Tip: you’ll know dates are parsed if you see them in the format: Y-m-d or Y-m-d H:i:s</a:t>
+            <a:t>You’ll know dates are parsed if you see them in the format: Y-m-d or Y-m-d H:i:s</a:t>
           </a:r>
         </a:p>
       </dgm:t>
@@ -2334,6 +3370,74 @@
           <a:endParaRPr lang="en-US"/>
         </a:p>
       </dgm:t>
+    </dgm:pt>
+    <dgm:pt modelId="{D3345D53-5F84-4BF1-B4F6-E9BFB7502BDD}">
+      <dgm:prSet phldrT="[Text]"/>
+      <dgm:spPr/>
+      <dgm:t>
+        <a:bodyPr/>
+        <a:lstStyle/>
+        <a:p>
+          <a:r>
+            <a:rPr lang="en-US" dirty="0"/>
+            <a:t>Useful </a:t>
+          </a:r>
+          <a:r>
+            <a:rPr lang="en-US" dirty="0" err="1"/>
+            <a:t>read_csv</a:t>
+          </a:r>
+          <a:r>
+            <a:rPr lang="en-US" dirty="0"/>
+            <a:t> params: </a:t>
+          </a:r>
+          <a:r>
+            <a:rPr lang="en-US" dirty="0" err="1"/>
+            <a:t>use_cols</a:t>
+          </a:r>
+          <a:r>
+            <a:rPr lang="en-US" dirty="0"/>
+            <a:t>=[], </a:t>
+          </a:r>
+          <a:r>
+            <a:rPr lang="en-US" dirty="0" err="1"/>
+            <a:t>dtypes</a:t>
+          </a:r>
+          <a:r>
+            <a:rPr lang="en-US" dirty="0"/>
+            <a:t>={}</a:t>
+          </a:r>
+        </a:p>
+      </dgm:t>
+    </dgm:pt>
+    <dgm:pt modelId="{F7083F16-6ECA-48DC-A3FA-219D88524DEA}" type="parTrans" cxnId="{C698D733-C0E8-46B4-9040-AFC413567F3E}">
+      <dgm:prSet/>
+      <dgm:spPr/>
+    </dgm:pt>
+    <dgm:pt modelId="{1A1296FF-5C2D-44E4-858C-7951160B5AC9}" type="sibTrans" cxnId="{C698D733-C0E8-46B4-9040-AFC413567F3E}">
+      <dgm:prSet/>
+      <dgm:spPr/>
+    </dgm:pt>
+    <dgm:pt modelId="{5B7EFCC8-D3CF-49F7-A80E-3FD7C628A25B}">
+      <dgm:prSet phldrT="[Text]"/>
+      <dgm:spPr/>
+      <dgm:t>
+        <a:bodyPr/>
+        <a:lstStyle/>
+        <a:p>
+          <a:r>
+            <a:rPr lang="en-US" dirty="0"/>
+            <a:t>Use category data type for repeated strings to reduce memory usage</a:t>
+          </a:r>
+        </a:p>
+      </dgm:t>
+    </dgm:pt>
+    <dgm:pt modelId="{BCC0B17F-B352-421C-AE46-3C3197966E7C}" type="parTrans" cxnId="{C47541D8-5A0E-435B-ABE7-66A500DC30C9}">
+      <dgm:prSet/>
+      <dgm:spPr/>
+    </dgm:pt>
+    <dgm:pt modelId="{AC8FF826-CE65-4356-81F9-39ECA4B34D81}" type="sibTrans" cxnId="{C47541D8-5A0E-435B-ABE7-66A500DC30C9}">
+      <dgm:prSet/>
+      <dgm:spPr/>
     </dgm:pt>
     <dgm:pt modelId="{7C66F8A4-6CD3-4085-8164-724AA0E9EB47}" type="pres">
       <dgm:prSet presAssocID="{549151FF-C41C-40FE-AF0B-3D4004BE492E}" presName="Name0" presStyleCnt="0">
@@ -2445,9 +3549,11 @@
     <dgm:cxn modelId="{D0D6591C-E8D0-499C-A852-87A4387DE863}" type="presOf" srcId="{CD2F4948-6EDF-47FF-BF0C-7BFF3C055546}" destId="{8539F0D2-C0DD-4C90-80A4-557D0D59BF2D}" srcOrd="0" destOrd="0" presId="urn:microsoft.com/office/officeart/2016/7/layout/VerticalDownArrowProcess"/>
     <dgm:cxn modelId="{49C4AE21-0060-4D7F-926B-1C567279418F}" type="presOf" srcId="{4509669A-6F7D-4FA3-8143-BCED8826301F}" destId="{0453800A-27BB-4842-BA1B-167F98FBD5FA}" srcOrd="0" destOrd="0" presId="urn:microsoft.com/office/officeart/2016/7/layout/VerticalDownArrowProcess"/>
     <dgm:cxn modelId="{66289726-6CA8-4043-A02F-CCEA48152939}" srcId="{549151FF-C41C-40FE-AF0B-3D4004BE492E}" destId="{792F7D1A-72E2-4286-8FEB-B409B4BC8C04}" srcOrd="0" destOrd="0" parTransId="{ED884804-FEA1-4A01-8DB8-DF0EBE8270B5}" sibTransId="{442F6107-9061-4993-BE8B-7DA7104C186D}"/>
+    <dgm:cxn modelId="{C698D733-C0E8-46B4-9040-AFC413567F3E}" srcId="{697C1EBC-6A77-4CAF-A700-2355987B7465}" destId="{D3345D53-5F84-4BF1-B4F6-E9BFB7502BDD}" srcOrd="1" destOrd="0" parTransId="{F7083F16-6ECA-48DC-A3FA-219D88524DEA}" sibTransId="{1A1296FF-5C2D-44E4-858C-7951160B5AC9}"/>
     <dgm:cxn modelId="{558F0144-69F5-4D96-8A41-5041ACD3CA4E}" type="presOf" srcId="{549151FF-C41C-40FE-AF0B-3D4004BE492E}" destId="{7C66F8A4-6CD3-4085-8164-724AA0E9EB47}" srcOrd="0" destOrd="0" presId="urn:microsoft.com/office/officeart/2016/7/layout/VerticalDownArrowProcess"/>
     <dgm:cxn modelId="{EFBA7564-7C96-473F-B609-737E0FFBF531}" srcId="{697C1EBC-6A77-4CAF-A700-2355987B7465}" destId="{03A845E0-A5DC-439E-9E74-93335B302E53}" srcOrd="0" destOrd="0" parTransId="{B37FF9EE-808F-414B-A434-065C0E538A70}" sibTransId="{253DF39F-AC05-478B-9CDD-97CC294AF576}"/>
     <dgm:cxn modelId="{91491B6A-B054-4ADE-8E68-F341DC3BF5C2}" type="presOf" srcId="{697C1EBC-6A77-4CAF-A700-2355987B7465}" destId="{A343AEE6-3DC0-4C48-BE29-1B01CED7FD98}" srcOrd="0" destOrd="0" presId="urn:microsoft.com/office/officeart/2016/7/layout/VerticalDownArrowProcess"/>
+    <dgm:cxn modelId="{92759270-3D33-499B-A452-A47C4DE7DDA9}" type="presOf" srcId="{D3345D53-5F84-4BF1-B4F6-E9BFB7502BDD}" destId="{F76A475A-AAE3-4319-9817-29CA5A552A80}" srcOrd="0" destOrd="1" presId="urn:microsoft.com/office/officeart/2016/7/layout/VerticalDownArrowProcess"/>
     <dgm:cxn modelId="{7F0A5453-9EE1-4E31-AC5C-BAEA57D9A162}" srcId="{131BADAC-6941-43D0-AD1A-C9E6CB882836}" destId="{CD2F4948-6EDF-47FF-BF0C-7BFF3C055546}" srcOrd="0" destOrd="0" parTransId="{04EE4396-4A17-44C0-9AA2-45E179A1CA00}" sibTransId="{0162E5F0-6374-4B2A-AD65-774E8B9FEFC5}"/>
     <dgm:cxn modelId="{57A5D57B-6CAE-4C6B-A7AC-39F06E1121FE}" srcId="{D11465CC-2809-443D-847A-DFC413855634}" destId="{F54C9A12-46C4-45CC-8F0A-73C0517628C4}" srcOrd="0" destOrd="0" parTransId="{037B04AD-0C01-4811-ADC1-C9D62E774F24}" sibTransId="{821FDFC7-7F35-43B8-A709-14A9CDBF4371}"/>
     <dgm:cxn modelId="{2C26DC7D-7332-487D-A7D3-337EB4EF2A16}" srcId="{792F7D1A-72E2-4286-8FEB-B409B4BC8C04}" destId="{4509669A-6F7D-4FA3-8143-BCED8826301F}" srcOrd="0" destOrd="0" parTransId="{0E87C146-EE83-4139-8BBD-291CEB31628C}" sibTransId="{B7ECBB1F-43C8-447D-8EBA-975759938DBA}"/>
@@ -2461,6 +3567,8 @@
     <dgm:cxn modelId="{A42293C2-FBB7-43A6-994B-0D7291C16975}" type="presOf" srcId="{4C15E9F3-27B8-4639-82E2-E8FD3F28F300}" destId="{29F2D30A-5F2F-419B-A824-FC4241ED3042}" srcOrd="0" destOrd="0" presId="urn:microsoft.com/office/officeart/2016/7/layout/VerticalDownArrowProcess"/>
     <dgm:cxn modelId="{D28173CE-D41C-4823-B55B-043A22B649A1}" type="presOf" srcId="{131BADAC-6941-43D0-AD1A-C9E6CB882836}" destId="{36920C61-4F8F-4D6F-AD26-BF77F02A7511}" srcOrd="1" destOrd="0" presId="urn:microsoft.com/office/officeart/2016/7/layout/VerticalDownArrowProcess"/>
     <dgm:cxn modelId="{1C8475CF-0055-4F96-BED2-215C004D4166}" type="presOf" srcId="{D11465CC-2809-443D-847A-DFC413855634}" destId="{D45AB8A8-0824-433B-80CF-28061B18F429}" srcOrd="1" destOrd="0" presId="urn:microsoft.com/office/officeart/2016/7/layout/VerticalDownArrowProcess"/>
+    <dgm:cxn modelId="{908B8FD5-9D2F-4B2C-B5DB-A3B372A625E9}" type="presOf" srcId="{5B7EFCC8-D3CF-49F7-A80E-3FD7C628A25B}" destId="{F76A475A-AAE3-4319-9817-29CA5A552A80}" srcOrd="0" destOrd="2" presId="urn:microsoft.com/office/officeart/2016/7/layout/VerticalDownArrowProcess"/>
+    <dgm:cxn modelId="{C47541D8-5A0E-435B-ABE7-66A500DC30C9}" srcId="{697C1EBC-6A77-4CAF-A700-2355987B7465}" destId="{5B7EFCC8-D3CF-49F7-A80E-3FD7C628A25B}" srcOrd="2" destOrd="0" parTransId="{BCC0B17F-B352-421C-AE46-3C3197966E7C}" sibTransId="{AC8FF826-CE65-4356-81F9-39ECA4B34D81}"/>
     <dgm:cxn modelId="{CD5EB2D8-FD6D-4CAD-90F3-92081003755E}" type="presOf" srcId="{4C15E9F3-27B8-4639-82E2-E8FD3F28F300}" destId="{9B2B5F16-1F5E-45BA-956E-EF2F7742D96C}" srcOrd="1" destOrd="0" presId="urn:microsoft.com/office/officeart/2016/7/layout/VerticalDownArrowProcess"/>
     <dgm:cxn modelId="{C35220E4-30E8-4E98-8502-E21AEE86D397}" type="presOf" srcId="{D11465CC-2809-443D-847A-DFC413855634}" destId="{234E1214-4250-4889-A63D-D091D89D5899}" srcOrd="0" destOrd="0" presId="urn:microsoft.com/office/officeart/2016/7/layout/VerticalDownArrowProcess"/>
     <dgm:cxn modelId="{353241E7-3CC1-4F50-BF8C-57FA6C4F1E2D}" srcId="{549151FF-C41C-40FE-AF0B-3D4004BE492E}" destId="{697C1EBC-6A77-4CAF-A700-2355987B7465}" srcOrd="4" destOrd="0" parTransId="{B7F43743-8CFB-4B7A-88B2-5D057616ED0E}" sibTransId="{3592F4FD-7B0D-4D5A-AFAE-51D9244A8FA9}"/>
@@ -2499,6 +3607,338 @@
 </file>
 
 <file path=ppt/diagrams/drawing1.xml><?xml version="1.0" encoding="utf-8"?>
+<dsp:drawing xmlns:dgm="http://schemas.openxmlformats.org/drawingml/2006/diagram" xmlns:dsp="http://schemas.microsoft.com/office/drawing/2008/diagram" xmlns:a="http://schemas.openxmlformats.org/drawingml/2006/main">
+  <dsp:spTree>
+    <dsp:nvGrpSpPr>
+      <dsp:cNvPr id="0" name=""/>
+      <dsp:cNvGrpSpPr/>
+    </dsp:nvGrpSpPr>
+    <dsp:grpSpPr/>
+    <dsp:sp modelId="{CA0A0D18-5923-4972-9994-9DFB1B078FF6}">
+      <dsp:nvSpPr>
+        <dsp:cNvPr id="0" name=""/>
+        <dsp:cNvSpPr/>
+      </dsp:nvSpPr>
+      <dsp:spPr>
+        <a:xfrm>
+          <a:off x="0" y="3081379"/>
+          <a:ext cx="6492875" cy="2021718"/>
+        </a:xfrm>
+        <a:prstGeom prst="rect">
+          <a:avLst/>
+        </a:prstGeom>
+        <a:solidFill>
+          <a:schemeClr val="accent2">
+            <a:hueOff val="0"/>
+            <a:satOff val="0"/>
+            <a:lumOff val="0"/>
+            <a:alphaOff val="0"/>
+          </a:schemeClr>
+        </a:solidFill>
+        <a:ln w="12700" cap="flat" cmpd="sng" algn="ctr">
+          <a:solidFill>
+            <a:schemeClr val="lt1">
+              <a:hueOff val="0"/>
+              <a:satOff val="0"/>
+              <a:lumOff val="0"/>
+              <a:alphaOff val="0"/>
+            </a:schemeClr>
+          </a:solidFill>
+          <a:prstDash val="solid"/>
+          <a:miter lim="800000"/>
+        </a:ln>
+        <a:effectLst/>
+      </dsp:spPr>
+      <dsp:style>
+        <a:lnRef idx="2">
+          <a:scrgbClr r="0" g="0" b="0"/>
+        </a:lnRef>
+        <a:fillRef idx="1">
+          <a:scrgbClr r="0" g="0" b="0"/>
+        </a:fillRef>
+        <a:effectRef idx="0">
+          <a:scrgbClr r="0" g="0" b="0"/>
+        </a:effectRef>
+        <a:fontRef idx="minor">
+          <a:schemeClr val="lt1"/>
+        </a:fontRef>
+      </dsp:style>
+      <dsp:txBody>
+        <a:bodyPr spcFirstLastPara="0" vert="horz" wrap="square" lIns="270256" tIns="270256" rIns="270256" bIns="270256" numCol="1" spcCol="1270" anchor="ctr" anchorCtr="0">
+          <a:noAutofit/>
+        </a:bodyPr>
+        <a:lstStyle/>
+        <a:p>
+          <a:pPr marL="0" lvl="0" indent="0" algn="ctr" defTabSz="1689100">
+            <a:lnSpc>
+              <a:spcPct val="90000"/>
+            </a:lnSpc>
+            <a:spcBef>
+              <a:spcPct val="0"/>
+            </a:spcBef>
+            <a:spcAft>
+              <a:spcPct val="35000"/>
+            </a:spcAft>
+            <a:buNone/>
+          </a:pPr>
+          <a:r>
+            <a:rPr lang="en-GB" sz="3800" kern="1200"/>
+            <a:t>Slicing 2D arrays (get specific row(s)/column(s))</a:t>
+          </a:r>
+          <a:endParaRPr lang="en-US" sz="3800" kern="1200"/>
+        </a:p>
+      </dsp:txBody>
+      <dsp:txXfrm>
+        <a:off x="0" y="3081379"/>
+        <a:ext cx="6492875" cy="2021718"/>
+      </dsp:txXfrm>
+    </dsp:sp>
+    <dsp:sp modelId="{03555C11-E121-4329-9DE9-61B3EAF43C68}">
+      <dsp:nvSpPr>
+        <dsp:cNvPr id="0" name=""/>
+        <dsp:cNvSpPr/>
+      </dsp:nvSpPr>
+      <dsp:spPr>
+        <a:xfrm rot="10800000">
+          <a:off x="0" y="2302"/>
+          <a:ext cx="6492875" cy="3109402"/>
+        </a:xfrm>
+        <a:prstGeom prst="upArrowCallout">
+          <a:avLst/>
+        </a:prstGeom>
+        <a:solidFill>
+          <a:schemeClr val="accent2">
+            <a:hueOff val="-1455363"/>
+            <a:satOff val="-83928"/>
+            <a:lumOff val="8628"/>
+            <a:alphaOff val="0"/>
+          </a:schemeClr>
+        </a:solidFill>
+        <a:ln w="12700" cap="flat" cmpd="sng" algn="ctr">
+          <a:solidFill>
+            <a:schemeClr val="lt1">
+              <a:hueOff val="0"/>
+              <a:satOff val="0"/>
+              <a:lumOff val="0"/>
+              <a:alphaOff val="0"/>
+            </a:schemeClr>
+          </a:solidFill>
+          <a:prstDash val="solid"/>
+          <a:miter lim="800000"/>
+        </a:ln>
+        <a:effectLst/>
+      </dsp:spPr>
+      <dsp:style>
+        <a:lnRef idx="2">
+          <a:scrgbClr r="0" g="0" b="0"/>
+        </a:lnRef>
+        <a:fillRef idx="1">
+          <a:scrgbClr r="0" g="0" b="0"/>
+        </a:fillRef>
+        <a:effectRef idx="0">
+          <a:scrgbClr r="0" g="0" b="0"/>
+        </a:effectRef>
+        <a:fontRef idx="minor">
+          <a:schemeClr val="lt1"/>
+        </a:fontRef>
+      </dsp:style>
+      <dsp:txBody>
+        <a:bodyPr spcFirstLastPara="0" vert="horz" wrap="square" lIns="270256" tIns="270256" rIns="270256" bIns="270256" numCol="1" spcCol="1270" anchor="ctr" anchorCtr="0">
+          <a:noAutofit/>
+        </a:bodyPr>
+        <a:lstStyle/>
+        <a:p>
+          <a:pPr marL="0" lvl="0" indent="0" algn="ctr" defTabSz="1689100">
+            <a:lnSpc>
+              <a:spcPct val="90000"/>
+            </a:lnSpc>
+            <a:spcBef>
+              <a:spcPct val="0"/>
+            </a:spcBef>
+            <a:spcAft>
+              <a:spcPct val="35000"/>
+            </a:spcAft>
+            <a:buNone/>
+          </a:pPr>
+          <a:r>
+            <a:rPr lang="en-GB" sz="3800" kern="1200"/>
+            <a:t>Arithmetic operations</a:t>
+          </a:r>
+          <a:endParaRPr lang="en-US" sz="3800" kern="1200"/>
+        </a:p>
+      </dsp:txBody>
+      <dsp:txXfrm rot="-10800000">
+        <a:off x="0" y="2302"/>
+        <a:ext cx="6492875" cy="1091400"/>
+      </dsp:txXfrm>
+    </dsp:sp>
+    <dsp:sp modelId="{B26E3CC3-16B6-4386-8EE3-F9FC50879567}">
+      <dsp:nvSpPr>
+        <dsp:cNvPr id="0" name=""/>
+        <dsp:cNvSpPr/>
+      </dsp:nvSpPr>
+      <dsp:spPr>
+        <a:xfrm>
+          <a:off x="0" y="1093702"/>
+          <a:ext cx="3246437" cy="929711"/>
+        </a:xfrm>
+        <a:prstGeom prst="rect">
+          <a:avLst/>
+        </a:prstGeom>
+        <a:solidFill>
+          <a:schemeClr val="accent2">
+            <a:tint val="40000"/>
+            <a:alpha val="90000"/>
+            <a:hueOff val="0"/>
+            <a:satOff val="0"/>
+            <a:lumOff val="0"/>
+            <a:alphaOff val="0"/>
+          </a:schemeClr>
+        </a:solidFill>
+        <a:ln w="12700" cap="flat" cmpd="sng" algn="ctr">
+          <a:solidFill>
+            <a:schemeClr val="accent2">
+              <a:tint val="40000"/>
+              <a:alpha val="90000"/>
+              <a:hueOff val="0"/>
+              <a:satOff val="0"/>
+              <a:lumOff val="0"/>
+              <a:alphaOff val="0"/>
+            </a:schemeClr>
+          </a:solidFill>
+          <a:prstDash val="solid"/>
+          <a:miter lim="800000"/>
+        </a:ln>
+        <a:effectLst/>
+      </dsp:spPr>
+      <dsp:style>
+        <a:lnRef idx="2">
+          <a:scrgbClr r="0" g="0" b="0"/>
+        </a:lnRef>
+        <a:fillRef idx="1">
+          <a:scrgbClr r="0" g="0" b="0"/>
+        </a:fillRef>
+        <a:effectRef idx="0">
+          <a:scrgbClr r="0" g="0" b="0"/>
+        </a:effectRef>
+        <a:fontRef idx="minor"/>
+      </dsp:style>
+      <dsp:txBody>
+        <a:bodyPr spcFirstLastPara="0" vert="horz" wrap="square" lIns="298704" tIns="53340" rIns="298704" bIns="53340" numCol="1" spcCol="1270" anchor="ctr" anchorCtr="0">
+          <a:noAutofit/>
+        </a:bodyPr>
+        <a:lstStyle/>
+        <a:p>
+          <a:pPr marL="0" lvl="0" indent="0" algn="ctr" defTabSz="1866900">
+            <a:lnSpc>
+              <a:spcPct val="90000"/>
+            </a:lnSpc>
+            <a:spcBef>
+              <a:spcPct val="0"/>
+            </a:spcBef>
+            <a:spcAft>
+              <a:spcPct val="35000"/>
+            </a:spcAft>
+            <a:buNone/>
+          </a:pPr>
+          <a:r>
+            <a:rPr lang="en-GB" sz="4200" kern="1200"/>
+            <a:t>Array, scalar</a:t>
+          </a:r>
+          <a:endParaRPr lang="en-US" sz="4200" kern="1200"/>
+        </a:p>
+      </dsp:txBody>
+      <dsp:txXfrm>
+        <a:off x="0" y="1093702"/>
+        <a:ext cx="3246437" cy="929711"/>
+      </dsp:txXfrm>
+    </dsp:sp>
+    <dsp:sp modelId="{BA40072D-1EFC-42A5-8F72-F82EBAF39A28}">
+      <dsp:nvSpPr>
+        <dsp:cNvPr id="0" name=""/>
+        <dsp:cNvSpPr/>
+      </dsp:nvSpPr>
+      <dsp:spPr>
+        <a:xfrm>
+          <a:off x="3246437" y="1093702"/>
+          <a:ext cx="3246437" cy="929711"/>
+        </a:xfrm>
+        <a:prstGeom prst="rect">
+          <a:avLst/>
+        </a:prstGeom>
+        <a:solidFill>
+          <a:schemeClr val="accent2">
+            <a:tint val="40000"/>
+            <a:alpha val="90000"/>
+            <a:hueOff val="-849226"/>
+            <a:satOff val="-75346"/>
+            <a:lumOff val="-769"/>
+            <a:alphaOff val="0"/>
+          </a:schemeClr>
+        </a:solidFill>
+        <a:ln w="12700" cap="flat" cmpd="sng" algn="ctr">
+          <a:solidFill>
+            <a:schemeClr val="accent2">
+              <a:tint val="40000"/>
+              <a:alpha val="90000"/>
+              <a:hueOff val="-849226"/>
+              <a:satOff val="-75346"/>
+              <a:lumOff val="-769"/>
+              <a:alphaOff val="0"/>
+            </a:schemeClr>
+          </a:solidFill>
+          <a:prstDash val="solid"/>
+          <a:miter lim="800000"/>
+        </a:ln>
+        <a:effectLst/>
+      </dsp:spPr>
+      <dsp:style>
+        <a:lnRef idx="2">
+          <a:scrgbClr r="0" g="0" b="0"/>
+        </a:lnRef>
+        <a:fillRef idx="1">
+          <a:scrgbClr r="0" g="0" b="0"/>
+        </a:fillRef>
+        <a:effectRef idx="0">
+          <a:scrgbClr r="0" g="0" b="0"/>
+        </a:effectRef>
+        <a:fontRef idx="minor"/>
+      </dsp:style>
+      <dsp:txBody>
+        <a:bodyPr spcFirstLastPara="0" vert="horz" wrap="square" lIns="298704" tIns="53340" rIns="298704" bIns="53340" numCol="1" spcCol="1270" anchor="ctr" anchorCtr="0">
+          <a:noAutofit/>
+        </a:bodyPr>
+        <a:lstStyle/>
+        <a:p>
+          <a:pPr marL="0" lvl="0" indent="0" algn="ctr" defTabSz="1866900">
+            <a:lnSpc>
+              <a:spcPct val="90000"/>
+            </a:lnSpc>
+            <a:spcBef>
+              <a:spcPct val="0"/>
+            </a:spcBef>
+            <a:spcAft>
+              <a:spcPct val="35000"/>
+            </a:spcAft>
+            <a:buNone/>
+          </a:pPr>
+          <a:r>
+            <a:rPr lang="en-GB" sz="4200" kern="1200"/>
+            <a:t>Array, array</a:t>
+          </a:r>
+          <a:endParaRPr lang="en-US" sz="4200" kern="1200"/>
+        </a:p>
+      </dsp:txBody>
+      <dsp:txXfrm>
+        <a:off x="3246437" y="1093702"/>
+        <a:ext cx="3246437" cy="929711"/>
+      </dsp:txXfrm>
+    </dsp:sp>
+  </dsp:spTree>
+</dsp:drawing>
+</file>
+
+<file path=ppt/diagrams/drawing2.xml><?xml version="1.0" encoding="utf-8"?>
 <dsp:drawing xmlns:dgm="http://schemas.openxmlformats.org/drawingml/2006/diagram" xmlns:dsp="http://schemas.microsoft.com/office/drawing/2008/diagram" xmlns:a="http://schemas.openxmlformats.org/drawingml/2006/main">
   <dsp:spTree>
     <dsp:nvGrpSpPr>
@@ -2574,8 +4014,8 @@
             <a:buNone/>
           </a:pPr>
           <a:r>
-            <a:rPr lang="en-US" sz="2900" kern="1200"/>
-            <a:t>Tip</a:t>
+            <a:rPr lang="en-US" sz="2900" kern="1200" dirty="0"/>
+            <a:t>Tips</a:t>
           </a:r>
         </a:p>
       </dsp:txBody>
@@ -2636,12 +4076,12 @@
         <a:fontRef idx="minor"/>
       </dsp:style>
       <dsp:txBody>
-        <a:bodyPr spcFirstLastPara="0" vert="horz" wrap="square" lIns="110895" tIns="152400" rIns="110895" bIns="152400" numCol="1" spcCol="1270" anchor="ctr" anchorCtr="0">
+        <a:bodyPr spcFirstLastPara="0" vert="horz" wrap="square" lIns="110895" tIns="139700" rIns="110895" bIns="139700" numCol="1" spcCol="1270" anchor="ctr" anchorCtr="0">
           <a:noAutofit/>
         </a:bodyPr>
         <a:lstStyle/>
         <a:p>
-          <a:pPr marL="0" lvl="0" indent="0" algn="l" defTabSz="533400">
+          <a:pPr marL="0" lvl="0" indent="0" algn="l" defTabSz="488950">
             <a:lnSpc>
               <a:spcPct val="90000"/>
             </a:lnSpc>
@@ -2654,8 +4094,68 @@
             <a:buNone/>
           </a:pPr>
           <a:r>
-            <a:rPr lang="en-US" sz="1200" kern="1200" dirty="0"/>
-            <a:t>Tip: you’ll know dates are parsed if you see them in the format: Y-m-d or Y-m-d H:i:s</a:t>
+            <a:rPr lang="en-US" sz="1100" kern="1200" dirty="0"/>
+            <a:t>You’ll know dates are parsed if you see them in the format: Y-m-d or Y-m-d H:i:s</a:t>
+          </a:r>
+        </a:p>
+        <a:p>
+          <a:pPr marL="0" lvl="0" indent="0" algn="l" defTabSz="488950">
+            <a:lnSpc>
+              <a:spcPct val="90000"/>
+            </a:lnSpc>
+            <a:spcBef>
+              <a:spcPct val="0"/>
+            </a:spcBef>
+            <a:spcAft>
+              <a:spcPct val="35000"/>
+            </a:spcAft>
+            <a:buNone/>
+          </a:pPr>
+          <a:r>
+            <a:rPr lang="en-US" sz="1100" kern="1200" dirty="0"/>
+            <a:t>Useful </a:t>
+          </a:r>
+          <a:r>
+            <a:rPr lang="en-US" sz="1100" kern="1200" dirty="0" err="1"/>
+            <a:t>read_csv</a:t>
+          </a:r>
+          <a:r>
+            <a:rPr lang="en-US" sz="1100" kern="1200" dirty="0"/>
+            <a:t> params: </a:t>
+          </a:r>
+          <a:r>
+            <a:rPr lang="en-US" sz="1100" kern="1200" dirty="0" err="1"/>
+            <a:t>use_cols</a:t>
+          </a:r>
+          <a:r>
+            <a:rPr lang="en-US" sz="1100" kern="1200" dirty="0"/>
+            <a:t>=[], </a:t>
+          </a:r>
+          <a:r>
+            <a:rPr lang="en-US" sz="1100" kern="1200" dirty="0" err="1"/>
+            <a:t>dtypes</a:t>
+          </a:r>
+          <a:r>
+            <a:rPr lang="en-US" sz="1100" kern="1200" dirty="0"/>
+            <a:t>={}</a:t>
+          </a:r>
+        </a:p>
+        <a:p>
+          <a:pPr marL="0" lvl="0" indent="0" algn="l" defTabSz="488950">
+            <a:lnSpc>
+              <a:spcPct val="90000"/>
+            </a:lnSpc>
+            <a:spcBef>
+              <a:spcPct val="0"/>
+            </a:spcBef>
+            <a:spcAft>
+              <a:spcPct val="35000"/>
+            </a:spcAft>
+            <a:buNone/>
+          </a:pPr>
+          <a:r>
+            <a:rPr lang="en-US" sz="1100" kern="1200" dirty="0"/>
+            <a:t>Use category data type for repeated strings to reduce memory usage</a:t>
           </a:r>
         </a:p>
       </dsp:txBody>
@@ -2799,12 +4299,12 @@
         <a:fontRef idx="minor"/>
       </dsp:style>
       <dsp:txBody>
-        <a:bodyPr spcFirstLastPara="0" vert="horz" wrap="square" lIns="110895" tIns="152400" rIns="110895" bIns="152400" numCol="1" spcCol="1270" anchor="ctr" anchorCtr="0">
+        <a:bodyPr spcFirstLastPara="0" vert="horz" wrap="square" lIns="110895" tIns="139700" rIns="110895" bIns="139700" numCol="1" spcCol="1270" anchor="ctr" anchorCtr="0">
           <a:noAutofit/>
         </a:bodyPr>
         <a:lstStyle/>
         <a:p>
-          <a:pPr marL="0" lvl="0" indent="0" algn="l" defTabSz="533400">
+          <a:pPr marL="0" lvl="0" indent="0" algn="l" defTabSz="488950">
             <a:lnSpc>
               <a:spcPct val="90000"/>
             </a:lnSpc>
@@ -2817,14 +4317,14 @@
             <a:buNone/>
           </a:pPr>
           <a:r>
-            <a:rPr lang="en-US" sz="1200" kern="1200"/>
+            <a:rPr lang="en-US" sz="1100" kern="1200"/>
             <a:t>Clean up data. For example, to convert date/time string to a datetime object, adjust loading to:</a:t>
           </a:r>
           <a:br>
-            <a:rPr lang="en-US" sz="1200" kern="1200"/>
+            <a:rPr lang="en-US" sz="1100" kern="1200"/>
           </a:br>
           <a:r>
-            <a:rPr lang="en-US" sz="1200" kern="1200"/>
+            <a:rPr lang="en-US" sz="1100" kern="1200"/>
             <a:t>data = pd.read_csv(‘path/to/file’, parse_dates=[0])</a:t>
           </a:r>
         </a:p>
@@ -2969,12 +4469,12 @@
         <a:fontRef idx="minor"/>
       </dsp:style>
       <dsp:txBody>
-        <a:bodyPr spcFirstLastPara="0" vert="horz" wrap="square" lIns="110895" tIns="152400" rIns="110895" bIns="152400" numCol="1" spcCol="1270" anchor="ctr" anchorCtr="0">
+        <a:bodyPr spcFirstLastPara="0" vert="horz" wrap="square" lIns="110895" tIns="139700" rIns="110895" bIns="139700" numCol="1" spcCol="1270" anchor="ctr" anchorCtr="0">
           <a:noAutofit/>
         </a:bodyPr>
         <a:lstStyle/>
         <a:p>
-          <a:pPr marL="0" lvl="0" indent="0" algn="l" defTabSz="533400">
+          <a:pPr marL="0" lvl="0" indent="0" algn="l" defTabSz="488950">
             <a:lnSpc>
               <a:spcPct val="90000"/>
             </a:lnSpc>
@@ -2987,25 +4487,25 @@
             <a:buNone/>
           </a:pPr>
           <a:r>
-            <a:rPr lang="en-US" sz="1200" kern="1200" dirty="0"/>
+            <a:rPr lang="en-US" sz="1100" kern="1200" dirty="0"/>
             <a:t>See how are column data types recognized (and memory usage):</a:t>
           </a:r>
           <a:br>
-            <a:rPr lang="en-US" sz="1200" kern="1200" dirty="0"/>
+            <a:rPr lang="en-US" sz="1100" kern="1200" dirty="0"/>
           </a:br>
           <a:r>
-            <a:rPr lang="en-US" sz="1200" kern="1200" dirty="0"/>
+            <a:rPr lang="en-US" sz="1100" kern="1200" dirty="0"/>
             <a:t>data.info()</a:t>
           </a:r>
           <a:br>
-            <a:rPr lang="en-US" sz="1200" kern="1200" dirty="0"/>
+            <a:rPr lang="en-US" sz="1100" kern="1200" dirty="0"/>
           </a:br>
           <a:r>
-            <a:rPr lang="en-US" sz="1200" kern="1200" dirty="0" err="1"/>
+            <a:rPr lang="en-US" sz="1100" kern="1200" dirty="0" err="1"/>
             <a:t>data.describe</a:t>
           </a:r>
           <a:r>
-            <a:rPr lang="en-US" sz="1200" kern="1200" dirty="0"/>
+            <a:rPr lang="en-US" sz="1100" kern="1200" dirty="0"/>
             <a:t>()</a:t>
           </a:r>
         </a:p>
@@ -3150,12 +4650,12 @@
         <a:fontRef idx="minor"/>
       </dsp:style>
       <dsp:txBody>
-        <a:bodyPr spcFirstLastPara="0" vert="horz" wrap="square" lIns="110895" tIns="152400" rIns="110895" bIns="152400" numCol="1" spcCol="1270" anchor="ctr" anchorCtr="0">
+        <a:bodyPr spcFirstLastPara="0" vert="horz" wrap="square" lIns="110895" tIns="139700" rIns="110895" bIns="139700" numCol="1" spcCol="1270" anchor="ctr" anchorCtr="0">
           <a:noAutofit/>
         </a:bodyPr>
         <a:lstStyle/>
         <a:p>
-          <a:pPr marL="0" lvl="0" indent="0" algn="l" defTabSz="533400">
+          <a:pPr marL="0" lvl="0" indent="0" algn="l" defTabSz="488950">
             <a:lnSpc>
               <a:spcPct val="90000"/>
             </a:lnSpc>
@@ -3168,29 +4668,29 @@
             <a:buNone/>
           </a:pPr>
           <a:r>
-            <a:rPr lang="en-US" sz="1200" kern="1200" dirty="0"/>
+            <a:rPr lang="en-US" sz="1100" kern="1200" dirty="0"/>
             <a:t>Take a look on how the data looks like:</a:t>
           </a:r>
           <a:br>
-            <a:rPr lang="en-US" sz="1200" kern="1200" dirty="0"/>
+            <a:rPr lang="en-US" sz="1100" kern="1200" dirty="0"/>
           </a:br>
           <a:r>
-            <a:rPr lang="en-US" sz="1200" kern="1200" dirty="0" err="1"/>
+            <a:rPr lang="en-US" sz="1100" kern="1200" dirty="0" err="1"/>
             <a:t>data.head</a:t>
           </a:r>
           <a:r>
-            <a:rPr lang="en-US" sz="1200" kern="1200" dirty="0"/>
+            <a:rPr lang="en-US" sz="1100" kern="1200" dirty="0"/>
             <a:t>()</a:t>
           </a:r>
           <a:br>
-            <a:rPr lang="en-US" sz="1200" kern="1200" dirty="0"/>
+            <a:rPr lang="en-US" sz="1100" kern="1200" dirty="0"/>
           </a:br>
           <a:r>
-            <a:rPr lang="en-US" sz="1200" kern="1200" dirty="0" err="1"/>
+            <a:rPr lang="en-US" sz="1100" kern="1200" dirty="0" err="1"/>
             <a:t>data.tail</a:t>
           </a:r>
           <a:r>
-            <a:rPr lang="en-US" sz="1200" kern="1200" dirty="0"/>
+            <a:rPr lang="en-US" sz="1100" kern="1200" dirty="0"/>
             <a:t>()</a:t>
           </a:r>
         </a:p>
@@ -3335,12 +4835,12 @@
         <a:fontRef idx="minor"/>
       </dsp:style>
       <dsp:txBody>
-        <a:bodyPr spcFirstLastPara="0" vert="horz" wrap="square" lIns="110895" tIns="152400" rIns="110895" bIns="152400" numCol="1" spcCol="1270" anchor="ctr" anchorCtr="0">
+        <a:bodyPr spcFirstLastPara="0" vert="horz" wrap="square" lIns="110895" tIns="139700" rIns="110895" bIns="139700" numCol="1" spcCol="1270" anchor="ctr" anchorCtr="0">
           <a:noAutofit/>
         </a:bodyPr>
         <a:lstStyle/>
         <a:p>
-          <a:pPr marL="0" lvl="0" indent="0" algn="l" defTabSz="533400">
+          <a:pPr marL="0" lvl="0" indent="0" algn="l" defTabSz="488950">
             <a:lnSpc>
               <a:spcPct val="90000"/>
             </a:lnSpc>
@@ -3353,14 +4853,14 @@
             <a:buNone/>
           </a:pPr>
           <a:r>
-            <a:rPr lang="en-US" sz="1200" kern="1200"/>
+            <a:rPr lang="en-US" sz="1100" kern="1200"/>
             <a:t>Load data:</a:t>
           </a:r>
           <a:br>
-            <a:rPr lang="en-US" sz="1200" kern="1200"/>
+            <a:rPr lang="en-US" sz="1100" kern="1200"/>
           </a:br>
           <a:r>
-            <a:rPr lang="en-US" sz="1200" kern="1200"/>
+            <a:rPr lang="en-US" sz="1100" kern="1200"/>
             <a:t>data = pd.read_csv(‘path/to/file’)</a:t>
           </a:r>
         </a:p>
@@ -3375,6 +4875,359 @@
 </file>
 
 <file path=ppt/diagrams/layout1.xml><?xml version="1.0" encoding="utf-8"?>
+<dgm:layoutDef xmlns:dgm="http://schemas.openxmlformats.org/drawingml/2006/diagram" xmlns:a="http://schemas.openxmlformats.org/drawingml/2006/main" uniqueId="urn:microsoft.com/office/officeart/2005/8/layout/process4">
+  <dgm:title val=""/>
+  <dgm:desc val=""/>
+  <dgm:catLst>
+    <dgm:cat type="process" pri="16000"/>
+    <dgm:cat type="list" pri="20000"/>
+  </dgm:catLst>
+  <dgm:sampData>
+    <dgm:dataModel>
+      <dgm:ptLst>
+        <dgm:pt modelId="0" type="doc"/>
+        <dgm:pt modelId="1">
+          <dgm:prSet phldr="1"/>
+        </dgm:pt>
+        <dgm:pt modelId="11">
+          <dgm:prSet phldr="1"/>
+        </dgm:pt>
+        <dgm:pt modelId="12">
+          <dgm:prSet phldr="1"/>
+        </dgm:pt>
+        <dgm:pt modelId="2">
+          <dgm:prSet phldr="1"/>
+        </dgm:pt>
+        <dgm:pt modelId="21">
+          <dgm:prSet phldr="1"/>
+        </dgm:pt>
+        <dgm:pt modelId="22">
+          <dgm:prSet phldr="1"/>
+        </dgm:pt>
+        <dgm:pt modelId="3">
+          <dgm:prSet phldr="1"/>
+        </dgm:pt>
+        <dgm:pt modelId="31">
+          <dgm:prSet phldr="1"/>
+        </dgm:pt>
+        <dgm:pt modelId="32">
+          <dgm:prSet phldr="1"/>
+        </dgm:pt>
+      </dgm:ptLst>
+      <dgm:cxnLst>
+        <dgm:cxn modelId="4" srcId="0" destId="1" srcOrd="0" destOrd="0"/>
+        <dgm:cxn modelId="5" srcId="0" destId="2" srcOrd="1" destOrd="0"/>
+        <dgm:cxn modelId="6" srcId="0" destId="3" srcOrd="2" destOrd="0"/>
+        <dgm:cxn modelId="13" srcId="1" destId="11" srcOrd="0" destOrd="0"/>
+        <dgm:cxn modelId="14" srcId="1" destId="12" srcOrd="1" destOrd="0"/>
+        <dgm:cxn modelId="23" srcId="2" destId="21" srcOrd="0" destOrd="0"/>
+        <dgm:cxn modelId="24" srcId="2" destId="22" srcOrd="1" destOrd="0"/>
+        <dgm:cxn modelId="33" srcId="3" destId="31" srcOrd="0" destOrd="0"/>
+        <dgm:cxn modelId="34" srcId="3" destId="32" srcOrd="1" destOrd="0"/>
+      </dgm:cxnLst>
+      <dgm:bg/>
+      <dgm:whole/>
+    </dgm:dataModel>
+  </dgm:sampData>
+  <dgm:styleData>
+    <dgm:dataModel>
+      <dgm:ptLst>
+        <dgm:pt modelId="0" type="doc"/>
+        <dgm:pt modelId="1"/>
+        <dgm:pt modelId="11"/>
+        <dgm:pt modelId="2"/>
+        <dgm:pt modelId="21"/>
+      </dgm:ptLst>
+      <dgm:cxnLst>
+        <dgm:cxn modelId="4" srcId="0" destId="1" srcOrd="0" destOrd="0"/>
+        <dgm:cxn modelId="5" srcId="0" destId="2" srcOrd="1" destOrd="0"/>
+        <dgm:cxn modelId="13" srcId="1" destId="11" srcOrd="0" destOrd="0"/>
+        <dgm:cxn modelId="23" srcId="2" destId="21" srcOrd="0" destOrd="0"/>
+      </dgm:cxnLst>
+      <dgm:bg/>
+      <dgm:whole/>
+    </dgm:dataModel>
+  </dgm:styleData>
+  <dgm:clrData>
+    <dgm:dataModel>
+      <dgm:ptLst>
+        <dgm:pt modelId="0" type="doc"/>
+        <dgm:pt modelId="1"/>
+        <dgm:pt modelId="11"/>
+        <dgm:pt modelId="2"/>
+        <dgm:pt modelId="21"/>
+        <dgm:pt modelId="3"/>
+        <dgm:pt modelId="31"/>
+        <dgm:pt modelId="4"/>
+        <dgm:pt modelId="41"/>
+      </dgm:ptLst>
+      <dgm:cxnLst>
+        <dgm:cxn modelId="5" srcId="0" destId="1" srcOrd="0" destOrd="0"/>
+        <dgm:cxn modelId="6" srcId="0" destId="2" srcOrd="1" destOrd="0"/>
+        <dgm:cxn modelId="7" srcId="0" destId="3" srcOrd="2" destOrd="0"/>
+        <dgm:cxn modelId="8" srcId="0" destId="4" srcOrd="3" destOrd="0"/>
+        <dgm:cxn modelId="13" srcId="1" destId="11" srcOrd="0" destOrd="0"/>
+        <dgm:cxn modelId="23" srcId="2" destId="21" srcOrd="0" destOrd="0"/>
+        <dgm:cxn modelId="33" srcId="3" destId="31" srcOrd="0" destOrd="0"/>
+        <dgm:cxn modelId="43" srcId="4" destId="41" srcOrd="0" destOrd="0"/>
+      </dgm:cxnLst>
+      <dgm:bg/>
+      <dgm:whole/>
+    </dgm:dataModel>
+  </dgm:clrData>
+  <dgm:layoutNode name="Name0">
+    <dgm:varLst>
+      <dgm:dir/>
+      <dgm:animLvl val="lvl"/>
+      <dgm:resizeHandles val="exact"/>
+    </dgm:varLst>
+    <dgm:alg type="lin">
+      <dgm:param type="linDir" val="fromB"/>
+    </dgm:alg>
+    <dgm:shape xmlns:r="http://schemas.openxmlformats.org/officeDocument/2006/relationships" r:blip="">
+      <dgm:adjLst/>
+    </dgm:shape>
+    <dgm:presOf/>
+    <dgm:constrLst>
+      <dgm:constr type="h" for="ch" forName="boxAndChildren" refType="h"/>
+      <dgm:constr type="h" for="ch" forName="arrowAndChildren" refType="h" refFor="ch" refForName="boxAndChildren" op="equ" fact="1.538"/>
+      <dgm:constr type="w" for="ch" forName="arrowAndChildren" refType="w"/>
+      <dgm:constr type="w" for="ch" forName="boxAndChildren" refType="w"/>
+      <dgm:constr type="h" for="ch" forName="sp" refType="h" fact="-0.015"/>
+      <dgm:constr type="primFontSz" for="des" forName="parentTextBox" val="65"/>
+      <dgm:constr type="primFontSz" for="des" forName="parentTextArrow" refType="primFontSz" refFor="des" refForName="parentTextBox" op="equ"/>
+      <dgm:constr type="primFontSz" for="des" forName="childTextArrow" val="65"/>
+      <dgm:constr type="primFontSz" for="des" forName="childTextBox" refType="primFontSz" refFor="des" refForName="childTextArrow" op="equ"/>
+    </dgm:constrLst>
+    <dgm:ruleLst/>
+    <dgm:forEach name="Name1" axis="ch" ptType="node" st="-1" step="-1">
+      <dgm:choose name="Name2">
+        <dgm:if name="Name3" axis="self" ptType="node" func="revPos" op="equ" val="1">
+          <dgm:layoutNode name="boxAndChildren">
+            <dgm:alg type="composite"/>
+            <dgm:shape xmlns:r="http://schemas.openxmlformats.org/officeDocument/2006/relationships" r:blip="">
+              <dgm:adjLst/>
+            </dgm:shape>
+            <dgm:presOf/>
+            <dgm:choose name="Name4">
+              <dgm:if name="Name5" axis="ch" ptType="node" func="cnt" op="gte" val="1">
+                <dgm:constrLst>
+                  <dgm:constr type="w" for="ch" forName="parentTextBox" refType="w"/>
+                  <dgm:constr type="h" for="ch" forName="parentTextBox" refType="h" fact="0.54"/>
+                  <dgm:constr type="t" for="ch" forName="parentTextBox"/>
+                  <dgm:constr type="w" for="ch" forName="entireBox" refType="w"/>
+                  <dgm:constr type="h" for="ch" forName="entireBox" refType="h"/>
+                  <dgm:constr type="w" for="ch" forName="descendantBox" refType="w"/>
+                  <dgm:constr type="b" for="ch" forName="descendantBox" refType="h" fact="0.98"/>
+                  <dgm:constr type="h" for="ch" forName="descendantBox" refType="h" fact="0.46"/>
+                </dgm:constrLst>
+              </dgm:if>
+              <dgm:else name="Name6">
+                <dgm:constrLst>
+                  <dgm:constr type="w" for="ch" forName="parentTextBox" refType="w"/>
+                  <dgm:constr type="h" for="ch" forName="parentTextBox" refType="h"/>
+                </dgm:constrLst>
+              </dgm:else>
+            </dgm:choose>
+            <dgm:ruleLst/>
+            <dgm:layoutNode name="parentTextBox">
+              <dgm:alg type="tx"/>
+              <dgm:choose name="Name7">
+                <dgm:if name="Name8" axis="ch" ptType="node" func="cnt" op="gte" val="1">
+                  <dgm:shape xmlns:r="http://schemas.openxmlformats.org/officeDocument/2006/relationships" type="rect" r:blip="" zOrderOff="1" hideGeom="1">
+                    <dgm:adjLst/>
+                  </dgm:shape>
+                </dgm:if>
+                <dgm:else name="Name9">
+                  <dgm:shape xmlns:r="http://schemas.openxmlformats.org/officeDocument/2006/relationships" type="rect" r:blip="">
+                    <dgm:adjLst/>
+                  </dgm:shape>
+                </dgm:else>
+              </dgm:choose>
+              <dgm:presOf axis="self"/>
+              <dgm:constrLst/>
+              <dgm:ruleLst>
+                <dgm:rule type="primFontSz" val="5" fact="NaN" max="NaN"/>
+              </dgm:ruleLst>
+            </dgm:layoutNode>
+            <dgm:choose name="Name10">
+              <dgm:if name="Name11" axis="ch" ptType="node" func="cnt" op="gte" val="1">
+                <dgm:layoutNode name="entireBox">
+                  <dgm:alg type="sp"/>
+                  <dgm:shape xmlns:r="http://schemas.openxmlformats.org/officeDocument/2006/relationships" type="rect" r:blip="">
+                    <dgm:adjLst/>
+                  </dgm:shape>
+                  <dgm:presOf axis="self"/>
+                  <dgm:constrLst/>
+                  <dgm:ruleLst/>
+                </dgm:layoutNode>
+                <dgm:layoutNode name="descendantBox" styleLbl="fgAccFollowNode1">
+                  <dgm:choose name="Name12">
+                    <dgm:if name="Name13" func="var" arg="dir" op="equ" val="norm">
+                      <dgm:alg type="lin"/>
+                    </dgm:if>
+                    <dgm:else name="Name14">
+                      <dgm:alg type="lin">
+                        <dgm:param type="linDir" val="fromR"/>
+                      </dgm:alg>
+                    </dgm:else>
+                  </dgm:choose>
+                  <dgm:shape xmlns:r="http://schemas.openxmlformats.org/officeDocument/2006/relationships" r:blip="">
+                    <dgm:adjLst/>
+                  </dgm:shape>
+                  <dgm:presOf/>
+                  <dgm:constrLst>
+                    <dgm:constr type="w" for="ch" forName="childTextBox" refType="w"/>
+                    <dgm:constr type="h" for="ch" forName="childTextBox" refType="h"/>
+                  </dgm:constrLst>
+                  <dgm:ruleLst/>
+                  <dgm:forEach name="Name15" axis="ch" ptType="node">
+                    <dgm:layoutNode name="childTextBox" styleLbl="fgAccFollowNode1">
+                      <dgm:varLst>
+                        <dgm:bulletEnabled val="1"/>
+                      </dgm:varLst>
+                      <dgm:alg type="tx"/>
+                      <dgm:shape xmlns:r="http://schemas.openxmlformats.org/officeDocument/2006/relationships" type="rect" r:blip="">
+                        <dgm:adjLst/>
+                      </dgm:shape>
+                      <dgm:presOf axis="desOrSelf" ptType="node"/>
+                      <dgm:constrLst>
+                        <dgm:constr type="tMarg" refType="primFontSz" fact="0.1"/>
+                        <dgm:constr type="bMarg" refType="primFontSz" fact="0.1"/>
+                      </dgm:constrLst>
+                      <dgm:ruleLst>
+                        <dgm:rule type="primFontSz" val="5" fact="NaN" max="NaN"/>
+                      </dgm:ruleLst>
+                    </dgm:layoutNode>
+                  </dgm:forEach>
+                </dgm:layoutNode>
+              </dgm:if>
+              <dgm:else name="Name16"/>
+            </dgm:choose>
+          </dgm:layoutNode>
+        </dgm:if>
+        <dgm:else name="Name17">
+          <dgm:layoutNode name="arrowAndChildren">
+            <dgm:alg type="composite"/>
+            <dgm:shape xmlns:r="http://schemas.openxmlformats.org/officeDocument/2006/relationships" r:blip="">
+              <dgm:adjLst/>
+            </dgm:shape>
+            <dgm:presOf/>
+            <dgm:choose name="Name18">
+              <dgm:if name="Name19" axis="ch" ptType="node" func="cnt" op="gte" val="1">
+                <dgm:constrLst>
+                  <dgm:constr type="w" for="ch" forName="parentTextArrow" refType="w"/>
+                  <dgm:constr type="t" for="ch" forName="parentTextArrow"/>
+                  <dgm:constr type="h" for="ch" forName="parentTextArrow" refType="h" fact="0.351"/>
+                  <dgm:constr type="w" for="ch" forName="arrow" refType="w"/>
+                  <dgm:constr type="h" for="ch" forName="arrow" refType="h"/>
+                  <dgm:constr type="w" for="ch" forName="descendantArrow" refType="w"/>
+                  <dgm:constr type="b" for="ch" forName="descendantArrow" refType="h" fact="0.65"/>
+                  <dgm:constr type="h" for="ch" forName="descendantArrow" refType="h" fact="0.299"/>
+                </dgm:constrLst>
+              </dgm:if>
+              <dgm:else name="Name20">
+                <dgm:constrLst>
+                  <dgm:constr type="w" for="ch" forName="parentTextArrow" refType="w"/>
+                  <dgm:constr type="h" for="ch" forName="parentTextArrow" refType="h"/>
+                </dgm:constrLst>
+              </dgm:else>
+            </dgm:choose>
+            <dgm:ruleLst/>
+            <dgm:layoutNode name="parentTextArrow">
+              <dgm:alg type="tx"/>
+              <dgm:choose name="Name21">
+                <dgm:if name="Name22" axis="ch" ptType="node" func="cnt" op="gte" val="1">
+                  <dgm:shape xmlns:r="http://schemas.openxmlformats.org/officeDocument/2006/relationships" type="rect" r:blip="" zOrderOff="1" hideGeom="1">
+                    <dgm:adjLst/>
+                  </dgm:shape>
+                </dgm:if>
+                <dgm:else name="Name23">
+                  <dgm:shape xmlns:r="http://schemas.openxmlformats.org/officeDocument/2006/relationships" rot="180" type="upArrowCallout" r:blip="">
+                    <dgm:adjLst/>
+                  </dgm:shape>
+                </dgm:else>
+              </dgm:choose>
+              <dgm:presOf axis="self"/>
+              <dgm:constrLst/>
+              <dgm:ruleLst>
+                <dgm:rule type="primFontSz" val="5" fact="NaN" max="NaN"/>
+              </dgm:ruleLst>
+            </dgm:layoutNode>
+            <dgm:choose name="Name24">
+              <dgm:if name="Name25" axis="ch" ptType="node" func="cnt" op="gte" val="1">
+                <dgm:layoutNode name="arrow">
+                  <dgm:alg type="sp"/>
+                  <dgm:shape xmlns:r="http://schemas.openxmlformats.org/officeDocument/2006/relationships" rot="180" type="upArrowCallout" r:blip="">
+                    <dgm:adjLst/>
+                  </dgm:shape>
+                  <dgm:presOf axis="self"/>
+                  <dgm:constrLst/>
+                  <dgm:ruleLst/>
+                </dgm:layoutNode>
+                <dgm:layoutNode name="descendantArrow">
+                  <dgm:choose name="Name26">
+                    <dgm:if name="Name27" func="var" arg="dir" op="equ" val="norm">
+                      <dgm:alg type="lin"/>
+                    </dgm:if>
+                    <dgm:else name="Name28">
+                      <dgm:alg type="lin">
+                        <dgm:param type="linDir" val="fromR"/>
+                      </dgm:alg>
+                    </dgm:else>
+                  </dgm:choose>
+                  <dgm:shape xmlns:r="http://schemas.openxmlformats.org/officeDocument/2006/relationships" r:blip="">
+                    <dgm:adjLst/>
+                  </dgm:shape>
+                  <dgm:presOf/>
+                  <dgm:constrLst>
+                    <dgm:constr type="w" for="ch" forName="childTextArrow" refType="w"/>
+                    <dgm:constr type="h" for="ch" forName="childTextArrow" refType="h"/>
+                  </dgm:constrLst>
+                  <dgm:ruleLst/>
+                  <dgm:forEach name="Name29" axis="ch" ptType="node">
+                    <dgm:layoutNode name="childTextArrow" styleLbl="fgAccFollowNode1">
+                      <dgm:varLst>
+                        <dgm:bulletEnabled val="1"/>
+                      </dgm:varLst>
+                      <dgm:alg type="tx"/>
+                      <dgm:shape xmlns:r="http://schemas.openxmlformats.org/officeDocument/2006/relationships" type="rect" r:blip="">
+                        <dgm:adjLst/>
+                      </dgm:shape>
+                      <dgm:presOf axis="desOrSelf" ptType="node"/>
+                      <dgm:constrLst>
+                        <dgm:constr type="tMarg" refType="primFontSz" fact="0.1"/>
+                        <dgm:constr type="bMarg" refType="primFontSz" fact="0.1"/>
+                      </dgm:constrLst>
+                      <dgm:ruleLst>
+                        <dgm:rule type="primFontSz" val="5" fact="NaN" max="NaN"/>
+                      </dgm:ruleLst>
+                    </dgm:layoutNode>
+                  </dgm:forEach>
+                </dgm:layoutNode>
+              </dgm:if>
+              <dgm:else name="Name30"/>
+            </dgm:choose>
+          </dgm:layoutNode>
+        </dgm:else>
+      </dgm:choose>
+      <dgm:forEach name="Name31" axis="precedSib" ptType="sibTrans" st="-1" cnt="1">
+        <dgm:layoutNode name="sp">
+          <dgm:alg type="sp"/>
+          <dgm:shape xmlns:r="http://schemas.openxmlformats.org/officeDocument/2006/relationships" r:blip="">
+            <dgm:adjLst/>
+          </dgm:shape>
+          <dgm:presOf axis="self"/>
+          <dgm:constrLst/>
+          <dgm:ruleLst/>
+        </dgm:layoutNode>
+      </dgm:forEach>
+    </dgm:forEach>
+  </dgm:layoutNode>
+</dgm:layoutDef>
+</file>
+
+<file path=ppt/diagrams/layout2.xml><?xml version="1.0" encoding="utf-8"?>
 <dgm:layoutDef xmlns:dgm="http://schemas.openxmlformats.org/drawingml/2006/diagram" xmlns:a="http://schemas.openxmlformats.org/drawingml/2006/main" uniqueId="urn:microsoft.com/office/officeart/2016/7/layout/VerticalDownArrowProcess">
   <dgm:title val="Vertical Down Arrow Process"/>
   <dgm:desc val="Use to show a progression; a timeline; sequential steps in a task, process, or workflow; or to emphasize movement or direction. Level 1 text appears inside an arrow shape while Level 2 text appears below the arrow shapes."/>
@@ -4675,6 +6528,1040 @@
 </dgm:styleDef>
 </file>
 
+<file path=ppt/diagrams/quickStyle2.xml><?xml version="1.0" encoding="utf-8"?>
+<dgm:styleDef xmlns:dgm="http://schemas.openxmlformats.org/drawingml/2006/diagram" xmlns:a="http://schemas.openxmlformats.org/drawingml/2006/main" uniqueId="urn:microsoft.com/office/officeart/2005/8/quickstyle/simple1">
+  <dgm:title val=""/>
+  <dgm:desc val=""/>
+  <dgm:catLst>
+    <dgm:cat type="simple" pri="10100"/>
+  </dgm:catLst>
+  <dgm:scene3d>
+    <a:camera prst="orthographicFront"/>
+    <a:lightRig rig="threePt" dir="t"/>
+  </dgm:scene3d>
+  <dgm:styleLbl name="node0">
+    <dgm:scene3d>
+      <a:camera prst="orthographicFront"/>
+      <a:lightRig rig="threePt" dir="t"/>
+    </dgm:scene3d>
+    <dgm:sp3d/>
+    <dgm:txPr/>
+    <dgm:style>
+      <a:lnRef idx="2">
+        <a:scrgbClr r="0" g="0" b="0"/>
+      </a:lnRef>
+      <a:fillRef idx="1">
+        <a:scrgbClr r="0" g="0" b="0"/>
+      </a:fillRef>
+      <a:effectRef idx="0">
+        <a:scrgbClr r="0" g="0" b="0"/>
+      </a:effectRef>
+      <a:fontRef idx="minor">
+        <a:schemeClr val="lt1"/>
+      </a:fontRef>
+    </dgm:style>
+  </dgm:styleLbl>
+  <dgm:styleLbl name="lnNode1">
+    <dgm:scene3d>
+      <a:camera prst="orthographicFront"/>
+      <a:lightRig rig="threePt" dir="t"/>
+    </dgm:scene3d>
+    <dgm:sp3d/>
+    <dgm:txPr/>
+    <dgm:style>
+      <a:lnRef idx="2">
+        <a:scrgbClr r="0" g="0" b="0"/>
+      </a:lnRef>
+      <a:fillRef idx="1">
+        <a:scrgbClr r="0" g="0" b="0"/>
+      </a:fillRef>
+      <a:effectRef idx="0">
+        <a:scrgbClr r="0" g="0" b="0"/>
+      </a:effectRef>
+      <a:fontRef idx="minor">
+        <a:schemeClr val="lt1"/>
+      </a:fontRef>
+    </dgm:style>
+  </dgm:styleLbl>
+  <dgm:styleLbl name="vennNode1">
+    <dgm:scene3d>
+      <a:camera prst="orthographicFront"/>
+      <a:lightRig rig="threePt" dir="t"/>
+    </dgm:scene3d>
+    <dgm:sp3d/>
+    <dgm:txPr/>
+    <dgm:style>
+      <a:lnRef idx="2">
+        <a:scrgbClr r="0" g="0" b="0"/>
+      </a:lnRef>
+      <a:fillRef idx="1">
+        <a:scrgbClr r="0" g="0" b="0"/>
+      </a:fillRef>
+      <a:effectRef idx="0">
+        <a:scrgbClr r="0" g="0" b="0"/>
+      </a:effectRef>
+      <a:fontRef idx="minor">
+        <a:schemeClr val="tx1"/>
+      </a:fontRef>
+    </dgm:style>
+  </dgm:styleLbl>
+  <dgm:styleLbl name="alignNode1">
+    <dgm:scene3d>
+      <a:camera prst="orthographicFront"/>
+      <a:lightRig rig="threePt" dir="t"/>
+    </dgm:scene3d>
+    <dgm:sp3d/>
+    <dgm:txPr/>
+    <dgm:style>
+      <a:lnRef idx="2">
+        <a:scrgbClr r="0" g="0" b="0"/>
+      </a:lnRef>
+      <a:fillRef idx="1">
+        <a:scrgbClr r="0" g="0" b="0"/>
+      </a:fillRef>
+      <a:effectRef idx="0">
+        <a:scrgbClr r="0" g="0" b="0"/>
+      </a:effectRef>
+      <a:fontRef idx="minor">
+        <a:schemeClr val="lt1"/>
+      </a:fontRef>
+    </dgm:style>
+  </dgm:styleLbl>
+  <dgm:styleLbl name="node1">
+    <dgm:scene3d>
+      <a:camera prst="orthographicFront"/>
+      <a:lightRig rig="threePt" dir="t"/>
+    </dgm:scene3d>
+    <dgm:sp3d/>
+    <dgm:txPr/>
+    <dgm:style>
+      <a:lnRef idx="2">
+        <a:scrgbClr r="0" g="0" b="0"/>
+      </a:lnRef>
+      <a:fillRef idx="1">
+        <a:scrgbClr r="0" g="0" b="0"/>
+      </a:fillRef>
+      <a:effectRef idx="0">
+        <a:scrgbClr r="0" g="0" b="0"/>
+      </a:effectRef>
+      <a:fontRef idx="minor">
+        <a:schemeClr val="lt1"/>
+      </a:fontRef>
+    </dgm:style>
+  </dgm:styleLbl>
+  <dgm:styleLbl name="node2">
+    <dgm:scene3d>
+      <a:camera prst="orthographicFront"/>
+      <a:lightRig rig="threePt" dir="t"/>
+    </dgm:scene3d>
+    <dgm:sp3d/>
+    <dgm:txPr/>
+    <dgm:style>
+      <a:lnRef idx="2">
+        <a:scrgbClr r="0" g="0" b="0"/>
+      </a:lnRef>
+      <a:fillRef idx="1">
+        <a:scrgbClr r="0" g="0" b="0"/>
+      </a:fillRef>
+      <a:effectRef idx="0">
+        <a:scrgbClr r="0" g="0" b="0"/>
+      </a:effectRef>
+      <a:fontRef idx="minor">
+        <a:schemeClr val="lt1"/>
+      </a:fontRef>
+    </dgm:style>
+  </dgm:styleLbl>
+  <dgm:styleLbl name="node3">
+    <dgm:scene3d>
+      <a:camera prst="orthographicFront"/>
+      <a:lightRig rig="threePt" dir="t"/>
+    </dgm:scene3d>
+    <dgm:sp3d/>
+    <dgm:txPr/>
+    <dgm:style>
+      <a:lnRef idx="2">
+        <a:scrgbClr r="0" g="0" b="0"/>
+      </a:lnRef>
+      <a:fillRef idx="1">
+        <a:scrgbClr r="0" g="0" b="0"/>
+      </a:fillRef>
+      <a:effectRef idx="0">
+        <a:scrgbClr r="0" g="0" b="0"/>
+      </a:effectRef>
+      <a:fontRef idx="minor">
+        <a:schemeClr val="lt1"/>
+      </a:fontRef>
+    </dgm:style>
+  </dgm:styleLbl>
+  <dgm:styleLbl name="node4">
+    <dgm:scene3d>
+      <a:camera prst="orthographicFront"/>
+      <a:lightRig rig="threePt" dir="t"/>
+    </dgm:scene3d>
+    <dgm:sp3d/>
+    <dgm:txPr/>
+    <dgm:style>
+      <a:lnRef idx="2">
+        <a:scrgbClr r="0" g="0" b="0"/>
+      </a:lnRef>
+      <a:fillRef idx="1">
+        <a:scrgbClr r="0" g="0" b="0"/>
+      </a:fillRef>
+      <a:effectRef idx="0">
+        <a:scrgbClr r="0" g="0" b="0"/>
+      </a:effectRef>
+      <a:fontRef idx="minor">
+        <a:schemeClr val="lt1"/>
+      </a:fontRef>
+    </dgm:style>
+  </dgm:styleLbl>
+  <dgm:styleLbl name="fgImgPlace1">
+    <dgm:scene3d>
+      <a:camera prst="orthographicFront"/>
+      <a:lightRig rig="threePt" dir="t"/>
+    </dgm:scene3d>
+    <dgm:sp3d/>
+    <dgm:txPr/>
+    <dgm:style>
+      <a:lnRef idx="2">
+        <a:scrgbClr r="0" g="0" b="0"/>
+      </a:lnRef>
+      <a:fillRef idx="1">
+        <a:scrgbClr r="0" g="0" b="0"/>
+      </a:fillRef>
+      <a:effectRef idx="0">
+        <a:scrgbClr r="0" g="0" b="0"/>
+      </a:effectRef>
+      <a:fontRef idx="minor"/>
+    </dgm:style>
+  </dgm:styleLbl>
+  <dgm:styleLbl name="alignImgPlace1">
+    <dgm:scene3d>
+      <a:camera prst="orthographicFront"/>
+      <a:lightRig rig="threePt" dir="t"/>
+    </dgm:scene3d>
+    <dgm:sp3d/>
+    <dgm:txPr/>
+    <dgm:style>
+      <a:lnRef idx="2">
+        <a:scrgbClr r="0" g="0" b="0"/>
+      </a:lnRef>
+      <a:fillRef idx="1">
+        <a:scrgbClr r="0" g="0" b="0"/>
+      </a:fillRef>
+      <a:effectRef idx="0">
+        <a:scrgbClr r="0" g="0" b="0"/>
+      </a:effectRef>
+      <a:fontRef idx="minor"/>
+    </dgm:style>
+  </dgm:styleLbl>
+  <dgm:styleLbl name="bgImgPlace1">
+    <dgm:scene3d>
+      <a:camera prst="orthographicFront"/>
+      <a:lightRig rig="threePt" dir="t"/>
+    </dgm:scene3d>
+    <dgm:sp3d/>
+    <dgm:txPr/>
+    <dgm:style>
+      <a:lnRef idx="2">
+        <a:scrgbClr r="0" g="0" b="0"/>
+      </a:lnRef>
+      <a:fillRef idx="1">
+        <a:scrgbClr r="0" g="0" b="0"/>
+      </a:fillRef>
+      <a:effectRef idx="0">
+        <a:scrgbClr r="0" g="0" b="0"/>
+      </a:effectRef>
+      <a:fontRef idx="minor"/>
+    </dgm:style>
+  </dgm:styleLbl>
+  <dgm:styleLbl name="sibTrans2D1">
+    <dgm:scene3d>
+      <a:camera prst="orthographicFront"/>
+      <a:lightRig rig="threePt" dir="t"/>
+    </dgm:scene3d>
+    <dgm:sp3d/>
+    <dgm:txPr/>
+    <dgm:style>
+      <a:lnRef idx="0">
+        <a:scrgbClr r="0" g="0" b="0"/>
+      </a:lnRef>
+      <a:fillRef idx="1">
+        <a:scrgbClr r="0" g="0" b="0"/>
+      </a:fillRef>
+      <a:effectRef idx="0">
+        <a:scrgbClr r="0" g="0" b="0"/>
+      </a:effectRef>
+      <a:fontRef idx="minor">
+        <a:schemeClr val="lt1"/>
+      </a:fontRef>
+    </dgm:style>
+  </dgm:styleLbl>
+  <dgm:styleLbl name="fgSibTrans2D1">
+    <dgm:scene3d>
+      <a:camera prst="orthographicFront"/>
+      <a:lightRig rig="threePt" dir="t"/>
+    </dgm:scene3d>
+    <dgm:sp3d/>
+    <dgm:txPr/>
+    <dgm:style>
+      <a:lnRef idx="0">
+        <a:scrgbClr r="0" g="0" b="0"/>
+      </a:lnRef>
+      <a:fillRef idx="1">
+        <a:scrgbClr r="0" g="0" b="0"/>
+      </a:fillRef>
+      <a:effectRef idx="0">
+        <a:scrgbClr r="0" g="0" b="0"/>
+      </a:effectRef>
+      <a:fontRef idx="minor">
+        <a:schemeClr val="lt1"/>
+      </a:fontRef>
+    </dgm:style>
+  </dgm:styleLbl>
+  <dgm:styleLbl name="bgSibTrans2D1">
+    <dgm:scene3d>
+      <a:camera prst="orthographicFront"/>
+      <a:lightRig rig="threePt" dir="t"/>
+    </dgm:scene3d>
+    <dgm:sp3d/>
+    <dgm:txPr/>
+    <dgm:style>
+      <a:lnRef idx="0">
+        <a:scrgbClr r="0" g="0" b="0"/>
+      </a:lnRef>
+      <a:fillRef idx="1">
+        <a:scrgbClr r="0" g="0" b="0"/>
+      </a:fillRef>
+      <a:effectRef idx="0">
+        <a:scrgbClr r="0" g="0" b="0"/>
+      </a:effectRef>
+      <a:fontRef idx="minor">
+        <a:schemeClr val="lt1"/>
+      </a:fontRef>
+    </dgm:style>
+  </dgm:styleLbl>
+  <dgm:styleLbl name="sibTrans1D1">
+    <dgm:scene3d>
+      <a:camera prst="orthographicFront"/>
+      <a:lightRig rig="threePt" dir="t"/>
+    </dgm:scene3d>
+    <dgm:sp3d/>
+    <dgm:txPr/>
+    <dgm:style>
+      <a:lnRef idx="1">
+        <a:scrgbClr r="0" g="0" b="0"/>
+      </a:lnRef>
+      <a:fillRef idx="0">
+        <a:scrgbClr r="0" g="0" b="0"/>
+      </a:fillRef>
+      <a:effectRef idx="0">
+        <a:scrgbClr r="0" g="0" b="0"/>
+      </a:effectRef>
+      <a:fontRef idx="minor"/>
+    </dgm:style>
+  </dgm:styleLbl>
+  <dgm:styleLbl name="callout">
+    <dgm:scene3d>
+      <a:camera prst="orthographicFront"/>
+      <a:lightRig rig="threePt" dir="t"/>
+    </dgm:scene3d>
+    <dgm:sp3d/>
+    <dgm:txPr/>
+    <dgm:style>
+      <a:lnRef idx="2">
+        <a:scrgbClr r="0" g="0" b="0"/>
+      </a:lnRef>
+      <a:fillRef idx="1">
+        <a:scrgbClr r="0" g="0" b="0"/>
+      </a:fillRef>
+      <a:effectRef idx="0">
+        <a:scrgbClr r="0" g="0" b="0"/>
+      </a:effectRef>
+      <a:fontRef idx="minor"/>
+    </dgm:style>
+  </dgm:styleLbl>
+  <dgm:styleLbl name="asst0">
+    <dgm:scene3d>
+      <a:camera prst="orthographicFront"/>
+      <a:lightRig rig="threePt" dir="t"/>
+    </dgm:scene3d>
+    <dgm:sp3d/>
+    <dgm:txPr/>
+    <dgm:style>
+      <a:lnRef idx="2">
+        <a:scrgbClr r="0" g="0" b="0"/>
+      </a:lnRef>
+      <a:fillRef idx="1">
+        <a:scrgbClr r="0" g="0" b="0"/>
+      </a:fillRef>
+      <a:effectRef idx="0">
+        <a:scrgbClr r="0" g="0" b="0"/>
+      </a:effectRef>
+      <a:fontRef idx="minor">
+        <a:schemeClr val="lt1"/>
+      </a:fontRef>
+    </dgm:style>
+  </dgm:styleLbl>
+  <dgm:styleLbl name="asst1">
+    <dgm:scene3d>
+      <a:camera prst="orthographicFront"/>
+      <a:lightRig rig="threePt" dir="t"/>
+    </dgm:scene3d>
+    <dgm:sp3d/>
+    <dgm:txPr/>
+    <dgm:style>
+      <a:lnRef idx="2">
+        <a:scrgbClr r="0" g="0" b="0"/>
+      </a:lnRef>
+      <a:fillRef idx="1">
+        <a:scrgbClr r="0" g="0" b="0"/>
+      </a:fillRef>
+      <a:effectRef idx="0">
+        <a:scrgbClr r="0" g="0" b="0"/>
+      </a:effectRef>
+      <a:fontRef idx="minor">
+        <a:schemeClr val="lt1"/>
+      </a:fontRef>
+    </dgm:style>
+  </dgm:styleLbl>
+  <dgm:styleLbl name="asst2">
+    <dgm:scene3d>
+      <a:camera prst="orthographicFront"/>
+      <a:lightRig rig="threePt" dir="t"/>
+    </dgm:scene3d>
+    <dgm:sp3d/>
+    <dgm:txPr/>
+    <dgm:style>
+      <a:lnRef idx="2">
+        <a:scrgbClr r="0" g="0" b="0"/>
+      </a:lnRef>
+      <a:fillRef idx="1">
+        <a:scrgbClr r="0" g="0" b="0"/>
+      </a:fillRef>
+      <a:effectRef idx="0">
+        <a:scrgbClr r="0" g="0" b="0"/>
+      </a:effectRef>
+      <a:fontRef idx="minor">
+        <a:schemeClr val="lt1"/>
+      </a:fontRef>
+    </dgm:style>
+  </dgm:styleLbl>
+  <dgm:styleLbl name="asst3">
+    <dgm:scene3d>
+      <a:camera prst="orthographicFront"/>
+      <a:lightRig rig="threePt" dir="t"/>
+    </dgm:scene3d>
+    <dgm:sp3d/>
+    <dgm:txPr/>
+    <dgm:style>
+      <a:lnRef idx="2">
+        <a:scrgbClr r="0" g="0" b="0"/>
+      </a:lnRef>
+      <a:fillRef idx="1">
+        <a:scrgbClr r="0" g="0" b="0"/>
+      </a:fillRef>
+      <a:effectRef idx="0">
+        <a:scrgbClr r="0" g="0" b="0"/>
+      </a:effectRef>
+      <a:fontRef idx="minor">
+        <a:schemeClr val="lt1"/>
+      </a:fontRef>
+    </dgm:style>
+  </dgm:styleLbl>
+  <dgm:styleLbl name="asst4">
+    <dgm:scene3d>
+      <a:camera prst="orthographicFront"/>
+      <a:lightRig rig="threePt" dir="t"/>
+    </dgm:scene3d>
+    <dgm:sp3d/>
+    <dgm:txPr/>
+    <dgm:style>
+      <a:lnRef idx="2">
+        <a:scrgbClr r="0" g="0" b="0"/>
+      </a:lnRef>
+      <a:fillRef idx="1">
+        <a:scrgbClr r="0" g="0" b="0"/>
+      </a:fillRef>
+      <a:effectRef idx="0">
+        <a:scrgbClr r="0" g="0" b="0"/>
+      </a:effectRef>
+      <a:fontRef idx="minor">
+        <a:schemeClr val="lt1"/>
+      </a:fontRef>
+    </dgm:style>
+  </dgm:styleLbl>
+  <dgm:styleLbl name="parChTrans2D1">
+    <dgm:scene3d>
+      <a:camera prst="orthographicFront"/>
+      <a:lightRig rig="threePt" dir="t"/>
+    </dgm:scene3d>
+    <dgm:sp3d/>
+    <dgm:txPr/>
+    <dgm:style>
+      <a:lnRef idx="2">
+        <a:scrgbClr r="0" g="0" b="0"/>
+      </a:lnRef>
+      <a:fillRef idx="1">
+        <a:scrgbClr r="0" g="0" b="0"/>
+      </a:fillRef>
+      <a:effectRef idx="0">
+        <a:scrgbClr r="0" g="0" b="0"/>
+      </a:effectRef>
+      <a:fontRef idx="minor">
+        <a:schemeClr val="lt1"/>
+      </a:fontRef>
+    </dgm:style>
+  </dgm:styleLbl>
+  <dgm:styleLbl name="parChTrans2D2">
+    <dgm:scene3d>
+      <a:camera prst="orthographicFront"/>
+      <a:lightRig rig="threePt" dir="t"/>
+    </dgm:scene3d>
+    <dgm:sp3d/>
+    <dgm:txPr/>
+    <dgm:style>
+      <a:lnRef idx="2">
+        <a:scrgbClr r="0" g="0" b="0"/>
+      </a:lnRef>
+      <a:fillRef idx="1">
+        <a:scrgbClr r="0" g="0" b="0"/>
+      </a:fillRef>
+      <a:effectRef idx="0">
+        <a:scrgbClr r="0" g="0" b="0"/>
+      </a:effectRef>
+      <a:fontRef idx="minor">
+        <a:schemeClr val="lt1"/>
+      </a:fontRef>
+    </dgm:style>
+  </dgm:styleLbl>
+  <dgm:styleLbl name="parChTrans2D3">
+    <dgm:scene3d>
+      <a:camera prst="orthographicFront"/>
+      <a:lightRig rig="threePt" dir="t"/>
+    </dgm:scene3d>
+    <dgm:sp3d/>
+    <dgm:txPr/>
+    <dgm:style>
+      <a:lnRef idx="2">
+        <a:scrgbClr r="0" g="0" b="0"/>
+      </a:lnRef>
+      <a:fillRef idx="1">
+        <a:scrgbClr r="0" g="0" b="0"/>
+      </a:fillRef>
+      <a:effectRef idx="0">
+        <a:scrgbClr r="0" g="0" b="0"/>
+      </a:effectRef>
+      <a:fontRef idx="minor">
+        <a:schemeClr val="lt1"/>
+      </a:fontRef>
+    </dgm:style>
+  </dgm:styleLbl>
+  <dgm:styleLbl name="parChTrans2D4">
+    <dgm:scene3d>
+      <a:camera prst="orthographicFront"/>
+      <a:lightRig rig="threePt" dir="t"/>
+    </dgm:scene3d>
+    <dgm:sp3d/>
+    <dgm:txPr/>
+    <dgm:style>
+      <a:lnRef idx="2">
+        <a:scrgbClr r="0" g="0" b="0"/>
+      </a:lnRef>
+      <a:fillRef idx="1">
+        <a:scrgbClr r="0" g="0" b="0"/>
+      </a:fillRef>
+      <a:effectRef idx="0">
+        <a:scrgbClr r="0" g="0" b="0"/>
+      </a:effectRef>
+      <a:fontRef idx="minor">
+        <a:schemeClr val="lt1"/>
+      </a:fontRef>
+    </dgm:style>
+  </dgm:styleLbl>
+  <dgm:styleLbl name="parChTrans1D1">
+    <dgm:scene3d>
+      <a:camera prst="orthographicFront"/>
+      <a:lightRig rig="threePt" dir="t"/>
+    </dgm:scene3d>
+    <dgm:sp3d/>
+    <dgm:txPr/>
+    <dgm:style>
+      <a:lnRef idx="2">
+        <a:scrgbClr r="0" g="0" b="0"/>
+      </a:lnRef>
+      <a:fillRef idx="0">
+        <a:scrgbClr r="0" g="0" b="0"/>
+      </a:fillRef>
+      <a:effectRef idx="0">
+        <a:scrgbClr r="0" g="0" b="0"/>
+      </a:effectRef>
+      <a:fontRef idx="minor"/>
+    </dgm:style>
+  </dgm:styleLbl>
+  <dgm:styleLbl name="parChTrans1D2">
+    <dgm:scene3d>
+      <a:camera prst="orthographicFront"/>
+      <a:lightRig rig="threePt" dir="t"/>
+    </dgm:scene3d>
+    <dgm:sp3d/>
+    <dgm:txPr/>
+    <dgm:style>
+      <a:lnRef idx="2">
+        <a:scrgbClr r="0" g="0" b="0"/>
+      </a:lnRef>
+      <a:fillRef idx="0">
+        <a:scrgbClr r="0" g="0" b="0"/>
+      </a:fillRef>
+      <a:effectRef idx="0">
+        <a:scrgbClr r="0" g="0" b="0"/>
+      </a:effectRef>
+      <a:fontRef idx="minor"/>
+    </dgm:style>
+  </dgm:styleLbl>
+  <dgm:styleLbl name="parChTrans1D3">
+    <dgm:scene3d>
+      <a:camera prst="orthographicFront"/>
+      <a:lightRig rig="threePt" dir="t"/>
+    </dgm:scene3d>
+    <dgm:sp3d/>
+    <dgm:txPr/>
+    <dgm:style>
+      <a:lnRef idx="2">
+        <a:scrgbClr r="0" g="0" b="0"/>
+      </a:lnRef>
+      <a:fillRef idx="0">
+        <a:scrgbClr r="0" g="0" b="0"/>
+      </a:fillRef>
+      <a:effectRef idx="0">
+        <a:scrgbClr r="0" g="0" b="0"/>
+      </a:effectRef>
+      <a:fontRef idx="minor"/>
+    </dgm:style>
+  </dgm:styleLbl>
+  <dgm:styleLbl name="parChTrans1D4">
+    <dgm:scene3d>
+      <a:camera prst="orthographicFront"/>
+      <a:lightRig rig="threePt" dir="t"/>
+    </dgm:scene3d>
+    <dgm:sp3d/>
+    <dgm:txPr/>
+    <dgm:style>
+      <a:lnRef idx="2">
+        <a:scrgbClr r="0" g="0" b="0"/>
+      </a:lnRef>
+      <a:fillRef idx="0">
+        <a:scrgbClr r="0" g="0" b="0"/>
+      </a:fillRef>
+      <a:effectRef idx="0">
+        <a:scrgbClr r="0" g="0" b="0"/>
+      </a:effectRef>
+      <a:fontRef idx="minor"/>
+    </dgm:style>
+  </dgm:styleLbl>
+  <dgm:styleLbl name="fgAcc1">
+    <dgm:scene3d>
+      <a:camera prst="orthographicFront"/>
+      <a:lightRig rig="threePt" dir="t"/>
+    </dgm:scene3d>
+    <dgm:sp3d/>
+    <dgm:txPr/>
+    <dgm:style>
+      <a:lnRef idx="2">
+        <a:scrgbClr r="0" g="0" b="0"/>
+      </a:lnRef>
+      <a:fillRef idx="1">
+        <a:scrgbClr r="0" g="0" b="0"/>
+      </a:fillRef>
+      <a:effectRef idx="0">
+        <a:scrgbClr r="0" g="0" b="0"/>
+      </a:effectRef>
+      <a:fontRef idx="minor"/>
+    </dgm:style>
+  </dgm:styleLbl>
+  <dgm:styleLbl name="conFgAcc1">
+    <dgm:scene3d>
+      <a:camera prst="orthographicFront"/>
+      <a:lightRig rig="threePt" dir="t"/>
+    </dgm:scene3d>
+    <dgm:sp3d/>
+    <dgm:txPr/>
+    <dgm:style>
+      <a:lnRef idx="2">
+        <a:scrgbClr r="0" g="0" b="0"/>
+      </a:lnRef>
+      <a:fillRef idx="1">
+        <a:scrgbClr r="0" g="0" b="0"/>
+      </a:fillRef>
+      <a:effectRef idx="0">
+        <a:scrgbClr r="0" g="0" b="0"/>
+      </a:effectRef>
+      <a:fontRef idx="minor"/>
+    </dgm:style>
+  </dgm:styleLbl>
+  <dgm:styleLbl name="alignAcc1">
+    <dgm:scene3d>
+      <a:camera prst="orthographicFront"/>
+      <a:lightRig rig="threePt" dir="t"/>
+    </dgm:scene3d>
+    <dgm:sp3d/>
+    <dgm:txPr/>
+    <dgm:style>
+      <a:lnRef idx="2">
+        <a:scrgbClr r="0" g="0" b="0"/>
+      </a:lnRef>
+      <a:fillRef idx="1">
+        <a:scrgbClr r="0" g="0" b="0"/>
+      </a:fillRef>
+      <a:effectRef idx="0">
+        <a:scrgbClr r="0" g="0" b="0"/>
+      </a:effectRef>
+      <a:fontRef idx="minor"/>
+    </dgm:style>
+  </dgm:styleLbl>
+  <dgm:styleLbl name="trAlignAcc1">
+    <dgm:scene3d>
+      <a:camera prst="orthographicFront"/>
+      <a:lightRig rig="threePt" dir="t"/>
+    </dgm:scene3d>
+    <dgm:sp3d/>
+    <dgm:txPr/>
+    <dgm:style>
+      <a:lnRef idx="1">
+        <a:scrgbClr r="0" g="0" b="0"/>
+      </a:lnRef>
+      <a:fillRef idx="1">
+        <a:scrgbClr r="0" g="0" b="0"/>
+      </a:fillRef>
+      <a:effectRef idx="0">
+        <a:scrgbClr r="0" g="0" b="0"/>
+      </a:effectRef>
+      <a:fontRef idx="minor"/>
+    </dgm:style>
+  </dgm:styleLbl>
+  <dgm:styleLbl name="bgAcc1">
+    <dgm:scene3d>
+      <a:camera prst="orthographicFront"/>
+      <a:lightRig rig="threePt" dir="t"/>
+    </dgm:scene3d>
+    <dgm:sp3d/>
+    <dgm:txPr/>
+    <dgm:style>
+      <a:lnRef idx="2">
+        <a:scrgbClr r="0" g="0" b="0"/>
+      </a:lnRef>
+      <a:fillRef idx="1">
+        <a:scrgbClr r="0" g="0" b="0"/>
+      </a:fillRef>
+      <a:effectRef idx="0">
+        <a:scrgbClr r="0" g="0" b="0"/>
+      </a:effectRef>
+      <a:fontRef idx="minor"/>
+    </dgm:style>
+  </dgm:styleLbl>
+  <dgm:styleLbl name="solidFgAcc1">
+    <dgm:scene3d>
+      <a:camera prst="orthographicFront"/>
+      <a:lightRig rig="threePt" dir="t"/>
+    </dgm:scene3d>
+    <dgm:sp3d/>
+    <dgm:txPr/>
+    <dgm:style>
+      <a:lnRef idx="2">
+        <a:scrgbClr r="0" g="0" b="0"/>
+      </a:lnRef>
+      <a:fillRef idx="1">
+        <a:scrgbClr r="0" g="0" b="0"/>
+      </a:fillRef>
+      <a:effectRef idx="0">
+        <a:scrgbClr r="0" g="0" b="0"/>
+      </a:effectRef>
+      <a:fontRef idx="minor"/>
+    </dgm:style>
+  </dgm:styleLbl>
+  <dgm:styleLbl name="solidAlignAcc1">
+    <dgm:scene3d>
+      <a:camera prst="orthographicFront"/>
+      <a:lightRig rig="threePt" dir="t"/>
+    </dgm:scene3d>
+    <dgm:sp3d/>
+    <dgm:txPr/>
+    <dgm:style>
+      <a:lnRef idx="2">
+        <a:scrgbClr r="0" g="0" b="0"/>
+      </a:lnRef>
+      <a:fillRef idx="1">
+        <a:scrgbClr r="0" g="0" b="0"/>
+      </a:fillRef>
+      <a:effectRef idx="0">
+        <a:scrgbClr r="0" g="0" b="0"/>
+      </a:effectRef>
+      <a:fontRef idx="minor"/>
+    </dgm:style>
+  </dgm:styleLbl>
+  <dgm:styleLbl name="solidBgAcc1">
+    <dgm:scene3d>
+      <a:camera prst="orthographicFront"/>
+      <a:lightRig rig="threePt" dir="t"/>
+    </dgm:scene3d>
+    <dgm:sp3d/>
+    <dgm:txPr/>
+    <dgm:style>
+      <a:lnRef idx="2">
+        <a:scrgbClr r="0" g="0" b="0"/>
+      </a:lnRef>
+      <a:fillRef idx="1">
+        <a:scrgbClr r="0" g="0" b="0"/>
+      </a:fillRef>
+      <a:effectRef idx="0">
+        <a:scrgbClr r="0" g="0" b="0"/>
+      </a:effectRef>
+      <a:fontRef idx="minor"/>
+    </dgm:style>
+  </dgm:styleLbl>
+  <dgm:styleLbl name="fgAccFollowNode1">
+    <dgm:scene3d>
+      <a:camera prst="orthographicFront"/>
+      <a:lightRig rig="threePt" dir="t"/>
+    </dgm:scene3d>
+    <dgm:sp3d/>
+    <dgm:txPr/>
+    <dgm:style>
+      <a:lnRef idx="2">
+        <a:scrgbClr r="0" g="0" b="0"/>
+      </a:lnRef>
+      <a:fillRef idx="1">
+        <a:scrgbClr r="0" g="0" b="0"/>
+      </a:fillRef>
+      <a:effectRef idx="0">
+        <a:scrgbClr r="0" g="0" b="0"/>
+      </a:effectRef>
+      <a:fontRef idx="minor"/>
+    </dgm:style>
+  </dgm:styleLbl>
+  <dgm:styleLbl name="alignAccFollowNode1">
+    <dgm:scene3d>
+      <a:camera prst="orthographicFront"/>
+      <a:lightRig rig="threePt" dir="t"/>
+    </dgm:scene3d>
+    <dgm:sp3d/>
+    <dgm:txPr/>
+    <dgm:style>
+      <a:lnRef idx="2">
+        <a:scrgbClr r="0" g="0" b="0"/>
+      </a:lnRef>
+      <a:fillRef idx="1">
+        <a:scrgbClr r="0" g="0" b="0"/>
+      </a:fillRef>
+      <a:effectRef idx="0">
+        <a:scrgbClr r="0" g="0" b="0"/>
+      </a:effectRef>
+      <a:fontRef idx="minor"/>
+    </dgm:style>
+  </dgm:styleLbl>
+  <dgm:styleLbl name="bgAccFollowNode1">
+    <dgm:scene3d>
+      <a:camera prst="orthographicFront"/>
+      <a:lightRig rig="threePt" dir="t"/>
+    </dgm:scene3d>
+    <dgm:sp3d/>
+    <dgm:txPr/>
+    <dgm:style>
+      <a:lnRef idx="2">
+        <a:scrgbClr r="0" g="0" b="0"/>
+      </a:lnRef>
+      <a:fillRef idx="1">
+        <a:scrgbClr r="0" g="0" b="0"/>
+      </a:fillRef>
+      <a:effectRef idx="0">
+        <a:scrgbClr r="0" g="0" b="0"/>
+      </a:effectRef>
+      <a:fontRef idx="minor"/>
+    </dgm:style>
+  </dgm:styleLbl>
+  <dgm:styleLbl name="fgAcc0">
+    <dgm:scene3d>
+      <a:camera prst="orthographicFront"/>
+      <a:lightRig rig="threePt" dir="t"/>
+    </dgm:scene3d>
+    <dgm:sp3d/>
+    <dgm:txPr/>
+    <dgm:style>
+      <a:lnRef idx="2">
+        <a:scrgbClr r="0" g="0" b="0"/>
+      </a:lnRef>
+      <a:fillRef idx="1">
+        <a:scrgbClr r="0" g="0" b="0"/>
+      </a:fillRef>
+      <a:effectRef idx="0">
+        <a:scrgbClr r="0" g="0" b="0"/>
+      </a:effectRef>
+      <a:fontRef idx="minor"/>
+    </dgm:style>
+  </dgm:styleLbl>
+  <dgm:styleLbl name="fgAcc2">
+    <dgm:scene3d>
+      <a:camera prst="orthographicFront"/>
+      <a:lightRig rig="threePt" dir="t"/>
+    </dgm:scene3d>
+    <dgm:sp3d/>
+    <dgm:txPr/>
+    <dgm:style>
+      <a:lnRef idx="2">
+        <a:scrgbClr r="0" g="0" b="0"/>
+      </a:lnRef>
+      <a:fillRef idx="1">
+        <a:scrgbClr r="0" g="0" b="0"/>
+      </a:fillRef>
+      <a:effectRef idx="0">
+        <a:scrgbClr r="0" g="0" b="0"/>
+      </a:effectRef>
+      <a:fontRef idx="minor"/>
+    </dgm:style>
+  </dgm:styleLbl>
+  <dgm:styleLbl name="fgAcc3">
+    <dgm:scene3d>
+      <a:camera prst="orthographicFront"/>
+      <a:lightRig rig="threePt" dir="t"/>
+    </dgm:scene3d>
+    <dgm:sp3d/>
+    <dgm:txPr/>
+    <dgm:style>
+      <a:lnRef idx="2">
+        <a:scrgbClr r="0" g="0" b="0"/>
+      </a:lnRef>
+      <a:fillRef idx="1">
+        <a:scrgbClr r="0" g="0" b="0"/>
+      </a:fillRef>
+      <a:effectRef idx="0">
+        <a:scrgbClr r="0" g="0" b="0"/>
+      </a:effectRef>
+      <a:fontRef idx="minor"/>
+    </dgm:style>
+  </dgm:styleLbl>
+  <dgm:styleLbl name="fgAcc4">
+    <dgm:scene3d>
+      <a:camera prst="orthographicFront"/>
+      <a:lightRig rig="threePt" dir="t"/>
+    </dgm:scene3d>
+    <dgm:sp3d/>
+    <dgm:txPr/>
+    <dgm:style>
+      <a:lnRef idx="2">
+        <a:scrgbClr r="0" g="0" b="0"/>
+      </a:lnRef>
+      <a:fillRef idx="1">
+        <a:scrgbClr r="0" g="0" b="0"/>
+      </a:fillRef>
+      <a:effectRef idx="0">
+        <a:scrgbClr r="0" g="0" b="0"/>
+      </a:effectRef>
+      <a:fontRef idx="minor"/>
+    </dgm:style>
+  </dgm:styleLbl>
+  <dgm:styleLbl name="bgShp">
+    <dgm:scene3d>
+      <a:camera prst="orthographicFront"/>
+      <a:lightRig rig="threePt" dir="t"/>
+    </dgm:scene3d>
+    <dgm:sp3d/>
+    <dgm:txPr/>
+    <dgm:style>
+      <a:lnRef idx="0">
+        <a:scrgbClr r="0" g="0" b="0"/>
+      </a:lnRef>
+      <a:fillRef idx="1">
+        <a:scrgbClr r="0" g="0" b="0"/>
+      </a:fillRef>
+      <a:effectRef idx="0">
+        <a:scrgbClr r="0" g="0" b="0"/>
+      </a:effectRef>
+      <a:fontRef idx="minor"/>
+    </dgm:style>
+  </dgm:styleLbl>
+  <dgm:styleLbl name="dkBgShp">
+    <dgm:scene3d>
+      <a:camera prst="orthographicFront"/>
+      <a:lightRig rig="threePt" dir="t"/>
+    </dgm:scene3d>
+    <dgm:sp3d/>
+    <dgm:txPr/>
+    <dgm:style>
+      <a:lnRef idx="0">
+        <a:scrgbClr r="0" g="0" b="0"/>
+      </a:lnRef>
+      <a:fillRef idx="1">
+        <a:scrgbClr r="0" g="0" b="0"/>
+      </a:fillRef>
+      <a:effectRef idx="0">
+        <a:scrgbClr r="0" g="0" b="0"/>
+      </a:effectRef>
+      <a:fontRef idx="minor"/>
+    </dgm:style>
+  </dgm:styleLbl>
+  <dgm:styleLbl name="trBgShp">
+    <dgm:scene3d>
+      <a:camera prst="orthographicFront"/>
+      <a:lightRig rig="threePt" dir="t"/>
+    </dgm:scene3d>
+    <dgm:sp3d/>
+    <dgm:txPr/>
+    <dgm:style>
+      <a:lnRef idx="0">
+        <a:scrgbClr r="0" g="0" b="0"/>
+      </a:lnRef>
+      <a:fillRef idx="1">
+        <a:scrgbClr r="0" g="0" b="0"/>
+      </a:fillRef>
+      <a:effectRef idx="0">
+        <a:scrgbClr r="0" g="0" b="0"/>
+      </a:effectRef>
+      <a:fontRef idx="minor"/>
+    </dgm:style>
+  </dgm:styleLbl>
+  <dgm:styleLbl name="fgShp">
+    <dgm:scene3d>
+      <a:camera prst="orthographicFront"/>
+      <a:lightRig rig="threePt" dir="t"/>
+    </dgm:scene3d>
+    <dgm:sp3d/>
+    <dgm:txPr/>
+    <dgm:style>
+      <a:lnRef idx="2">
+        <a:scrgbClr r="0" g="0" b="0"/>
+      </a:lnRef>
+      <a:fillRef idx="1">
+        <a:scrgbClr r="0" g="0" b="0"/>
+      </a:fillRef>
+      <a:effectRef idx="0">
+        <a:scrgbClr r="0" g="0" b="0"/>
+      </a:effectRef>
+      <a:fontRef idx="minor"/>
+    </dgm:style>
+  </dgm:styleLbl>
+  <dgm:styleLbl name="revTx">
+    <dgm:scene3d>
+      <a:camera prst="orthographicFront"/>
+      <a:lightRig rig="threePt" dir="t"/>
+    </dgm:scene3d>
+    <dgm:sp3d/>
+    <dgm:txPr/>
+    <dgm:style>
+      <a:lnRef idx="0">
+        <a:scrgbClr r="0" g="0" b="0"/>
+      </a:lnRef>
+      <a:fillRef idx="0">
+        <a:scrgbClr r="0" g="0" b="0"/>
+      </a:fillRef>
+      <a:effectRef idx="0">
+        <a:scrgbClr r="0" g="0" b="0"/>
+      </a:effectRef>
+      <a:fontRef idx="minor"/>
+    </dgm:style>
+  </dgm:styleLbl>
+</dgm:styleDef>
+</file>
+
 <file path=ppt/slideLayouts/slideLayout1.xml><?xml version="1.0" encoding="utf-8"?>
 <p:sldLayout xmlns:a="http://schemas.openxmlformats.org/drawingml/2006/main" xmlns:r="http://schemas.openxmlformats.org/officeDocument/2006/relationships" xmlns:p="http://schemas.openxmlformats.org/presentationml/2006/main" type="title" preserve="1">
   <p:cSld name="Title Slide">
@@ -4822,7 +7709,7 @@
           <a:p>
             <a:fld id="{163D8D13-7DED-4514-BE8C-9C8D0FD9F0B8}" type="datetimeFigureOut">
               <a:rPr lang="en-US" smtClean="0"/>
-              <a:t>12/4/2019</a:t>
+              <a:t>12/10/2019</a:t>
             </a:fld>
             <a:endParaRPr lang="en-US"/>
           </a:p>
@@ -5020,7 +7907,7 @@
           <a:p>
             <a:fld id="{163D8D13-7DED-4514-BE8C-9C8D0FD9F0B8}" type="datetimeFigureOut">
               <a:rPr lang="en-US" smtClean="0"/>
-              <a:t>12/4/2019</a:t>
+              <a:t>12/10/2019</a:t>
             </a:fld>
             <a:endParaRPr lang="en-US"/>
           </a:p>
@@ -5228,7 +8115,7 @@
           <a:p>
             <a:fld id="{163D8D13-7DED-4514-BE8C-9C8D0FD9F0B8}" type="datetimeFigureOut">
               <a:rPr lang="en-US" smtClean="0"/>
-              <a:t>12/4/2019</a:t>
+              <a:t>12/10/2019</a:t>
             </a:fld>
             <a:endParaRPr lang="en-US"/>
           </a:p>
@@ -5426,7 +8313,7 @@
           <a:p>
             <a:fld id="{163D8D13-7DED-4514-BE8C-9C8D0FD9F0B8}" type="datetimeFigureOut">
               <a:rPr lang="en-US" smtClean="0"/>
-              <a:t>12/4/2019</a:t>
+              <a:t>12/10/2019</a:t>
             </a:fld>
             <a:endParaRPr lang="en-US"/>
           </a:p>
@@ -5701,7 +8588,7 @@
           <a:p>
             <a:fld id="{163D8D13-7DED-4514-BE8C-9C8D0FD9F0B8}" type="datetimeFigureOut">
               <a:rPr lang="en-US" smtClean="0"/>
-              <a:t>12/4/2019</a:t>
+              <a:t>12/10/2019</a:t>
             </a:fld>
             <a:endParaRPr lang="en-US"/>
           </a:p>
@@ -5966,7 +8853,7 @@
           <a:p>
             <a:fld id="{163D8D13-7DED-4514-BE8C-9C8D0FD9F0B8}" type="datetimeFigureOut">
               <a:rPr lang="en-US" smtClean="0"/>
-              <a:t>12/4/2019</a:t>
+              <a:t>12/10/2019</a:t>
             </a:fld>
             <a:endParaRPr lang="en-US"/>
           </a:p>
@@ -6378,7 +9265,7 @@
           <a:p>
             <a:fld id="{163D8D13-7DED-4514-BE8C-9C8D0FD9F0B8}" type="datetimeFigureOut">
               <a:rPr lang="en-US" smtClean="0"/>
-              <a:t>12/4/2019</a:t>
+              <a:t>12/10/2019</a:t>
             </a:fld>
             <a:endParaRPr lang="en-US"/>
           </a:p>
@@ -6519,7 +9406,7 @@
           <a:p>
             <a:fld id="{163D8D13-7DED-4514-BE8C-9C8D0FD9F0B8}" type="datetimeFigureOut">
               <a:rPr lang="en-US" smtClean="0"/>
-              <a:t>12/4/2019</a:t>
+              <a:t>12/10/2019</a:t>
             </a:fld>
             <a:endParaRPr lang="en-US"/>
           </a:p>
@@ -6632,7 +9519,7 @@
           <a:p>
             <a:fld id="{163D8D13-7DED-4514-BE8C-9C8D0FD9F0B8}" type="datetimeFigureOut">
               <a:rPr lang="en-US" smtClean="0"/>
-              <a:t>12/4/2019</a:t>
+              <a:t>12/10/2019</a:t>
             </a:fld>
             <a:endParaRPr lang="en-US"/>
           </a:p>
@@ -6943,7 +9830,7 @@
           <a:p>
             <a:fld id="{163D8D13-7DED-4514-BE8C-9C8D0FD9F0B8}" type="datetimeFigureOut">
               <a:rPr lang="en-US" smtClean="0"/>
-              <a:t>12/4/2019</a:t>
+              <a:t>12/10/2019</a:t>
             </a:fld>
             <a:endParaRPr lang="en-US"/>
           </a:p>
@@ -7231,7 +10118,7 @@
           <a:p>
             <a:fld id="{163D8D13-7DED-4514-BE8C-9C8D0FD9F0B8}" type="datetimeFigureOut">
               <a:rPr lang="en-US" smtClean="0"/>
-              <a:t>12/4/2019</a:t>
+              <a:t>12/10/2019</a:t>
             </a:fld>
             <a:endParaRPr lang="en-US"/>
           </a:p>
@@ -7472,7 +10359,7 @@
           <a:p>
             <a:fld id="{163D8D13-7DED-4514-BE8C-9C8D0FD9F0B8}" type="datetimeFigureOut">
               <a:rPr lang="en-US" smtClean="0"/>
-              <a:t>12/4/2019</a:t>
+              <a:t>12/10/2019</a:t>
             </a:fld>
             <a:endParaRPr lang="en-US"/>
           </a:p>
@@ -10358,6 +13245,708 @@
           <a:chExt cx="0" cy="0"/>
         </a:xfrm>
       </p:grpSpPr>
+      <p:sp>
+        <p:nvSpPr>
+          <p:cNvPr id="10" name="Freeform: Shape 9">
+            <a:extLst>
+              <a:ext uri="{FF2B5EF4-FFF2-40B4-BE49-F238E27FC236}">
+                <a16:creationId xmlns:a16="http://schemas.microsoft.com/office/drawing/2014/main" id="{42285737-90EE-47DC-AC80-8AE156B11969}"/>
+              </a:ext>
+              <a:ext uri="{C183D7F6-B498-43B3-948B-1728B52AA6E4}">
+                <adec:decorative xmlns:adec="http://schemas.microsoft.com/office/drawing/2017/decorative" val="1"/>
+              </a:ext>
+            </a:extLst>
+          </p:cNvPr>
+          <p:cNvSpPr>
+            <a:spLocks noGrp="1" noRot="1" noChangeAspect="1" noMove="1" noResize="1" noEditPoints="1" noAdjustHandles="1" noChangeArrowheads="1" noChangeShapeType="1" noTextEdit="1"/>
+          </p:cNvSpPr>
+          <p:nvPr>
+            <p:extLst>
+              <p:ext uri="{386F3935-93C4-4BCD-93E2-E3B085C9AB24}">
+                <p16:designElem xmlns:p16="http://schemas.microsoft.com/office/powerpoint/2015/main" val="1"/>
+              </p:ext>
+            </p:extLst>
+          </p:nvPr>
+        </p:nvSpPr>
+        <p:spPr>
+          <a:xfrm flipV="1">
+            <a:off x="-1" y="-1"/>
+            <a:ext cx="4403709" cy="6858001"/>
+          </a:xfrm>
+          <a:custGeom>
+            <a:avLst/>
+            <a:gdLst>
+              <a:gd name="connsiteX0" fmla="*/ 3223890 w 4403709"/>
+              <a:gd name="connsiteY0" fmla="*/ 6858001 h 6858001"/>
+              <a:gd name="connsiteX1" fmla="*/ 4101908 w 4403709"/>
+              <a:gd name="connsiteY1" fmla="*/ 6858001 h 6858001"/>
+              <a:gd name="connsiteX2" fmla="*/ 3254950 w 4403709"/>
+              <a:gd name="connsiteY2" fmla="*/ 1599356 h 6858001"/>
+              <a:gd name="connsiteX3" fmla="*/ 3254950 w 4403709"/>
+              <a:gd name="connsiteY3" fmla="*/ 1594062 h 6858001"/>
+              <a:gd name="connsiteX4" fmla="*/ 4403709 w 4403709"/>
+              <a:gd name="connsiteY4" fmla="*/ 0 h 6858001"/>
+              <a:gd name="connsiteX5" fmla="*/ 3254950 w 4403709"/>
+              <a:gd name="connsiteY5" fmla="*/ 0 h 6858001"/>
+              <a:gd name="connsiteX6" fmla="*/ 2903520 w 4403709"/>
+              <a:gd name="connsiteY6" fmla="*/ 0 h 6858001"/>
+              <a:gd name="connsiteX7" fmla="*/ 0 w 4403709"/>
+              <a:gd name="connsiteY7" fmla="*/ 0 h 6858001"/>
+              <a:gd name="connsiteX8" fmla="*/ 0 w 4403709"/>
+              <a:gd name="connsiteY8" fmla="*/ 6858000 h 6858001"/>
+              <a:gd name="connsiteX9" fmla="*/ 3223890 w 4403709"/>
+              <a:gd name="connsiteY9" fmla="*/ 6858000 h 6858001"/>
+            </a:gdLst>
+            <a:ahLst/>
+            <a:cxnLst>
+              <a:cxn ang="0">
+                <a:pos x="connsiteX0" y="connsiteY0"/>
+              </a:cxn>
+              <a:cxn ang="0">
+                <a:pos x="connsiteX1" y="connsiteY1"/>
+              </a:cxn>
+              <a:cxn ang="0">
+                <a:pos x="connsiteX2" y="connsiteY2"/>
+              </a:cxn>
+              <a:cxn ang="0">
+                <a:pos x="connsiteX3" y="connsiteY3"/>
+              </a:cxn>
+              <a:cxn ang="0">
+                <a:pos x="connsiteX4" y="connsiteY4"/>
+              </a:cxn>
+              <a:cxn ang="0">
+                <a:pos x="connsiteX5" y="connsiteY5"/>
+              </a:cxn>
+              <a:cxn ang="0">
+                <a:pos x="connsiteX6" y="connsiteY6"/>
+              </a:cxn>
+              <a:cxn ang="0">
+                <a:pos x="connsiteX7" y="connsiteY7"/>
+              </a:cxn>
+              <a:cxn ang="0">
+                <a:pos x="connsiteX8" y="connsiteY8"/>
+              </a:cxn>
+              <a:cxn ang="0">
+                <a:pos x="connsiteX9" y="connsiteY9"/>
+              </a:cxn>
+            </a:cxnLst>
+            <a:rect l="l" t="t" r="r" b="b"/>
+            <a:pathLst>
+              <a:path w="4403709" h="6858001">
+                <a:moveTo>
+                  <a:pt x="3223890" y="6858001"/>
+                </a:moveTo>
+                <a:lnTo>
+                  <a:pt x="4101908" y="6858001"/>
+                </a:lnTo>
+                <a:lnTo>
+                  <a:pt x="3254950" y="1599356"/>
+                </a:lnTo>
+                <a:lnTo>
+                  <a:pt x="3254950" y="1594062"/>
+                </a:lnTo>
+                <a:lnTo>
+                  <a:pt x="4403709" y="0"/>
+                </a:lnTo>
+                <a:lnTo>
+                  <a:pt x="3254950" y="0"/>
+                </a:lnTo>
+                <a:lnTo>
+                  <a:pt x="2903520" y="0"/>
+                </a:lnTo>
+                <a:lnTo>
+                  <a:pt x="0" y="0"/>
+                </a:lnTo>
+                <a:lnTo>
+                  <a:pt x="0" y="6858000"/>
+                </a:lnTo>
+                <a:lnTo>
+                  <a:pt x="3223890" y="6858000"/>
+                </a:lnTo>
+                <a:close/>
+              </a:path>
+            </a:pathLst>
+          </a:custGeom>
+          <a:ln>
+            <a:noFill/>
+          </a:ln>
+        </p:spPr>
+        <p:style>
+          <a:lnRef idx="2">
+            <a:schemeClr val="accent1">
+              <a:shade val="50000"/>
+            </a:schemeClr>
+          </a:lnRef>
+          <a:fillRef idx="1002">
+            <a:schemeClr val="dk1"/>
+          </a:fillRef>
+          <a:effectRef idx="0">
+            <a:schemeClr val="accent1"/>
+          </a:effectRef>
+          <a:fontRef idx="minor">
+            <a:schemeClr val="lt1"/>
+          </a:fontRef>
+        </p:style>
+        <p:txBody>
+          <a:bodyPr rtlCol="0" anchor="ctr"/>
+          <a:lstStyle/>
+          <a:p>
+            <a:pPr marL="0" marR="0" lvl="0" indent="0" algn="ctr" defTabSz="457200" rtl="0" eaLnBrk="1" fontAlgn="auto" latinLnBrk="0" hangingPunct="1">
+              <a:lnSpc>
+                <a:spcPct val="100000"/>
+              </a:lnSpc>
+              <a:spcBef>
+                <a:spcPts val="0"/>
+              </a:spcBef>
+              <a:spcAft>
+                <a:spcPts val="0"/>
+              </a:spcAft>
+              <a:buClrTx/>
+              <a:buSzTx/>
+              <a:buFontTx/>
+              <a:buNone/>
+              <a:tabLst/>
+              <a:defRPr/>
+            </a:pPr>
+            <a:endParaRPr kumimoji="0" lang="en-US" sz="1800" b="0" i="0" u="none" strike="noStrike" kern="1200" cap="none" spc="0" normalizeH="0" baseline="0" noProof="0">
+              <a:ln>
+                <a:noFill/>
+              </a:ln>
+              <a:solidFill>
+                <a:prstClr val="black"/>
+              </a:solidFill>
+              <a:effectLst/>
+              <a:uLnTx/>
+              <a:uFillTx/>
+              <a:latin typeface="Calibri" panose="020F0502020204030204"/>
+              <a:ea typeface="+mn-ea"/>
+              <a:cs typeface="+mn-cs"/>
+            </a:endParaRPr>
+          </a:p>
+        </p:txBody>
+      </p:sp>
+      <p:grpSp>
+        <p:nvGrpSpPr>
+          <p:cNvPr id="12" name="Group 11">
+            <a:extLst>
+              <a:ext uri="{FF2B5EF4-FFF2-40B4-BE49-F238E27FC236}">
+                <a16:creationId xmlns:a16="http://schemas.microsoft.com/office/drawing/2014/main" id="{B57BDC17-F1B3-455F-BBF1-680AA1F25C06}"/>
+              </a:ext>
+              <a:ext uri="{C183D7F6-B498-43B3-948B-1728B52AA6E4}">
+                <adec:decorative xmlns:adec="http://schemas.microsoft.com/office/drawing/2017/decorative" val="1"/>
+              </a:ext>
+            </a:extLst>
+          </p:cNvPr>
+          <p:cNvGrpSpPr>
+            <a:grpSpLocks noGrp="1" noUngrp="1" noRot="1" noChangeAspect="1" noMove="1" noResize="1"/>
+          </p:cNvGrpSpPr>
+          <p:nvPr>
+            <p:extLst>
+              <p:ext uri="{386F3935-93C4-4BCD-93E2-E3B085C9AB24}">
+                <p16:designElem xmlns:p16="http://schemas.microsoft.com/office/powerpoint/2015/main" val="1"/>
+              </p:ext>
+            </p:extLst>
+          </p:nvPr>
+        </p:nvGrpSpPr>
+        <p:grpSpPr>
+          <a:xfrm>
+            <a:off x="3315292" y="0"/>
+            <a:ext cx="2436813" cy="6858001"/>
+            <a:chOff x="1320800" y="0"/>
+            <a:chExt cx="2436813" cy="6858001"/>
+          </a:xfrm>
+        </p:grpSpPr>
+        <p:sp>
+          <p:nvSpPr>
+            <p:cNvPr id="13" name="Freeform 6">
+              <a:extLst>
+                <a:ext uri="{FF2B5EF4-FFF2-40B4-BE49-F238E27FC236}">
+                  <a16:creationId xmlns:a16="http://schemas.microsoft.com/office/drawing/2014/main" id="{64E2FA9A-FEF7-4501-B0EB-5E45EDD2177A}"/>
+                </a:ext>
+                <a:ext uri="{C183D7F6-B498-43B3-948B-1728B52AA6E4}">
+                  <adec:decorative xmlns:adec="http://schemas.microsoft.com/office/drawing/2017/decorative" val="1"/>
+                </a:ext>
+              </a:extLst>
+            </p:cNvPr>
+            <p:cNvSpPr/>
+            <p:nvPr>
+              <p:extLst>
+                <p:ext uri="{386F3935-93C4-4BCD-93E2-E3B085C9AB24}">
+                  <p16:designElem xmlns:p16="http://schemas.microsoft.com/office/powerpoint/2015/main" val="1"/>
+                </p:ext>
+              </p:extLst>
+            </p:nvPr>
+          </p:nvSpPr>
+          <p:spPr bwMode="auto">
+            <a:xfrm>
+              <a:off x="1627188" y="0"/>
+              <a:ext cx="1122363" cy="5329238"/>
+            </a:xfrm>
+            <a:custGeom>
+              <a:avLst/>
+              <a:gdLst/>
+              <a:ahLst/>
+              <a:cxnLst/>
+              <a:rect l="0" t="0" r="r" b="b"/>
+              <a:pathLst>
+                <a:path w="707" h="3357">
+                  <a:moveTo>
+                    <a:pt x="0" y="3330"/>
+                  </a:moveTo>
+                  <a:lnTo>
+                    <a:pt x="156" y="3357"/>
+                  </a:lnTo>
+                  <a:lnTo>
+                    <a:pt x="707" y="0"/>
+                  </a:lnTo>
+                  <a:lnTo>
+                    <a:pt x="547" y="0"/>
+                  </a:lnTo>
+                  <a:lnTo>
+                    <a:pt x="0" y="3330"/>
+                  </a:lnTo>
+                  <a:close/>
+                </a:path>
+              </a:pathLst>
+            </a:custGeom>
+            <a:solidFill>
+              <a:schemeClr val="accent1"/>
+            </a:solidFill>
+            <a:ln>
+              <a:noFill/>
+            </a:ln>
+          </p:spPr>
+        </p:sp>
+        <p:sp>
+          <p:nvSpPr>
+            <p:cNvPr id="14" name="Freeform 7">
+              <a:extLst>
+                <a:ext uri="{FF2B5EF4-FFF2-40B4-BE49-F238E27FC236}">
+                  <a16:creationId xmlns:a16="http://schemas.microsoft.com/office/drawing/2014/main" id="{BC38192B-B4CB-47D4-A3B1-10010247F158}"/>
+                </a:ext>
+                <a:ext uri="{C183D7F6-B498-43B3-948B-1728B52AA6E4}">
+                  <adec:decorative xmlns:adec="http://schemas.microsoft.com/office/drawing/2017/decorative" val="1"/>
+                </a:ext>
+              </a:extLst>
+            </p:cNvPr>
+            <p:cNvSpPr/>
+            <p:nvPr>
+              <p:extLst>
+                <p:ext uri="{386F3935-93C4-4BCD-93E2-E3B085C9AB24}">
+                  <p16:designElem xmlns:p16="http://schemas.microsoft.com/office/powerpoint/2015/main" val="1"/>
+                </p:ext>
+              </p:extLst>
+            </p:nvPr>
+          </p:nvSpPr>
+          <p:spPr bwMode="auto">
+            <a:xfrm>
+              <a:off x="1320800" y="0"/>
+              <a:ext cx="1117600" cy="5276850"/>
+            </a:xfrm>
+            <a:custGeom>
+              <a:avLst/>
+              <a:gdLst/>
+              <a:ahLst/>
+              <a:cxnLst/>
+              <a:rect l="0" t="0" r="r" b="b"/>
+              <a:pathLst>
+                <a:path w="704" h="3324">
+                  <a:moveTo>
+                    <a:pt x="704" y="0"/>
+                  </a:moveTo>
+                  <a:lnTo>
+                    <a:pt x="545" y="0"/>
+                  </a:lnTo>
+                  <a:lnTo>
+                    <a:pt x="0" y="3300"/>
+                  </a:lnTo>
+                  <a:lnTo>
+                    <a:pt x="157" y="3324"/>
+                  </a:lnTo>
+                  <a:lnTo>
+                    <a:pt x="704" y="0"/>
+                  </a:lnTo>
+                  <a:close/>
+                </a:path>
+              </a:pathLst>
+            </a:custGeom>
+            <a:solidFill>
+              <a:srgbClr val="595959"/>
+            </a:solidFill>
+            <a:ln>
+              <a:noFill/>
+            </a:ln>
+          </p:spPr>
+        </p:sp>
+        <p:sp>
+          <p:nvSpPr>
+            <p:cNvPr id="15" name="Freeform 8">
+              <a:extLst>
+                <a:ext uri="{FF2B5EF4-FFF2-40B4-BE49-F238E27FC236}">
+                  <a16:creationId xmlns:a16="http://schemas.microsoft.com/office/drawing/2014/main" id="{96330E33-E171-4B0F-82B5-AF7230399B5C}"/>
+                </a:ext>
+                <a:ext uri="{C183D7F6-B498-43B3-948B-1728B52AA6E4}">
+                  <adec:decorative xmlns:adec="http://schemas.microsoft.com/office/drawing/2017/decorative" val="1"/>
+                </a:ext>
+              </a:extLst>
+            </p:cNvPr>
+            <p:cNvSpPr/>
+            <p:nvPr>
+              <p:extLst>
+                <p:ext uri="{386F3935-93C4-4BCD-93E2-E3B085C9AB24}">
+                  <p16:designElem xmlns:p16="http://schemas.microsoft.com/office/powerpoint/2015/main" val="1"/>
+                </p:ext>
+              </p:extLst>
+            </p:nvPr>
+          </p:nvSpPr>
+          <p:spPr bwMode="auto">
+            <a:xfrm>
+              <a:off x="1320800" y="5238750"/>
+              <a:ext cx="1228725" cy="1619250"/>
+            </a:xfrm>
+            <a:custGeom>
+              <a:avLst/>
+              <a:gdLst/>
+              <a:ahLst/>
+              <a:cxnLst/>
+              <a:rect l="0" t="0" r="r" b="b"/>
+              <a:pathLst>
+                <a:path w="774" h="1020">
+                  <a:moveTo>
+                    <a:pt x="0" y="0"/>
+                  </a:moveTo>
+                  <a:lnTo>
+                    <a:pt x="740" y="1020"/>
+                  </a:lnTo>
+                  <a:lnTo>
+                    <a:pt x="774" y="1020"/>
+                  </a:lnTo>
+                  <a:lnTo>
+                    <a:pt x="0" y="0"/>
+                  </a:lnTo>
+                  <a:close/>
+                </a:path>
+              </a:pathLst>
+            </a:custGeom>
+            <a:solidFill>
+              <a:srgbClr val="262626"/>
+            </a:solidFill>
+            <a:ln>
+              <a:noFill/>
+            </a:ln>
+          </p:spPr>
+        </p:sp>
+        <p:sp>
+          <p:nvSpPr>
+            <p:cNvPr id="16" name="Freeform 9">
+              <a:extLst>
+                <a:ext uri="{FF2B5EF4-FFF2-40B4-BE49-F238E27FC236}">
+                  <a16:creationId xmlns:a16="http://schemas.microsoft.com/office/drawing/2014/main" id="{332B1723-69BF-42D7-B757-0FA059E15256}"/>
+                </a:ext>
+                <a:ext uri="{C183D7F6-B498-43B3-948B-1728B52AA6E4}">
+                  <adec:decorative xmlns:adec="http://schemas.microsoft.com/office/drawing/2017/decorative" val="1"/>
+                </a:ext>
+              </a:extLst>
+            </p:cNvPr>
+            <p:cNvSpPr/>
+            <p:nvPr>
+              <p:extLst>
+                <p:ext uri="{386F3935-93C4-4BCD-93E2-E3B085C9AB24}">
+                  <p16:designElem xmlns:p16="http://schemas.microsoft.com/office/powerpoint/2015/main" val="1"/>
+                </p:ext>
+              </p:extLst>
+            </p:nvPr>
+          </p:nvSpPr>
+          <p:spPr bwMode="auto">
+            <a:xfrm>
+              <a:off x="1627188" y="5291138"/>
+              <a:ext cx="1495425" cy="1566863"/>
+            </a:xfrm>
+            <a:custGeom>
+              <a:avLst/>
+              <a:gdLst/>
+              <a:ahLst/>
+              <a:cxnLst/>
+              <a:rect l="0" t="0" r="r" b="b"/>
+              <a:pathLst>
+                <a:path w="942" h="987">
+                  <a:moveTo>
+                    <a:pt x="0" y="0"/>
+                  </a:moveTo>
+                  <a:lnTo>
+                    <a:pt x="909" y="987"/>
+                  </a:lnTo>
+                  <a:lnTo>
+                    <a:pt x="942" y="987"/>
+                  </a:lnTo>
+                  <a:lnTo>
+                    <a:pt x="0" y="0"/>
+                  </a:lnTo>
+                  <a:close/>
+                </a:path>
+              </a:pathLst>
+            </a:custGeom>
+            <a:solidFill>
+              <a:schemeClr val="accent1">
+                <a:lumMod val="50000"/>
+              </a:schemeClr>
+            </a:solidFill>
+            <a:ln>
+              <a:noFill/>
+            </a:ln>
+          </p:spPr>
+        </p:sp>
+        <p:sp>
+          <p:nvSpPr>
+            <p:cNvPr id="17" name="Freeform 10">
+              <a:extLst>
+                <a:ext uri="{FF2B5EF4-FFF2-40B4-BE49-F238E27FC236}">
+                  <a16:creationId xmlns:a16="http://schemas.microsoft.com/office/drawing/2014/main" id="{F115D62D-1E96-48D1-A78D-D370A0BFB9B5}"/>
+                </a:ext>
+                <a:ext uri="{C183D7F6-B498-43B3-948B-1728B52AA6E4}">
+                  <adec:decorative xmlns:adec="http://schemas.microsoft.com/office/drawing/2017/decorative" val="1"/>
+                </a:ext>
+              </a:extLst>
+            </p:cNvPr>
+            <p:cNvSpPr/>
+            <p:nvPr>
+              <p:extLst>
+                <p:ext uri="{386F3935-93C4-4BCD-93E2-E3B085C9AB24}">
+                  <p16:designElem xmlns:p16="http://schemas.microsoft.com/office/powerpoint/2015/main" val="1"/>
+                </p:ext>
+              </p:extLst>
+            </p:nvPr>
+          </p:nvSpPr>
+          <p:spPr bwMode="auto">
+            <a:xfrm>
+              <a:off x="1627188" y="5286375"/>
+              <a:ext cx="2130425" cy="1571625"/>
+            </a:xfrm>
+            <a:custGeom>
+              <a:avLst/>
+              <a:gdLst/>
+              <a:ahLst/>
+              <a:cxnLst/>
+              <a:rect l="0" t="0" r="r" b="b"/>
+              <a:pathLst>
+                <a:path w="1342" h="990">
+                  <a:moveTo>
+                    <a:pt x="0" y="3"/>
+                  </a:moveTo>
+                  <a:lnTo>
+                    <a:pt x="942" y="990"/>
+                  </a:lnTo>
+                  <a:lnTo>
+                    <a:pt x="1342" y="990"/>
+                  </a:lnTo>
+                  <a:lnTo>
+                    <a:pt x="156" y="27"/>
+                  </a:lnTo>
+                  <a:lnTo>
+                    <a:pt x="0" y="0"/>
+                  </a:lnTo>
+                  <a:lnTo>
+                    <a:pt x="0" y="3"/>
+                  </a:lnTo>
+                  <a:close/>
+                </a:path>
+              </a:pathLst>
+            </a:custGeom>
+            <a:solidFill>
+              <a:schemeClr val="accent1">
+                <a:lumMod val="75000"/>
+              </a:schemeClr>
+            </a:solidFill>
+            <a:ln>
+              <a:noFill/>
+            </a:ln>
+          </p:spPr>
+        </p:sp>
+        <p:sp>
+          <p:nvSpPr>
+            <p:cNvPr id="18" name="Freeform 11">
+              <a:extLst>
+                <a:ext uri="{FF2B5EF4-FFF2-40B4-BE49-F238E27FC236}">
+                  <a16:creationId xmlns:a16="http://schemas.microsoft.com/office/drawing/2014/main" id="{91C2876A-169D-4822-A766-C00578C88B4B}"/>
+                </a:ext>
+                <a:ext uri="{C183D7F6-B498-43B3-948B-1728B52AA6E4}">
+                  <adec:decorative xmlns:adec="http://schemas.microsoft.com/office/drawing/2017/decorative" val="1"/>
+                </a:ext>
+              </a:extLst>
+            </p:cNvPr>
+            <p:cNvSpPr/>
+            <p:nvPr>
+              <p:extLst>
+                <p:ext uri="{386F3935-93C4-4BCD-93E2-E3B085C9AB24}">
+                  <p16:designElem xmlns:p16="http://schemas.microsoft.com/office/powerpoint/2015/main" val="1"/>
+                </p:ext>
+              </p:extLst>
+            </p:nvPr>
+          </p:nvSpPr>
+          <p:spPr bwMode="auto">
+            <a:xfrm>
+              <a:off x="1320800" y="5238750"/>
+              <a:ext cx="1695450" cy="1619250"/>
+            </a:xfrm>
+            <a:custGeom>
+              <a:avLst/>
+              <a:gdLst/>
+              <a:ahLst/>
+              <a:cxnLst/>
+              <a:rect l="0" t="0" r="r" b="b"/>
+              <a:pathLst>
+                <a:path w="1068" h="1020">
+                  <a:moveTo>
+                    <a:pt x="1068" y="1020"/>
+                  </a:moveTo>
+                  <a:lnTo>
+                    <a:pt x="184" y="60"/>
+                  </a:lnTo>
+                  <a:lnTo>
+                    <a:pt x="154" y="27"/>
+                  </a:lnTo>
+                  <a:lnTo>
+                    <a:pt x="157" y="27"/>
+                  </a:lnTo>
+                  <a:lnTo>
+                    <a:pt x="157" y="24"/>
+                  </a:lnTo>
+                  <a:lnTo>
+                    <a:pt x="154" y="24"/>
+                  </a:lnTo>
+                  <a:lnTo>
+                    <a:pt x="0" y="0"/>
+                  </a:lnTo>
+                  <a:lnTo>
+                    <a:pt x="0" y="0"/>
+                  </a:lnTo>
+                  <a:lnTo>
+                    <a:pt x="774" y="1020"/>
+                  </a:lnTo>
+                  <a:lnTo>
+                    <a:pt x="1068" y="1020"/>
+                  </a:lnTo>
+                  <a:close/>
+                </a:path>
+              </a:pathLst>
+            </a:custGeom>
+            <a:solidFill>
+              <a:srgbClr val="404040"/>
+            </a:solidFill>
+            <a:ln>
+              <a:noFill/>
+            </a:ln>
+          </p:spPr>
+        </p:sp>
+      </p:grpSp>
+      <p:sp>
+        <p:nvSpPr>
+          <p:cNvPr id="2" name="Title 1">
+            <a:extLst>
+              <a:ext uri="{FF2B5EF4-FFF2-40B4-BE49-F238E27FC236}">
+                <a16:creationId xmlns:a16="http://schemas.microsoft.com/office/drawing/2014/main" id="{CE6B862E-7CEE-40EC-B0C3-90CD264A49FB}"/>
+              </a:ext>
+            </a:extLst>
+          </p:cNvPr>
+          <p:cNvSpPr>
+            <a:spLocks noGrp="1"/>
+          </p:cNvSpPr>
+          <p:nvPr>
+            <p:ph type="title"/>
+          </p:nvPr>
+        </p:nvSpPr>
+        <p:spPr>
+          <a:xfrm>
+            <a:off x="535020" y="685800"/>
+            <a:ext cx="2780271" cy="5105400"/>
+          </a:xfrm>
+        </p:spPr>
+        <p:txBody>
+          <a:bodyPr>
+            <a:normAutofit/>
+          </a:bodyPr>
+          <a:lstStyle/>
+          <a:p>
+            <a:r>
+              <a:rPr lang="en-GB" sz="4000">
+                <a:solidFill>
+                  <a:srgbClr val="FFFFFF"/>
+                </a:solidFill>
+              </a:rPr>
+              <a:t>Numpy arrays vs lists</a:t>
+            </a:r>
+          </a:p>
+        </p:txBody>
+      </p:sp>
+      <p:graphicFrame>
+        <p:nvGraphicFramePr>
+          <p:cNvPr id="6" name="Content Placeholder 2">
+            <a:extLst>
+              <a:ext uri="{FF2B5EF4-FFF2-40B4-BE49-F238E27FC236}">
+                <a16:creationId xmlns:a16="http://schemas.microsoft.com/office/drawing/2014/main" id="{2E0663C7-47E6-46F2-B1CF-9D78D6757BD5}"/>
+              </a:ext>
+            </a:extLst>
+          </p:cNvPr>
+          <p:cNvGraphicFramePr>
+            <a:graphicFrameLocks noGrp="1"/>
+          </p:cNvGraphicFramePr>
+          <p:nvPr>
+            <p:ph idx="1"/>
+            <p:extLst>
+              <p:ext uri="{D42A27DB-BD31-4B8C-83A1-F6EECF244321}">
+                <p14:modId xmlns:p14="http://schemas.microsoft.com/office/powerpoint/2010/main" val="2786260076"/>
+              </p:ext>
+            </p:extLst>
+          </p:nvPr>
+        </p:nvGraphicFramePr>
+        <p:xfrm>
+          <a:off x="5010150" y="685800"/>
+          <a:ext cx="6492875" cy="5105400"/>
+        </p:xfrm>
+        <a:graphic>
+          <a:graphicData uri="http://schemas.openxmlformats.org/drawingml/2006/diagram">
+            <dgm:relIds xmlns:dgm="http://schemas.openxmlformats.org/drawingml/2006/diagram" xmlns:r="http://schemas.openxmlformats.org/officeDocument/2006/relationships" r:dm="rId2" r:lo="rId3" r:qs="rId4" r:cs="rId5"/>
+          </a:graphicData>
+        </a:graphic>
+      </p:graphicFrame>
+    </p:spTree>
+    <p:extLst>
+      <p:ext uri="{BB962C8B-B14F-4D97-AF65-F5344CB8AC3E}">
+        <p14:creationId xmlns:p14="http://schemas.microsoft.com/office/powerpoint/2010/main" val="2007625517"/>
+      </p:ext>
+    </p:extLst>
+  </p:cSld>
+  <p:clrMapOvr>
+    <a:masterClrMapping/>
+  </p:clrMapOvr>
+</p:sld>
+</file>
+
+<file path=ppt/slides/slide18.xml><?xml version="1.0" encoding="utf-8"?>
+<p:sld xmlns:a="http://schemas.openxmlformats.org/drawingml/2006/main" xmlns:r="http://schemas.openxmlformats.org/officeDocument/2006/relationships" xmlns:p="http://schemas.openxmlformats.org/presentationml/2006/main">
+  <p:cSld>
+    <p:bg>
+      <p:bgPr>
+        <a:solidFill>
+          <a:schemeClr val="bg1"/>
+        </a:solidFill>
+        <a:effectLst/>
+      </p:bgPr>
+    </p:bg>
+    <p:spTree>
+      <p:nvGrpSpPr>
+        <p:cNvPr id="1" name=""/>
+        <p:cNvGrpSpPr/>
+        <p:nvPr/>
+      </p:nvGrpSpPr>
+      <p:grpSpPr>
+        <a:xfrm>
+          <a:off x="0" y="0"/>
+          <a:ext cx="0" cy="0"/>
+          <a:chOff x="0" y="0"/>
+          <a:chExt cx="0" cy="0"/>
+        </a:xfrm>
+      </p:grpSpPr>
       <p:sp useBgFill="1">
         <p:nvSpPr>
           <p:cNvPr id="8" name="Rectangle 7">
@@ -10828,7 +14417,7 @@
 </p:sld>
 </file>
 
-<file path=ppt/slides/slide18.xml><?xml version="1.0" encoding="utf-8"?>
+<file path=ppt/slides/slide19.xml><?xml version="1.0" encoding="utf-8"?>
 <p:sld xmlns:a="http://schemas.openxmlformats.org/drawingml/2006/main" xmlns:r="http://schemas.openxmlformats.org/officeDocument/2006/relationships" xmlns:p="http://schemas.openxmlformats.org/presentationml/2006/main">
   <p:cSld>
     <p:bg>
@@ -11128,99 +14717,6 @@
     <p:extLst>
       <p:ext uri="{BB962C8B-B14F-4D97-AF65-F5344CB8AC3E}">
         <p14:creationId xmlns:p14="http://schemas.microsoft.com/office/powerpoint/2010/main" val="3712716990"/>
-      </p:ext>
-    </p:extLst>
-  </p:cSld>
-  <p:clrMapOvr>
-    <a:masterClrMapping/>
-  </p:clrMapOvr>
-</p:sld>
-</file>
-
-<file path=ppt/slides/slide19.xml><?xml version="1.0" encoding="utf-8"?>
-<p:sld xmlns:a="http://schemas.openxmlformats.org/drawingml/2006/main" xmlns:r="http://schemas.openxmlformats.org/officeDocument/2006/relationships" xmlns:p="http://schemas.openxmlformats.org/presentationml/2006/main">
-  <p:cSld>
-    <p:spTree>
-      <p:nvGrpSpPr>
-        <p:cNvPr id="1" name=""/>
-        <p:cNvGrpSpPr/>
-        <p:nvPr/>
-      </p:nvGrpSpPr>
-      <p:grpSpPr>
-        <a:xfrm>
-          <a:off x="0" y="0"/>
-          <a:ext cx="0" cy="0"/>
-          <a:chOff x="0" y="0"/>
-          <a:chExt cx="0" cy="0"/>
-        </a:xfrm>
-      </p:grpSpPr>
-      <p:sp>
-        <p:nvSpPr>
-          <p:cNvPr id="2" name="Title 1">
-            <a:extLst>
-              <a:ext uri="{FF2B5EF4-FFF2-40B4-BE49-F238E27FC236}">
-                <a16:creationId xmlns:a16="http://schemas.microsoft.com/office/drawing/2014/main" id="{45A9023E-90FB-4F5A-B7F0-F23C45597061}"/>
-              </a:ext>
-            </a:extLst>
-          </p:cNvPr>
-          <p:cNvSpPr>
-            <a:spLocks noGrp="1"/>
-          </p:cNvSpPr>
-          <p:nvPr>
-            <p:ph type="title"/>
-          </p:nvPr>
-        </p:nvSpPr>
-        <p:spPr>
-          <a:xfrm>
-            <a:off x="838200" y="0"/>
-            <a:ext cx="10515600" cy="834887"/>
-          </a:xfrm>
-        </p:spPr>
-        <p:txBody>
-          <a:bodyPr/>
-          <a:lstStyle/>
-          <a:p>
-            <a:r>
-              <a:rPr lang="en-US" dirty="0"/>
-              <a:t>Data frame calculations</a:t>
-            </a:r>
-          </a:p>
-        </p:txBody>
-      </p:sp>
-      <p:pic>
-        <p:nvPicPr>
-          <p:cNvPr id="3" name="Picture 2">
-            <a:extLst>
-              <a:ext uri="{FF2B5EF4-FFF2-40B4-BE49-F238E27FC236}">
-                <a16:creationId xmlns:a16="http://schemas.microsoft.com/office/drawing/2014/main" id="{6B6C8DA9-7B6C-4D1E-A572-4009DB13943C}"/>
-              </a:ext>
-            </a:extLst>
-          </p:cNvPr>
-          <p:cNvPicPr>
-            <a:picLocks noChangeAspect="1"/>
-          </p:cNvPicPr>
-          <p:nvPr/>
-        </p:nvPicPr>
-        <p:blipFill>
-          <a:blip r:embed="rId2"/>
-          <a:stretch>
-            <a:fillRect/>
-          </a:stretch>
-        </p:blipFill>
-        <p:spPr>
-          <a:xfrm>
-            <a:off x="838199" y="672339"/>
-            <a:ext cx="11353801" cy="6125077"/>
-          </a:xfrm>
-          <a:prstGeom prst="rect">
-            <a:avLst/>
-          </a:prstGeom>
-        </p:spPr>
-      </p:pic>
-    </p:spTree>
-    <p:extLst>
-      <p:ext uri="{BB962C8B-B14F-4D97-AF65-F5344CB8AC3E}">
-        <p14:creationId xmlns:p14="http://schemas.microsoft.com/office/powerpoint/2010/main" val="904365375"/>
       </p:ext>
     </p:extLst>
   </p:cSld>
@@ -11855,6 +15351,1672 @@
 <file path=ppt/slides/slide20.xml><?xml version="1.0" encoding="utf-8"?>
 <p:sld xmlns:a="http://schemas.openxmlformats.org/drawingml/2006/main" xmlns:r="http://schemas.openxmlformats.org/officeDocument/2006/relationships" xmlns:p="http://schemas.openxmlformats.org/presentationml/2006/main">
   <p:cSld>
+    <p:spTree>
+      <p:nvGrpSpPr>
+        <p:cNvPr id="1" name=""/>
+        <p:cNvGrpSpPr/>
+        <p:nvPr/>
+      </p:nvGrpSpPr>
+      <p:grpSpPr>
+        <a:xfrm>
+          <a:off x="0" y="0"/>
+          <a:ext cx="0" cy="0"/>
+          <a:chOff x="0" y="0"/>
+          <a:chExt cx="0" cy="0"/>
+        </a:xfrm>
+      </p:grpSpPr>
+      <p:sp>
+        <p:nvSpPr>
+          <p:cNvPr id="2" name="Title 1">
+            <a:extLst>
+              <a:ext uri="{FF2B5EF4-FFF2-40B4-BE49-F238E27FC236}">
+                <a16:creationId xmlns:a16="http://schemas.microsoft.com/office/drawing/2014/main" id="{45A9023E-90FB-4F5A-B7F0-F23C45597061}"/>
+              </a:ext>
+            </a:extLst>
+          </p:cNvPr>
+          <p:cNvSpPr>
+            <a:spLocks noGrp="1"/>
+          </p:cNvSpPr>
+          <p:nvPr>
+            <p:ph type="title"/>
+          </p:nvPr>
+        </p:nvSpPr>
+        <p:spPr>
+          <a:xfrm>
+            <a:off x="838200" y="0"/>
+            <a:ext cx="10515600" cy="834887"/>
+          </a:xfrm>
+        </p:spPr>
+        <p:txBody>
+          <a:bodyPr/>
+          <a:lstStyle/>
+          <a:p>
+            <a:r>
+              <a:rPr lang="en-US" dirty="0"/>
+              <a:t>Data frame calculations</a:t>
+            </a:r>
+          </a:p>
+        </p:txBody>
+      </p:sp>
+      <p:pic>
+        <p:nvPicPr>
+          <p:cNvPr id="3" name="Picture 2">
+            <a:extLst>
+              <a:ext uri="{FF2B5EF4-FFF2-40B4-BE49-F238E27FC236}">
+                <a16:creationId xmlns:a16="http://schemas.microsoft.com/office/drawing/2014/main" id="{6B6C8DA9-7B6C-4D1E-A572-4009DB13943C}"/>
+              </a:ext>
+            </a:extLst>
+          </p:cNvPr>
+          <p:cNvPicPr>
+            <a:picLocks noChangeAspect="1"/>
+          </p:cNvPicPr>
+          <p:nvPr/>
+        </p:nvPicPr>
+        <p:blipFill>
+          <a:blip r:embed="rId2"/>
+          <a:stretch>
+            <a:fillRect/>
+          </a:stretch>
+        </p:blipFill>
+        <p:spPr>
+          <a:xfrm>
+            <a:off x="838199" y="672339"/>
+            <a:ext cx="11353801" cy="6125077"/>
+          </a:xfrm>
+          <a:prstGeom prst="rect">
+            <a:avLst/>
+          </a:prstGeom>
+        </p:spPr>
+      </p:pic>
+    </p:spTree>
+    <p:extLst>
+      <p:ext uri="{BB962C8B-B14F-4D97-AF65-F5344CB8AC3E}">
+        <p14:creationId xmlns:p14="http://schemas.microsoft.com/office/powerpoint/2010/main" val="904365375"/>
+      </p:ext>
+    </p:extLst>
+  </p:cSld>
+  <p:clrMapOvr>
+    <a:masterClrMapping/>
+  </p:clrMapOvr>
+</p:sld>
+</file>
+
+<file path=ppt/slides/slide21.xml><?xml version="1.0" encoding="utf-8"?>
+<p:sld xmlns:a="http://schemas.openxmlformats.org/drawingml/2006/main" xmlns:r="http://schemas.openxmlformats.org/officeDocument/2006/relationships" xmlns:p="http://schemas.openxmlformats.org/presentationml/2006/main">
+  <p:cSld>
+    <p:spTree>
+      <p:nvGrpSpPr>
+        <p:cNvPr id="1" name=""/>
+        <p:cNvGrpSpPr/>
+        <p:nvPr/>
+      </p:nvGrpSpPr>
+      <p:grpSpPr>
+        <a:xfrm>
+          <a:off x="0" y="0"/>
+          <a:ext cx="0" cy="0"/>
+          <a:chOff x="0" y="0"/>
+          <a:chExt cx="0" cy="0"/>
+        </a:xfrm>
+      </p:grpSpPr>
+      <p:sp>
+        <p:nvSpPr>
+          <p:cNvPr id="2" name="Title 1">
+            <a:extLst>
+              <a:ext uri="{FF2B5EF4-FFF2-40B4-BE49-F238E27FC236}">
+                <a16:creationId xmlns:a16="http://schemas.microsoft.com/office/drawing/2014/main" id="{351F5B6F-F8E4-44F0-99F9-F2C4EE8F8EFD}"/>
+              </a:ext>
+            </a:extLst>
+          </p:cNvPr>
+          <p:cNvSpPr>
+            <a:spLocks noGrp="1"/>
+          </p:cNvSpPr>
+          <p:nvPr>
+            <p:ph type="title"/>
+          </p:nvPr>
+        </p:nvSpPr>
+        <p:spPr>
+          <a:xfrm>
+            <a:off x="838200" y="365125"/>
+            <a:ext cx="10515600" cy="1325563"/>
+          </a:xfrm>
+        </p:spPr>
+        <p:txBody>
+          <a:bodyPr/>
+          <a:lstStyle/>
+          <a:p>
+            <a:r>
+              <a:rPr lang="en-GB" dirty="0"/>
+              <a:t>More data frame operations (1/5)</a:t>
+            </a:r>
+          </a:p>
+        </p:txBody>
+      </p:sp>
+      <p:sp>
+        <p:nvSpPr>
+          <p:cNvPr id="3" name="Content Placeholder 2">
+            <a:extLst>
+              <a:ext uri="{FF2B5EF4-FFF2-40B4-BE49-F238E27FC236}">
+                <a16:creationId xmlns:a16="http://schemas.microsoft.com/office/drawing/2014/main" id="{71A234DE-D891-40E8-B080-E8640DB2722B}"/>
+              </a:ext>
+            </a:extLst>
+          </p:cNvPr>
+          <p:cNvSpPr>
+            <a:spLocks noGrp="1"/>
+          </p:cNvSpPr>
+          <p:nvPr>
+            <p:ph idx="1"/>
+          </p:nvPr>
+        </p:nvSpPr>
+        <p:spPr>
+          <a:xfrm>
+            <a:off x="838200" y="1825625"/>
+            <a:ext cx="10515600" cy="4351338"/>
+          </a:xfrm>
+        </p:spPr>
+        <p:txBody>
+          <a:bodyPr>
+            <a:normAutofit/>
+          </a:bodyPr>
+          <a:lstStyle/>
+          <a:p>
+            <a:r>
+              <a:rPr lang="en-GB" dirty="0"/>
+              <a:t>Renaming columns: </a:t>
+            </a:r>
+            <a:r>
+              <a:rPr lang="en-GB" sz="2400" dirty="0" err="1">
+                <a:solidFill>
+                  <a:schemeClr val="accent1"/>
+                </a:solidFill>
+                <a:latin typeface="Consolas" panose="020B0609020204030204" pitchFamily="49" charset="0"/>
+              </a:rPr>
+              <a:t>df.rename</a:t>
+            </a:r>
+            <a:r>
+              <a:rPr lang="en-GB" sz="2400" dirty="0">
+                <a:solidFill>
+                  <a:schemeClr val="accent1"/>
+                </a:solidFill>
+                <a:latin typeface="Consolas" panose="020B0609020204030204" pitchFamily="49" charset="0"/>
+              </a:rPr>
+              <a:t>({}, axis='columns’)</a:t>
+            </a:r>
+            <a:endParaRPr lang="en-GB" dirty="0">
+              <a:solidFill>
+                <a:schemeClr val="accent1"/>
+              </a:solidFill>
+            </a:endParaRPr>
+          </a:p>
+          <a:p>
+            <a:r>
+              <a:rPr lang="en-GB" dirty="0">
+                <a:solidFill>
+                  <a:prstClr val="black"/>
+                </a:solidFill>
+              </a:rPr>
+              <a:t>Slicing: </a:t>
+            </a:r>
+            <a:br>
+              <a:rPr lang="en-GB" dirty="0">
+                <a:solidFill>
+                  <a:prstClr val="black"/>
+                </a:solidFill>
+              </a:rPr>
+            </a:br>
+            <a:r>
+              <a:rPr lang="en-GB" sz="2400" dirty="0" err="1">
+                <a:solidFill>
+                  <a:schemeClr val="accent1"/>
+                </a:solidFill>
+                <a:latin typeface="Consolas" panose="020B0609020204030204" pitchFamily="49" charset="0"/>
+              </a:rPr>
+              <a:t>df.loc</a:t>
+            </a:r>
+            <a:r>
+              <a:rPr lang="en-GB" sz="2400" dirty="0">
+                <a:solidFill>
+                  <a:schemeClr val="accent1"/>
+                </a:solidFill>
+                <a:latin typeface="Consolas" panose="020B0609020204030204" pitchFamily="49" charset="0"/>
+              </a:rPr>
+              <a:t>[</a:t>
+            </a:r>
+            <a:r>
+              <a:rPr lang="en-GB" sz="2400" dirty="0" err="1">
+                <a:solidFill>
+                  <a:schemeClr val="accent1"/>
+                </a:solidFill>
+                <a:latin typeface="Consolas" panose="020B0609020204030204" pitchFamily="49" charset="0"/>
+              </a:rPr>
+              <a:t>start_index:end_index:step</a:t>
+            </a:r>
+            <a:r>
+              <a:rPr lang="en-GB" sz="2400" dirty="0">
+                <a:solidFill>
+                  <a:schemeClr val="accent1"/>
+                </a:solidFill>
+                <a:latin typeface="Consolas" panose="020B0609020204030204" pitchFamily="49" charset="0"/>
+              </a:rPr>
+              <a:t>, </a:t>
+            </a:r>
+            <a:r>
+              <a:rPr lang="en-GB" sz="2400" dirty="0" err="1">
+                <a:solidFill>
+                  <a:schemeClr val="accent1"/>
+                </a:solidFill>
+                <a:latin typeface="Consolas" panose="020B0609020204030204" pitchFamily="49" charset="0"/>
+              </a:rPr>
+              <a:t>start_col:end_col:index</a:t>
+            </a:r>
+            <a:r>
+              <a:rPr lang="en-GB" sz="2400" dirty="0">
+                <a:solidFill>
+                  <a:schemeClr val="accent1"/>
+                </a:solidFill>
+                <a:latin typeface="Consolas" panose="020B0609020204030204" pitchFamily="49" charset="0"/>
+              </a:rPr>
+              <a:t>]</a:t>
+            </a:r>
+            <a:br>
+              <a:rPr lang="en-GB" sz="2400" dirty="0">
+                <a:solidFill>
+                  <a:schemeClr val="accent1"/>
+                </a:solidFill>
+                <a:latin typeface="Consolas" panose="020B0609020204030204" pitchFamily="49" charset="0"/>
+              </a:rPr>
+            </a:br>
+            <a:r>
+              <a:rPr lang="en-GB" sz="2400" dirty="0">
+                <a:solidFill>
+                  <a:schemeClr val="accent1"/>
+                </a:solidFill>
+                <a:latin typeface="Consolas" panose="020B0609020204030204" pitchFamily="49" charset="0"/>
+              </a:rPr>
+              <a:t>.</a:t>
+            </a:r>
+            <a:r>
+              <a:rPr lang="en-GB" sz="2400" dirty="0" err="1">
+                <a:solidFill>
+                  <a:schemeClr val="accent1"/>
+                </a:solidFill>
+                <a:latin typeface="Consolas" panose="020B0609020204030204" pitchFamily="49" charset="0"/>
+              </a:rPr>
+              <a:t>reset_index</a:t>
+            </a:r>
+            <a:r>
+              <a:rPr lang="en-GB" sz="2400" dirty="0">
+                <a:solidFill>
+                  <a:schemeClr val="accent1"/>
+                </a:solidFill>
+                <a:latin typeface="Consolas" panose="020B0609020204030204" pitchFamily="49" charset="0"/>
+              </a:rPr>
+              <a:t>(drop=True)</a:t>
+            </a:r>
+          </a:p>
+          <a:p>
+            <a:r>
+              <a:rPr lang="en-GB" dirty="0"/>
+              <a:t>Converting data types: </a:t>
+            </a:r>
+            <a:r>
+              <a:rPr lang="en-GB" sz="2400" dirty="0" err="1">
+                <a:solidFill>
+                  <a:srgbClr val="4472C4"/>
+                </a:solidFill>
+                <a:latin typeface="Consolas" panose="020B0609020204030204" pitchFamily="49" charset="0"/>
+              </a:rPr>
+              <a:t>df.astype</a:t>
+            </a:r>
+            <a:r>
+              <a:rPr lang="en-GB" sz="2400" dirty="0">
+                <a:solidFill>
+                  <a:srgbClr val="4472C4"/>
+                </a:solidFill>
+                <a:latin typeface="Consolas" panose="020B0609020204030204" pitchFamily="49" charset="0"/>
+              </a:rPr>
+              <a:t>({</a:t>
+            </a:r>
+            <a:r>
+              <a:rPr lang="en-GB" sz="2400" i="1" dirty="0">
+                <a:solidFill>
+                  <a:srgbClr val="4472C4"/>
+                </a:solidFill>
+                <a:latin typeface="Consolas" panose="020B0609020204030204" pitchFamily="49" charset="0"/>
+              </a:rPr>
+              <a:t>col: </a:t>
+            </a:r>
+            <a:r>
+              <a:rPr lang="en-GB" sz="2400" i="1" dirty="0" err="1">
+                <a:solidFill>
+                  <a:srgbClr val="4472C4"/>
+                </a:solidFill>
+                <a:latin typeface="Consolas" panose="020B0609020204030204" pitchFamily="49" charset="0"/>
+              </a:rPr>
+              <a:t>dtype</a:t>
+            </a:r>
+            <a:r>
+              <a:rPr lang="en-GB" sz="2400" dirty="0">
+                <a:solidFill>
+                  <a:srgbClr val="4472C4"/>
+                </a:solidFill>
+                <a:latin typeface="Consolas" panose="020B0609020204030204" pitchFamily="49" charset="0"/>
+              </a:rPr>
+              <a:t>, ..})</a:t>
+            </a:r>
+          </a:p>
+          <a:p>
+            <a:pPr lvl="1"/>
+            <a:r>
+              <a:rPr lang="en-GB" sz="2000" dirty="0"/>
+              <a:t>In case of some empty cells: </a:t>
+            </a:r>
+            <a:r>
+              <a:rPr lang="en-GB" sz="2000" dirty="0" err="1">
+                <a:solidFill>
+                  <a:srgbClr val="4472C4"/>
+                </a:solidFill>
+                <a:latin typeface="Consolas" panose="020B0609020204030204" pitchFamily="49" charset="0"/>
+              </a:rPr>
+              <a:t>df.col</a:t>
+            </a:r>
+            <a:r>
+              <a:rPr lang="en-GB" sz="2000" dirty="0">
+                <a:solidFill>
+                  <a:srgbClr val="4472C4"/>
+                </a:solidFill>
+                <a:latin typeface="Consolas" panose="020B0609020204030204" pitchFamily="49" charset="0"/>
+              </a:rPr>
+              <a:t> = </a:t>
+            </a:r>
+            <a:r>
+              <a:rPr lang="en-GB" sz="2000" dirty="0" err="1">
+                <a:solidFill>
+                  <a:srgbClr val="4472C4"/>
+                </a:solidFill>
+                <a:latin typeface="Consolas" panose="020B0609020204030204" pitchFamily="49" charset="0"/>
+              </a:rPr>
+              <a:t>pd.to_numeric</a:t>
+            </a:r>
+            <a:r>
+              <a:rPr lang="en-GB" sz="2000" dirty="0">
+                <a:solidFill>
+                  <a:srgbClr val="4472C4"/>
+                </a:solidFill>
+                <a:latin typeface="Consolas" panose="020B0609020204030204" pitchFamily="49" charset="0"/>
+              </a:rPr>
+              <a:t>(</a:t>
+            </a:r>
+            <a:r>
+              <a:rPr lang="en-GB" sz="2000" dirty="0" err="1">
+                <a:solidFill>
+                  <a:srgbClr val="4472C4"/>
+                </a:solidFill>
+                <a:latin typeface="Consolas" panose="020B0609020204030204" pitchFamily="49" charset="0"/>
+              </a:rPr>
+              <a:t>df.col</a:t>
+            </a:r>
+            <a:r>
+              <a:rPr lang="en-GB" sz="2000" dirty="0">
+                <a:solidFill>
+                  <a:srgbClr val="4472C4"/>
+                </a:solidFill>
+                <a:latin typeface="Consolas" panose="020B0609020204030204" pitchFamily="49" charset="0"/>
+              </a:rPr>
+              <a:t>).</a:t>
+            </a:r>
+            <a:r>
+              <a:rPr lang="en-GB" sz="2000" dirty="0" err="1">
+                <a:solidFill>
+                  <a:srgbClr val="4472C4"/>
+                </a:solidFill>
+                <a:latin typeface="Consolas" panose="020B0609020204030204" pitchFamily="49" charset="0"/>
+              </a:rPr>
+              <a:t>fillna</a:t>
+            </a:r>
+            <a:r>
+              <a:rPr lang="en-GB" sz="2000" dirty="0">
+                <a:solidFill>
+                  <a:srgbClr val="4472C4"/>
+                </a:solidFill>
+                <a:latin typeface="Consolas" panose="020B0609020204030204" pitchFamily="49" charset="0"/>
+              </a:rPr>
+              <a:t>(0)</a:t>
+            </a:r>
+            <a:endParaRPr lang="en-GB" sz="2000" dirty="0"/>
+          </a:p>
+          <a:p>
+            <a:r>
+              <a:rPr lang="en-GB" dirty="0"/>
+              <a:t>Apply: </a:t>
+            </a:r>
+            <a:r>
+              <a:rPr lang="en-GB" sz="2400" dirty="0" err="1">
+                <a:solidFill>
+                  <a:srgbClr val="4472C4"/>
+                </a:solidFill>
+                <a:latin typeface="Consolas" panose="020B0609020204030204" pitchFamily="49" charset="0"/>
+              </a:rPr>
+              <a:t>df.apply</a:t>
+            </a:r>
+            <a:r>
+              <a:rPr lang="en-GB" sz="2400" dirty="0">
+                <a:solidFill>
+                  <a:srgbClr val="4472C4"/>
+                </a:solidFill>
+                <a:latin typeface="Consolas" panose="020B0609020204030204" pitchFamily="49" charset="0"/>
+              </a:rPr>
+              <a:t>(function, param1, param2, …)</a:t>
+            </a:r>
+          </a:p>
+        </p:txBody>
+      </p:sp>
+    </p:spTree>
+    <p:extLst>
+      <p:ext uri="{BB962C8B-B14F-4D97-AF65-F5344CB8AC3E}">
+        <p14:creationId xmlns:p14="http://schemas.microsoft.com/office/powerpoint/2010/main" val="4133993675"/>
+      </p:ext>
+    </p:extLst>
+  </p:cSld>
+  <p:clrMapOvr>
+    <a:masterClrMapping/>
+  </p:clrMapOvr>
+</p:sld>
+</file>
+
+<file path=ppt/slides/slide22.xml><?xml version="1.0" encoding="utf-8"?>
+<p:sld xmlns:a="http://schemas.openxmlformats.org/drawingml/2006/main" xmlns:r="http://schemas.openxmlformats.org/officeDocument/2006/relationships" xmlns:p="http://schemas.openxmlformats.org/presentationml/2006/main">
+  <p:cSld>
+    <p:spTree>
+      <p:nvGrpSpPr>
+        <p:cNvPr id="1" name=""/>
+        <p:cNvGrpSpPr/>
+        <p:nvPr/>
+      </p:nvGrpSpPr>
+      <p:grpSpPr>
+        <a:xfrm>
+          <a:off x="0" y="0"/>
+          <a:ext cx="0" cy="0"/>
+          <a:chOff x="0" y="0"/>
+          <a:chExt cx="0" cy="0"/>
+        </a:xfrm>
+      </p:grpSpPr>
+      <p:sp>
+        <p:nvSpPr>
+          <p:cNvPr id="2" name="Title 1">
+            <a:extLst>
+              <a:ext uri="{FF2B5EF4-FFF2-40B4-BE49-F238E27FC236}">
+                <a16:creationId xmlns:a16="http://schemas.microsoft.com/office/drawing/2014/main" id="{351F5B6F-F8E4-44F0-99F9-F2C4EE8F8EFD}"/>
+              </a:ext>
+            </a:extLst>
+          </p:cNvPr>
+          <p:cNvSpPr>
+            <a:spLocks noGrp="1"/>
+          </p:cNvSpPr>
+          <p:nvPr>
+            <p:ph type="title"/>
+          </p:nvPr>
+        </p:nvSpPr>
+        <p:spPr>
+          <a:xfrm>
+            <a:off x="838200" y="365125"/>
+            <a:ext cx="10515600" cy="1325563"/>
+          </a:xfrm>
+        </p:spPr>
+        <p:txBody>
+          <a:bodyPr/>
+          <a:lstStyle/>
+          <a:p>
+            <a:r>
+              <a:rPr lang="en-GB" dirty="0"/>
+              <a:t>More data frame operations (2/5)</a:t>
+            </a:r>
+          </a:p>
+        </p:txBody>
+      </p:sp>
+      <p:sp>
+        <p:nvSpPr>
+          <p:cNvPr id="3" name="Content Placeholder 2">
+            <a:extLst>
+              <a:ext uri="{FF2B5EF4-FFF2-40B4-BE49-F238E27FC236}">
+                <a16:creationId xmlns:a16="http://schemas.microsoft.com/office/drawing/2014/main" id="{71A234DE-D891-40E8-B080-E8640DB2722B}"/>
+              </a:ext>
+            </a:extLst>
+          </p:cNvPr>
+          <p:cNvSpPr>
+            <a:spLocks noGrp="1"/>
+          </p:cNvSpPr>
+          <p:nvPr>
+            <p:ph idx="1"/>
+          </p:nvPr>
+        </p:nvSpPr>
+        <p:spPr>
+          <a:xfrm>
+            <a:off x="838200" y="1825625"/>
+            <a:ext cx="10515600" cy="4351338"/>
+          </a:xfrm>
+        </p:spPr>
+        <p:txBody>
+          <a:bodyPr>
+            <a:normAutofit/>
+          </a:bodyPr>
+          <a:lstStyle/>
+          <a:p>
+            <a:r>
+              <a:rPr lang="en-GB" dirty="0">
+                <a:solidFill>
+                  <a:prstClr val="black"/>
+                </a:solidFill>
+              </a:rPr>
+              <a:t>Concatenate rows/columns from multiple data frames:</a:t>
+            </a:r>
+            <a:endParaRPr lang="en-GB" sz="2400" dirty="0">
+              <a:solidFill>
+                <a:srgbClr val="4472C4"/>
+              </a:solidFill>
+              <a:latin typeface="Consolas" panose="020B0609020204030204" pitchFamily="49" charset="0"/>
+            </a:endParaRPr>
+          </a:p>
+          <a:p>
+            <a:pPr lvl="1"/>
+            <a:r>
+              <a:rPr lang="en-GB" sz="2000" dirty="0" err="1">
+                <a:solidFill>
+                  <a:schemeClr val="accent1"/>
+                </a:solidFill>
+                <a:latin typeface="Consolas" panose="020B0609020204030204" pitchFamily="49" charset="0"/>
+              </a:rPr>
+              <a:t>pd.concat</a:t>
+            </a:r>
+            <a:r>
+              <a:rPr lang="en-GB" sz="2000" dirty="0">
+                <a:solidFill>
+                  <a:schemeClr val="accent1"/>
+                </a:solidFill>
+                <a:latin typeface="Consolas" panose="020B0609020204030204" pitchFamily="49" charset="0"/>
+              </a:rPr>
+              <a:t>([df1, df2, …], </a:t>
+            </a:r>
+            <a:r>
+              <a:rPr lang="en-GB" sz="2000" dirty="0" err="1">
+                <a:solidFill>
+                  <a:schemeClr val="accent1"/>
+                </a:solidFill>
+                <a:latin typeface="Consolas" panose="020B0609020204030204" pitchFamily="49" charset="0"/>
+              </a:rPr>
+              <a:t>ignore_index</a:t>
+            </a:r>
+            <a:r>
+              <a:rPr lang="en-GB" sz="2000" dirty="0">
+                <a:solidFill>
+                  <a:schemeClr val="accent1"/>
+                </a:solidFill>
+                <a:latin typeface="Consolas" panose="020B0609020204030204" pitchFamily="49" charset="0"/>
+              </a:rPr>
+              <a:t>=True)</a:t>
+            </a:r>
+          </a:p>
+          <a:p>
+            <a:pPr lvl="1"/>
+            <a:r>
+              <a:rPr lang="en-GB" sz="2000" dirty="0" err="1">
+                <a:solidFill>
+                  <a:schemeClr val="accent1"/>
+                </a:solidFill>
+                <a:latin typeface="Consolas" panose="020B0609020204030204" pitchFamily="49" charset="0"/>
+              </a:rPr>
+              <a:t>pd.concat</a:t>
+            </a:r>
+            <a:r>
+              <a:rPr lang="en-GB" sz="2000" dirty="0">
+                <a:solidFill>
+                  <a:schemeClr val="accent1"/>
+                </a:solidFill>
+                <a:latin typeface="Consolas" panose="020B0609020204030204" pitchFamily="49" charset="0"/>
+              </a:rPr>
+              <a:t>([df1, df2, …], axis='columns’)</a:t>
+            </a:r>
+          </a:p>
+          <a:p>
+            <a:r>
+              <a:rPr lang="en-GB" dirty="0"/>
+              <a:t>Filtering:</a:t>
+            </a:r>
+          </a:p>
+          <a:p>
+            <a:pPr lvl="1"/>
+            <a:r>
+              <a:rPr lang="en-GB" dirty="0">
+                <a:solidFill>
+                  <a:srgbClr val="4472C4"/>
+                </a:solidFill>
+                <a:latin typeface="Consolas" panose="020B0609020204030204" pitchFamily="49" charset="0"/>
+              </a:rPr>
+              <a:t>df[</a:t>
+            </a:r>
+            <a:r>
+              <a:rPr lang="en-GB" dirty="0" err="1">
+                <a:solidFill>
+                  <a:srgbClr val="4472C4"/>
+                </a:solidFill>
+                <a:latin typeface="Consolas" panose="020B0609020204030204" pitchFamily="49" charset="0"/>
+              </a:rPr>
+              <a:t>df.col</a:t>
+            </a:r>
+            <a:r>
+              <a:rPr lang="en-GB" dirty="0">
+                <a:solidFill>
+                  <a:srgbClr val="4472C4"/>
+                </a:solidFill>
+                <a:latin typeface="Consolas" panose="020B0609020204030204" pitchFamily="49" charset="0"/>
+              </a:rPr>
+              <a:t> &gt; 20]</a:t>
+            </a:r>
+          </a:p>
+          <a:p>
+            <a:pPr lvl="1"/>
+            <a:r>
+              <a:rPr lang="en-GB" dirty="0">
+                <a:solidFill>
+                  <a:srgbClr val="4472C4"/>
+                </a:solidFill>
+                <a:latin typeface="Consolas" panose="020B0609020204030204" pitchFamily="49" charset="0"/>
+              </a:rPr>
+              <a:t>df[</a:t>
+            </a:r>
+            <a:r>
+              <a:rPr lang="en-GB" dirty="0" err="1">
+                <a:solidFill>
+                  <a:srgbClr val="4472C4"/>
+                </a:solidFill>
+                <a:latin typeface="Consolas" panose="020B0609020204030204" pitchFamily="49" charset="0"/>
+              </a:rPr>
+              <a:t>df.col.isin</a:t>
+            </a:r>
+            <a:r>
+              <a:rPr lang="en-GB" dirty="0">
+                <a:solidFill>
+                  <a:srgbClr val="4472C4"/>
+                </a:solidFill>
+                <a:latin typeface="Consolas" panose="020B0609020204030204" pitchFamily="49" charset="0"/>
+              </a:rPr>
+              <a:t>([val1, val2, …])] # use ~ for negation</a:t>
+            </a:r>
+          </a:p>
+          <a:p>
+            <a:pPr lvl="1"/>
+            <a:r>
+              <a:rPr lang="en-GB" dirty="0">
+                <a:solidFill>
+                  <a:srgbClr val="4472C4"/>
+                </a:solidFill>
+                <a:latin typeface="Consolas" panose="020B0609020204030204" pitchFamily="49" charset="0"/>
+              </a:rPr>
+              <a:t>df[(cond1) &amp; (cond2)] # or: | … brackets </a:t>
+            </a:r>
+            <a:r>
+              <a:rPr lang="en-GB" i="1" dirty="0">
+                <a:solidFill>
+                  <a:srgbClr val="4472C4"/>
+                </a:solidFill>
+                <a:latin typeface="Consolas" panose="020B0609020204030204" pitchFamily="49" charset="0"/>
+              </a:rPr>
+              <a:t>must</a:t>
+            </a:r>
+            <a:r>
+              <a:rPr lang="en-GB" dirty="0">
+                <a:solidFill>
+                  <a:srgbClr val="4472C4"/>
+                </a:solidFill>
+                <a:latin typeface="Consolas" panose="020B0609020204030204" pitchFamily="49" charset="0"/>
+              </a:rPr>
+              <a:t> be used</a:t>
+            </a:r>
+            <a:endParaRPr lang="en-GB" dirty="0"/>
+          </a:p>
+        </p:txBody>
+      </p:sp>
+    </p:spTree>
+    <p:extLst>
+      <p:ext uri="{BB962C8B-B14F-4D97-AF65-F5344CB8AC3E}">
+        <p14:creationId xmlns:p14="http://schemas.microsoft.com/office/powerpoint/2010/main" val="2414321130"/>
+      </p:ext>
+    </p:extLst>
+  </p:cSld>
+  <p:clrMapOvr>
+    <a:masterClrMapping/>
+  </p:clrMapOvr>
+</p:sld>
+</file>
+
+<file path=ppt/slides/slide23.xml><?xml version="1.0" encoding="utf-8"?>
+<p:sld xmlns:a="http://schemas.openxmlformats.org/drawingml/2006/main" xmlns:r="http://schemas.openxmlformats.org/officeDocument/2006/relationships" xmlns:p="http://schemas.openxmlformats.org/presentationml/2006/main">
+  <p:cSld>
+    <p:spTree>
+      <p:nvGrpSpPr>
+        <p:cNvPr id="1" name=""/>
+        <p:cNvGrpSpPr/>
+        <p:nvPr/>
+      </p:nvGrpSpPr>
+      <p:grpSpPr>
+        <a:xfrm>
+          <a:off x="0" y="0"/>
+          <a:ext cx="0" cy="0"/>
+          <a:chOff x="0" y="0"/>
+          <a:chExt cx="0" cy="0"/>
+        </a:xfrm>
+      </p:grpSpPr>
+      <p:sp>
+        <p:nvSpPr>
+          <p:cNvPr id="2" name="Title 1">
+            <a:extLst>
+              <a:ext uri="{FF2B5EF4-FFF2-40B4-BE49-F238E27FC236}">
+                <a16:creationId xmlns:a16="http://schemas.microsoft.com/office/drawing/2014/main" id="{351F5B6F-F8E4-44F0-99F9-F2C4EE8F8EFD}"/>
+              </a:ext>
+            </a:extLst>
+          </p:cNvPr>
+          <p:cNvSpPr>
+            <a:spLocks noGrp="1"/>
+          </p:cNvSpPr>
+          <p:nvPr>
+            <p:ph type="title"/>
+          </p:nvPr>
+        </p:nvSpPr>
+        <p:spPr/>
+        <p:txBody>
+          <a:bodyPr/>
+          <a:lstStyle/>
+          <a:p>
+            <a:r>
+              <a:rPr lang="en-GB" dirty="0"/>
+              <a:t>More data frame operations (3/5)</a:t>
+            </a:r>
+          </a:p>
+        </p:txBody>
+      </p:sp>
+      <p:sp>
+        <p:nvSpPr>
+          <p:cNvPr id="3" name="Content Placeholder 2">
+            <a:extLst>
+              <a:ext uri="{FF2B5EF4-FFF2-40B4-BE49-F238E27FC236}">
+                <a16:creationId xmlns:a16="http://schemas.microsoft.com/office/drawing/2014/main" id="{71A234DE-D891-40E8-B080-E8640DB2722B}"/>
+              </a:ext>
+            </a:extLst>
+          </p:cNvPr>
+          <p:cNvSpPr>
+            <a:spLocks noGrp="1"/>
+          </p:cNvSpPr>
+          <p:nvPr>
+            <p:ph idx="1"/>
+          </p:nvPr>
+        </p:nvSpPr>
+        <p:spPr/>
+        <p:txBody>
+          <a:bodyPr>
+            <a:normAutofit/>
+          </a:bodyPr>
+          <a:lstStyle/>
+          <a:p>
+            <a:pPr lvl="0"/>
+            <a:r>
+              <a:rPr lang="en-GB" dirty="0">
+                <a:solidFill>
+                  <a:prstClr val="black"/>
+                </a:solidFill>
+              </a:rPr>
+              <a:t>Aggregate methods: </a:t>
+            </a:r>
+          </a:p>
+          <a:p>
+            <a:pPr lvl="1"/>
+            <a:r>
+              <a:rPr lang="en-GB" sz="2100" dirty="0" err="1">
+                <a:solidFill>
+                  <a:srgbClr val="4472C4"/>
+                </a:solidFill>
+                <a:latin typeface="Consolas" panose="020B0609020204030204" pitchFamily="49" charset="0"/>
+              </a:rPr>
+              <a:t>df.col.sum</a:t>
+            </a:r>
+            <a:r>
+              <a:rPr lang="en-GB" sz="2100" dirty="0">
+                <a:solidFill>
+                  <a:srgbClr val="4472C4"/>
+                </a:solidFill>
+                <a:latin typeface="Consolas" panose="020B0609020204030204" pitchFamily="49" charset="0"/>
+              </a:rPr>
+              <a:t>() </a:t>
+            </a:r>
+            <a:r>
+              <a:rPr lang="en-GB" sz="2100" i="1" dirty="0">
+                <a:solidFill>
+                  <a:srgbClr val="4472C4"/>
+                </a:solidFill>
+                <a:latin typeface="Consolas" panose="020B0609020204030204" pitchFamily="49" charset="0"/>
+              </a:rPr>
+              <a:t># try </a:t>
+            </a:r>
+            <a:r>
+              <a:rPr lang="en-GB" sz="2100" i="1" dirty="0" err="1">
+                <a:solidFill>
+                  <a:srgbClr val="4472C4"/>
+                </a:solidFill>
+                <a:latin typeface="Consolas" panose="020B0609020204030204" pitchFamily="49" charset="0"/>
+              </a:rPr>
+              <a:t>mean,count,value_counts</a:t>
+            </a:r>
+            <a:r>
+              <a:rPr lang="en-GB" sz="2100" i="1" dirty="0">
+                <a:solidFill>
+                  <a:srgbClr val="4472C4"/>
+                </a:solidFill>
+                <a:latin typeface="Consolas" panose="020B0609020204030204" pitchFamily="49" charset="0"/>
+              </a:rPr>
+              <a:t>, …</a:t>
+            </a:r>
+          </a:p>
+          <a:p>
+            <a:pPr lvl="1"/>
+            <a:r>
+              <a:rPr lang="en-GB" sz="2100" dirty="0" err="1">
+                <a:solidFill>
+                  <a:srgbClr val="4472C4"/>
+                </a:solidFill>
+                <a:latin typeface="Consolas" panose="020B0609020204030204" pitchFamily="49" charset="0"/>
+              </a:rPr>
+              <a:t>df.col.agg</a:t>
+            </a:r>
+            <a:r>
+              <a:rPr lang="en-GB" sz="2100" dirty="0">
+                <a:solidFill>
+                  <a:srgbClr val="4472C4"/>
+                </a:solidFill>
+                <a:latin typeface="Consolas" panose="020B0609020204030204" pitchFamily="49" charset="0"/>
+              </a:rPr>
+              <a:t>('sum', 'count’)</a:t>
+            </a:r>
+          </a:p>
+          <a:p>
+            <a:pPr lvl="1"/>
+            <a:r>
+              <a:rPr lang="en-GB" sz="2100" dirty="0">
+                <a:solidFill>
+                  <a:srgbClr val="4472C4"/>
+                </a:solidFill>
+                <a:latin typeface="Consolas" panose="020B0609020204030204" pitchFamily="49" charset="0"/>
+              </a:rPr>
+              <a:t>df['</a:t>
+            </a:r>
+            <a:r>
+              <a:rPr lang="en-GB" sz="2100" dirty="0" err="1">
+                <a:solidFill>
+                  <a:srgbClr val="4472C4"/>
+                </a:solidFill>
+                <a:latin typeface="Consolas" panose="020B0609020204030204" pitchFamily="49" charset="0"/>
+              </a:rPr>
+              <a:t>new_col</a:t>
+            </a:r>
+            <a:r>
+              <a:rPr lang="en-GB" sz="2100" dirty="0">
+                <a:solidFill>
+                  <a:srgbClr val="4472C4"/>
+                </a:solidFill>
+                <a:latin typeface="Consolas" panose="020B0609020204030204" pitchFamily="49" charset="0"/>
+              </a:rPr>
+              <a:t>'] = </a:t>
+            </a:r>
+            <a:r>
+              <a:rPr lang="en-GB" sz="2100" dirty="0" err="1">
+                <a:solidFill>
+                  <a:srgbClr val="4472C4"/>
+                </a:solidFill>
+                <a:latin typeface="Consolas" panose="020B0609020204030204" pitchFamily="49" charset="0"/>
+              </a:rPr>
+              <a:t>df.col.transform</a:t>
+            </a:r>
+            <a:r>
+              <a:rPr lang="en-GB" sz="2100" dirty="0">
+                <a:solidFill>
+                  <a:srgbClr val="4472C4"/>
+                </a:solidFill>
+                <a:latin typeface="Consolas" panose="020B0609020204030204" pitchFamily="49" charset="0"/>
+              </a:rPr>
+              <a:t>('sum')</a:t>
+            </a:r>
+            <a:endParaRPr lang="en-GB" i="1" dirty="0">
+              <a:solidFill>
+                <a:prstClr val="black"/>
+              </a:solidFill>
+            </a:endParaRPr>
+          </a:p>
+          <a:p>
+            <a:r>
+              <a:rPr lang="en-GB" dirty="0"/>
+              <a:t>Show only records of top categories:</a:t>
+            </a:r>
+            <a:br>
+              <a:rPr lang="en-GB" dirty="0"/>
+            </a:br>
+            <a:r>
+              <a:rPr lang="en-GB" sz="2400" dirty="0">
+                <a:solidFill>
+                  <a:srgbClr val="4472C4"/>
+                </a:solidFill>
+                <a:latin typeface="Consolas" panose="020B0609020204030204" pitchFamily="49" charset="0"/>
+              </a:rPr>
+              <a:t>df[</a:t>
+            </a:r>
+            <a:r>
+              <a:rPr lang="en-GB" sz="2400" dirty="0" err="1">
+                <a:solidFill>
+                  <a:srgbClr val="4472C4"/>
+                </a:solidFill>
+                <a:latin typeface="Consolas" panose="020B0609020204030204" pitchFamily="49" charset="0"/>
+              </a:rPr>
+              <a:t>df.col.isin</a:t>
+            </a:r>
+            <a:r>
+              <a:rPr lang="en-GB" sz="2400" dirty="0">
+                <a:solidFill>
+                  <a:srgbClr val="4472C4"/>
+                </a:solidFill>
+                <a:latin typeface="Consolas" panose="020B0609020204030204" pitchFamily="49" charset="0"/>
+              </a:rPr>
+              <a:t>(</a:t>
+            </a:r>
+            <a:r>
+              <a:rPr lang="en-GB" sz="2400" dirty="0" err="1">
+                <a:solidFill>
+                  <a:srgbClr val="4472C4"/>
+                </a:solidFill>
+                <a:latin typeface="Consolas" panose="020B0609020204030204" pitchFamily="49" charset="0"/>
+              </a:rPr>
+              <a:t>df.col.value_counts</a:t>
+            </a:r>
+            <a:r>
+              <a:rPr lang="en-GB" sz="2400" dirty="0">
+                <a:solidFill>
+                  <a:srgbClr val="4472C4"/>
+                </a:solidFill>
+                <a:latin typeface="Consolas" panose="020B0609020204030204" pitchFamily="49" charset="0"/>
+              </a:rPr>
+              <a:t>().</a:t>
+            </a:r>
+            <a:r>
+              <a:rPr lang="en-GB" sz="2400" dirty="0" err="1">
+                <a:solidFill>
+                  <a:srgbClr val="4472C4"/>
+                </a:solidFill>
+                <a:latin typeface="Consolas" panose="020B0609020204030204" pitchFamily="49" charset="0"/>
+              </a:rPr>
+              <a:t>nlargest</a:t>
+            </a:r>
+            <a:r>
+              <a:rPr lang="en-GB" sz="2400" dirty="0">
+                <a:solidFill>
+                  <a:srgbClr val="4472C4"/>
+                </a:solidFill>
+                <a:latin typeface="Consolas" panose="020B0609020204030204" pitchFamily="49" charset="0"/>
+              </a:rPr>
+              <a:t>(10).index)]</a:t>
+            </a:r>
+            <a:endParaRPr lang="en-GB" dirty="0"/>
+          </a:p>
+          <a:p>
+            <a:r>
+              <a:rPr lang="en-GB" dirty="0"/>
+              <a:t>Grouping: </a:t>
+            </a:r>
+          </a:p>
+          <a:p>
+            <a:pPr lvl="1"/>
+            <a:r>
+              <a:rPr lang="en-GB" sz="2200" dirty="0" err="1">
+                <a:solidFill>
+                  <a:srgbClr val="4472C4"/>
+                </a:solidFill>
+                <a:latin typeface="Consolas" panose="020B0609020204030204" pitchFamily="49" charset="0"/>
+              </a:rPr>
+              <a:t>df.groupby</a:t>
+            </a:r>
+            <a:r>
+              <a:rPr lang="en-GB" sz="2200" dirty="0">
+                <a:solidFill>
+                  <a:srgbClr val="4472C4"/>
+                </a:solidFill>
+                <a:latin typeface="Consolas" panose="020B0609020204030204" pitchFamily="49" charset="0"/>
+              </a:rPr>
+              <a:t>('col') </a:t>
+            </a:r>
+            <a:r>
+              <a:rPr lang="en-GB" sz="2200" i="1" dirty="0">
+                <a:solidFill>
+                  <a:srgbClr val="4472C4"/>
+                </a:solidFill>
+                <a:latin typeface="Consolas" panose="020B0609020204030204" pitchFamily="49" charset="0"/>
+              </a:rPr>
+              <a:t># then use an </a:t>
+            </a:r>
+            <a:r>
+              <a:rPr lang="en-GB" sz="2200" i="1" dirty="0" err="1">
+                <a:solidFill>
+                  <a:srgbClr val="4472C4"/>
+                </a:solidFill>
+                <a:latin typeface="Consolas" panose="020B0609020204030204" pitchFamily="49" charset="0"/>
+              </a:rPr>
+              <a:t>agg</a:t>
+            </a:r>
+            <a:r>
+              <a:rPr lang="en-GB" sz="2200" i="1" dirty="0">
+                <a:solidFill>
+                  <a:srgbClr val="4472C4"/>
+                </a:solidFill>
+                <a:latin typeface="Consolas" panose="020B0609020204030204" pitchFamily="49" charset="0"/>
+              </a:rPr>
+              <a:t>. function on some column</a:t>
+            </a:r>
+            <a:endParaRPr lang="en-GB" sz="2000" i="1" dirty="0">
+              <a:solidFill>
+                <a:srgbClr val="4472C4"/>
+              </a:solidFill>
+              <a:latin typeface="Consolas" panose="020B0609020204030204" pitchFamily="49" charset="0"/>
+            </a:endParaRPr>
+          </a:p>
+          <a:p>
+            <a:pPr lvl="1"/>
+            <a:r>
+              <a:rPr lang="en-GB" sz="2200" dirty="0" err="1">
+                <a:solidFill>
+                  <a:srgbClr val="4472C4"/>
+                </a:solidFill>
+                <a:latin typeface="Consolas" panose="020B0609020204030204" pitchFamily="49" charset="0"/>
+              </a:rPr>
+              <a:t>df.groupby</a:t>
+            </a:r>
+            <a:r>
+              <a:rPr lang="en-GB" sz="2200" dirty="0">
+                <a:solidFill>
+                  <a:srgbClr val="4472C4"/>
+                </a:solidFill>
+                <a:latin typeface="Consolas" panose="020B0609020204030204" pitchFamily="49" charset="0"/>
+              </a:rPr>
+              <a:t>([])</a:t>
+            </a:r>
+          </a:p>
+          <a:p>
+            <a:pPr lvl="1"/>
+            <a:r>
+              <a:rPr lang="en-GB" sz="2200" dirty="0">
+                <a:solidFill>
+                  <a:srgbClr val="4472C4"/>
+                </a:solidFill>
+                <a:latin typeface="Consolas" panose="020B0609020204030204" pitchFamily="49" charset="0"/>
+              </a:rPr>
+              <a:t>unstack() </a:t>
+            </a:r>
+            <a:r>
+              <a:rPr lang="en-GB" sz="2200" i="1" dirty="0">
+                <a:solidFill>
+                  <a:srgbClr val="4472C4"/>
+                </a:solidFill>
+                <a:latin typeface="Consolas" panose="020B0609020204030204" pitchFamily="49" charset="0"/>
+              </a:rPr>
+              <a:t># convert grouped data set to a data frame</a:t>
+            </a:r>
+            <a:endParaRPr lang="en-GB" sz="2200" i="1" dirty="0"/>
+          </a:p>
+          <a:p>
+            <a:endParaRPr lang="en-GB" dirty="0"/>
+          </a:p>
+        </p:txBody>
+      </p:sp>
+    </p:spTree>
+    <p:extLst>
+      <p:ext uri="{BB962C8B-B14F-4D97-AF65-F5344CB8AC3E}">
+        <p14:creationId xmlns:p14="http://schemas.microsoft.com/office/powerpoint/2010/main" val="1335960094"/>
+      </p:ext>
+    </p:extLst>
+  </p:cSld>
+  <p:clrMapOvr>
+    <a:masterClrMapping/>
+  </p:clrMapOvr>
+</p:sld>
+</file>
+
+<file path=ppt/slides/slide24.xml><?xml version="1.0" encoding="utf-8"?>
+<p:sld xmlns:a="http://schemas.openxmlformats.org/drawingml/2006/main" xmlns:r="http://schemas.openxmlformats.org/officeDocument/2006/relationships" xmlns:p="http://schemas.openxmlformats.org/presentationml/2006/main">
+  <p:cSld>
+    <p:spTree>
+      <p:nvGrpSpPr>
+        <p:cNvPr id="1" name=""/>
+        <p:cNvGrpSpPr/>
+        <p:nvPr/>
+      </p:nvGrpSpPr>
+      <p:grpSpPr>
+        <a:xfrm>
+          <a:off x="0" y="0"/>
+          <a:ext cx="0" cy="0"/>
+          <a:chOff x="0" y="0"/>
+          <a:chExt cx="0" cy="0"/>
+        </a:xfrm>
+      </p:grpSpPr>
+      <p:sp>
+        <p:nvSpPr>
+          <p:cNvPr id="2" name="Title 1">
+            <a:extLst>
+              <a:ext uri="{FF2B5EF4-FFF2-40B4-BE49-F238E27FC236}">
+                <a16:creationId xmlns:a16="http://schemas.microsoft.com/office/drawing/2014/main" id="{351F5B6F-F8E4-44F0-99F9-F2C4EE8F8EFD}"/>
+              </a:ext>
+            </a:extLst>
+          </p:cNvPr>
+          <p:cNvSpPr>
+            <a:spLocks noGrp="1"/>
+          </p:cNvSpPr>
+          <p:nvPr>
+            <p:ph type="title"/>
+          </p:nvPr>
+        </p:nvSpPr>
+        <p:spPr/>
+        <p:txBody>
+          <a:bodyPr/>
+          <a:lstStyle/>
+          <a:p>
+            <a:r>
+              <a:rPr lang="en-GB" dirty="0"/>
+              <a:t>More data frame operations (4/5)</a:t>
+            </a:r>
+          </a:p>
+        </p:txBody>
+      </p:sp>
+      <p:sp>
+        <p:nvSpPr>
+          <p:cNvPr id="3" name="Content Placeholder 2">
+            <a:extLst>
+              <a:ext uri="{FF2B5EF4-FFF2-40B4-BE49-F238E27FC236}">
+                <a16:creationId xmlns:a16="http://schemas.microsoft.com/office/drawing/2014/main" id="{71A234DE-D891-40E8-B080-E8640DB2722B}"/>
+              </a:ext>
+            </a:extLst>
+          </p:cNvPr>
+          <p:cNvSpPr>
+            <a:spLocks noGrp="1"/>
+          </p:cNvSpPr>
+          <p:nvPr>
+            <p:ph idx="1"/>
+          </p:nvPr>
+        </p:nvSpPr>
+        <p:spPr/>
+        <p:txBody>
+          <a:bodyPr>
+            <a:normAutofit/>
+          </a:bodyPr>
+          <a:lstStyle/>
+          <a:p>
+            <a:r>
+              <a:rPr lang="en-GB" dirty="0"/>
+              <a:t>Split a column into some new columns: </a:t>
+            </a:r>
+            <a:br>
+              <a:rPr lang="en-GB" dirty="0"/>
+            </a:br>
+            <a:r>
+              <a:rPr lang="en-GB" sz="2000" dirty="0">
+                <a:solidFill>
+                  <a:srgbClr val="4472C4"/>
+                </a:solidFill>
+                <a:latin typeface="Consolas" panose="020B0609020204030204" pitchFamily="49" charset="0"/>
+              </a:rPr>
+              <a:t>df[['</a:t>
+            </a:r>
+            <a:r>
+              <a:rPr lang="en-GB" sz="2000" dirty="0" err="1">
+                <a:solidFill>
+                  <a:srgbClr val="4472C4"/>
+                </a:solidFill>
+                <a:latin typeface="Consolas" panose="020B0609020204030204" pitchFamily="49" charset="0"/>
+              </a:rPr>
+              <a:t>fname</a:t>
+            </a:r>
+            <a:r>
+              <a:rPr lang="en-GB" sz="2000" dirty="0">
+                <a:solidFill>
+                  <a:srgbClr val="4472C4"/>
+                </a:solidFill>
+                <a:latin typeface="Consolas" panose="020B0609020204030204" pitchFamily="49" charset="0"/>
+              </a:rPr>
+              <a:t>', '</a:t>
+            </a:r>
+            <a:r>
+              <a:rPr lang="en-GB" sz="2000" dirty="0" err="1">
+                <a:solidFill>
+                  <a:srgbClr val="4472C4"/>
+                </a:solidFill>
+                <a:latin typeface="Consolas" panose="020B0609020204030204" pitchFamily="49" charset="0"/>
+              </a:rPr>
+              <a:t>lname</a:t>
+            </a:r>
+            <a:r>
+              <a:rPr lang="en-GB" sz="2000" dirty="0">
+                <a:solidFill>
+                  <a:srgbClr val="4472C4"/>
+                </a:solidFill>
+                <a:latin typeface="Consolas" panose="020B0609020204030204" pitchFamily="49" charset="0"/>
+              </a:rPr>
+              <a:t>']] = </a:t>
+            </a:r>
+            <a:r>
+              <a:rPr lang="en-GB" sz="2000" dirty="0" err="1">
+                <a:solidFill>
+                  <a:srgbClr val="4472C4"/>
+                </a:solidFill>
+                <a:latin typeface="Consolas" panose="020B0609020204030204" pitchFamily="49" charset="0"/>
+              </a:rPr>
+              <a:t>df.fullname.str.split</a:t>
+            </a:r>
+            <a:r>
+              <a:rPr lang="en-GB" sz="2000" dirty="0">
+                <a:solidFill>
+                  <a:srgbClr val="4472C4"/>
+                </a:solidFill>
+                <a:latin typeface="Consolas" panose="020B0609020204030204" pitchFamily="49" charset="0"/>
+              </a:rPr>
+              <a:t>(' ', expand=True)</a:t>
+            </a:r>
+            <a:endParaRPr lang="en-GB" dirty="0"/>
+          </a:p>
+          <a:p>
+            <a:r>
+              <a:rPr lang="en-GB" dirty="0"/>
+              <a:t>Sorting:</a:t>
+            </a:r>
+          </a:p>
+          <a:p>
+            <a:pPr lvl="1"/>
+            <a:r>
+              <a:rPr lang="en-GB" sz="2000" dirty="0" err="1">
+                <a:solidFill>
+                  <a:srgbClr val="4472C4"/>
+                </a:solidFill>
+                <a:latin typeface="Consolas" panose="020B0609020204030204" pitchFamily="49" charset="0"/>
+              </a:rPr>
+              <a:t>df.sort_values</a:t>
+            </a:r>
+            <a:r>
+              <a:rPr lang="en-GB" sz="2000" dirty="0">
+                <a:solidFill>
+                  <a:srgbClr val="4472C4"/>
+                </a:solidFill>
+                <a:latin typeface="Consolas" panose="020B0609020204030204" pitchFamily="49" charset="0"/>
+              </a:rPr>
+              <a:t>(col) </a:t>
+            </a:r>
+            <a:r>
+              <a:rPr lang="en-GB" sz="2000" i="1" dirty="0">
+                <a:solidFill>
+                  <a:srgbClr val="4472C4"/>
+                </a:solidFill>
+                <a:latin typeface="Consolas" panose="020B0609020204030204" pitchFamily="49" charset="0"/>
+              </a:rPr>
+              <a:t># or [col1, col2 ..]</a:t>
+            </a:r>
+          </a:p>
+          <a:p>
+            <a:pPr lvl="1"/>
+            <a:r>
+              <a:rPr lang="en-GB" sz="2000" dirty="0" err="1">
+                <a:solidFill>
+                  <a:srgbClr val="4472C4"/>
+                </a:solidFill>
+                <a:latin typeface="Consolas" panose="020B0609020204030204" pitchFamily="49" charset="0"/>
+              </a:rPr>
+              <a:t>df.sort_values</a:t>
+            </a:r>
+            <a:r>
+              <a:rPr lang="en-GB" sz="2000" dirty="0">
+                <a:solidFill>
+                  <a:srgbClr val="4472C4"/>
+                </a:solidFill>
+                <a:latin typeface="Consolas" panose="020B0609020204030204" pitchFamily="49" charset="0"/>
+              </a:rPr>
+              <a:t>(col, ascending=False) </a:t>
+            </a:r>
+            <a:r>
+              <a:rPr lang="en-GB" sz="2000" i="1" dirty="0">
+                <a:solidFill>
+                  <a:srgbClr val="4472C4"/>
+                </a:solidFill>
+                <a:latin typeface="Consolas" panose="020B0609020204030204" pitchFamily="49" charset="0"/>
+              </a:rPr>
+              <a:t># or ascending=[True, False ..]</a:t>
+            </a:r>
+          </a:p>
+          <a:p>
+            <a:pPr lvl="1"/>
+            <a:r>
+              <a:rPr lang="en-GB" sz="2000" dirty="0">
+                <a:solidFill>
+                  <a:srgbClr val="4472C4"/>
+                </a:solidFill>
+                <a:latin typeface="Consolas" panose="020B0609020204030204" pitchFamily="49" charset="0"/>
+              </a:rPr>
+              <a:t>axis='columns' # to sort columns</a:t>
+            </a:r>
+            <a:endParaRPr lang="en-GB" sz="2000" i="1" dirty="0">
+              <a:solidFill>
+                <a:srgbClr val="4472C4"/>
+              </a:solidFill>
+              <a:latin typeface="Consolas" panose="020B0609020204030204" pitchFamily="49" charset="0"/>
+            </a:endParaRPr>
+          </a:p>
+          <a:p>
+            <a:pPr lvl="1"/>
+            <a:r>
+              <a:rPr lang="en-GB" sz="2000" dirty="0" err="1">
+                <a:solidFill>
+                  <a:srgbClr val="4472C4"/>
+                </a:solidFill>
+                <a:latin typeface="Consolas" panose="020B0609020204030204" pitchFamily="49" charset="0"/>
+              </a:rPr>
+              <a:t>inplace</a:t>
+            </a:r>
+            <a:r>
+              <a:rPr lang="en-GB" sz="2000" dirty="0">
+                <a:solidFill>
+                  <a:srgbClr val="4472C4"/>
+                </a:solidFill>
+                <a:latin typeface="Consolas" panose="020B0609020204030204" pitchFamily="49" charset="0"/>
+              </a:rPr>
+              <a:t>=True # same df rather than a copy</a:t>
+            </a:r>
+          </a:p>
+          <a:p>
+            <a:pPr lvl="1"/>
+            <a:r>
+              <a:rPr lang="en-GB" sz="2000" dirty="0" err="1">
+                <a:solidFill>
+                  <a:srgbClr val="4472C4"/>
+                </a:solidFill>
+                <a:latin typeface="Consolas" panose="020B0609020204030204" pitchFamily="49" charset="0"/>
+              </a:rPr>
+              <a:t>na_position</a:t>
+            </a:r>
+            <a:r>
+              <a:rPr lang="en-GB" sz="2000" dirty="0">
+                <a:solidFill>
+                  <a:srgbClr val="4472C4"/>
+                </a:solidFill>
+                <a:latin typeface="Consolas" panose="020B0609020204030204" pitchFamily="49" charset="0"/>
+              </a:rPr>
+              <a:t>='first’ # </a:t>
+            </a:r>
+            <a:r>
+              <a:rPr lang="en-GB" sz="2000" dirty="0" err="1">
+                <a:solidFill>
+                  <a:srgbClr val="4472C4"/>
+                </a:solidFill>
+                <a:latin typeface="Consolas" panose="020B0609020204030204" pitchFamily="49" charset="0"/>
+              </a:rPr>
+              <a:t>NaNs</a:t>
+            </a:r>
+            <a:r>
+              <a:rPr lang="en-GB" sz="2000" dirty="0">
+                <a:solidFill>
+                  <a:srgbClr val="4472C4"/>
+                </a:solidFill>
+                <a:latin typeface="Consolas" panose="020B0609020204030204" pitchFamily="49" charset="0"/>
+              </a:rPr>
+              <a:t> are last by default</a:t>
+            </a:r>
+            <a:endParaRPr lang="en-GB" dirty="0"/>
+          </a:p>
+          <a:p>
+            <a:r>
+              <a:rPr lang="en-GB" b="1" i="1" dirty="0"/>
+              <a:t>Quiz</a:t>
+            </a:r>
+            <a:r>
+              <a:rPr lang="en-GB" dirty="0"/>
+              <a:t>: </a:t>
+            </a:r>
+            <a:r>
+              <a:rPr lang="en-GB" sz="2200" dirty="0" err="1">
+                <a:solidFill>
+                  <a:srgbClr val="4472C4"/>
+                </a:solidFill>
+                <a:latin typeface="Consolas" panose="020B0609020204030204" pitchFamily="49" charset="0"/>
+              </a:rPr>
+              <a:t>agg</a:t>
+            </a:r>
+            <a:r>
+              <a:rPr lang="en-GB" dirty="0"/>
+              <a:t> vs </a:t>
+            </a:r>
+            <a:r>
+              <a:rPr lang="en-GB" sz="2200" dirty="0">
+                <a:solidFill>
+                  <a:srgbClr val="4472C4"/>
+                </a:solidFill>
+                <a:latin typeface="Consolas" panose="020B0609020204030204" pitchFamily="49" charset="0"/>
+              </a:rPr>
+              <a:t>transform</a:t>
+            </a:r>
+            <a:r>
+              <a:rPr lang="en-GB" dirty="0"/>
+              <a:t> vs </a:t>
+            </a:r>
+            <a:r>
+              <a:rPr lang="en-GB" sz="2200" dirty="0">
+                <a:solidFill>
+                  <a:srgbClr val="4472C4"/>
+                </a:solidFill>
+                <a:latin typeface="Consolas" panose="020B0609020204030204" pitchFamily="49" charset="0"/>
+              </a:rPr>
+              <a:t>apply</a:t>
+            </a:r>
+            <a:r>
+              <a:rPr lang="en-GB" dirty="0"/>
+              <a:t>?</a:t>
+            </a:r>
+          </a:p>
+        </p:txBody>
+      </p:sp>
+    </p:spTree>
+    <p:extLst>
+      <p:ext uri="{BB962C8B-B14F-4D97-AF65-F5344CB8AC3E}">
+        <p14:creationId xmlns:p14="http://schemas.microsoft.com/office/powerpoint/2010/main" val="461713260"/>
+      </p:ext>
+    </p:extLst>
+  </p:cSld>
+  <p:clrMapOvr>
+    <a:masterClrMapping/>
+  </p:clrMapOvr>
+</p:sld>
+</file>
+
+<file path=ppt/slides/slide25.xml><?xml version="1.0" encoding="utf-8"?>
+<p:sld xmlns:a="http://schemas.openxmlformats.org/drawingml/2006/main" xmlns:r="http://schemas.openxmlformats.org/officeDocument/2006/relationships" xmlns:p="http://schemas.openxmlformats.org/presentationml/2006/main">
+  <p:cSld>
+    <p:spTree>
+      <p:nvGrpSpPr>
+        <p:cNvPr id="1" name=""/>
+        <p:cNvGrpSpPr/>
+        <p:nvPr/>
+      </p:nvGrpSpPr>
+      <p:grpSpPr>
+        <a:xfrm>
+          <a:off x="0" y="0"/>
+          <a:ext cx="0" cy="0"/>
+          <a:chOff x="0" y="0"/>
+          <a:chExt cx="0" cy="0"/>
+        </a:xfrm>
+      </p:grpSpPr>
+      <p:sp>
+        <p:nvSpPr>
+          <p:cNvPr id="2" name="Title 1">
+            <a:extLst>
+              <a:ext uri="{FF2B5EF4-FFF2-40B4-BE49-F238E27FC236}">
+                <a16:creationId xmlns:a16="http://schemas.microsoft.com/office/drawing/2014/main" id="{351F5B6F-F8E4-44F0-99F9-F2C4EE8F8EFD}"/>
+              </a:ext>
+            </a:extLst>
+          </p:cNvPr>
+          <p:cNvSpPr>
+            <a:spLocks noGrp="1"/>
+          </p:cNvSpPr>
+          <p:nvPr>
+            <p:ph type="title"/>
+          </p:nvPr>
+        </p:nvSpPr>
+        <p:spPr/>
+        <p:txBody>
+          <a:bodyPr/>
+          <a:lstStyle/>
+          <a:p>
+            <a:r>
+              <a:rPr lang="en-GB" dirty="0"/>
+              <a:t>More data frame operations (5/5)</a:t>
+            </a:r>
+          </a:p>
+        </p:txBody>
+      </p:sp>
+      <p:sp>
+        <p:nvSpPr>
+          <p:cNvPr id="3" name="Content Placeholder 2">
+            <a:extLst>
+              <a:ext uri="{FF2B5EF4-FFF2-40B4-BE49-F238E27FC236}">
+                <a16:creationId xmlns:a16="http://schemas.microsoft.com/office/drawing/2014/main" id="{71A234DE-D891-40E8-B080-E8640DB2722B}"/>
+              </a:ext>
+            </a:extLst>
+          </p:cNvPr>
+          <p:cNvSpPr>
+            <a:spLocks noGrp="1"/>
+          </p:cNvSpPr>
+          <p:nvPr>
+            <p:ph idx="1"/>
+          </p:nvPr>
+        </p:nvSpPr>
+        <p:spPr/>
+        <p:txBody>
+          <a:bodyPr>
+            <a:normAutofit/>
+          </a:bodyPr>
+          <a:lstStyle/>
+          <a:p>
+            <a:r>
+              <a:rPr lang="en-GB" dirty="0"/>
+              <a:t>Pivot tables</a:t>
+            </a:r>
+          </a:p>
+          <a:p>
+            <a:endParaRPr lang="en-GB" dirty="0"/>
+          </a:p>
+          <a:p>
+            <a:endParaRPr lang="en-GB" dirty="0"/>
+          </a:p>
+          <a:p>
+            <a:endParaRPr lang="en-GB" dirty="0"/>
+          </a:p>
+          <a:p>
+            <a:endParaRPr lang="en-GB" dirty="0"/>
+          </a:p>
+          <a:p>
+            <a:r>
+              <a:rPr lang="en-GB" dirty="0"/>
+              <a:t>Profiling data frames</a:t>
+            </a:r>
+            <a:br>
+              <a:rPr lang="en-GB" dirty="0"/>
+            </a:br>
+            <a:br>
+              <a:rPr lang="en-GB" dirty="0"/>
+            </a:br>
+            <a:endParaRPr lang="en-GB" dirty="0"/>
+          </a:p>
+        </p:txBody>
+      </p:sp>
+      <p:pic>
+        <p:nvPicPr>
+          <p:cNvPr id="4" name="Picture 3">
+            <a:extLst>
+              <a:ext uri="{FF2B5EF4-FFF2-40B4-BE49-F238E27FC236}">
+                <a16:creationId xmlns:a16="http://schemas.microsoft.com/office/drawing/2014/main" id="{3848BBE9-554B-4765-8B3A-3D2BC4C0B02D}"/>
+              </a:ext>
+            </a:extLst>
+          </p:cNvPr>
+          <p:cNvPicPr>
+            <a:picLocks noChangeAspect="1"/>
+          </p:cNvPicPr>
+          <p:nvPr/>
+        </p:nvPicPr>
+        <p:blipFill>
+          <a:blip r:embed="rId2"/>
+          <a:stretch>
+            <a:fillRect/>
+          </a:stretch>
+        </p:blipFill>
+        <p:spPr>
+          <a:xfrm>
+            <a:off x="1185177" y="2452551"/>
+            <a:ext cx="9032021" cy="1795892"/>
+          </a:xfrm>
+          <a:prstGeom prst="rect">
+            <a:avLst/>
+          </a:prstGeom>
+          <a:ln>
+            <a:solidFill>
+              <a:schemeClr val="tx1"/>
+            </a:solidFill>
+          </a:ln>
+        </p:spPr>
+      </p:pic>
+      <p:pic>
+        <p:nvPicPr>
+          <p:cNvPr id="5" name="Picture 4">
+            <a:extLst>
+              <a:ext uri="{FF2B5EF4-FFF2-40B4-BE49-F238E27FC236}">
+                <a16:creationId xmlns:a16="http://schemas.microsoft.com/office/drawing/2014/main" id="{7BDCC8AE-E169-463E-9959-120BFED4DC16}"/>
+              </a:ext>
+            </a:extLst>
+          </p:cNvPr>
+          <p:cNvPicPr>
+            <a:picLocks noChangeAspect="1"/>
+          </p:cNvPicPr>
+          <p:nvPr/>
+        </p:nvPicPr>
+        <p:blipFill>
+          <a:blip r:embed="rId3"/>
+          <a:stretch>
+            <a:fillRect/>
+          </a:stretch>
+        </p:blipFill>
+        <p:spPr>
+          <a:xfrm>
+            <a:off x="1185177" y="4875369"/>
+            <a:ext cx="5553850" cy="1162212"/>
+          </a:xfrm>
+          <a:prstGeom prst="rect">
+            <a:avLst/>
+          </a:prstGeom>
+          <a:ln>
+            <a:solidFill>
+              <a:schemeClr val="tx1"/>
+            </a:solidFill>
+          </a:ln>
+        </p:spPr>
+      </p:pic>
+    </p:spTree>
+    <p:extLst>
+      <p:ext uri="{BB962C8B-B14F-4D97-AF65-F5344CB8AC3E}">
+        <p14:creationId xmlns:p14="http://schemas.microsoft.com/office/powerpoint/2010/main" val="3796234060"/>
+      </p:ext>
+    </p:extLst>
+  </p:cSld>
+  <p:clrMapOvr>
+    <a:masterClrMapping/>
+  </p:clrMapOvr>
+</p:sld>
+</file>
+
+<file path=ppt/slides/slide26.xml><?xml version="1.0" encoding="utf-8"?>
+<p:sld xmlns:a="http://schemas.openxmlformats.org/drawingml/2006/main" xmlns:r="http://schemas.openxmlformats.org/officeDocument/2006/relationships" xmlns:p="http://schemas.openxmlformats.org/presentationml/2006/main">
+  <p:cSld>
     <p:bg>
       <p:bgPr>
         <a:solidFill>
@@ -12167,7 +17329,7 @@
 </p:sld>
 </file>
 
-<file path=ppt/slides/slide21.xml><?xml version="1.0" encoding="utf-8"?>
+<file path=ppt/slides/slide27.xml><?xml version="1.0" encoding="utf-8"?>
 <p:sld xmlns:a="http://schemas.openxmlformats.org/drawingml/2006/main" xmlns:r="http://schemas.openxmlformats.org/officeDocument/2006/relationships" xmlns:p="http://schemas.openxmlformats.org/presentationml/2006/main">
   <p:cSld>
     <p:bg>
@@ -12728,7 +17890,7 @@
             <p:ph idx="1"/>
             <p:extLst>
               <p:ext uri="{D42A27DB-BD31-4B8C-83A1-F6EECF244321}">
-                <p14:modId xmlns:p14="http://schemas.microsoft.com/office/powerpoint/2010/main" val="3508786954"/>
+                <p14:modId xmlns:p14="http://schemas.microsoft.com/office/powerpoint/2010/main" val="3169098650"/>
               </p:ext>
             </p:extLst>
           </p:nvPr>
@@ -12756,7 +17918,7 @@
 </p:sld>
 </file>
 
-<file path=ppt/slides/slide22.xml><?xml version="1.0" encoding="utf-8"?>
+<file path=ppt/slides/slide28.xml><?xml version="1.0" encoding="utf-8"?>
 <p:sld xmlns:a="http://schemas.openxmlformats.org/drawingml/2006/main" xmlns:r="http://schemas.openxmlformats.org/officeDocument/2006/relationships" xmlns:p="http://schemas.openxmlformats.org/presentationml/2006/main">
   <p:cSld>
     <p:bg>
@@ -13004,7 +18166,7 @@
 </p:sld>
 </file>
 
-<file path=ppt/slides/slide23.xml><?xml version="1.0" encoding="utf-8"?>
+<file path=ppt/slides/slide29.xml><?xml version="1.0" encoding="utf-8"?>
 <p:sld xmlns:a="http://schemas.openxmlformats.org/drawingml/2006/main" xmlns:r="http://schemas.openxmlformats.org/officeDocument/2006/relationships" xmlns:p="http://schemas.openxmlformats.org/presentationml/2006/main">
   <p:cSld>
     <p:bg>
@@ -13249,358 +18411,6 @@
     <p:extLst>
       <p:ext uri="{BB962C8B-B14F-4D97-AF65-F5344CB8AC3E}">
         <p14:creationId xmlns:p14="http://schemas.microsoft.com/office/powerpoint/2010/main" val="1782713508"/>
-      </p:ext>
-    </p:extLst>
-  </p:cSld>
-  <p:clrMapOvr>
-    <a:masterClrMapping/>
-  </p:clrMapOvr>
-</p:sld>
-</file>
-
-<file path=ppt/slides/slide24.xml><?xml version="1.0" encoding="utf-8"?>
-<p:sld xmlns:a="http://schemas.openxmlformats.org/drawingml/2006/main" xmlns:r="http://schemas.openxmlformats.org/officeDocument/2006/relationships" xmlns:p="http://schemas.openxmlformats.org/presentationml/2006/main">
-  <p:cSld>
-    <p:bg>
-      <p:bgPr>
-        <a:solidFill>
-          <a:schemeClr val="bg1"/>
-        </a:solidFill>
-        <a:effectLst/>
-      </p:bgPr>
-    </p:bg>
-    <p:spTree>
-      <p:nvGrpSpPr>
-        <p:cNvPr id="1" name=""/>
-        <p:cNvGrpSpPr/>
-        <p:nvPr/>
-      </p:nvGrpSpPr>
-      <p:grpSpPr>
-        <a:xfrm>
-          <a:off x="0" y="0"/>
-          <a:ext cx="0" cy="0"/>
-          <a:chOff x="0" y="0"/>
-          <a:chExt cx="0" cy="0"/>
-        </a:xfrm>
-      </p:grpSpPr>
-      <p:sp useBgFill="1">
-        <p:nvSpPr>
-          <p:cNvPr id="8" name="Rectangle 7">
-            <a:extLst>
-              <a:ext uri="{FF2B5EF4-FFF2-40B4-BE49-F238E27FC236}">
-                <a16:creationId xmlns:a16="http://schemas.microsoft.com/office/drawing/2014/main" id="{3B854194-185D-494D-905C-7C7CB2E30F6E}"/>
-              </a:ext>
-              <a:ext uri="{C183D7F6-B498-43B3-948B-1728B52AA6E4}">
-                <adec:decorative xmlns:adec="http://schemas.microsoft.com/office/drawing/2017/decorative" val="1"/>
-              </a:ext>
-            </a:extLst>
-          </p:cNvPr>
-          <p:cNvSpPr>
-            <a:spLocks noGrp="1" noRot="1" noChangeAspect="1" noMove="1" noResize="1" noEditPoints="1" noAdjustHandles="1" noChangeArrowheads="1" noChangeShapeType="1" noTextEdit="1"/>
-          </p:cNvSpPr>
-          <p:nvPr>
-            <p:extLst>
-              <p:ext uri="{386F3935-93C4-4BCD-93E2-E3B085C9AB24}">
-                <p16:designElem xmlns:p16="http://schemas.microsoft.com/office/powerpoint/2015/main" val="1"/>
-              </p:ext>
-            </p:extLst>
-          </p:nvPr>
-        </p:nvSpPr>
-        <p:spPr>
-          <a:xfrm>
-            <a:off x="1" y="0"/>
-            <a:ext cx="6082110" cy="6858000"/>
-          </a:xfrm>
-          <a:prstGeom prst="rect">
-            <a:avLst/>
-          </a:prstGeom>
-          <a:ln>
-            <a:noFill/>
-          </a:ln>
-        </p:spPr>
-        <p:style>
-          <a:lnRef idx="2">
-            <a:schemeClr val="accent1">
-              <a:shade val="50000"/>
-            </a:schemeClr>
-          </a:lnRef>
-          <a:fillRef idx="1">
-            <a:schemeClr val="accent1"/>
-          </a:fillRef>
-          <a:effectRef idx="0">
-            <a:schemeClr val="accent1"/>
-          </a:effectRef>
-          <a:fontRef idx="minor">
-            <a:schemeClr val="lt1"/>
-          </a:fontRef>
-        </p:style>
-        <p:txBody>
-          <a:bodyPr rtlCol="0" anchor="ctr"/>
-          <a:lstStyle/>
-          <a:p>
-            <a:pPr algn="ctr"/>
-            <a:endParaRPr lang="en-US"/>
-          </a:p>
-        </p:txBody>
-      </p:sp>
-      <p:sp>
-        <p:nvSpPr>
-          <p:cNvPr id="10" name="Rectangle 9">
-            <a:extLst>
-              <a:ext uri="{FF2B5EF4-FFF2-40B4-BE49-F238E27FC236}">
-                <a16:creationId xmlns:a16="http://schemas.microsoft.com/office/drawing/2014/main" id="{B4F5FA0D-0104-4987-8241-EFF7C85B88DE}"/>
-              </a:ext>
-              <a:ext uri="{C183D7F6-B498-43B3-948B-1728B52AA6E4}">
-                <adec:decorative xmlns:adec="http://schemas.microsoft.com/office/drawing/2017/decorative" val="1"/>
-              </a:ext>
-            </a:extLst>
-          </p:cNvPr>
-          <p:cNvSpPr>
-            <a:spLocks noGrp="1" noRot="1" noChangeAspect="1" noMove="1" noResize="1" noEditPoints="1" noAdjustHandles="1" noChangeArrowheads="1" noChangeShapeType="1" noTextEdit="1"/>
-          </p:cNvSpPr>
-          <p:nvPr>
-            <p:extLst>
-              <p:ext uri="{386F3935-93C4-4BCD-93E2-E3B085C9AB24}">
-                <p16:designElem xmlns:p16="http://schemas.microsoft.com/office/powerpoint/2015/main" val="1"/>
-              </p:ext>
-            </p:extLst>
-          </p:nvPr>
-        </p:nvSpPr>
-        <p:spPr>
-          <a:xfrm>
-            <a:off x="1" y="0"/>
-            <a:ext cx="12191998" cy="6858000"/>
-          </a:xfrm>
-          <a:prstGeom prst="rect">
-            <a:avLst/>
-          </a:prstGeom>
-          <a:gradFill>
-            <a:gsLst>
-              <a:gs pos="0">
-                <a:schemeClr val="accent1">
-                  <a:lumMod val="90000"/>
-                </a:schemeClr>
-              </a:gs>
-              <a:gs pos="25000">
-                <a:schemeClr val="accent1">
-                  <a:lumMod val="90000"/>
-                </a:schemeClr>
-              </a:gs>
-              <a:gs pos="94000">
-                <a:schemeClr val="bg2">
-                  <a:lumMod val="25000"/>
-                </a:schemeClr>
-              </a:gs>
-              <a:gs pos="100000">
-                <a:schemeClr val="bg2">
-                  <a:lumMod val="25000"/>
-                </a:schemeClr>
-              </a:gs>
-            </a:gsLst>
-            <a:lin ang="4200000" scaled="0"/>
-          </a:gradFill>
-          <a:ln>
-            <a:noFill/>
-          </a:ln>
-        </p:spPr>
-        <p:style>
-          <a:lnRef idx="2">
-            <a:schemeClr val="accent1">
-              <a:shade val="50000"/>
-            </a:schemeClr>
-          </a:lnRef>
-          <a:fillRef idx="1">
-            <a:schemeClr val="accent1"/>
-          </a:fillRef>
-          <a:effectRef idx="0">
-            <a:schemeClr val="accent1"/>
-          </a:effectRef>
-          <a:fontRef idx="minor">
-            <a:schemeClr val="lt1"/>
-          </a:fontRef>
-        </p:style>
-        <p:txBody>
-          <a:bodyPr rtlCol="0" anchor="ctr"/>
-          <a:lstStyle/>
-          <a:p>
-            <a:pPr algn="ctr"/>
-            <a:endParaRPr lang="en-US"/>
-          </a:p>
-        </p:txBody>
-      </p:sp>
-      <p:pic>
-        <p:nvPicPr>
-          <p:cNvPr id="12" name="Picture 11">
-            <a:extLst>
-              <a:ext uri="{FF2B5EF4-FFF2-40B4-BE49-F238E27FC236}">
-                <a16:creationId xmlns:a16="http://schemas.microsoft.com/office/drawing/2014/main" id="{2897127E-6CEF-446C-BE87-93B7C46E49D1}"/>
-              </a:ext>
-              <a:ext uri="{C183D7F6-B498-43B3-948B-1728B52AA6E4}">
-                <adec:decorative xmlns:adec="http://schemas.microsoft.com/office/drawing/2017/decorative" val="1"/>
-              </a:ext>
-            </a:extLst>
-          </p:cNvPr>
-          <p:cNvPicPr>
-            <a:picLocks noGrp="1" noRot="1" noChangeAspect="1" noMove="1" noResize="1" noEditPoints="1" noAdjustHandles="1" noChangeArrowheads="1" noChangeShapeType="1" noCrop="1"/>
-          </p:cNvPicPr>
-          <p:nvPr>
-            <p:extLst>
-              <p:ext uri="{386F3935-93C4-4BCD-93E2-E3B085C9AB24}">
-                <p16:designElem xmlns:p16="http://schemas.microsoft.com/office/powerpoint/2015/main" val="1"/>
-              </p:ext>
-            </p:extLst>
-          </p:nvPr>
-        </p:nvPicPr>
-        <p:blipFill>
-          <a:blip r:embed="rId2">
-            <a:extLst>
-              <a:ext uri="{28A0092B-C50C-407E-A947-70E740481C1C}">
-                <a14:useLocalDpi xmlns:a14="http://schemas.microsoft.com/office/drawing/2010/main" val="0"/>
-              </a:ext>
-            </a:extLst>
-          </a:blip>
-          <a:stretch>
-            <a:fillRect/>
-          </a:stretch>
-        </p:blipFill>
-        <p:spPr>
-          <a:xfrm>
-            <a:off x="0" y="0"/>
-            <a:ext cx="12192000" cy="6858000"/>
-          </a:xfrm>
-          <a:prstGeom prst="rect">
-            <a:avLst/>
-          </a:prstGeom>
-        </p:spPr>
-      </p:pic>
-      <p:sp>
-        <p:nvSpPr>
-          <p:cNvPr id="2" name="Title 1">
-            <a:extLst>
-              <a:ext uri="{FF2B5EF4-FFF2-40B4-BE49-F238E27FC236}">
-                <a16:creationId xmlns:a16="http://schemas.microsoft.com/office/drawing/2014/main" id="{4BF97202-03D4-4651-A88E-0273633588FE}"/>
-              </a:ext>
-            </a:extLst>
-          </p:cNvPr>
-          <p:cNvSpPr>
-            <a:spLocks noGrp="1"/>
-          </p:cNvSpPr>
-          <p:nvPr>
-            <p:ph type="title"/>
-          </p:nvPr>
-        </p:nvSpPr>
-        <p:spPr>
-          <a:xfrm>
-            <a:off x="640079" y="2053641"/>
-            <a:ext cx="3669161" cy="2760098"/>
-          </a:xfrm>
-        </p:spPr>
-        <p:txBody>
-          <a:bodyPr>
-            <a:normAutofit/>
-          </a:bodyPr>
-          <a:lstStyle/>
-          <a:p>
-            <a:r>
-              <a:rPr lang="en-US">
-                <a:solidFill>
-                  <a:srgbClr val="FFFFFF"/>
-                </a:solidFill>
-              </a:rPr>
-              <a:t>Thank you, and I hope you’ve enjoyed this intro!</a:t>
-            </a:r>
-          </a:p>
-        </p:txBody>
-      </p:sp>
-      <p:sp>
-        <p:nvSpPr>
-          <p:cNvPr id="3" name="Content Placeholder 2">
-            <a:extLst>
-              <a:ext uri="{FF2B5EF4-FFF2-40B4-BE49-F238E27FC236}">
-                <a16:creationId xmlns:a16="http://schemas.microsoft.com/office/drawing/2014/main" id="{20A594F6-8FC6-49B3-BF8B-41093973C82D}"/>
-              </a:ext>
-            </a:extLst>
-          </p:cNvPr>
-          <p:cNvSpPr>
-            <a:spLocks noGrp="1"/>
-          </p:cNvSpPr>
-          <p:nvPr>
-            <p:ph idx="1"/>
-          </p:nvPr>
-        </p:nvSpPr>
-        <p:spPr>
-          <a:xfrm>
-            <a:off x="6090574" y="801866"/>
-            <a:ext cx="5306084" cy="5230634"/>
-          </a:xfrm>
-        </p:spPr>
-        <p:txBody>
-          <a:bodyPr anchor="ctr">
-            <a:normAutofit/>
-          </a:bodyPr>
-          <a:lstStyle/>
-          <a:p>
-            <a:pPr>
-              <a:buFont typeface="Wingdings" panose="05000000000000000000" pitchFamily="2" charset="2"/>
-              <a:buChar char="ü"/>
-            </a:pPr>
-            <a:r>
-              <a:rPr lang="en-US" sz="2400" dirty="0">
-                <a:solidFill>
-                  <a:srgbClr val="000000"/>
-                </a:solidFill>
-              </a:rPr>
-              <a:t>Where do we go from here?</a:t>
-            </a:r>
-          </a:p>
-          <a:p>
-            <a:pPr lvl="1">
-              <a:buFont typeface="Wingdings" panose="05000000000000000000" pitchFamily="2" charset="2"/>
-              <a:buChar char="ü"/>
-            </a:pPr>
-            <a:r>
-              <a:rPr lang="en-US" dirty="0">
-                <a:solidFill>
-                  <a:srgbClr val="000000"/>
-                </a:solidFill>
-              </a:rPr>
-              <a:t>Seaborn: More powerful charts.</a:t>
-            </a:r>
-          </a:p>
-          <a:p>
-            <a:pPr lvl="1">
-              <a:buFont typeface="Wingdings" panose="05000000000000000000" pitchFamily="2" charset="2"/>
-              <a:buChar char="ü"/>
-            </a:pPr>
-            <a:r>
-              <a:rPr lang="en-US" dirty="0">
-                <a:solidFill>
-                  <a:srgbClr val="000000"/>
-                </a:solidFill>
-              </a:rPr>
-              <a:t>Explore and play with free data sets from Kaggle.com</a:t>
-            </a:r>
-          </a:p>
-          <a:p>
-            <a:pPr lvl="1">
-              <a:buFont typeface="Wingdings" panose="05000000000000000000" pitchFamily="2" charset="2"/>
-              <a:buChar char="ü"/>
-            </a:pPr>
-            <a:r>
-              <a:rPr lang="en-US" dirty="0">
-                <a:solidFill>
-                  <a:srgbClr val="000000"/>
-                </a:solidFill>
-              </a:rPr>
-              <a:t>Machine learning</a:t>
-            </a:r>
-          </a:p>
-        </p:txBody>
-      </p:sp>
-    </p:spTree>
-    <p:extLst>
-      <p:ext uri="{BB962C8B-B14F-4D97-AF65-F5344CB8AC3E}">
-        <p14:creationId xmlns:p14="http://schemas.microsoft.com/office/powerpoint/2010/main" val="2328576396"/>
       </p:ext>
     </p:extLst>
   </p:cSld>
@@ -14141,6 +18951,358 @@
     <p:extLst>
       <p:ext uri="{BB962C8B-B14F-4D97-AF65-F5344CB8AC3E}">
         <p14:creationId xmlns:p14="http://schemas.microsoft.com/office/powerpoint/2010/main" val="696151332"/>
+      </p:ext>
+    </p:extLst>
+  </p:cSld>
+  <p:clrMapOvr>
+    <a:masterClrMapping/>
+  </p:clrMapOvr>
+</p:sld>
+</file>
+
+<file path=ppt/slides/slide30.xml><?xml version="1.0" encoding="utf-8"?>
+<p:sld xmlns:a="http://schemas.openxmlformats.org/drawingml/2006/main" xmlns:r="http://schemas.openxmlformats.org/officeDocument/2006/relationships" xmlns:p="http://schemas.openxmlformats.org/presentationml/2006/main">
+  <p:cSld>
+    <p:bg>
+      <p:bgPr>
+        <a:solidFill>
+          <a:schemeClr val="bg1"/>
+        </a:solidFill>
+        <a:effectLst/>
+      </p:bgPr>
+    </p:bg>
+    <p:spTree>
+      <p:nvGrpSpPr>
+        <p:cNvPr id="1" name=""/>
+        <p:cNvGrpSpPr/>
+        <p:nvPr/>
+      </p:nvGrpSpPr>
+      <p:grpSpPr>
+        <a:xfrm>
+          <a:off x="0" y="0"/>
+          <a:ext cx="0" cy="0"/>
+          <a:chOff x="0" y="0"/>
+          <a:chExt cx="0" cy="0"/>
+        </a:xfrm>
+      </p:grpSpPr>
+      <p:sp useBgFill="1">
+        <p:nvSpPr>
+          <p:cNvPr id="8" name="Rectangle 7">
+            <a:extLst>
+              <a:ext uri="{FF2B5EF4-FFF2-40B4-BE49-F238E27FC236}">
+                <a16:creationId xmlns:a16="http://schemas.microsoft.com/office/drawing/2014/main" id="{3B854194-185D-494D-905C-7C7CB2E30F6E}"/>
+              </a:ext>
+              <a:ext uri="{C183D7F6-B498-43B3-948B-1728B52AA6E4}">
+                <adec:decorative xmlns:adec="http://schemas.microsoft.com/office/drawing/2017/decorative" val="1"/>
+              </a:ext>
+            </a:extLst>
+          </p:cNvPr>
+          <p:cNvSpPr>
+            <a:spLocks noGrp="1" noRot="1" noChangeAspect="1" noMove="1" noResize="1" noEditPoints="1" noAdjustHandles="1" noChangeArrowheads="1" noChangeShapeType="1" noTextEdit="1"/>
+          </p:cNvSpPr>
+          <p:nvPr>
+            <p:extLst>
+              <p:ext uri="{386F3935-93C4-4BCD-93E2-E3B085C9AB24}">
+                <p16:designElem xmlns:p16="http://schemas.microsoft.com/office/powerpoint/2015/main" val="1"/>
+              </p:ext>
+            </p:extLst>
+          </p:nvPr>
+        </p:nvSpPr>
+        <p:spPr>
+          <a:xfrm>
+            <a:off x="1" y="0"/>
+            <a:ext cx="6082110" cy="6858000"/>
+          </a:xfrm>
+          <a:prstGeom prst="rect">
+            <a:avLst/>
+          </a:prstGeom>
+          <a:ln>
+            <a:noFill/>
+          </a:ln>
+        </p:spPr>
+        <p:style>
+          <a:lnRef idx="2">
+            <a:schemeClr val="accent1">
+              <a:shade val="50000"/>
+            </a:schemeClr>
+          </a:lnRef>
+          <a:fillRef idx="1">
+            <a:schemeClr val="accent1"/>
+          </a:fillRef>
+          <a:effectRef idx="0">
+            <a:schemeClr val="accent1"/>
+          </a:effectRef>
+          <a:fontRef idx="minor">
+            <a:schemeClr val="lt1"/>
+          </a:fontRef>
+        </p:style>
+        <p:txBody>
+          <a:bodyPr rtlCol="0" anchor="ctr"/>
+          <a:lstStyle/>
+          <a:p>
+            <a:pPr algn="ctr"/>
+            <a:endParaRPr lang="en-US"/>
+          </a:p>
+        </p:txBody>
+      </p:sp>
+      <p:sp>
+        <p:nvSpPr>
+          <p:cNvPr id="10" name="Rectangle 9">
+            <a:extLst>
+              <a:ext uri="{FF2B5EF4-FFF2-40B4-BE49-F238E27FC236}">
+                <a16:creationId xmlns:a16="http://schemas.microsoft.com/office/drawing/2014/main" id="{B4F5FA0D-0104-4987-8241-EFF7C85B88DE}"/>
+              </a:ext>
+              <a:ext uri="{C183D7F6-B498-43B3-948B-1728B52AA6E4}">
+                <adec:decorative xmlns:adec="http://schemas.microsoft.com/office/drawing/2017/decorative" val="1"/>
+              </a:ext>
+            </a:extLst>
+          </p:cNvPr>
+          <p:cNvSpPr>
+            <a:spLocks noGrp="1" noRot="1" noChangeAspect="1" noMove="1" noResize="1" noEditPoints="1" noAdjustHandles="1" noChangeArrowheads="1" noChangeShapeType="1" noTextEdit="1"/>
+          </p:cNvSpPr>
+          <p:nvPr>
+            <p:extLst>
+              <p:ext uri="{386F3935-93C4-4BCD-93E2-E3B085C9AB24}">
+                <p16:designElem xmlns:p16="http://schemas.microsoft.com/office/powerpoint/2015/main" val="1"/>
+              </p:ext>
+            </p:extLst>
+          </p:nvPr>
+        </p:nvSpPr>
+        <p:spPr>
+          <a:xfrm>
+            <a:off x="1" y="0"/>
+            <a:ext cx="12191998" cy="6858000"/>
+          </a:xfrm>
+          <a:prstGeom prst="rect">
+            <a:avLst/>
+          </a:prstGeom>
+          <a:gradFill>
+            <a:gsLst>
+              <a:gs pos="0">
+                <a:schemeClr val="accent1">
+                  <a:lumMod val="90000"/>
+                </a:schemeClr>
+              </a:gs>
+              <a:gs pos="25000">
+                <a:schemeClr val="accent1">
+                  <a:lumMod val="90000"/>
+                </a:schemeClr>
+              </a:gs>
+              <a:gs pos="94000">
+                <a:schemeClr val="bg2">
+                  <a:lumMod val="25000"/>
+                </a:schemeClr>
+              </a:gs>
+              <a:gs pos="100000">
+                <a:schemeClr val="bg2">
+                  <a:lumMod val="25000"/>
+                </a:schemeClr>
+              </a:gs>
+            </a:gsLst>
+            <a:lin ang="4200000" scaled="0"/>
+          </a:gradFill>
+          <a:ln>
+            <a:noFill/>
+          </a:ln>
+        </p:spPr>
+        <p:style>
+          <a:lnRef idx="2">
+            <a:schemeClr val="accent1">
+              <a:shade val="50000"/>
+            </a:schemeClr>
+          </a:lnRef>
+          <a:fillRef idx="1">
+            <a:schemeClr val="accent1"/>
+          </a:fillRef>
+          <a:effectRef idx="0">
+            <a:schemeClr val="accent1"/>
+          </a:effectRef>
+          <a:fontRef idx="minor">
+            <a:schemeClr val="lt1"/>
+          </a:fontRef>
+        </p:style>
+        <p:txBody>
+          <a:bodyPr rtlCol="0" anchor="ctr"/>
+          <a:lstStyle/>
+          <a:p>
+            <a:pPr algn="ctr"/>
+            <a:endParaRPr lang="en-US"/>
+          </a:p>
+        </p:txBody>
+      </p:sp>
+      <p:pic>
+        <p:nvPicPr>
+          <p:cNvPr id="12" name="Picture 11">
+            <a:extLst>
+              <a:ext uri="{FF2B5EF4-FFF2-40B4-BE49-F238E27FC236}">
+                <a16:creationId xmlns:a16="http://schemas.microsoft.com/office/drawing/2014/main" id="{2897127E-6CEF-446C-BE87-93B7C46E49D1}"/>
+              </a:ext>
+              <a:ext uri="{C183D7F6-B498-43B3-948B-1728B52AA6E4}">
+                <adec:decorative xmlns:adec="http://schemas.microsoft.com/office/drawing/2017/decorative" val="1"/>
+              </a:ext>
+            </a:extLst>
+          </p:cNvPr>
+          <p:cNvPicPr>
+            <a:picLocks noGrp="1" noRot="1" noChangeAspect="1" noMove="1" noResize="1" noEditPoints="1" noAdjustHandles="1" noChangeArrowheads="1" noChangeShapeType="1" noCrop="1"/>
+          </p:cNvPicPr>
+          <p:nvPr>
+            <p:extLst>
+              <p:ext uri="{386F3935-93C4-4BCD-93E2-E3B085C9AB24}">
+                <p16:designElem xmlns:p16="http://schemas.microsoft.com/office/powerpoint/2015/main" val="1"/>
+              </p:ext>
+            </p:extLst>
+          </p:nvPr>
+        </p:nvPicPr>
+        <p:blipFill>
+          <a:blip r:embed="rId2">
+            <a:extLst>
+              <a:ext uri="{28A0092B-C50C-407E-A947-70E740481C1C}">
+                <a14:useLocalDpi xmlns:a14="http://schemas.microsoft.com/office/drawing/2010/main" val="0"/>
+              </a:ext>
+            </a:extLst>
+          </a:blip>
+          <a:stretch>
+            <a:fillRect/>
+          </a:stretch>
+        </p:blipFill>
+        <p:spPr>
+          <a:xfrm>
+            <a:off x="0" y="0"/>
+            <a:ext cx="12192000" cy="6858000"/>
+          </a:xfrm>
+          <a:prstGeom prst="rect">
+            <a:avLst/>
+          </a:prstGeom>
+        </p:spPr>
+      </p:pic>
+      <p:sp>
+        <p:nvSpPr>
+          <p:cNvPr id="2" name="Title 1">
+            <a:extLst>
+              <a:ext uri="{FF2B5EF4-FFF2-40B4-BE49-F238E27FC236}">
+                <a16:creationId xmlns:a16="http://schemas.microsoft.com/office/drawing/2014/main" id="{4BF97202-03D4-4651-A88E-0273633588FE}"/>
+              </a:ext>
+            </a:extLst>
+          </p:cNvPr>
+          <p:cNvSpPr>
+            <a:spLocks noGrp="1"/>
+          </p:cNvSpPr>
+          <p:nvPr>
+            <p:ph type="title"/>
+          </p:nvPr>
+        </p:nvSpPr>
+        <p:spPr>
+          <a:xfrm>
+            <a:off x="640079" y="2053641"/>
+            <a:ext cx="3669161" cy="2760098"/>
+          </a:xfrm>
+        </p:spPr>
+        <p:txBody>
+          <a:bodyPr>
+            <a:normAutofit/>
+          </a:bodyPr>
+          <a:lstStyle/>
+          <a:p>
+            <a:r>
+              <a:rPr lang="en-US">
+                <a:solidFill>
+                  <a:srgbClr val="FFFFFF"/>
+                </a:solidFill>
+              </a:rPr>
+              <a:t>Thank you, and I hope you’ve enjoyed this intro!</a:t>
+            </a:r>
+          </a:p>
+        </p:txBody>
+      </p:sp>
+      <p:sp>
+        <p:nvSpPr>
+          <p:cNvPr id="3" name="Content Placeholder 2">
+            <a:extLst>
+              <a:ext uri="{FF2B5EF4-FFF2-40B4-BE49-F238E27FC236}">
+                <a16:creationId xmlns:a16="http://schemas.microsoft.com/office/drawing/2014/main" id="{20A594F6-8FC6-49B3-BF8B-41093973C82D}"/>
+              </a:ext>
+            </a:extLst>
+          </p:cNvPr>
+          <p:cNvSpPr>
+            <a:spLocks noGrp="1"/>
+          </p:cNvSpPr>
+          <p:nvPr>
+            <p:ph idx="1"/>
+          </p:nvPr>
+        </p:nvSpPr>
+        <p:spPr>
+          <a:xfrm>
+            <a:off x="6090574" y="801866"/>
+            <a:ext cx="5306084" cy="5230634"/>
+          </a:xfrm>
+        </p:spPr>
+        <p:txBody>
+          <a:bodyPr anchor="ctr">
+            <a:normAutofit/>
+          </a:bodyPr>
+          <a:lstStyle/>
+          <a:p>
+            <a:pPr>
+              <a:buFont typeface="Wingdings" panose="05000000000000000000" pitchFamily="2" charset="2"/>
+              <a:buChar char="ü"/>
+            </a:pPr>
+            <a:r>
+              <a:rPr lang="en-US" sz="2400" dirty="0">
+                <a:solidFill>
+                  <a:srgbClr val="000000"/>
+                </a:solidFill>
+              </a:rPr>
+              <a:t>Where do we go from here?</a:t>
+            </a:r>
+          </a:p>
+          <a:p>
+            <a:pPr lvl="1">
+              <a:buFont typeface="Wingdings" panose="05000000000000000000" pitchFamily="2" charset="2"/>
+              <a:buChar char="ü"/>
+            </a:pPr>
+            <a:r>
+              <a:rPr lang="en-US" dirty="0">
+                <a:solidFill>
+                  <a:srgbClr val="000000"/>
+                </a:solidFill>
+              </a:rPr>
+              <a:t>Seaborn: More powerful charts.</a:t>
+            </a:r>
+          </a:p>
+          <a:p>
+            <a:pPr lvl="1">
+              <a:buFont typeface="Wingdings" panose="05000000000000000000" pitchFamily="2" charset="2"/>
+              <a:buChar char="ü"/>
+            </a:pPr>
+            <a:r>
+              <a:rPr lang="en-US" dirty="0">
+                <a:solidFill>
+                  <a:srgbClr val="000000"/>
+                </a:solidFill>
+              </a:rPr>
+              <a:t>Explore and play with free data sets from Kaggle.com</a:t>
+            </a:r>
+          </a:p>
+          <a:p>
+            <a:pPr lvl="1">
+              <a:buFont typeface="Wingdings" panose="05000000000000000000" pitchFamily="2" charset="2"/>
+              <a:buChar char="ü"/>
+            </a:pPr>
+            <a:r>
+              <a:rPr lang="en-US" dirty="0">
+                <a:solidFill>
+                  <a:srgbClr val="000000"/>
+                </a:solidFill>
+              </a:rPr>
+              <a:t>Machine learning</a:t>
+            </a:r>
+          </a:p>
+        </p:txBody>
+      </p:sp>
+    </p:spTree>
+    <p:extLst>
+      <p:ext uri="{BB962C8B-B14F-4D97-AF65-F5344CB8AC3E}">
+        <p14:creationId xmlns:p14="http://schemas.microsoft.com/office/powerpoint/2010/main" val="2328576396"/>
       </p:ext>
     </p:extLst>
   </p:cSld>
